--- a/php-fw6/lesson6.pptx
+++ b/php-fw6/lesson6.pptx
@@ -5,10 +5,10 @@
     <p:sldMasterId id="2147484302" r:id="rId1"/>
   </p:sldMasterIdLst>
   <p:notesMasterIdLst>
-    <p:notesMasterId r:id="rId21"/>
+    <p:notesMasterId r:id="rId22"/>
   </p:notesMasterIdLst>
   <p:handoutMasterIdLst>
-    <p:handoutMasterId r:id="rId22"/>
+    <p:handoutMasterId r:id="rId23"/>
   </p:handoutMasterIdLst>
   <p:sldIdLst>
     <p:sldId id="256" r:id="rId2"/>
@@ -29,7 +29,8 @@
     <p:sldId id="487" r:id="rId17"/>
     <p:sldId id="488" r:id="rId18"/>
     <p:sldId id="489" r:id="rId19"/>
-    <p:sldId id="398" r:id="rId20"/>
+    <p:sldId id="490" r:id="rId20"/>
+    <p:sldId id="398" r:id="rId21"/>
   </p:sldIdLst>
   <p:sldSz cx="9144000" cy="6858000" type="screen4x3"/>
   <p:notesSz cx="6858000" cy="9144000"/>
@@ -3224,7 +3225,7 @@
       </p:grpSpPr>
       <p:sp>
         <p:nvSpPr>
-          <p:cNvPr id="25602" name="Rectangle 7"/>
+          <p:cNvPr id="63490" name="Rectangle 7"/>
           <p:cNvSpPr>
             <a:spLocks noGrp="1" noChangeArrowheads="1"/>
           </p:cNvSpPr>
@@ -3258,140 +3259,116 @@
         <p:txBody>
           <a:bodyPr/>
           <a:lstStyle>
-            <a:lvl1pPr>
-              <a:spcBef>
-                <a:spcPct val="30000"/>
-              </a:spcBef>
-              <a:defRPr kumimoji="1" sz="1200">
-                <a:solidFill>
-                  <a:schemeClr val="tx1"/>
-                </a:solidFill>
-                <a:latin typeface="Times New Roman" charset="0"/>
+            <a:lvl1pPr eaLnBrk="0" hangingPunct="0">
+              <a:defRPr sz="2400">
+                <a:solidFill>
+                  <a:schemeClr val="tx1"/>
+                </a:solidFill>
+                <a:latin typeface="Times New Roman" pitchFamily="18" charset="0"/>
               </a:defRPr>
             </a:lvl1pPr>
-            <a:lvl2pPr marL="742950" indent="-285750">
-              <a:spcBef>
-                <a:spcPct val="30000"/>
-              </a:spcBef>
-              <a:defRPr kumimoji="1" sz="1200">
-                <a:solidFill>
-                  <a:schemeClr val="tx1"/>
-                </a:solidFill>
-                <a:latin typeface="Times New Roman" charset="0"/>
+            <a:lvl2pPr marL="742950" indent="-285750" eaLnBrk="0" hangingPunct="0">
+              <a:defRPr sz="2400">
+                <a:solidFill>
+                  <a:schemeClr val="tx1"/>
+                </a:solidFill>
+                <a:latin typeface="Times New Roman" pitchFamily="18" charset="0"/>
               </a:defRPr>
             </a:lvl2pPr>
-            <a:lvl3pPr marL="1143000" indent="-228600">
-              <a:spcBef>
-                <a:spcPct val="30000"/>
-              </a:spcBef>
-              <a:defRPr kumimoji="1" sz="1200">
-                <a:solidFill>
-                  <a:schemeClr val="tx1"/>
-                </a:solidFill>
-                <a:latin typeface="Times New Roman" charset="0"/>
+            <a:lvl3pPr marL="1143000" indent="-228600" eaLnBrk="0" hangingPunct="0">
+              <a:defRPr sz="2400">
+                <a:solidFill>
+                  <a:schemeClr val="tx1"/>
+                </a:solidFill>
+                <a:latin typeface="Times New Roman" pitchFamily="18" charset="0"/>
               </a:defRPr>
             </a:lvl3pPr>
-            <a:lvl4pPr marL="1600200" indent="-228600">
-              <a:spcBef>
-                <a:spcPct val="30000"/>
-              </a:spcBef>
-              <a:defRPr kumimoji="1" sz="1200">
-                <a:solidFill>
-                  <a:schemeClr val="tx1"/>
-                </a:solidFill>
-                <a:latin typeface="Times New Roman" charset="0"/>
+            <a:lvl4pPr marL="1600200" indent="-228600" eaLnBrk="0" hangingPunct="0">
+              <a:defRPr sz="2400">
+                <a:solidFill>
+                  <a:schemeClr val="tx1"/>
+                </a:solidFill>
+                <a:latin typeface="Times New Roman" pitchFamily="18" charset="0"/>
               </a:defRPr>
             </a:lvl4pPr>
-            <a:lvl5pPr marL="2057400" indent="-228600">
-              <a:spcBef>
-                <a:spcPct val="30000"/>
-              </a:spcBef>
-              <a:defRPr kumimoji="1" sz="1200">
-                <a:solidFill>
-                  <a:schemeClr val="tx1"/>
-                </a:solidFill>
-                <a:latin typeface="Times New Roman" charset="0"/>
+            <a:lvl5pPr marL="2057400" indent="-228600" eaLnBrk="0" hangingPunct="0">
+              <a:defRPr sz="2400">
+                <a:solidFill>
+                  <a:schemeClr val="tx1"/>
+                </a:solidFill>
+                <a:latin typeface="Times New Roman" pitchFamily="18" charset="0"/>
               </a:defRPr>
             </a:lvl5pPr>
             <a:lvl6pPr marL="2514600" indent="-228600" eaLnBrk="0" fontAlgn="base" hangingPunct="0">
               <a:spcBef>
-                <a:spcPct val="30000"/>
+                <a:spcPct val="0"/>
               </a:spcBef>
               <a:spcAft>
                 <a:spcPct val="0"/>
               </a:spcAft>
-              <a:defRPr kumimoji="1" sz="1200">
-                <a:solidFill>
-                  <a:schemeClr val="tx1"/>
-                </a:solidFill>
-                <a:latin typeface="Times New Roman" charset="0"/>
+              <a:defRPr sz="2400">
+                <a:solidFill>
+                  <a:schemeClr val="tx1"/>
+                </a:solidFill>
+                <a:latin typeface="Times New Roman" pitchFamily="18" charset="0"/>
               </a:defRPr>
             </a:lvl6pPr>
             <a:lvl7pPr marL="2971800" indent="-228600" eaLnBrk="0" fontAlgn="base" hangingPunct="0">
               <a:spcBef>
-                <a:spcPct val="30000"/>
+                <a:spcPct val="0"/>
               </a:spcBef>
               <a:spcAft>
                 <a:spcPct val="0"/>
               </a:spcAft>
-              <a:defRPr kumimoji="1" sz="1200">
-                <a:solidFill>
-                  <a:schemeClr val="tx1"/>
-                </a:solidFill>
-                <a:latin typeface="Times New Roman" charset="0"/>
+              <a:defRPr sz="2400">
+                <a:solidFill>
+                  <a:schemeClr val="tx1"/>
+                </a:solidFill>
+                <a:latin typeface="Times New Roman" pitchFamily="18" charset="0"/>
               </a:defRPr>
             </a:lvl7pPr>
             <a:lvl8pPr marL="3429000" indent="-228600" eaLnBrk="0" fontAlgn="base" hangingPunct="0">
               <a:spcBef>
-                <a:spcPct val="30000"/>
+                <a:spcPct val="0"/>
               </a:spcBef>
               <a:spcAft>
                 <a:spcPct val="0"/>
               </a:spcAft>
-              <a:defRPr kumimoji="1" sz="1200">
-                <a:solidFill>
-                  <a:schemeClr val="tx1"/>
-                </a:solidFill>
-                <a:latin typeface="Times New Roman" charset="0"/>
+              <a:defRPr sz="2400">
+                <a:solidFill>
+                  <a:schemeClr val="tx1"/>
+                </a:solidFill>
+                <a:latin typeface="Times New Roman" pitchFamily="18" charset="0"/>
               </a:defRPr>
             </a:lvl8pPr>
             <a:lvl9pPr marL="3886200" indent="-228600" eaLnBrk="0" fontAlgn="base" hangingPunct="0">
               <a:spcBef>
-                <a:spcPct val="30000"/>
+                <a:spcPct val="0"/>
               </a:spcBef>
               <a:spcAft>
                 <a:spcPct val="0"/>
               </a:spcAft>
-              <a:defRPr kumimoji="1" sz="1200">
-                <a:solidFill>
-                  <a:schemeClr val="tx1"/>
-                </a:solidFill>
-                <a:latin typeface="Times New Roman" charset="0"/>
+              <a:defRPr sz="2400">
+                <a:solidFill>
+                  <a:schemeClr val="tx1"/>
+                </a:solidFill>
+                <a:latin typeface="Times New Roman" pitchFamily="18" charset="0"/>
               </a:defRPr>
             </a:lvl9pPr>
           </a:lstStyle>
           <a:p>
-            <a:pPr>
-              <a:spcBef>
-                <a:spcPct val="0"/>
-              </a:spcBef>
-            </a:pPr>
-            <a:fld id="{3EB39216-9369-2048-931A-5337EA1777B6}" type="slidenum">
-              <a:rPr kumimoji="0" lang="zh-TW" altLang="en-US"/>
-              <a:pPr>
-                <a:spcBef>
-                  <a:spcPct val="0"/>
-                </a:spcBef>
-              </a:pPr>
+            <a:fld id="{BBB02FAA-F9E5-4019-9D7C-4D962C682FD5}" type="slidenum">
+              <a:rPr lang="zh-TW" altLang="en-US" sz="1200" smtClean="0"/>
+              <a:pPr/>
               <a:t>19</a:t>
             </a:fld>
-            <a:endParaRPr kumimoji="0" lang="en-US" altLang="zh-TW"/>
-          </a:p>
-        </p:txBody>
-      </p:sp>
-      <p:sp>
-        <p:nvSpPr>
-          <p:cNvPr id="25603" name="Rectangle 2"/>
+            <a:endParaRPr lang="en-US" altLang="zh-TW" sz="1200" smtClean="0"/>
+          </a:p>
+        </p:txBody>
+      </p:sp>
+      <p:sp>
+        <p:nvSpPr>
+          <p:cNvPr id="63491" name="Rectangle 2"/>
           <p:cNvSpPr>
             <a:spLocks noGrp="1" noRot="1" noChangeAspect="1" noChangeArrowheads="1" noTextEdit="1"/>
           </p:cNvSpPr>
@@ -3405,7 +3382,7 @@
       </p:sp>
       <p:sp>
         <p:nvSpPr>
-          <p:cNvPr id="25604" name="Rectangle 3"/>
+          <p:cNvPr id="63492" name="Rectangle 3"/>
           <p:cNvSpPr>
             <a:spLocks noGrp="1" noChangeArrowheads="1"/>
           </p:cNvSpPr>
@@ -3434,20 +3411,24 @@
                 <a:tailEnd type="none" w="sm" len="sm"/>
               </a14:hiddenLine>
             </a:ext>
-            <a:ext uri="{FAA26D3D-D897-4be2-8F04-BA451C77F1D7}">
-              <ma14:placeholderFlag xmlns:ma14="http://schemas.microsoft.com/office/mac/drawingml/2011/main" val="1"/>
-            </a:ext>
           </a:extLst>
         </p:spPr>
         <p:txBody>
           <a:bodyPr/>
           <a:lstStyle/>
           <a:p>
-            <a:endParaRPr lang="zh-TW" altLang="zh-TW"/>
+            <a:endParaRPr lang="zh-TW" altLang="zh-TW" smtClean="0">
+              <a:latin typeface="Times New Roman" pitchFamily="18" charset="0"/>
+            </a:endParaRPr>
           </a:p>
         </p:txBody>
       </p:sp>
     </p:spTree>
+    <p:extLst>
+      <p:ext uri="{BB962C8B-B14F-4D97-AF65-F5344CB8AC3E}">
+        <p14:creationId xmlns:p14="http://schemas.microsoft.com/office/powerpoint/2010/main" val="1161172581"/>
+      </p:ext>
+    </p:extLst>
   </p:cSld>
   <p:clrMapOvr>
     <a:masterClrMapping/>
@@ -3678,6 +3659,256 @@
         <p14:creationId xmlns:p14="http://schemas.microsoft.com/office/powerpoint/2010/main" val="1791676517"/>
       </p:ext>
     </p:extLst>
+  </p:cSld>
+  <p:clrMapOvr>
+    <a:masterClrMapping/>
+  </p:clrMapOvr>
+</p:notes>
+</file>
+
+<file path=ppt/notesSlides/notesSlide20.xml><?xml version="1.0" encoding="utf-8"?>
+<p:notes xmlns:a="http://schemas.openxmlformats.org/drawingml/2006/main" xmlns:r="http://schemas.openxmlformats.org/officeDocument/2006/relationships" xmlns:p="http://schemas.openxmlformats.org/presentationml/2006/main">
+  <p:cSld>
+    <p:spTree>
+      <p:nvGrpSpPr>
+        <p:cNvPr id="1" name=""/>
+        <p:cNvGrpSpPr/>
+        <p:nvPr/>
+      </p:nvGrpSpPr>
+      <p:grpSpPr>
+        <a:xfrm>
+          <a:off x="0" y="0"/>
+          <a:ext cx="0" cy="0"/>
+          <a:chOff x="0" y="0"/>
+          <a:chExt cx="0" cy="0"/>
+        </a:xfrm>
+      </p:grpSpPr>
+      <p:sp>
+        <p:nvSpPr>
+          <p:cNvPr id="25602" name="Rectangle 7"/>
+          <p:cNvSpPr>
+            <a:spLocks noGrp="1" noChangeArrowheads="1"/>
+          </p:cNvSpPr>
+          <p:nvPr>
+            <p:ph type="sldNum" sz="quarter" idx="5"/>
+          </p:nvPr>
+        </p:nvSpPr>
+        <p:spPr>
+          <a:noFill/>
+          <a:ln w="9525"/>
+          <a:extLst>
+            <a:ext uri="{909E8E84-426E-40DD-AFC4-6F175D3DCCD1}">
+              <a14:hiddenFill xmlns:a14="http://schemas.microsoft.com/office/drawing/2010/main">
+                <a:solidFill>
+                  <a:srgbClr val="FFFFFF"/>
+                </a:solidFill>
+              </a14:hiddenFill>
+            </a:ext>
+            <a:ext uri="{91240B29-F687-4F45-9708-019B960494DF}">
+              <a14:hiddenLine xmlns:a14="http://schemas.microsoft.com/office/drawing/2010/main" w="12700">
+                <a:solidFill>
+                  <a:srgbClr val="000000"/>
+                </a:solidFill>
+                <a:miter lim="800000"/>
+                <a:headEnd type="none" w="sm" len="sm"/>
+                <a:tailEnd type="none" w="sm" len="sm"/>
+              </a14:hiddenLine>
+            </a:ext>
+          </a:extLst>
+        </p:spPr>
+        <p:txBody>
+          <a:bodyPr/>
+          <a:lstStyle>
+            <a:lvl1pPr>
+              <a:spcBef>
+                <a:spcPct val="30000"/>
+              </a:spcBef>
+              <a:defRPr kumimoji="1" sz="1200">
+                <a:solidFill>
+                  <a:schemeClr val="tx1"/>
+                </a:solidFill>
+                <a:latin typeface="Times New Roman" charset="0"/>
+              </a:defRPr>
+            </a:lvl1pPr>
+            <a:lvl2pPr marL="742950" indent="-285750">
+              <a:spcBef>
+                <a:spcPct val="30000"/>
+              </a:spcBef>
+              <a:defRPr kumimoji="1" sz="1200">
+                <a:solidFill>
+                  <a:schemeClr val="tx1"/>
+                </a:solidFill>
+                <a:latin typeface="Times New Roman" charset="0"/>
+              </a:defRPr>
+            </a:lvl2pPr>
+            <a:lvl3pPr marL="1143000" indent="-228600">
+              <a:spcBef>
+                <a:spcPct val="30000"/>
+              </a:spcBef>
+              <a:defRPr kumimoji="1" sz="1200">
+                <a:solidFill>
+                  <a:schemeClr val="tx1"/>
+                </a:solidFill>
+                <a:latin typeface="Times New Roman" charset="0"/>
+              </a:defRPr>
+            </a:lvl3pPr>
+            <a:lvl4pPr marL="1600200" indent="-228600">
+              <a:spcBef>
+                <a:spcPct val="30000"/>
+              </a:spcBef>
+              <a:defRPr kumimoji="1" sz="1200">
+                <a:solidFill>
+                  <a:schemeClr val="tx1"/>
+                </a:solidFill>
+                <a:latin typeface="Times New Roman" charset="0"/>
+              </a:defRPr>
+            </a:lvl4pPr>
+            <a:lvl5pPr marL="2057400" indent="-228600">
+              <a:spcBef>
+                <a:spcPct val="30000"/>
+              </a:spcBef>
+              <a:defRPr kumimoji="1" sz="1200">
+                <a:solidFill>
+                  <a:schemeClr val="tx1"/>
+                </a:solidFill>
+                <a:latin typeface="Times New Roman" charset="0"/>
+              </a:defRPr>
+            </a:lvl5pPr>
+            <a:lvl6pPr marL="2514600" indent="-228600" eaLnBrk="0" fontAlgn="base" hangingPunct="0">
+              <a:spcBef>
+                <a:spcPct val="30000"/>
+              </a:spcBef>
+              <a:spcAft>
+                <a:spcPct val="0"/>
+              </a:spcAft>
+              <a:defRPr kumimoji="1" sz="1200">
+                <a:solidFill>
+                  <a:schemeClr val="tx1"/>
+                </a:solidFill>
+                <a:latin typeface="Times New Roman" charset="0"/>
+              </a:defRPr>
+            </a:lvl6pPr>
+            <a:lvl7pPr marL="2971800" indent="-228600" eaLnBrk="0" fontAlgn="base" hangingPunct="0">
+              <a:spcBef>
+                <a:spcPct val="30000"/>
+              </a:spcBef>
+              <a:spcAft>
+                <a:spcPct val="0"/>
+              </a:spcAft>
+              <a:defRPr kumimoji="1" sz="1200">
+                <a:solidFill>
+                  <a:schemeClr val="tx1"/>
+                </a:solidFill>
+                <a:latin typeface="Times New Roman" charset="0"/>
+              </a:defRPr>
+            </a:lvl7pPr>
+            <a:lvl8pPr marL="3429000" indent="-228600" eaLnBrk="0" fontAlgn="base" hangingPunct="0">
+              <a:spcBef>
+                <a:spcPct val="30000"/>
+              </a:spcBef>
+              <a:spcAft>
+                <a:spcPct val="0"/>
+              </a:spcAft>
+              <a:defRPr kumimoji="1" sz="1200">
+                <a:solidFill>
+                  <a:schemeClr val="tx1"/>
+                </a:solidFill>
+                <a:latin typeface="Times New Roman" charset="0"/>
+              </a:defRPr>
+            </a:lvl8pPr>
+            <a:lvl9pPr marL="3886200" indent="-228600" eaLnBrk="0" fontAlgn="base" hangingPunct="0">
+              <a:spcBef>
+                <a:spcPct val="30000"/>
+              </a:spcBef>
+              <a:spcAft>
+                <a:spcPct val="0"/>
+              </a:spcAft>
+              <a:defRPr kumimoji="1" sz="1200">
+                <a:solidFill>
+                  <a:schemeClr val="tx1"/>
+                </a:solidFill>
+                <a:latin typeface="Times New Roman" charset="0"/>
+              </a:defRPr>
+            </a:lvl9pPr>
+          </a:lstStyle>
+          <a:p>
+            <a:pPr>
+              <a:spcBef>
+                <a:spcPct val="0"/>
+              </a:spcBef>
+            </a:pPr>
+            <a:fld id="{3EB39216-9369-2048-931A-5337EA1777B6}" type="slidenum">
+              <a:rPr kumimoji="0" lang="zh-TW" altLang="en-US"/>
+              <a:pPr>
+                <a:spcBef>
+                  <a:spcPct val="0"/>
+                </a:spcBef>
+              </a:pPr>
+              <a:t>20</a:t>
+            </a:fld>
+            <a:endParaRPr kumimoji="0" lang="en-US" altLang="zh-TW"/>
+          </a:p>
+        </p:txBody>
+      </p:sp>
+      <p:sp>
+        <p:nvSpPr>
+          <p:cNvPr id="25603" name="Rectangle 2"/>
+          <p:cNvSpPr>
+            <a:spLocks noGrp="1" noRot="1" noChangeAspect="1" noChangeArrowheads="1" noTextEdit="1"/>
+          </p:cNvSpPr>
+          <p:nvPr>
+            <p:ph type="sldImg"/>
+          </p:nvPr>
+        </p:nvSpPr>
+        <p:spPr>
+          <a:ln/>
+        </p:spPr>
+      </p:sp>
+      <p:sp>
+        <p:nvSpPr>
+          <p:cNvPr id="25604" name="Rectangle 3"/>
+          <p:cNvSpPr>
+            <a:spLocks noGrp="1" noChangeArrowheads="1"/>
+          </p:cNvSpPr>
+          <p:nvPr>
+            <p:ph type="body" idx="1"/>
+          </p:nvPr>
+        </p:nvSpPr>
+        <p:spPr>
+          <a:noFill/>
+          <a:ln w="9525"/>
+          <a:extLst>
+            <a:ext uri="{909E8E84-426E-40DD-AFC4-6F175D3DCCD1}">
+              <a14:hiddenFill xmlns:a14="http://schemas.microsoft.com/office/drawing/2010/main">
+                <a:solidFill>
+                  <a:srgbClr val="FFFFFF"/>
+                </a:solidFill>
+              </a14:hiddenFill>
+            </a:ext>
+            <a:ext uri="{91240B29-F687-4F45-9708-019B960494DF}">
+              <a14:hiddenLine xmlns:a14="http://schemas.microsoft.com/office/drawing/2010/main" w="9525">
+                <a:solidFill>
+                  <a:srgbClr val="000000"/>
+                </a:solidFill>
+                <a:miter lim="800000"/>
+                <a:headEnd type="none" w="sm" len="sm"/>
+                <a:tailEnd type="none" w="sm" len="sm"/>
+              </a14:hiddenLine>
+            </a:ext>
+            <a:ext uri="{FAA26D3D-D897-4be2-8F04-BA451C77F1D7}">
+              <ma14:placeholderFlag xmlns:ma14="http://schemas.microsoft.com/office/mac/drawingml/2011/main" val="1"/>
+            </a:ext>
+          </a:extLst>
+        </p:spPr>
+        <p:txBody>
+          <a:bodyPr/>
+          <a:lstStyle/>
+          <a:p>
+            <a:endParaRPr lang="zh-TW" altLang="zh-TW"/>
+          </a:p>
+        </p:txBody>
+      </p:sp>
+    </p:spTree>
   </p:cSld>
   <p:clrMapOvr>
     <a:masterClrMapping/>
@@ -12374,7 +12605,6 @@
               <a:rPr lang="en-US" altLang="zh-TW" smtClean="0"/>
               <a:t>File</a:t>
             </a:r>
-            <a:endParaRPr lang="en-US" altLang="zh-TW" smtClean="0"/>
           </a:p>
         </p:txBody>
       </p:sp>
@@ -12509,7 +12739,6 @@
               <a:rPr lang="en-US" altLang="zh-TW" smtClean="0"/>
               <a:t>Read a file</a:t>
             </a:r>
-            <a:endParaRPr lang="en-US" altLang="zh-TW" smtClean="0"/>
           </a:p>
         </p:txBody>
       </p:sp>
@@ -12562,7 +12791,6 @@
               <a:rPr lang="en-US" altLang="zh-TW" smtClean="0"/>
               <a:t>fwrite.php, write.txt</a:t>
             </a:r>
-            <a:endParaRPr lang="en-US" altLang="zh-TW" smtClean="0"/>
           </a:p>
         </p:txBody>
       </p:sp>
@@ -12756,7 +12984,6 @@
               <a:rPr lang="en-US" altLang="zh-TW" smtClean="0"/>
               <a:t>fgets3.php</a:t>
             </a:r>
-            <a:endParaRPr lang="en-US" altLang="zh-TW" smtClean="0"/>
           </a:p>
         </p:txBody>
       </p:sp>
@@ -12898,7 +13125,6 @@
               <a:rPr lang="en-US" altLang="zh-TW" smtClean="0"/>
               <a:t>Upload file</a:t>
             </a:r>
-            <a:endParaRPr lang="en-US" altLang="zh-TW" smtClean="0"/>
           </a:p>
         </p:txBody>
       </p:sp>
@@ -12945,7 +13171,6 @@
               <a:rPr lang="en-US" altLang="zh-TW" smtClean="0"/>
               <a:t>Save as upload.html</a:t>
             </a:r>
-            <a:endParaRPr lang="en-US" altLang="zh-TW" smtClean="0"/>
           </a:p>
         </p:txBody>
       </p:sp>
@@ -13086,7 +13311,6 @@
               <a:rPr lang="en-US" altLang="zh-TW" smtClean="0"/>
               <a:t>Upload file php</a:t>
             </a:r>
-            <a:endParaRPr lang="en-US" altLang="zh-TW" smtClean="0"/>
           </a:p>
         </p:txBody>
       </p:sp>
@@ -13284,64 +13508,106 @@
       </p:grpSpPr>
       <p:sp>
         <p:nvSpPr>
-          <p:cNvPr id="24578" name="Rectangle 2"/>
+          <p:cNvPr id="216066" name="Rectangle 2"/>
           <p:cNvSpPr>
             <a:spLocks noGrp="1" noChangeArrowheads="1"/>
           </p:cNvSpPr>
           <p:nvPr>
-            <p:ph type="ctrTitle"/>
-          </p:nvPr>
-        </p:nvSpPr>
-        <p:spPr>
-          <a:xfrm>
-            <a:off x="1739900" y="914400"/>
-            <a:ext cx="6946900" cy="3487738"/>
-          </a:xfrm>
-        </p:spPr>
+            <p:ph type="title"/>
+          </p:nvPr>
+        </p:nvSpPr>
+        <p:spPr/>
         <p:txBody>
           <a:bodyPr/>
           <a:lstStyle/>
           <a:p>
             <a:r>
-              <a:rPr lang="en-US" altLang="zh-TW">
-                <a:ln>
-                  <a:noFill/>
-                </a:ln>
-              </a:rPr>
-              <a:t>QUESTIONS</a:t>
-            </a:r>
-          </a:p>
-        </p:txBody>
-      </p:sp>
-      <p:sp>
-        <p:nvSpPr>
-          <p:cNvPr id="24579" name="Subtitle 2"/>
-          <p:cNvSpPr>
-            <a:spLocks noGrp="1"/>
-          </p:cNvSpPr>
-          <p:nvPr>
-            <p:ph type="subTitle" idx="1"/>
-          </p:nvPr>
-        </p:nvSpPr>
-        <p:spPr>
-          <a:xfrm>
-            <a:off x="2924175" y="4402138"/>
-            <a:ext cx="5762625" cy="1365250"/>
-          </a:xfrm>
-        </p:spPr>
+              <a:rPr lang="en-US" altLang="zh-TW" dirty="0" smtClean="0"/>
+              <a:t>Homework</a:t>
+            </a:r>
+            <a:endParaRPr lang="en-US" altLang="zh-TW" dirty="0" smtClean="0"/>
+          </a:p>
+        </p:txBody>
+      </p:sp>
+      <p:sp>
+        <p:nvSpPr>
+          <p:cNvPr id="27651" name="Rectangle 3"/>
+          <p:cNvSpPr>
+            <a:spLocks noGrp="1" noChangeArrowheads="1"/>
+          </p:cNvSpPr>
+          <p:nvPr>
+            <p:ph idx="1"/>
+          </p:nvPr>
+        </p:nvSpPr>
+        <p:spPr/>
         <p:txBody>
           <a:bodyPr/>
           <a:lstStyle/>
           <a:p>
-            <a:endParaRPr lang="zh-HK" altLang="en-US"/>
+            <a:r>
+              <a:rPr lang="en-US" altLang="zh-TW" dirty="0" smtClean="0"/>
+              <a:t>Create a product page layout by these files.</a:t>
+            </a:r>
+          </a:p>
+          <a:p>
+            <a:pPr lvl="1"/>
+            <a:r>
+              <a:rPr lang="en-US" altLang="zh-TW" dirty="0" smtClean="0"/>
+              <a:t>p</a:t>
+            </a:r>
+            <a:r>
+              <a:rPr lang="en-US" altLang="zh-TW" dirty="0" smtClean="0"/>
+              <a:t>roducts-</a:t>
+            </a:r>
+            <a:r>
+              <a:rPr lang="en-US" altLang="zh-TW" dirty="0" err="1" smtClean="0"/>
+              <a:t>design.php</a:t>
+            </a:r>
+            <a:endParaRPr lang="en-US" altLang="zh-TW" dirty="0" smtClean="0"/>
+          </a:p>
+          <a:p>
+            <a:pPr lvl="1"/>
+            <a:r>
+              <a:rPr lang="en-US" altLang="zh-TW" dirty="0" err="1" smtClean="0"/>
+              <a:t>header.inc.php</a:t>
+            </a:r>
+            <a:endParaRPr lang="en-US" altLang="zh-TW" dirty="0" smtClean="0"/>
+          </a:p>
+          <a:p>
+            <a:pPr lvl="1"/>
+            <a:r>
+              <a:rPr lang="en-US" altLang="zh-TW" dirty="0" err="1" smtClean="0"/>
+              <a:t>products.css</a:t>
+            </a:r>
+            <a:endParaRPr lang="en-US" altLang="zh-TW" dirty="0" smtClean="0"/>
+          </a:p>
+          <a:p>
+            <a:pPr lvl="1"/>
+            <a:r>
+              <a:rPr lang="en-US" altLang="zh-TW" dirty="0" smtClean="0"/>
+              <a:t>products-</a:t>
+            </a:r>
+            <a:r>
+              <a:rPr lang="en-US" altLang="zh-TW" dirty="0" err="1" smtClean="0"/>
+              <a:t>array.inc.php</a:t>
+            </a:r>
+            <a:endParaRPr lang="en-US" altLang="zh-TW" dirty="0" smtClean="0"/>
           </a:p>
         </p:txBody>
       </p:sp>
     </p:spTree>
+    <p:extLst>
+      <p:ext uri="{BB962C8B-B14F-4D97-AF65-F5344CB8AC3E}">
+        <p14:creationId xmlns:p14="http://schemas.microsoft.com/office/powerpoint/2010/main" val="783318613"/>
+      </p:ext>
+    </p:extLst>
   </p:cSld>
   <p:clrMapOvr>
     <a:masterClrMapping/>
   </p:clrMapOvr>
+  <p:transition>
+    <p:checker/>
+  </p:transition>
 </p:sld>
 </file>
 
@@ -13381,7 +13647,6 @@
               <a:rPr lang="en-US" altLang="zh-TW" smtClean="0"/>
               <a:t>Overview</a:t>
             </a:r>
-            <a:endParaRPr lang="en-US" altLang="zh-TW" smtClean="0"/>
           </a:p>
         </p:txBody>
       </p:sp>
@@ -13445,6 +13710,86 @@
   <p:transition>
     <p:checker/>
   </p:transition>
+</p:sld>
+</file>
+
+<file path=ppt/slides/slide20.xml><?xml version="1.0" encoding="utf-8"?>
+<p:sld xmlns:a="http://schemas.openxmlformats.org/drawingml/2006/main" xmlns:r="http://schemas.openxmlformats.org/officeDocument/2006/relationships" xmlns:p="http://schemas.openxmlformats.org/presentationml/2006/main">
+  <p:cSld>
+    <p:spTree>
+      <p:nvGrpSpPr>
+        <p:cNvPr id="1" name=""/>
+        <p:cNvGrpSpPr/>
+        <p:nvPr/>
+      </p:nvGrpSpPr>
+      <p:grpSpPr>
+        <a:xfrm>
+          <a:off x="0" y="0"/>
+          <a:ext cx="0" cy="0"/>
+          <a:chOff x="0" y="0"/>
+          <a:chExt cx="0" cy="0"/>
+        </a:xfrm>
+      </p:grpSpPr>
+      <p:sp>
+        <p:nvSpPr>
+          <p:cNvPr id="24578" name="Rectangle 2"/>
+          <p:cNvSpPr>
+            <a:spLocks noGrp="1" noChangeArrowheads="1"/>
+          </p:cNvSpPr>
+          <p:nvPr>
+            <p:ph type="ctrTitle"/>
+          </p:nvPr>
+        </p:nvSpPr>
+        <p:spPr>
+          <a:xfrm>
+            <a:off x="1739900" y="914400"/>
+            <a:ext cx="6946900" cy="3487738"/>
+          </a:xfrm>
+        </p:spPr>
+        <p:txBody>
+          <a:bodyPr/>
+          <a:lstStyle/>
+          <a:p>
+            <a:r>
+              <a:rPr lang="en-US" altLang="zh-TW">
+                <a:ln>
+                  <a:noFill/>
+                </a:ln>
+              </a:rPr>
+              <a:t>QUESTIONS</a:t>
+            </a:r>
+          </a:p>
+        </p:txBody>
+      </p:sp>
+      <p:sp>
+        <p:nvSpPr>
+          <p:cNvPr id="24579" name="Subtitle 2"/>
+          <p:cNvSpPr>
+            <a:spLocks noGrp="1"/>
+          </p:cNvSpPr>
+          <p:nvPr>
+            <p:ph type="subTitle" idx="1"/>
+          </p:nvPr>
+        </p:nvSpPr>
+        <p:spPr>
+          <a:xfrm>
+            <a:off x="2924175" y="4402138"/>
+            <a:ext cx="5762625" cy="1365250"/>
+          </a:xfrm>
+        </p:spPr>
+        <p:txBody>
+          <a:bodyPr/>
+          <a:lstStyle/>
+          <a:p>
+            <a:endParaRPr lang="zh-HK" altLang="en-US"/>
+          </a:p>
+        </p:txBody>
+      </p:sp>
+    </p:spTree>
+  </p:cSld>
+  <p:clrMapOvr>
+    <a:masterClrMapping/>
+  </p:clrMapOvr>
 </p:sld>
 </file>
 
@@ -13484,7 +13829,6 @@
               <a:rPr lang="en-US" altLang="zh-TW" smtClean="0"/>
               <a:t>Sorting an array I</a:t>
             </a:r>
-            <a:endParaRPr lang="en-US" altLang="zh-TW" smtClean="0"/>
           </a:p>
         </p:txBody>
       </p:sp>
@@ -13581,7 +13925,6 @@
               <a:rPr lang="en-US" altLang="zh-TW" smtClean="0"/>
               <a:t>Sorting an array II</a:t>
             </a:r>
-            <a:endParaRPr lang="en-US" altLang="zh-TW" smtClean="0"/>
           </a:p>
         </p:txBody>
       </p:sp>
@@ -13898,7 +14241,6 @@
               <a:rPr lang="en-US" altLang="zh-TW" smtClean="0"/>
               <a:t>Randomized array</a:t>
             </a:r>
-            <a:endParaRPr lang="en-US" altLang="zh-TW" smtClean="0"/>
           </a:p>
         </p:txBody>
       </p:sp>
@@ -13933,7 +14275,6 @@
               <a:rPr lang="en-US" altLang="zh-TW" smtClean="0"/>
               <a:t>shuffle.php</a:t>
             </a:r>
-            <a:endParaRPr lang="en-US" altLang="zh-TW" smtClean="0"/>
           </a:p>
         </p:txBody>
       </p:sp>
@@ -13996,7 +14337,6 @@
               <a:rPr lang="en-US" altLang="zh-TW" smtClean="0"/>
               <a:t>Random</a:t>
             </a:r>
-            <a:endParaRPr lang="en-US" altLang="zh-TW" smtClean="0"/>
           </a:p>
         </p:txBody>
       </p:sp>
@@ -14087,7 +14427,6 @@
               <a:rPr lang="en-US" altLang="zh-TW" smtClean="0"/>
               <a:t>Exercise</a:t>
             </a:r>
-            <a:endParaRPr lang="en-US" altLang="zh-TW" smtClean="0"/>
           </a:p>
         </p:txBody>
       </p:sp>
@@ -14134,7 +14473,6 @@
               <a:rPr lang="en-US" altLang="zh-TW" smtClean="0"/>
               <a:t>mark6NoRepeat.php</a:t>
             </a:r>
-            <a:endParaRPr lang="en-US" altLang="zh-TW" smtClean="0"/>
           </a:p>
         </p:txBody>
       </p:sp>

--- a/php-fw6/lesson6.pptx
+++ b/php-fw6/lesson6.pptx
@@ -5,10 +5,10 @@
     <p:sldMasterId id="2147484302" r:id="rId1"/>
   </p:sldMasterIdLst>
   <p:notesMasterIdLst>
-    <p:notesMasterId r:id="rId22"/>
+    <p:notesMasterId r:id="rId25"/>
   </p:notesMasterIdLst>
   <p:handoutMasterIdLst>
-    <p:handoutMasterId r:id="rId23"/>
+    <p:handoutMasterId r:id="rId26"/>
   </p:handoutMasterIdLst>
   <p:sldIdLst>
     <p:sldId id="256" r:id="rId2"/>
@@ -20,17 +20,20 @@
     <p:sldId id="478" r:id="rId8"/>
     <p:sldId id="479" r:id="rId9"/>
     <p:sldId id="480" r:id="rId10"/>
-    <p:sldId id="481" r:id="rId11"/>
-    <p:sldId id="482" r:id="rId12"/>
-    <p:sldId id="483" r:id="rId13"/>
-    <p:sldId id="484" r:id="rId14"/>
-    <p:sldId id="485" r:id="rId15"/>
-    <p:sldId id="486" r:id="rId16"/>
-    <p:sldId id="487" r:id="rId17"/>
-    <p:sldId id="488" r:id="rId18"/>
-    <p:sldId id="489" r:id="rId19"/>
-    <p:sldId id="490" r:id="rId20"/>
-    <p:sldId id="398" r:id="rId21"/>
+    <p:sldId id="493" r:id="rId11"/>
+    <p:sldId id="481" r:id="rId12"/>
+    <p:sldId id="482" r:id="rId13"/>
+    <p:sldId id="483" r:id="rId14"/>
+    <p:sldId id="484" r:id="rId15"/>
+    <p:sldId id="485" r:id="rId16"/>
+    <p:sldId id="486" r:id="rId17"/>
+    <p:sldId id="487" r:id="rId18"/>
+    <p:sldId id="488" r:id="rId19"/>
+    <p:sldId id="491" r:id="rId20"/>
+    <p:sldId id="492" r:id="rId21"/>
+    <p:sldId id="489" r:id="rId22"/>
+    <p:sldId id="490" r:id="rId23"/>
+    <p:sldId id="398" r:id="rId24"/>
   </p:sldIdLst>
   <p:sldSz cx="9144000" cy="6858000" type="screen4x3"/>
   <p:notesSz cx="6858000" cy="9144000"/>
@@ -161,7 +164,7 @@
   </p:defaultTextStyle>
   <p:extLst>
     <p:ext uri="{EFAFB233-063F-42B5-8137-9DF3F51BA10A}">
-      <p15:sldGuideLst xmlns:p15="http://schemas.microsoft.com/office/powerpoint/2012/main">
+      <p15:sldGuideLst xmlns:p15="http://schemas.microsoft.com/office/powerpoint/2012/main" xmlns="">
         <p15:guide id="1" orient="horz" pos="2160">
           <p15:clr>
             <a:srgbClr val="A4A3A4"/>
@@ -175,7 +178,7 @@
       </p15:sldGuideLst>
     </p:ext>
     <p:ext uri="{2D200454-40CA-4A62-9FC3-DE9A4176ACB9}">
-      <p15:notesGuideLst xmlns:p15="http://schemas.microsoft.com/office/powerpoint/2012/main">
+      <p15:notesGuideLst xmlns:p15="http://schemas.microsoft.com/office/powerpoint/2012/main" xmlns="">
         <p15:guide id="1" orient="horz" pos="2880">
           <p15:clr>
             <a:srgbClr val="A4A3A4"/>
@@ -417,6 +420,11 @@
         </p:txBody>
       </p:sp>
     </p:spTree>
+    <p:extLst>
+      <p:ext uri="{BB962C8B-B14F-4D97-AF65-F5344CB8AC3E}">
+        <p14:creationId xmlns:p14="http://schemas.microsoft.com/office/powerpoint/2010/main" val="173492903"/>
+      </p:ext>
+    </p:extLst>
   </p:cSld>
   <p:clrMap bg1="lt1" tx1="dk1" bg2="lt2" tx2="dk2" accent1="accent1" accent2="accent2" accent3="accent3" accent4="accent4" accent5="accent5" accent6="accent6" hlink="hlink" folHlink="folHlink"/>
 </p:handoutMaster>
@@ -579,7 +587,7 @@
               </a14:hiddenFill>
             </a:ext>
             <a:ext uri="{FAA26D3D-D897-4be2-8F04-BA451C77F1D7}">
-              <ma14:placeholderFlag xmlns:ma14="http://schemas.microsoft.com/office/mac/drawingml/2011/main" val="1"/>
+              <ma14:placeholderFlag xmlns:ma14="http://schemas.microsoft.com/office/mac/drawingml/2011/main" xmlns="" val="1"/>
             </a:ext>
           </a:extLst>
         </p:spPr>
@@ -759,6 +767,11 @@
         </p:txBody>
       </p:sp>
     </p:spTree>
+    <p:extLst>
+      <p:ext uri="{BB962C8B-B14F-4D97-AF65-F5344CB8AC3E}">
+        <p14:creationId xmlns:p14="http://schemas.microsoft.com/office/powerpoint/2010/main" val="109642991"/>
+      </p:ext>
+    </p:extLst>
   </p:cSld>
   <p:clrMap bg1="lt1" tx1="dk1" bg2="lt2" tx2="dk2" accent1="accent1" accent2="accent2" accent3="accent3" accent4="accent4" accent5="accent5" accent6="accent6" hlink="hlink" folHlink="folHlink"/>
   <p:notesStyle>
@@ -1116,7 +1129,7 @@
               </a14:hiddenLine>
             </a:ext>
             <a:ext uri="{FAA26D3D-D897-4be2-8F04-BA451C77F1D7}">
-              <ma14:placeholderFlag xmlns:ma14="http://schemas.microsoft.com/office/mac/drawingml/2011/main" val="1"/>
+              <ma14:placeholderFlag xmlns:ma14="http://schemas.microsoft.com/office/mac/drawingml/2011/main" xmlns="" val="1"/>
             </a:ext>
           </a:extLst>
         </p:spPr>
@@ -1290,7 +1303,7 @@
             <a:fld id="{89350B8A-262F-4531-A08E-B8E07599F7E3}" type="slidenum">
               <a:rPr lang="zh-TW" altLang="en-US" sz="1200" smtClean="0"/>
               <a:pPr/>
-              <a:t>10</a:t>
+              <a:t>11</a:t>
             </a:fld>
             <a:endParaRPr lang="en-US" altLang="zh-TW" sz="1200" smtClean="0"/>
           </a:p>
@@ -1520,7 +1533,7 @@
             <a:fld id="{CF834BA7-5490-4BED-AA34-ECD9DC547969}" type="slidenum">
               <a:rPr lang="zh-TW" altLang="en-US" sz="1200" smtClean="0"/>
               <a:pPr/>
-              <a:t>11</a:t>
+              <a:t>12</a:t>
             </a:fld>
             <a:endParaRPr lang="en-US" altLang="zh-TW" sz="1200" smtClean="0"/>
           </a:p>
@@ -1750,7 +1763,7 @@
             <a:fld id="{88DCF32C-06AC-4ACA-BD4F-32E373467DE0}" type="slidenum">
               <a:rPr lang="zh-TW" altLang="en-US" sz="1200" smtClean="0"/>
               <a:pPr/>
-              <a:t>12</a:t>
+              <a:t>13</a:t>
             </a:fld>
             <a:endParaRPr lang="en-US" altLang="zh-TW" sz="1200" smtClean="0"/>
           </a:p>
@@ -1980,7 +1993,7 @@
             <a:fld id="{CB337A97-36FF-498A-BED6-883DB079401A}" type="slidenum">
               <a:rPr lang="zh-TW" altLang="en-US" sz="1200" smtClean="0"/>
               <a:pPr/>
-              <a:t>13</a:t>
+              <a:t>14</a:t>
             </a:fld>
             <a:endParaRPr lang="en-US" altLang="zh-TW" sz="1200" smtClean="0"/>
           </a:p>
@@ -2210,7 +2223,7 @@
             <a:fld id="{CB337A97-36FF-498A-BED6-883DB079401A}" type="slidenum">
               <a:rPr lang="zh-TW" altLang="en-US" sz="1200" smtClean="0"/>
               <a:pPr/>
-              <a:t>14</a:t>
+              <a:t>15</a:t>
             </a:fld>
             <a:endParaRPr lang="en-US" altLang="zh-TW" sz="1200" smtClean="0"/>
           </a:p>
@@ -2440,7 +2453,7 @@
             <a:fld id="{2391C541-F60D-4F89-836F-BF98309F62E9}" type="slidenum">
               <a:rPr lang="zh-TW" altLang="en-US" sz="1200" smtClean="0"/>
               <a:pPr/>
-              <a:t>15</a:t>
+              <a:t>16</a:t>
             </a:fld>
             <a:endParaRPr lang="en-US" altLang="zh-TW" sz="1200" smtClean="0"/>
           </a:p>
@@ -2670,7 +2683,7 @@
             <a:fld id="{BBB02FAA-F9E5-4019-9D7C-4D962C682FD5}" type="slidenum">
               <a:rPr lang="zh-TW" altLang="en-US" sz="1200" smtClean="0"/>
               <a:pPr/>
-              <a:t>16</a:t>
+              <a:t>17</a:t>
             </a:fld>
             <a:endParaRPr lang="en-US" altLang="zh-TW" sz="1200" smtClean="0"/>
           </a:p>
@@ -2900,7 +2913,7 @@
             <a:fld id="{BBB02FAA-F9E5-4019-9D7C-4D962C682FD5}" type="slidenum">
               <a:rPr lang="zh-TW" altLang="en-US" sz="1200" smtClean="0"/>
               <a:pPr/>
-              <a:t>17</a:t>
+              <a:t>18</a:t>
             </a:fld>
             <a:endParaRPr lang="en-US" altLang="zh-TW" sz="1200" smtClean="0"/>
           </a:p>
@@ -3130,7 +3143,7 @@
             <a:fld id="{BBB02FAA-F9E5-4019-9D7C-4D962C682FD5}" type="slidenum">
               <a:rPr lang="zh-TW" altLang="en-US" sz="1200" smtClean="0"/>
               <a:pPr/>
-              <a:t>18</a:t>
+              <a:t>19</a:t>
             </a:fld>
             <a:endParaRPr lang="en-US" altLang="zh-TW" sz="1200" smtClean="0"/>
           </a:p>
@@ -3196,7 +3209,7 @@
     </p:spTree>
     <p:extLst>
       <p:ext uri="{BB962C8B-B14F-4D97-AF65-F5344CB8AC3E}">
-        <p14:creationId xmlns:p14="http://schemas.microsoft.com/office/powerpoint/2010/main" val="16938179"/>
+        <p14:creationId xmlns:p14="http://schemas.microsoft.com/office/powerpoint/2010/main" val="16473061"/>
       </p:ext>
     </p:extLst>
   </p:cSld>
@@ -3360,7 +3373,7 @@
             <a:fld id="{BBB02FAA-F9E5-4019-9D7C-4D962C682FD5}" type="slidenum">
               <a:rPr lang="zh-TW" altLang="en-US" sz="1200" smtClean="0"/>
               <a:pPr/>
-              <a:t>19</a:t>
+              <a:t>20</a:t>
             </a:fld>
             <a:endParaRPr lang="en-US" altLang="zh-TW" sz="1200" smtClean="0"/>
           </a:p>
@@ -3426,7 +3439,7 @@
     </p:spTree>
     <p:extLst>
       <p:ext uri="{BB962C8B-B14F-4D97-AF65-F5344CB8AC3E}">
-        <p14:creationId xmlns:p14="http://schemas.microsoft.com/office/powerpoint/2010/main" val="1161172581"/>
+        <p14:creationId xmlns:p14="http://schemas.microsoft.com/office/powerpoint/2010/main" val="16473061"/>
       </p:ext>
     </p:extLst>
   </p:cSld>
@@ -3685,6 +3698,466 @@
       </p:grpSpPr>
       <p:sp>
         <p:nvSpPr>
+          <p:cNvPr id="63490" name="Rectangle 7"/>
+          <p:cNvSpPr>
+            <a:spLocks noGrp="1" noChangeArrowheads="1"/>
+          </p:cNvSpPr>
+          <p:nvPr>
+            <p:ph type="sldNum" sz="quarter" idx="5"/>
+          </p:nvPr>
+        </p:nvSpPr>
+        <p:spPr>
+          <a:noFill/>
+          <a:ln w="9525"/>
+          <a:extLst>
+            <a:ext uri="{909E8E84-426E-40DD-AFC4-6F175D3DCCD1}">
+              <a14:hiddenFill xmlns:a14="http://schemas.microsoft.com/office/drawing/2010/main">
+                <a:solidFill>
+                  <a:srgbClr val="FFFFFF"/>
+                </a:solidFill>
+              </a14:hiddenFill>
+            </a:ext>
+            <a:ext uri="{91240B29-F687-4F45-9708-019B960494DF}">
+              <a14:hiddenLine xmlns:a14="http://schemas.microsoft.com/office/drawing/2010/main" w="12700">
+                <a:solidFill>
+                  <a:srgbClr val="000000"/>
+                </a:solidFill>
+                <a:miter lim="800000"/>
+                <a:headEnd type="none" w="sm" len="sm"/>
+                <a:tailEnd type="none" w="sm" len="sm"/>
+              </a14:hiddenLine>
+            </a:ext>
+          </a:extLst>
+        </p:spPr>
+        <p:txBody>
+          <a:bodyPr/>
+          <a:lstStyle>
+            <a:lvl1pPr eaLnBrk="0" hangingPunct="0">
+              <a:defRPr sz="2400">
+                <a:solidFill>
+                  <a:schemeClr val="tx1"/>
+                </a:solidFill>
+                <a:latin typeface="Times New Roman" pitchFamily="18" charset="0"/>
+              </a:defRPr>
+            </a:lvl1pPr>
+            <a:lvl2pPr marL="742950" indent="-285750" eaLnBrk="0" hangingPunct="0">
+              <a:defRPr sz="2400">
+                <a:solidFill>
+                  <a:schemeClr val="tx1"/>
+                </a:solidFill>
+                <a:latin typeface="Times New Roman" pitchFamily="18" charset="0"/>
+              </a:defRPr>
+            </a:lvl2pPr>
+            <a:lvl3pPr marL="1143000" indent="-228600" eaLnBrk="0" hangingPunct="0">
+              <a:defRPr sz="2400">
+                <a:solidFill>
+                  <a:schemeClr val="tx1"/>
+                </a:solidFill>
+                <a:latin typeface="Times New Roman" pitchFamily="18" charset="0"/>
+              </a:defRPr>
+            </a:lvl3pPr>
+            <a:lvl4pPr marL="1600200" indent="-228600" eaLnBrk="0" hangingPunct="0">
+              <a:defRPr sz="2400">
+                <a:solidFill>
+                  <a:schemeClr val="tx1"/>
+                </a:solidFill>
+                <a:latin typeface="Times New Roman" pitchFamily="18" charset="0"/>
+              </a:defRPr>
+            </a:lvl4pPr>
+            <a:lvl5pPr marL="2057400" indent="-228600" eaLnBrk="0" hangingPunct="0">
+              <a:defRPr sz="2400">
+                <a:solidFill>
+                  <a:schemeClr val="tx1"/>
+                </a:solidFill>
+                <a:latin typeface="Times New Roman" pitchFamily="18" charset="0"/>
+              </a:defRPr>
+            </a:lvl5pPr>
+            <a:lvl6pPr marL="2514600" indent="-228600" eaLnBrk="0" fontAlgn="base" hangingPunct="0">
+              <a:spcBef>
+                <a:spcPct val="0"/>
+              </a:spcBef>
+              <a:spcAft>
+                <a:spcPct val="0"/>
+              </a:spcAft>
+              <a:defRPr sz="2400">
+                <a:solidFill>
+                  <a:schemeClr val="tx1"/>
+                </a:solidFill>
+                <a:latin typeface="Times New Roman" pitchFamily="18" charset="0"/>
+              </a:defRPr>
+            </a:lvl6pPr>
+            <a:lvl7pPr marL="2971800" indent="-228600" eaLnBrk="0" fontAlgn="base" hangingPunct="0">
+              <a:spcBef>
+                <a:spcPct val="0"/>
+              </a:spcBef>
+              <a:spcAft>
+                <a:spcPct val="0"/>
+              </a:spcAft>
+              <a:defRPr sz="2400">
+                <a:solidFill>
+                  <a:schemeClr val="tx1"/>
+                </a:solidFill>
+                <a:latin typeface="Times New Roman" pitchFamily="18" charset="0"/>
+              </a:defRPr>
+            </a:lvl7pPr>
+            <a:lvl8pPr marL="3429000" indent="-228600" eaLnBrk="0" fontAlgn="base" hangingPunct="0">
+              <a:spcBef>
+                <a:spcPct val="0"/>
+              </a:spcBef>
+              <a:spcAft>
+                <a:spcPct val="0"/>
+              </a:spcAft>
+              <a:defRPr sz="2400">
+                <a:solidFill>
+                  <a:schemeClr val="tx1"/>
+                </a:solidFill>
+                <a:latin typeface="Times New Roman" pitchFamily="18" charset="0"/>
+              </a:defRPr>
+            </a:lvl8pPr>
+            <a:lvl9pPr marL="3886200" indent="-228600" eaLnBrk="0" fontAlgn="base" hangingPunct="0">
+              <a:spcBef>
+                <a:spcPct val="0"/>
+              </a:spcBef>
+              <a:spcAft>
+                <a:spcPct val="0"/>
+              </a:spcAft>
+              <a:defRPr sz="2400">
+                <a:solidFill>
+                  <a:schemeClr val="tx1"/>
+                </a:solidFill>
+                <a:latin typeface="Times New Roman" pitchFamily="18" charset="0"/>
+              </a:defRPr>
+            </a:lvl9pPr>
+          </a:lstStyle>
+          <a:p>
+            <a:fld id="{BBB02FAA-F9E5-4019-9D7C-4D962C682FD5}" type="slidenum">
+              <a:rPr lang="zh-TW" altLang="en-US" sz="1200" smtClean="0"/>
+              <a:pPr/>
+              <a:t>21</a:t>
+            </a:fld>
+            <a:endParaRPr lang="en-US" altLang="zh-TW" sz="1200" smtClean="0"/>
+          </a:p>
+        </p:txBody>
+      </p:sp>
+      <p:sp>
+        <p:nvSpPr>
+          <p:cNvPr id="63491" name="Rectangle 2"/>
+          <p:cNvSpPr>
+            <a:spLocks noGrp="1" noRot="1" noChangeAspect="1" noChangeArrowheads="1" noTextEdit="1"/>
+          </p:cNvSpPr>
+          <p:nvPr>
+            <p:ph type="sldImg"/>
+          </p:nvPr>
+        </p:nvSpPr>
+        <p:spPr>
+          <a:ln/>
+        </p:spPr>
+      </p:sp>
+      <p:sp>
+        <p:nvSpPr>
+          <p:cNvPr id="63492" name="Rectangle 3"/>
+          <p:cNvSpPr>
+            <a:spLocks noGrp="1" noChangeArrowheads="1"/>
+          </p:cNvSpPr>
+          <p:nvPr>
+            <p:ph type="body" idx="1"/>
+          </p:nvPr>
+        </p:nvSpPr>
+        <p:spPr>
+          <a:noFill/>
+          <a:ln w="9525"/>
+          <a:extLst>
+            <a:ext uri="{909E8E84-426E-40DD-AFC4-6F175D3DCCD1}">
+              <a14:hiddenFill xmlns:a14="http://schemas.microsoft.com/office/drawing/2010/main">
+                <a:solidFill>
+                  <a:srgbClr val="FFFFFF"/>
+                </a:solidFill>
+              </a14:hiddenFill>
+            </a:ext>
+            <a:ext uri="{91240B29-F687-4F45-9708-019B960494DF}">
+              <a14:hiddenLine xmlns:a14="http://schemas.microsoft.com/office/drawing/2010/main" w="9525">
+                <a:solidFill>
+                  <a:srgbClr val="000000"/>
+                </a:solidFill>
+                <a:miter lim="800000"/>
+                <a:headEnd type="none" w="sm" len="sm"/>
+                <a:tailEnd type="none" w="sm" len="sm"/>
+              </a14:hiddenLine>
+            </a:ext>
+          </a:extLst>
+        </p:spPr>
+        <p:txBody>
+          <a:bodyPr/>
+          <a:lstStyle/>
+          <a:p>
+            <a:endParaRPr lang="zh-TW" altLang="zh-TW" smtClean="0">
+              <a:latin typeface="Times New Roman" pitchFamily="18" charset="0"/>
+            </a:endParaRPr>
+          </a:p>
+        </p:txBody>
+      </p:sp>
+    </p:spTree>
+    <p:extLst>
+      <p:ext uri="{BB962C8B-B14F-4D97-AF65-F5344CB8AC3E}">
+        <p14:creationId xmlns:p14="http://schemas.microsoft.com/office/powerpoint/2010/main" val="16938179"/>
+      </p:ext>
+    </p:extLst>
+  </p:cSld>
+  <p:clrMapOvr>
+    <a:masterClrMapping/>
+  </p:clrMapOvr>
+</p:notes>
+</file>
+
+<file path=ppt/notesSlides/notesSlide21.xml><?xml version="1.0" encoding="utf-8"?>
+<p:notes xmlns:a="http://schemas.openxmlformats.org/drawingml/2006/main" xmlns:r="http://schemas.openxmlformats.org/officeDocument/2006/relationships" xmlns:p="http://schemas.openxmlformats.org/presentationml/2006/main">
+  <p:cSld>
+    <p:spTree>
+      <p:nvGrpSpPr>
+        <p:cNvPr id="1" name=""/>
+        <p:cNvGrpSpPr/>
+        <p:nvPr/>
+      </p:nvGrpSpPr>
+      <p:grpSpPr>
+        <a:xfrm>
+          <a:off x="0" y="0"/>
+          <a:ext cx="0" cy="0"/>
+          <a:chOff x="0" y="0"/>
+          <a:chExt cx="0" cy="0"/>
+        </a:xfrm>
+      </p:grpSpPr>
+      <p:sp>
+        <p:nvSpPr>
+          <p:cNvPr id="63490" name="Rectangle 7"/>
+          <p:cNvSpPr>
+            <a:spLocks noGrp="1" noChangeArrowheads="1"/>
+          </p:cNvSpPr>
+          <p:nvPr>
+            <p:ph type="sldNum" sz="quarter" idx="5"/>
+          </p:nvPr>
+        </p:nvSpPr>
+        <p:spPr>
+          <a:noFill/>
+          <a:ln w="9525"/>
+          <a:extLst>
+            <a:ext uri="{909E8E84-426E-40DD-AFC4-6F175D3DCCD1}">
+              <a14:hiddenFill xmlns:a14="http://schemas.microsoft.com/office/drawing/2010/main">
+                <a:solidFill>
+                  <a:srgbClr val="FFFFFF"/>
+                </a:solidFill>
+              </a14:hiddenFill>
+            </a:ext>
+            <a:ext uri="{91240B29-F687-4F45-9708-019B960494DF}">
+              <a14:hiddenLine xmlns:a14="http://schemas.microsoft.com/office/drawing/2010/main" w="12700">
+                <a:solidFill>
+                  <a:srgbClr val="000000"/>
+                </a:solidFill>
+                <a:miter lim="800000"/>
+                <a:headEnd type="none" w="sm" len="sm"/>
+                <a:tailEnd type="none" w="sm" len="sm"/>
+              </a14:hiddenLine>
+            </a:ext>
+          </a:extLst>
+        </p:spPr>
+        <p:txBody>
+          <a:bodyPr/>
+          <a:lstStyle>
+            <a:lvl1pPr eaLnBrk="0" hangingPunct="0">
+              <a:defRPr sz="2400">
+                <a:solidFill>
+                  <a:schemeClr val="tx1"/>
+                </a:solidFill>
+                <a:latin typeface="Times New Roman" pitchFamily="18" charset="0"/>
+              </a:defRPr>
+            </a:lvl1pPr>
+            <a:lvl2pPr marL="742950" indent="-285750" eaLnBrk="0" hangingPunct="0">
+              <a:defRPr sz="2400">
+                <a:solidFill>
+                  <a:schemeClr val="tx1"/>
+                </a:solidFill>
+                <a:latin typeface="Times New Roman" pitchFamily="18" charset="0"/>
+              </a:defRPr>
+            </a:lvl2pPr>
+            <a:lvl3pPr marL="1143000" indent="-228600" eaLnBrk="0" hangingPunct="0">
+              <a:defRPr sz="2400">
+                <a:solidFill>
+                  <a:schemeClr val="tx1"/>
+                </a:solidFill>
+                <a:latin typeface="Times New Roman" pitchFamily="18" charset="0"/>
+              </a:defRPr>
+            </a:lvl3pPr>
+            <a:lvl4pPr marL="1600200" indent="-228600" eaLnBrk="0" hangingPunct="0">
+              <a:defRPr sz="2400">
+                <a:solidFill>
+                  <a:schemeClr val="tx1"/>
+                </a:solidFill>
+                <a:latin typeface="Times New Roman" pitchFamily="18" charset="0"/>
+              </a:defRPr>
+            </a:lvl4pPr>
+            <a:lvl5pPr marL="2057400" indent="-228600" eaLnBrk="0" hangingPunct="0">
+              <a:defRPr sz="2400">
+                <a:solidFill>
+                  <a:schemeClr val="tx1"/>
+                </a:solidFill>
+                <a:latin typeface="Times New Roman" pitchFamily="18" charset="0"/>
+              </a:defRPr>
+            </a:lvl5pPr>
+            <a:lvl6pPr marL="2514600" indent="-228600" eaLnBrk="0" fontAlgn="base" hangingPunct="0">
+              <a:spcBef>
+                <a:spcPct val="0"/>
+              </a:spcBef>
+              <a:spcAft>
+                <a:spcPct val="0"/>
+              </a:spcAft>
+              <a:defRPr sz="2400">
+                <a:solidFill>
+                  <a:schemeClr val="tx1"/>
+                </a:solidFill>
+                <a:latin typeface="Times New Roman" pitchFamily="18" charset="0"/>
+              </a:defRPr>
+            </a:lvl6pPr>
+            <a:lvl7pPr marL="2971800" indent="-228600" eaLnBrk="0" fontAlgn="base" hangingPunct="0">
+              <a:spcBef>
+                <a:spcPct val="0"/>
+              </a:spcBef>
+              <a:spcAft>
+                <a:spcPct val="0"/>
+              </a:spcAft>
+              <a:defRPr sz="2400">
+                <a:solidFill>
+                  <a:schemeClr val="tx1"/>
+                </a:solidFill>
+                <a:latin typeface="Times New Roman" pitchFamily="18" charset="0"/>
+              </a:defRPr>
+            </a:lvl7pPr>
+            <a:lvl8pPr marL="3429000" indent="-228600" eaLnBrk="0" fontAlgn="base" hangingPunct="0">
+              <a:spcBef>
+                <a:spcPct val="0"/>
+              </a:spcBef>
+              <a:spcAft>
+                <a:spcPct val="0"/>
+              </a:spcAft>
+              <a:defRPr sz="2400">
+                <a:solidFill>
+                  <a:schemeClr val="tx1"/>
+                </a:solidFill>
+                <a:latin typeface="Times New Roman" pitchFamily="18" charset="0"/>
+              </a:defRPr>
+            </a:lvl8pPr>
+            <a:lvl9pPr marL="3886200" indent="-228600" eaLnBrk="0" fontAlgn="base" hangingPunct="0">
+              <a:spcBef>
+                <a:spcPct val="0"/>
+              </a:spcBef>
+              <a:spcAft>
+                <a:spcPct val="0"/>
+              </a:spcAft>
+              <a:defRPr sz="2400">
+                <a:solidFill>
+                  <a:schemeClr val="tx1"/>
+                </a:solidFill>
+                <a:latin typeface="Times New Roman" pitchFamily="18" charset="0"/>
+              </a:defRPr>
+            </a:lvl9pPr>
+          </a:lstStyle>
+          <a:p>
+            <a:fld id="{BBB02FAA-F9E5-4019-9D7C-4D962C682FD5}" type="slidenum">
+              <a:rPr lang="zh-TW" altLang="en-US" sz="1200" smtClean="0"/>
+              <a:pPr/>
+              <a:t>22</a:t>
+            </a:fld>
+            <a:endParaRPr lang="en-US" altLang="zh-TW" sz="1200" smtClean="0"/>
+          </a:p>
+        </p:txBody>
+      </p:sp>
+      <p:sp>
+        <p:nvSpPr>
+          <p:cNvPr id="63491" name="Rectangle 2"/>
+          <p:cNvSpPr>
+            <a:spLocks noGrp="1" noRot="1" noChangeAspect="1" noChangeArrowheads="1" noTextEdit="1"/>
+          </p:cNvSpPr>
+          <p:nvPr>
+            <p:ph type="sldImg"/>
+          </p:nvPr>
+        </p:nvSpPr>
+        <p:spPr>
+          <a:ln/>
+        </p:spPr>
+      </p:sp>
+      <p:sp>
+        <p:nvSpPr>
+          <p:cNvPr id="63492" name="Rectangle 3"/>
+          <p:cNvSpPr>
+            <a:spLocks noGrp="1" noChangeArrowheads="1"/>
+          </p:cNvSpPr>
+          <p:nvPr>
+            <p:ph type="body" idx="1"/>
+          </p:nvPr>
+        </p:nvSpPr>
+        <p:spPr>
+          <a:noFill/>
+          <a:ln w="9525"/>
+          <a:extLst>
+            <a:ext uri="{909E8E84-426E-40DD-AFC4-6F175D3DCCD1}">
+              <a14:hiddenFill xmlns:a14="http://schemas.microsoft.com/office/drawing/2010/main">
+                <a:solidFill>
+                  <a:srgbClr val="FFFFFF"/>
+                </a:solidFill>
+              </a14:hiddenFill>
+            </a:ext>
+            <a:ext uri="{91240B29-F687-4F45-9708-019B960494DF}">
+              <a14:hiddenLine xmlns:a14="http://schemas.microsoft.com/office/drawing/2010/main" w="9525">
+                <a:solidFill>
+                  <a:srgbClr val="000000"/>
+                </a:solidFill>
+                <a:miter lim="800000"/>
+                <a:headEnd type="none" w="sm" len="sm"/>
+                <a:tailEnd type="none" w="sm" len="sm"/>
+              </a14:hiddenLine>
+            </a:ext>
+          </a:extLst>
+        </p:spPr>
+        <p:txBody>
+          <a:bodyPr/>
+          <a:lstStyle/>
+          <a:p>
+            <a:endParaRPr lang="zh-TW" altLang="zh-TW" smtClean="0">
+              <a:latin typeface="Times New Roman" pitchFamily="18" charset="0"/>
+            </a:endParaRPr>
+          </a:p>
+        </p:txBody>
+      </p:sp>
+    </p:spTree>
+    <p:extLst>
+      <p:ext uri="{BB962C8B-B14F-4D97-AF65-F5344CB8AC3E}">
+        <p14:creationId xmlns:p14="http://schemas.microsoft.com/office/powerpoint/2010/main" val="1161172581"/>
+      </p:ext>
+    </p:extLst>
+  </p:cSld>
+  <p:clrMapOvr>
+    <a:masterClrMapping/>
+  </p:clrMapOvr>
+</p:notes>
+</file>
+
+<file path=ppt/notesSlides/notesSlide22.xml><?xml version="1.0" encoding="utf-8"?>
+<p:notes xmlns:a="http://schemas.openxmlformats.org/drawingml/2006/main" xmlns:r="http://schemas.openxmlformats.org/officeDocument/2006/relationships" xmlns:p="http://schemas.openxmlformats.org/presentationml/2006/main">
+  <p:cSld>
+    <p:spTree>
+      <p:nvGrpSpPr>
+        <p:cNvPr id="1" name=""/>
+        <p:cNvGrpSpPr/>
+        <p:nvPr/>
+      </p:nvGrpSpPr>
+      <p:grpSpPr>
+        <a:xfrm>
+          <a:off x="0" y="0"/>
+          <a:ext cx="0" cy="0"/>
+          <a:chOff x="0" y="0"/>
+          <a:chExt cx="0" cy="0"/>
+        </a:xfrm>
+      </p:grpSpPr>
+      <p:sp>
+        <p:nvSpPr>
           <p:cNvPr id="25602" name="Rectangle 7"/>
           <p:cNvSpPr>
             <a:spLocks noGrp="1" noChangeArrowheads="1"/>
@@ -3844,7 +4317,7 @@
                   <a:spcPct val="0"/>
                 </a:spcBef>
               </a:pPr>
-              <a:t>20</a:t>
+              <a:t>23</a:t>
             </a:fld>
             <a:endParaRPr kumimoji="0" lang="en-US" altLang="zh-TW"/>
           </a:p>
@@ -3896,7 +4369,7 @@
               </a14:hiddenLine>
             </a:ext>
             <a:ext uri="{FAA26D3D-D897-4be2-8F04-BA451C77F1D7}">
-              <ma14:placeholderFlag xmlns:ma14="http://schemas.microsoft.com/office/mac/drawingml/2011/main" val="1"/>
+              <ma14:placeholderFlag xmlns:ma14="http://schemas.microsoft.com/office/mac/drawingml/2011/main" xmlns="" val="1"/>
             </a:ext>
           </a:extLst>
         </p:spPr>
@@ -11600,7 +12073,7 @@
               </a14:hiddenLine>
             </a:ext>
             <a:ext uri="{FAA26D3D-D897-4be2-8F04-BA451C77F1D7}">
-              <ma14:placeholderFlag xmlns:ma14="http://schemas.microsoft.com/office/mac/drawingml/2011/main" val="1"/>
+              <ma14:placeholderFlag xmlns:ma14="http://schemas.microsoft.com/office/mac/drawingml/2011/main" xmlns="" val="1"/>
             </a:ext>
           </a:extLst>
         </p:spPr>
@@ -11661,7 +12134,7 @@
               </a14:hiddenLine>
             </a:ext>
             <a:ext uri="{FAA26D3D-D897-4be2-8F04-BA451C77F1D7}">
-              <ma14:placeholderFlag xmlns:ma14="http://schemas.microsoft.com/office/mac/drawingml/2011/main" val="1"/>
+              <ma14:placeholderFlag xmlns:ma14="http://schemas.microsoft.com/office/mac/drawingml/2011/main" xmlns="" val="1"/>
             </a:ext>
           </a:extLst>
         </p:spPr>
@@ -12588,9 +13061,9 @@
       </p:grpSpPr>
       <p:sp>
         <p:nvSpPr>
-          <p:cNvPr id="199682" name="Rectangle 2"/>
-          <p:cNvSpPr>
-            <a:spLocks noGrp="1" noChangeArrowheads="1"/>
+          <p:cNvPr id="2" name="Title 1"/>
+          <p:cNvSpPr>
+            <a:spLocks noGrp="1"/>
           </p:cNvSpPr>
           <p:nvPr>
             <p:ph type="title"/>
@@ -12602,20 +13075,21 @@
           <a:lstStyle/>
           <a:p>
             <a:r>
-              <a:rPr lang="en-US" altLang="zh-TW" smtClean="0"/>
-              <a:t>File</a:t>
-            </a:r>
-          </a:p>
-        </p:txBody>
-      </p:sp>
-      <p:sp>
-        <p:nvSpPr>
-          <p:cNvPr id="22531" name="Rectangle 3"/>
-          <p:cNvSpPr>
-            <a:spLocks noGrp="1" noChangeArrowheads="1"/>
-          </p:cNvSpPr>
-          <p:nvPr>
-            <p:ph idx="1"/>
+              <a:rPr lang="en-US" altLang="zh-HK" smtClean="0"/>
+              <a:t>Break</a:t>
+            </a:r>
+            <a:endParaRPr lang="zh-HK" altLang="en-US"/>
+          </a:p>
+        </p:txBody>
+      </p:sp>
+      <p:sp>
+        <p:nvSpPr>
+          <p:cNvPr id="3" name="Text Placeholder 2"/>
+          <p:cNvSpPr>
+            <a:spLocks noGrp="1"/>
+          </p:cNvSpPr>
+          <p:nvPr>
+            <p:ph type="body" idx="1"/>
           </p:nvPr>
         </p:nvSpPr>
         <p:spPr/>
@@ -12623,83 +13097,20 @@
           <a:bodyPr/>
           <a:lstStyle/>
           <a:p>
-            <a:r>
-              <a:rPr lang="en-US" altLang="zh-TW" smtClean="0"/>
-              <a:t>Read files/directory from the current directory on the server</a:t>
-            </a:r>
-          </a:p>
-          <a:p>
-            <a:r>
-              <a:rPr lang="en-US" altLang="zh-TW" smtClean="0"/>
-              <a:t>fopen() – open a file</a:t>
-            </a:r>
-          </a:p>
-          <a:p>
-            <a:r>
-              <a:rPr lang="en-US" altLang="zh-TW" smtClean="0"/>
-              <a:t>fclose() – close an opened file</a:t>
-            </a:r>
-          </a:p>
-          <a:p>
-            <a:r>
-              <a:rPr lang="en-US" altLang="zh-TW" smtClean="0"/>
-              <a:t>fgets() – read file content</a:t>
-            </a:r>
-          </a:p>
-          <a:p>
-            <a:r>
-              <a:rPr lang="en-US" altLang="zh-TW" smtClean="0"/>
-              <a:t>fwrite() – write data to the file</a:t>
-            </a:r>
-          </a:p>
-          <a:p>
-            <a:r>
-              <a:rPr lang="en-US" altLang="zh-TW" smtClean="0"/>
-              <a:t>w - </a:t>
-            </a:r>
-            <a:r>
-              <a:rPr lang="zh-TW" altLang="en-US" smtClean="0"/>
-              <a:t>寫入</a:t>
-            </a:r>
-            <a:endParaRPr lang="en-US" altLang="zh-TW" smtClean="0"/>
-          </a:p>
-          <a:p>
-            <a:r>
-              <a:rPr lang="en-US" altLang="zh-TW" smtClean="0"/>
-              <a:t>a - </a:t>
-            </a:r>
-            <a:r>
-              <a:rPr lang="zh-TW" altLang="en-US" smtClean="0"/>
-              <a:t>附加在檔案後面</a:t>
-            </a:r>
-            <a:endParaRPr lang="en-US" altLang="zh-TW" smtClean="0"/>
-          </a:p>
-          <a:p>
-            <a:r>
-              <a:rPr lang="en-US" altLang="zh-TW" smtClean="0"/>
-              <a:t>r - </a:t>
-            </a:r>
-            <a:r>
-              <a:rPr lang="zh-TW" altLang="en-US" smtClean="0"/>
-              <a:t>只有讀取</a:t>
-            </a:r>
-            <a:endParaRPr lang="en-US" altLang="zh-TW" smtClean="0"/>
+            <a:endParaRPr lang="zh-HK" altLang="en-US"/>
           </a:p>
         </p:txBody>
       </p:sp>
     </p:spTree>
     <p:extLst>
       <p:ext uri="{BB962C8B-B14F-4D97-AF65-F5344CB8AC3E}">
-        <p14:creationId xmlns:p14="http://schemas.microsoft.com/office/powerpoint/2010/main" val="149679747"/>
+        <p14:creationId xmlns:p14="http://schemas.microsoft.com/office/powerpoint/2010/main" val="1937669722"/>
       </p:ext>
     </p:extLst>
   </p:cSld>
   <p:clrMapOvr>
     <a:masterClrMapping/>
   </p:clrMapOvr>
-  <p:transition>
-    <p:checker/>
-  </p:transition>
 </p:sld>
 </file>
 
@@ -12722,7 +13133,7 @@
       </p:grpSpPr>
       <p:sp>
         <p:nvSpPr>
-          <p:cNvPr id="214018" name="Rectangle 2"/>
+          <p:cNvPr id="199682" name="Rectangle 2"/>
           <p:cNvSpPr>
             <a:spLocks noGrp="1" noChangeArrowheads="1"/>
           </p:cNvSpPr>
@@ -12737,14 +13148,14 @@
           <a:p>
             <a:r>
               <a:rPr lang="en-US" altLang="zh-TW" smtClean="0"/>
-              <a:t>Read a file</a:t>
-            </a:r>
-          </a:p>
-        </p:txBody>
-      </p:sp>
-      <p:sp>
-        <p:nvSpPr>
-          <p:cNvPr id="23555" name="Rectangle 3"/>
+              <a:t>File</a:t>
+            </a:r>
+          </a:p>
+        </p:txBody>
+      </p:sp>
+      <p:sp>
+        <p:nvSpPr>
+          <p:cNvPr id="22531" name="Rectangle 3"/>
           <p:cNvSpPr>
             <a:spLocks noGrp="1" noChangeArrowheads="1"/>
           </p:cNvSpPr>
@@ -12759,45 +13170,72 @@
           <a:p>
             <a:r>
               <a:rPr lang="en-US" altLang="zh-TW" smtClean="0"/>
-              <a:t>fopen(filename, attribute)</a:t>
+              <a:t>Read files/directory from the current directory on the server</a:t>
             </a:r>
           </a:p>
           <a:p>
             <a:r>
               <a:rPr lang="en-US" altLang="zh-TW" smtClean="0"/>
-              <a:t>fclose($filePointer)</a:t>
+              <a:t>fopen() – open a file</a:t>
             </a:r>
           </a:p>
           <a:p>
             <a:r>
               <a:rPr lang="en-US" altLang="zh-TW" smtClean="0"/>
-              <a:t>fgets($filePointer)</a:t>
+              <a:t>fclose() – close an opened file</a:t>
             </a:r>
           </a:p>
           <a:p>
             <a:r>
               <a:rPr lang="en-US" altLang="zh-TW" smtClean="0"/>
-              <a:t>fwrite($filePointer, data)</a:t>
+              <a:t>fgets() – read file content</a:t>
             </a:r>
           </a:p>
           <a:p>
             <a:r>
               <a:rPr lang="en-US" altLang="zh-TW" smtClean="0"/>
-              <a:t>fgets.php, text.txt</a:t>
+              <a:t>fwrite() – write data to the file</a:t>
             </a:r>
           </a:p>
           <a:p>
             <a:r>
               <a:rPr lang="en-US" altLang="zh-TW" smtClean="0"/>
-              <a:t>fwrite.php, write.txt</a:t>
-            </a:r>
+              <a:t>w - </a:t>
+            </a:r>
+            <a:r>
+              <a:rPr lang="zh-TW" altLang="en-US" smtClean="0"/>
+              <a:t>寫入</a:t>
+            </a:r>
+            <a:endParaRPr lang="en-US" altLang="zh-TW" smtClean="0"/>
+          </a:p>
+          <a:p>
+            <a:r>
+              <a:rPr lang="en-US" altLang="zh-TW" smtClean="0"/>
+              <a:t>a - </a:t>
+            </a:r>
+            <a:r>
+              <a:rPr lang="zh-TW" altLang="en-US" smtClean="0"/>
+              <a:t>附加在檔案後面</a:t>
+            </a:r>
+            <a:endParaRPr lang="en-US" altLang="zh-TW" smtClean="0"/>
+          </a:p>
+          <a:p>
+            <a:r>
+              <a:rPr lang="en-US" altLang="zh-TW" smtClean="0"/>
+              <a:t>r - </a:t>
+            </a:r>
+            <a:r>
+              <a:rPr lang="zh-TW" altLang="en-US" smtClean="0"/>
+              <a:t>只有讀取</a:t>
+            </a:r>
+            <a:endParaRPr lang="en-US" altLang="zh-TW" smtClean="0"/>
           </a:p>
         </p:txBody>
       </p:sp>
     </p:spTree>
     <p:extLst>
       <p:ext uri="{BB962C8B-B14F-4D97-AF65-F5344CB8AC3E}">
-        <p14:creationId xmlns:p14="http://schemas.microsoft.com/office/powerpoint/2010/main" val="1825809329"/>
+        <p14:creationId xmlns:p14="http://schemas.microsoft.com/office/powerpoint/2010/main" val="149679747"/>
       </p:ext>
     </p:extLst>
   </p:cSld>
@@ -12829,7 +13267,7 @@
       </p:grpSpPr>
       <p:sp>
         <p:nvSpPr>
-          <p:cNvPr id="212994" name="Rectangle 2"/>
+          <p:cNvPr id="214018" name="Rectangle 2"/>
           <p:cNvSpPr>
             <a:spLocks noGrp="1" noChangeArrowheads="1"/>
           </p:cNvSpPr>
@@ -12844,15 +13282,14 @@
           <a:p>
             <a:r>
               <a:rPr lang="en-US" altLang="zh-TW" smtClean="0"/>
-              <a:t>Counter</a:t>
-            </a:r>
-            <a:endParaRPr lang="en-US" altLang="zh-TW" dirty="0" smtClean="0"/>
-          </a:p>
-        </p:txBody>
-      </p:sp>
-      <p:sp>
-        <p:nvSpPr>
-          <p:cNvPr id="24579" name="Rectangle 3"/>
+              <a:t>Read a file</a:t>
+            </a:r>
+          </a:p>
+        </p:txBody>
+      </p:sp>
+      <p:sp>
+        <p:nvSpPr>
+          <p:cNvPr id="23555" name="Rectangle 3"/>
           <p:cNvSpPr>
             <a:spLocks noGrp="1" noChangeArrowheads="1"/>
           </p:cNvSpPr>
@@ -12867,46 +13304,45 @@
           <a:p>
             <a:r>
               <a:rPr lang="en-US" altLang="zh-TW" smtClean="0"/>
-              <a:t>Update hit counter</a:t>
+              <a:t>fopen(filename, attribute)</a:t>
             </a:r>
           </a:p>
           <a:p>
             <a:r>
               <a:rPr lang="en-US" altLang="zh-TW" smtClean="0"/>
-              <a:t>fopen() – open the file</a:t>
+              <a:t>fclose($filePointer)</a:t>
             </a:r>
           </a:p>
           <a:p>
             <a:r>
               <a:rPr lang="en-US" altLang="zh-TW" smtClean="0"/>
-              <a:t>fgets() – read file data</a:t>
+              <a:t>fgets($filePointer)</a:t>
             </a:r>
           </a:p>
           <a:p>
             <a:r>
               <a:rPr lang="en-US" altLang="zh-TW" smtClean="0"/>
-              <a:t>fwrite() – write data to the file</a:t>
+              <a:t>fwrite($filePointer, data)</a:t>
             </a:r>
           </a:p>
           <a:p>
             <a:r>
               <a:rPr lang="en-US" altLang="zh-TW" smtClean="0"/>
-              <a:t>fclose() – close the opened file</a:t>
+              <a:t>fgets.php, text.txt</a:t>
             </a:r>
           </a:p>
           <a:p>
             <a:r>
               <a:rPr lang="en-US" altLang="zh-TW" smtClean="0"/>
-              <a:t>hitscounter.php, counter.txt</a:t>
-            </a:r>
-            <a:endParaRPr lang="en-US" altLang="zh-TW" dirty="0" smtClean="0"/>
+              <a:t>fwrite.php, write.txt</a:t>
+            </a:r>
           </a:p>
         </p:txBody>
       </p:sp>
     </p:spTree>
     <p:extLst>
       <p:ext uri="{BB962C8B-B14F-4D97-AF65-F5344CB8AC3E}">
-        <p14:creationId xmlns:p14="http://schemas.microsoft.com/office/powerpoint/2010/main" val="1520028681"/>
+        <p14:creationId xmlns:p14="http://schemas.microsoft.com/office/powerpoint/2010/main" val="1825809329"/>
       </p:ext>
     </p:extLst>
   </p:cSld>
@@ -12938,7 +13374,7 @@
       </p:grpSpPr>
       <p:sp>
         <p:nvSpPr>
-          <p:cNvPr id="214018" name="Rectangle 2"/>
+          <p:cNvPr id="212994" name="Rectangle 2"/>
           <p:cNvSpPr>
             <a:spLocks noGrp="1" noChangeArrowheads="1"/>
           </p:cNvSpPr>
@@ -12953,7 +13389,7 @@
           <a:p>
             <a:r>
               <a:rPr lang="en-US" altLang="zh-TW" smtClean="0"/>
-              <a:t>Read a remote server content</a:t>
+              <a:t>Counter</a:t>
             </a:r>
             <a:endParaRPr lang="en-US" altLang="zh-TW" dirty="0" smtClean="0"/>
           </a:p>
@@ -12961,7 +13397,7 @@
       </p:sp>
       <p:sp>
         <p:nvSpPr>
-          <p:cNvPr id="25603" name="Rectangle 3"/>
+          <p:cNvPr id="24579" name="Rectangle 3"/>
           <p:cNvSpPr>
             <a:spLocks noGrp="1" noChangeArrowheads="1"/>
           </p:cNvSpPr>
@@ -12976,21 +13412,46 @@
           <a:p>
             <a:r>
               <a:rPr lang="en-US" altLang="zh-TW" smtClean="0"/>
-              <a:t>file_get_contents(“site”);</a:t>
+              <a:t>Update hit counter</a:t>
             </a:r>
           </a:p>
           <a:p>
             <a:r>
               <a:rPr lang="en-US" altLang="zh-TW" smtClean="0"/>
-              <a:t>fgets3.php</a:t>
-            </a:r>
+              <a:t>fopen() – open the file</a:t>
+            </a:r>
+          </a:p>
+          <a:p>
+            <a:r>
+              <a:rPr lang="en-US" altLang="zh-TW" smtClean="0"/>
+              <a:t>fgets() – read file data</a:t>
+            </a:r>
+          </a:p>
+          <a:p>
+            <a:r>
+              <a:rPr lang="en-US" altLang="zh-TW" smtClean="0"/>
+              <a:t>fwrite() – write data to the file</a:t>
+            </a:r>
+          </a:p>
+          <a:p>
+            <a:r>
+              <a:rPr lang="en-US" altLang="zh-TW" smtClean="0"/>
+              <a:t>fclose() – close the opened file</a:t>
+            </a:r>
+          </a:p>
+          <a:p>
+            <a:r>
+              <a:rPr lang="en-US" altLang="zh-TW" smtClean="0"/>
+              <a:t>hitscounter.php, counter.txt</a:t>
+            </a:r>
+            <a:endParaRPr lang="en-US" altLang="zh-TW" dirty="0" smtClean="0"/>
           </a:p>
         </p:txBody>
       </p:sp>
     </p:spTree>
     <p:extLst>
       <p:ext uri="{BB962C8B-B14F-4D97-AF65-F5344CB8AC3E}">
-        <p14:creationId xmlns:p14="http://schemas.microsoft.com/office/powerpoint/2010/main" val="1316223699"/>
+        <p14:creationId xmlns:p14="http://schemas.microsoft.com/office/powerpoint/2010/main" val="1520028681"/>
       </p:ext>
     </p:extLst>
   </p:cSld>
@@ -13037,7 +13498,7 @@
           <a:p>
             <a:r>
               <a:rPr lang="en-US" altLang="zh-TW" smtClean="0"/>
-              <a:t>fgetss</a:t>
+              <a:t>Read a remote server content</a:t>
             </a:r>
             <a:endParaRPr lang="en-US" altLang="zh-TW" dirty="0" smtClean="0"/>
           </a:p>
@@ -13059,24 +13520,22 @@
           <a:lstStyle/>
           <a:p>
             <a:r>
-              <a:rPr lang="en-US" smtClean="0"/>
-              <a:t>Gets line from file pointer and strip HTML tags</a:t>
-            </a:r>
-            <a:endParaRPr lang="en-US" altLang="zh-TW" smtClean="0"/>
-          </a:p>
-          <a:p>
-            <a:r>
               <a:rPr lang="en-US" altLang="zh-TW" smtClean="0"/>
-              <a:t>fgetss.php</a:t>
-            </a:r>
-            <a:endParaRPr lang="en-US" altLang="zh-TW" dirty="0" smtClean="0"/>
+              <a:t>file_get_contents(“site”);</a:t>
+            </a:r>
+          </a:p>
+          <a:p>
+            <a:r>
+              <a:rPr lang="en-US" altLang="zh-TW" smtClean="0"/>
+              <a:t>fgets3.php</a:t>
+            </a:r>
           </a:p>
         </p:txBody>
       </p:sp>
     </p:spTree>
     <p:extLst>
       <p:ext uri="{BB962C8B-B14F-4D97-AF65-F5344CB8AC3E}">
-        <p14:creationId xmlns:p14="http://schemas.microsoft.com/office/powerpoint/2010/main" val="146193413"/>
+        <p14:creationId xmlns:p14="http://schemas.microsoft.com/office/powerpoint/2010/main" val="1316223699"/>
       </p:ext>
     </p:extLst>
   </p:cSld>
@@ -13108,7 +13567,7 @@
       </p:grpSpPr>
       <p:sp>
         <p:nvSpPr>
-          <p:cNvPr id="211970" name="Rectangle 2"/>
+          <p:cNvPr id="214018" name="Rectangle 2"/>
           <p:cNvSpPr>
             <a:spLocks noGrp="1" noChangeArrowheads="1"/>
           </p:cNvSpPr>
@@ -13123,14 +13582,15 @@
           <a:p>
             <a:r>
               <a:rPr lang="en-US" altLang="zh-TW" smtClean="0"/>
-              <a:t>Upload file</a:t>
-            </a:r>
-          </a:p>
-        </p:txBody>
-      </p:sp>
-      <p:sp>
-        <p:nvSpPr>
-          <p:cNvPr id="26627" name="Rectangle 3"/>
+              <a:t>fgetss</a:t>
+            </a:r>
+            <a:endParaRPr lang="en-US" altLang="zh-TW" dirty="0" smtClean="0"/>
+          </a:p>
+        </p:txBody>
+      </p:sp>
+      <p:sp>
+        <p:nvSpPr>
+          <p:cNvPr id="25603" name="Rectangle 3"/>
           <p:cNvSpPr>
             <a:spLocks noGrp="1" noChangeArrowheads="1"/>
           </p:cNvSpPr>
@@ -13144,40 +13604,24 @@
           <a:lstStyle/>
           <a:p>
             <a:r>
+              <a:rPr lang="en-US" smtClean="0"/>
+              <a:t>Gets line from file pointer and strip HTML tags</a:t>
+            </a:r>
+            <a:endParaRPr lang="en-US" altLang="zh-TW" smtClean="0"/>
+          </a:p>
+          <a:p>
+            <a:r>
               <a:rPr lang="en-US" altLang="zh-TW" smtClean="0"/>
-              <a:t>Upload a file from a web page</a:t>
-            </a:r>
-          </a:p>
-          <a:p>
-            <a:r>
-              <a:rPr lang="en-US" altLang="zh-TW" smtClean="0"/>
-              <a:t>Eg. Attach a file to your email</a:t>
-            </a:r>
-          </a:p>
-          <a:p>
-            <a:r>
-              <a:rPr lang="en-US" altLang="zh-TW" smtClean="0"/>
-              <a:t>Open a new html file</a:t>
-            </a:r>
-          </a:p>
-          <a:p>
-            <a:r>
-              <a:rPr lang="en-US" altLang="zh-TW" smtClean="0"/>
-              <a:t>Create a form with file field</a:t>
-            </a:r>
-          </a:p>
-          <a:p>
-            <a:r>
-              <a:rPr lang="en-US" altLang="zh-TW" smtClean="0"/>
-              <a:t>Save as upload.html</a:t>
-            </a:r>
+              <a:t>fgetss.php</a:t>
+            </a:r>
+            <a:endParaRPr lang="en-US" altLang="zh-TW" dirty="0" smtClean="0"/>
           </a:p>
         </p:txBody>
       </p:sp>
     </p:spTree>
     <p:extLst>
       <p:ext uri="{BB962C8B-B14F-4D97-AF65-F5344CB8AC3E}">
-        <p14:creationId xmlns:p14="http://schemas.microsoft.com/office/powerpoint/2010/main" val="401838011"/>
+        <p14:creationId xmlns:p14="http://schemas.microsoft.com/office/powerpoint/2010/main" val="146193413"/>
       </p:ext>
     </p:extLst>
   </p:cSld>
@@ -13209,7 +13653,7 @@
       </p:grpSpPr>
       <p:sp>
         <p:nvSpPr>
-          <p:cNvPr id="216066" name="Rectangle 2"/>
+          <p:cNvPr id="211970" name="Rectangle 2"/>
           <p:cNvSpPr>
             <a:spLocks noGrp="1" noChangeArrowheads="1"/>
           </p:cNvSpPr>
@@ -13224,15 +13668,14 @@
           <a:p>
             <a:r>
               <a:rPr lang="en-US" altLang="zh-TW" smtClean="0"/>
-              <a:t>Upload folder</a:t>
-            </a:r>
-            <a:endParaRPr lang="en-US" altLang="zh-TW" dirty="0" smtClean="0"/>
-          </a:p>
-        </p:txBody>
-      </p:sp>
-      <p:sp>
-        <p:nvSpPr>
-          <p:cNvPr id="27651" name="Rectangle 3"/>
+              <a:t>Upload file</a:t>
+            </a:r>
+          </a:p>
+        </p:txBody>
+      </p:sp>
+      <p:sp>
+        <p:nvSpPr>
+          <p:cNvPr id="26627" name="Rectangle 3"/>
           <p:cNvSpPr>
             <a:spLocks noGrp="1" noChangeArrowheads="1"/>
           </p:cNvSpPr>
@@ -13246,23 +13689,44 @@
           <a:lstStyle/>
           <a:p>
             <a:r>
-              <a:rPr lang="en-US" altLang="zh-TW" smtClean="0"/>
-              <a:t>Usually we will create a folder to store the upload files in case they upload a “index.html” to hijack our website.</a:t>
-            </a:r>
-          </a:p>
-          <a:p>
-            <a:r>
-              <a:rPr lang="en-US" altLang="zh-TW" smtClean="0"/>
-              <a:t>In ftp, right click -&gt; New -&gt; Folder -&gt; Create an “upload” folder in ftp.</a:t>
-            </a:r>
-            <a:endParaRPr lang="en-US" altLang="zh-TW" dirty="0" smtClean="0"/>
+              <a:rPr lang="en-US" altLang="zh-TW" dirty="0" smtClean="0"/>
+              <a:t>Upload a file from a web page</a:t>
+            </a:r>
+          </a:p>
+          <a:p>
+            <a:r>
+              <a:rPr lang="en-US" altLang="zh-TW" dirty="0" err="1" smtClean="0"/>
+              <a:t>Eg</a:t>
+            </a:r>
+            <a:r>
+              <a:rPr lang="en-US" altLang="zh-TW" dirty="0" smtClean="0"/>
+              <a:t>. Attach a file to your email</a:t>
+            </a:r>
+          </a:p>
+          <a:p>
+            <a:r>
+              <a:rPr lang="en-US" altLang="zh-TW" dirty="0" smtClean="0"/>
+              <a:t>Open a new html file</a:t>
+            </a:r>
+          </a:p>
+          <a:p>
+            <a:r>
+              <a:rPr lang="en-US" altLang="zh-TW" dirty="0" smtClean="0"/>
+              <a:t>Create a form with file field</a:t>
+            </a:r>
+          </a:p>
+          <a:p>
+            <a:r>
+              <a:rPr lang="en-US" altLang="zh-TW" dirty="0" smtClean="0"/>
+              <a:t>Save as upload.html</a:t>
+            </a:r>
           </a:p>
         </p:txBody>
       </p:sp>
     </p:spTree>
     <p:extLst>
       <p:ext uri="{BB962C8B-B14F-4D97-AF65-F5344CB8AC3E}">
-        <p14:creationId xmlns:p14="http://schemas.microsoft.com/office/powerpoint/2010/main" val="340997438"/>
+        <p14:creationId xmlns:p14="http://schemas.microsoft.com/office/powerpoint/2010/main" val="401838011"/>
       </p:ext>
     </p:extLst>
   </p:cSld>
@@ -13309,8 +13773,9 @@
           <a:p>
             <a:r>
               <a:rPr lang="en-US" altLang="zh-TW" smtClean="0"/>
-              <a:t>Upload file php</a:t>
-            </a:r>
+              <a:t>Upload folder</a:t>
+            </a:r>
+            <a:endParaRPr lang="en-US" altLang="zh-TW" dirty="0" smtClean="0"/>
           </a:p>
         </p:txBody>
       </p:sp>
@@ -13331,37 +13796,13 @@
           <a:p>
             <a:r>
               <a:rPr lang="en-US" altLang="zh-TW" smtClean="0"/>
-              <a:t>Create a php file</a:t>
+              <a:t>Usually we will create a folder to store the upload files in case they upload a “index.html” to hijack our website.</a:t>
             </a:r>
           </a:p>
           <a:p>
             <a:r>
               <a:rPr lang="en-US" altLang="zh-TW" smtClean="0"/>
-              <a:t>$upfile=uploads/".$file_name;</a:t>
-            </a:r>
-          </a:p>
-          <a:p>
-            <a:r>
-              <a:rPr lang="en-US" altLang="zh-TW" smtClean="0"/>
-              <a:t>Move_uploaded_file($file, $upfile);</a:t>
-            </a:r>
-          </a:p>
-          <a:p>
-            <a:r>
-              <a:rPr lang="en-US" altLang="zh-TW" smtClean="0"/>
-              <a:t>Save as upload.php</a:t>
-            </a:r>
-          </a:p>
-          <a:p>
-            <a:r>
-              <a:rPr lang="en-US" altLang="zh-TW" smtClean="0"/>
-              <a:t>NO FILE UPLOADED~!!</a:t>
-            </a:r>
-          </a:p>
-          <a:p>
-            <a:r>
-              <a:rPr lang="en-US" altLang="zh-TW" smtClean="0"/>
-              <a:t>CHECK PERMISSION~!!!!</a:t>
+              <a:t>In ftp, right click -&gt; New -&gt; Folder -&gt; Create an “upload” folder in ftp.</a:t>
             </a:r>
             <a:endParaRPr lang="en-US" altLang="zh-TW" dirty="0" smtClean="0"/>
           </a:p>
@@ -13370,7 +13811,7 @@
     </p:spTree>
     <p:extLst>
       <p:ext uri="{BB962C8B-B14F-4D97-AF65-F5344CB8AC3E}">
-        <p14:creationId xmlns:p14="http://schemas.microsoft.com/office/powerpoint/2010/main" val="1625659006"/>
+        <p14:creationId xmlns:p14="http://schemas.microsoft.com/office/powerpoint/2010/main" val="340997438"/>
       </p:ext>
     </p:extLst>
   </p:cSld>
@@ -13417,9 +13858,8 @@
           <a:p>
             <a:r>
               <a:rPr lang="en-US" altLang="zh-TW" smtClean="0"/>
-              <a:t>File path</a:t>
-            </a:r>
-            <a:endParaRPr lang="en-US" altLang="zh-TW" dirty="0" smtClean="0"/>
+              <a:t>Upload file php</a:t>
+            </a:r>
           </a:p>
         </p:txBody>
       </p:sp>
@@ -13439,35 +13879,84 @@
           <a:lstStyle/>
           <a:p>
             <a:r>
-              <a:rPr lang="en-US" altLang="zh-TW" smtClean="0"/>
-              <a:t>basename</a:t>
-            </a:r>
-          </a:p>
-          <a:p>
-            <a:r>
-              <a:rPr lang="en-US" altLang="zh-TW" smtClean="0"/>
-              <a:t>dirname</a:t>
-            </a:r>
-          </a:p>
-          <a:p>
-            <a:r>
-              <a:rPr lang="en-US" altLang="zh-TW" smtClean="0"/>
-              <a:t>pathinfo</a:t>
-            </a:r>
-          </a:p>
-          <a:p>
-            <a:r>
-              <a:rPr lang="en-US" altLang="zh-TW" smtClean="0"/>
-              <a:t>realpath</a:t>
-            </a:r>
-          </a:p>
-          <a:p>
-            <a:endParaRPr lang="en-US" altLang="zh-TW" smtClean="0"/>
-          </a:p>
-          <a:p>
-            <a:r>
-              <a:rPr lang="en-US" altLang="zh-TW" smtClean="0"/>
-              <a:t>path.php</a:t>
+              <a:rPr lang="en-US" altLang="zh-TW" dirty="0" smtClean="0"/>
+              <a:t>Create a </a:t>
+            </a:r>
+            <a:r>
+              <a:rPr lang="en-US" altLang="zh-TW" dirty="0" err="1" smtClean="0"/>
+              <a:t>php</a:t>
+            </a:r>
+            <a:r>
+              <a:rPr lang="en-US" altLang="zh-TW" dirty="0" smtClean="0"/>
+              <a:t> file</a:t>
+            </a:r>
+          </a:p>
+          <a:p>
+            <a:r>
+              <a:rPr lang="en-US" altLang="zh-TW" dirty="0" smtClean="0"/>
+              <a:t>$</a:t>
+            </a:r>
+            <a:r>
+              <a:rPr lang="en-US" altLang="zh-TW" dirty="0" err="1" smtClean="0"/>
+              <a:t>upfile</a:t>
+            </a:r>
+            <a:r>
+              <a:rPr lang="en-US" altLang="zh-TW" dirty="0" smtClean="0"/>
+              <a:t>=uploads/".$</a:t>
+            </a:r>
+            <a:r>
+              <a:rPr lang="en-US" altLang="zh-TW" dirty="0" err="1" smtClean="0"/>
+              <a:t>file_name</a:t>
+            </a:r>
+            <a:r>
+              <a:rPr lang="en-US" altLang="zh-TW" dirty="0" smtClean="0"/>
+              <a:t>;</a:t>
+            </a:r>
+          </a:p>
+          <a:p>
+            <a:r>
+              <a:rPr lang="en-US" altLang="zh-TW" dirty="0" err="1" smtClean="0"/>
+              <a:t>move_uploaded_file</a:t>
+            </a:r>
+            <a:r>
+              <a:rPr lang="en-US" altLang="zh-TW" dirty="0" smtClean="0"/>
+              <a:t>($file, $</a:t>
+            </a:r>
+            <a:r>
+              <a:rPr lang="en-US" altLang="zh-TW" dirty="0" err="1" smtClean="0"/>
+              <a:t>upfile</a:t>
+            </a:r>
+            <a:r>
+              <a:rPr lang="en-US" altLang="zh-TW" dirty="0" smtClean="0"/>
+              <a:t>);</a:t>
+            </a:r>
+          </a:p>
+          <a:p>
+            <a:r>
+              <a:rPr lang="en-US" altLang="zh-TW" dirty="0" smtClean="0"/>
+              <a:t>Save as </a:t>
+            </a:r>
+            <a:r>
+              <a:rPr lang="en-US" altLang="zh-TW" dirty="0" err="1" smtClean="0"/>
+              <a:t>upload.php</a:t>
+            </a:r>
+            <a:endParaRPr lang="en-US" altLang="zh-TW" dirty="0" smtClean="0"/>
+          </a:p>
+          <a:p>
+            <a:endParaRPr lang="en-US" altLang="zh-TW" dirty="0" smtClean="0"/>
+          </a:p>
+          <a:p>
+            <a:r>
+              <a:rPr lang="en-US" altLang="zh-TW" dirty="0" smtClean="0"/>
+              <a:t>If no file uploaded</a:t>
+            </a:r>
+            <a:r>
+              <a:rPr lang="en-US" altLang="zh-TW" dirty="0" smtClean="0"/>
+              <a:t>, </a:t>
+            </a:r>
+            <a:r>
+              <a:rPr lang="en-US" altLang="zh-TW" dirty="0" smtClean="0"/>
+              <a:t>check LINUX/MAC PERMISSION!</a:t>
             </a:r>
             <a:endParaRPr lang="en-US" altLang="zh-TW" dirty="0" smtClean="0"/>
           </a:p>
@@ -13476,7 +13965,7 @@
     </p:spTree>
     <p:extLst>
       <p:ext uri="{BB962C8B-B14F-4D97-AF65-F5344CB8AC3E}">
-        <p14:creationId xmlns:p14="http://schemas.microsoft.com/office/powerpoint/2010/main" val="1984829411"/>
+        <p14:creationId xmlns:p14="http://schemas.microsoft.com/office/powerpoint/2010/main" val="1625659006"/>
       </p:ext>
     </p:extLst>
   </p:cSld>
@@ -13522,10 +14011,9 @@
           <a:lstStyle/>
           <a:p>
             <a:r>
-              <a:rPr lang="en-US" altLang="zh-TW" dirty="0" smtClean="0"/>
-              <a:t>Homework</a:t>
-            </a:r>
-            <a:endParaRPr lang="en-US" altLang="zh-TW" dirty="0" smtClean="0"/>
+              <a:rPr lang="en-US" altLang="zh-TW" smtClean="0"/>
+              <a:t>Upload file php</a:t>
+            </a:r>
           </a:p>
         </p:txBody>
       </p:sp>
@@ -13546,50 +14034,83 @@
           <a:p>
             <a:r>
               <a:rPr lang="en-US" altLang="zh-TW" dirty="0" smtClean="0"/>
-              <a:t>Create a product page layout by these files.</a:t>
-            </a:r>
-          </a:p>
-          <a:p>
-            <a:pPr lvl="1"/>
+              <a:t>Create a </a:t>
+            </a:r>
+            <a:r>
+              <a:rPr lang="en-US" altLang="zh-TW" dirty="0" err="1" smtClean="0"/>
+              <a:t>php</a:t>
+            </a:r>
             <a:r>
               <a:rPr lang="en-US" altLang="zh-TW" dirty="0" smtClean="0"/>
-              <a:t>p</a:t>
-            </a:r>
+              <a:t> file</a:t>
+            </a:r>
+          </a:p>
+          <a:p>
             <a:r>
               <a:rPr lang="en-US" altLang="zh-TW" dirty="0" smtClean="0"/>
-              <a:t>roducts-</a:t>
+              <a:t>$</a:t>
             </a:r>
             <a:r>
               <a:rPr lang="en-US" altLang="zh-TW" dirty="0" err="1" smtClean="0"/>
-              <a:t>design.php</a:t>
+              <a:t>upfile</a:t>
+            </a:r>
+            <a:r>
+              <a:rPr lang="en-US" altLang="zh-TW" dirty="0" smtClean="0"/>
+              <a:t>=uploads/".$</a:t>
+            </a:r>
+            <a:r>
+              <a:rPr lang="en-US" altLang="zh-TW" dirty="0" err="1" smtClean="0"/>
+              <a:t>file_name</a:t>
+            </a:r>
+            <a:r>
+              <a:rPr lang="en-US" altLang="zh-TW" dirty="0" smtClean="0"/>
+              <a:t>;</a:t>
+            </a:r>
+          </a:p>
+          <a:p>
+            <a:r>
+              <a:rPr lang="en-US" altLang="zh-TW" dirty="0" err="1" smtClean="0"/>
+              <a:t>move_uploaded_file</a:t>
+            </a:r>
+            <a:r>
+              <a:rPr lang="en-US" altLang="zh-TW" dirty="0" smtClean="0"/>
+              <a:t>($file, $</a:t>
+            </a:r>
+            <a:r>
+              <a:rPr lang="en-US" altLang="zh-TW" dirty="0" err="1" smtClean="0"/>
+              <a:t>upfile</a:t>
+            </a:r>
+            <a:r>
+              <a:rPr lang="en-US" altLang="zh-TW" dirty="0" smtClean="0"/>
+              <a:t>);</a:t>
+            </a:r>
+          </a:p>
+          <a:p>
+            <a:r>
+              <a:rPr lang="en-US" altLang="zh-TW" dirty="0" smtClean="0"/>
+              <a:t>Save as </a:t>
+            </a:r>
+            <a:r>
+              <a:rPr lang="en-US" altLang="zh-TW" dirty="0" err="1" smtClean="0"/>
+              <a:t>upload.php</a:t>
             </a:r>
             <a:endParaRPr lang="en-US" altLang="zh-TW" dirty="0" smtClean="0"/>
           </a:p>
           <a:p>
-            <a:pPr lvl="1"/>
-            <a:r>
-              <a:rPr lang="en-US" altLang="zh-TW" dirty="0" err="1" smtClean="0"/>
-              <a:t>header.inc.php</a:t>
-            </a:r>
             <a:endParaRPr lang="en-US" altLang="zh-TW" dirty="0" smtClean="0"/>
           </a:p>
           <a:p>
-            <a:pPr lvl="1"/>
-            <a:r>
-              <a:rPr lang="en-US" altLang="zh-TW" dirty="0" err="1" smtClean="0"/>
-              <a:t>products.css</a:t>
-            </a:r>
-            <a:endParaRPr lang="en-US" altLang="zh-TW" dirty="0" smtClean="0"/>
-          </a:p>
-          <a:p>
-            <a:pPr lvl="1"/>
             <a:r>
               <a:rPr lang="en-US" altLang="zh-TW" dirty="0" smtClean="0"/>
-              <a:t>products-</a:t>
-            </a:r>
-            <a:r>
-              <a:rPr lang="en-US" altLang="zh-TW" dirty="0" err="1" smtClean="0"/>
-              <a:t>array.inc.php</a:t>
+              <a:t>If no file uploaded</a:t>
+            </a:r>
+            <a:r>
+              <a:rPr lang="en-US" altLang="zh-TW" dirty="0" smtClean="0"/>
+              <a:t>, </a:t>
+            </a:r>
+            <a:r>
+              <a:rPr lang="en-US" altLang="zh-TW" dirty="0" smtClean="0"/>
+              <a:t>check LINUX/MAC PERMISSION!</a:t>
             </a:r>
             <a:endParaRPr lang="en-US" altLang="zh-TW" dirty="0" smtClean="0"/>
           </a:p>
@@ -13598,7 +14119,7 @@
     </p:spTree>
     <p:extLst>
       <p:ext uri="{BB962C8B-B14F-4D97-AF65-F5344CB8AC3E}">
-        <p14:creationId xmlns:p14="http://schemas.microsoft.com/office/powerpoint/2010/main" val="783318613"/>
+        <p14:creationId xmlns:p14="http://schemas.microsoft.com/office/powerpoint/2010/main" val="3707123429"/>
       </p:ext>
     </p:extLst>
   </p:cSld>
@@ -13732,6 +14253,337 @@
       </p:grpSpPr>
       <p:sp>
         <p:nvSpPr>
+          <p:cNvPr id="216066" name="Rectangle 2"/>
+          <p:cNvSpPr>
+            <a:spLocks noGrp="1" noChangeArrowheads="1"/>
+          </p:cNvSpPr>
+          <p:nvPr>
+            <p:ph type="title"/>
+          </p:nvPr>
+        </p:nvSpPr>
+        <p:spPr/>
+        <p:txBody>
+          <a:bodyPr/>
+          <a:lstStyle/>
+          <a:p>
+            <a:r>
+              <a:rPr lang="en-US" altLang="zh-TW" dirty="0" smtClean="0"/>
+              <a:t>Check uploaded file</a:t>
+            </a:r>
+            <a:endParaRPr lang="en-US" altLang="zh-TW" dirty="0" smtClean="0"/>
+          </a:p>
+        </p:txBody>
+      </p:sp>
+      <p:sp>
+        <p:nvSpPr>
+          <p:cNvPr id="27651" name="Rectangle 3"/>
+          <p:cNvSpPr>
+            <a:spLocks noGrp="1" noChangeArrowheads="1"/>
+          </p:cNvSpPr>
+          <p:nvPr>
+            <p:ph idx="1"/>
+          </p:nvPr>
+        </p:nvSpPr>
+        <p:spPr/>
+        <p:txBody>
+          <a:bodyPr/>
+          <a:lstStyle/>
+          <a:p>
+            <a:r>
+              <a:rPr lang="en-US" altLang="zh-TW" dirty="0" smtClean="0"/>
+              <a:t>Check file type</a:t>
+            </a:r>
+          </a:p>
+          <a:p>
+            <a:r>
+              <a:rPr lang="en-US" altLang="zh-TW" dirty="0"/>
+              <a:t>Check file max size</a:t>
+            </a:r>
+          </a:p>
+          <a:p>
+            <a:r>
+              <a:rPr lang="en-US" altLang="zh-TW" dirty="0"/>
+              <a:t>Check file </a:t>
+            </a:r>
+            <a:r>
+              <a:rPr lang="en-US" altLang="zh-TW" dirty="0" smtClean="0"/>
+              <a:t>min </a:t>
+            </a:r>
+            <a:r>
+              <a:rPr lang="en-US" altLang="zh-TW" dirty="0"/>
+              <a:t>size</a:t>
+            </a:r>
+          </a:p>
+          <a:p>
+            <a:endParaRPr lang="en-US" altLang="zh-TW" dirty="0" smtClean="0"/>
+          </a:p>
+          <a:p>
+            <a:r>
+              <a:rPr lang="en-US" altLang="zh-TW" dirty="0" smtClean="0"/>
+              <a:t>upload_1.php</a:t>
+            </a:r>
+            <a:endParaRPr lang="en-US" altLang="zh-TW" dirty="0" smtClean="0"/>
+          </a:p>
+        </p:txBody>
+      </p:sp>
+    </p:spTree>
+    <p:extLst>
+      <p:ext uri="{BB962C8B-B14F-4D97-AF65-F5344CB8AC3E}">
+        <p14:creationId xmlns:p14="http://schemas.microsoft.com/office/powerpoint/2010/main" val="3707123429"/>
+      </p:ext>
+    </p:extLst>
+  </p:cSld>
+  <p:clrMapOvr>
+    <a:masterClrMapping/>
+  </p:clrMapOvr>
+  <p:transition>
+    <p:checker/>
+  </p:transition>
+</p:sld>
+</file>
+
+<file path=ppt/slides/slide21.xml><?xml version="1.0" encoding="utf-8"?>
+<p:sld xmlns:a="http://schemas.openxmlformats.org/drawingml/2006/main" xmlns:r="http://schemas.openxmlformats.org/officeDocument/2006/relationships" xmlns:p="http://schemas.openxmlformats.org/presentationml/2006/main">
+  <p:cSld>
+    <p:spTree>
+      <p:nvGrpSpPr>
+        <p:cNvPr id="1" name=""/>
+        <p:cNvGrpSpPr/>
+        <p:nvPr/>
+      </p:nvGrpSpPr>
+      <p:grpSpPr>
+        <a:xfrm>
+          <a:off x="0" y="0"/>
+          <a:ext cx="0" cy="0"/>
+          <a:chOff x="0" y="0"/>
+          <a:chExt cx="0" cy="0"/>
+        </a:xfrm>
+      </p:grpSpPr>
+      <p:sp>
+        <p:nvSpPr>
+          <p:cNvPr id="216066" name="Rectangle 2"/>
+          <p:cNvSpPr>
+            <a:spLocks noGrp="1" noChangeArrowheads="1"/>
+          </p:cNvSpPr>
+          <p:nvPr>
+            <p:ph type="title"/>
+          </p:nvPr>
+        </p:nvSpPr>
+        <p:spPr/>
+        <p:txBody>
+          <a:bodyPr/>
+          <a:lstStyle/>
+          <a:p>
+            <a:r>
+              <a:rPr lang="en-US" altLang="zh-TW" smtClean="0"/>
+              <a:t>File path</a:t>
+            </a:r>
+            <a:endParaRPr lang="en-US" altLang="zh-TW" dirty="0" smtClean="0"/>
+          </a:p>
+        </p:txBody>
+      </p:sp>
+      <p:sp>
+        <p:nvSpPr>
+          <p:cNvPr id="27651" name="Rectangle 3"/>
+          <p:cNvSpPr>
+            <a:spLocks noGrp="1" noChangeArrowheads="1"/>
+          </p:cNvSpPr>
+          <p:nvPr>
+            <p:ph idx="1"/>
+          </p:nvPr>
+        </p:nvSpPr>
+        <p:spPr/>
+        <p:txBody>
+          <a:bodyPr/>
+          <a:lstStyle/>
+          <a:p>
+            <a:r>
+              <a:rPr lang="en-US" altLang="zh-TW" smtClean="0"/>
+              <a:t>basename</a:t>
+            </a:r>
+          </a:p>
+          <a:p>
+            <a:r>
+              <a:rPr lang="en-US" altLang="zh-TW" smtClean="0"/>
+              <a:t>dirname</a:t>
+            </a:r>
+          </a:p>
+          <a:p>
+            <a:r>
+              <a:rPr lang="en-US" altLang="zh-TW" smtClean="0"/>
+              <a:t>pathinfo</a:t>
+            </a:r>
+          </a:p>
+          <a:p>
+            <a:r>
+              <a:rPr lang="en-US" altLang="zh-TW" smtClean="0"/>
+              <a:t>realpath</a:t>
+            </a:r>
+          </a:p>
+          <a:p>
+            <a:endParaRPr lang="en-US" altLang="zh-TW" smtClean="0"/>
+          </a:p>
+          <a:p>
+            <a:r>
+              <a:rPr lang="en-US" altLang="zh-TW" smtClean="0"/>
+              <a:t>path.php</a:t>
+            </a:r>
+            <a:endParaRPr lang="en-US" altLang="zh-TW" dirty="0" smtClean="0"/>
+          </a:p>
+        </p:txBody>
+      </p:sp>
+    </p:spTree>
+    <p:extLst>
+      <p:ext uri="{BB962C8B-B14F-4D97-AF65-F5344CB8AC3E}">
+        <p14:creationId xmlns:p14="http://schemas.microsoft.com/office/powerpoint/2010/main" val="1984829411"/>
+      </p:ext>
+    </p:extLst>
+  </p:cSld>
+  <p:clrMapOvr>
+    <a:masterClrMapping/>
+  </p:clrMapOvr>
+  <p:transition>
+    <p:checker/>
+  </p:transition>
+</p:sld>
+</file>
+
+<file path=ppt/slides/slide22.xml><?xml version="1.0" encoding="utf-8"?>
+<p:sld xmlns:a="http://schemas.openxmlformats.org/drawingml/2006/main" xmlns:r="http://schemas.openxmlformats.org/officeDocument/2006/relationships" xmlns:p="http://schemas.openxmlformats.org/presentationml/2006/main">
+  <p:cSld>
+    <p:spTree>
+      <p:nvGrpSpPr>
+        <p:cNvPr id="1" name=""/>
+        <p:cNvGrpSpPr/>
+        <p:nvPr/>
+      </p:nvGrpSpPr>
+      <p:grpSpPr>
+        <a:xfrm>
+          <a:off x="0" y="0"/>
+          <a:ext cx="0" cy="0"/>
+          <a:chOff x="0" y="0"/>
+          <a:chExt cx="0" cy="0"/>
+        </a:xfrm>
+      </p:grpSpPr>
+      <p:sp>
+        <p:nvSpPr>
+          <p:cNvPr id="216066" name="Rectangle 2"/>
+          <p:cNvSpPr>
+            <a:spLocks noGrp="1" noChangeArrowheads="1"/>
+          </p:cNvSpPr>
+          <p:nvPr>
+            <p:ph type="title"/>
+          </p:nvPr>
+        </p:nvSpPr>
+        <p:spPr/>
+        <p:txBody>
+          <a:bodyPr/>
+          <a:lstStyle/>
+          <a:p>
+            <a:r>
+              <a:rPr lang="en-US" altLang="zh-TW" dirty="0" smtClean="0"/>
+              <a:t>Homework</a:t>
+            </a:r>
+          </a:p>
+        </p:txBody>
+      </p:sp>
+      <p:sp>
+        <p:nvSpPr>
+          <p:cNvPr id="27651" name="Rectangle 3"/>
+          <p:cNvSpPr>
+            <a:spLocks noGrp="1" noChangeArrowheads="1"/>
+          </p:cNvSpPr>
+          <p:nvPr>
+            <p:ph idx="1"/>
+          </p:nvPr>
+        </p:nvSpPr>
+        <p:spPr/>
+        <p:txBody>
+          <a:bodyPr/>
+          <a:lstStyle/>
+          <a:p>
+            <a:r>
+              <a:rPr lang="en-US" altLang="zh-TW" dirty="0" smtClean="0"/>
+              <a:t>Create a product page layout by these files.</a:t>
+            </a:r>
+          </a:p>
+          <a:p>
+            <a:pPr lvl="1"/>
+            <a:r>
+              <a:rPr lang="en-US" altLang="zh-TW" dirty="0" smtClean="0"/>
+              <a:t>products-</a:t>
+            </a:r>
+            <a:r>
+              <a:rPr lang="en-US" altLang="zh-TW" dirty="0" err="1" smtClean="0"/>
+              <a:t>design.php</a:t>
+            </a:r>
+            <a:endParaRPr lang="en-US" altLang="zh-TW" dirty="0" smtClean="0"/>
+          </a:p>
+          <a:p>
+            <a:pPr lvl="1"/>
+            <a:r>
+              <a:rPr lang="en-US" altLang="zh-TW" dirty="0" err="1" smtClean="0"/>
+              <a:t>header.inc.php</a:t>
+            </a:r>
+            <a:endParaRPr lang="en-US" altLang="zh-TW" dirty="0" smtClean="0"/>
+          </a:p>
+          <a:p>
+            <a:pPr lvl="1"/>
+            <a:r>
+              <a:rPr lang="en-US" altLang="zh-TW" dirty="0" err="1" smtClean="0"/>
+              <a:t>products.css</a:t>
+            </a:r>
+            <a:endParaRPr lang="en-US" altLang="zh-TW" dirty="0" smtClean="0"/>
+          </a:p>
+          <a:p>
+            <a:pPr lvl="1"/>
+            <a:r>
+              <a:rPr lang="en-US" altLang="zh-TW" dirty="0" smtClean="0"/>
+              <a:t>products-</a:t>
+            </a:r>
+            <a:r>
+              <a:rPr lang="en-US" altLang="zh-TW" dirty="0" err="1" smtClean="0"/>
+              <a:t>array.inc.php</a:t>
+            </a:r>
+            <a:endParaRPr lang="en-US" altLang="zh-TW" dirty="0" smtClean="0"/>
+          </a:p>
+        </p:txBody>
+      </p:sp>
+    </p:spTree>
+    <p:extLst>
+      <p:ext uri="{BB962C8B-B14F-4D97-AF65-F5344CB8AC3E}">
+        <p14:creationId xmlns:p14="http://schemas.microsoft.com/office/powerpoint/2010/main" val="783318613"/>
+      </p:ext>
+    </p:extLst>
+  </p:cSld>
+  <p:clrMapOvr>
+    <a:masterClrMapping/>
+  </p:clrMapOvr>
+  <p:transition>
+    <p:checker/>
+  </p:transition>
+</p:sld>
+</file>
+
+<file path=ppt/slides/slide23.xml><?xml version="1.0" encoding="utf-8"?>
+<p:sld xmlns:a="http://schemas.openxmlformats.org/drawingml/2006/main" xmlns:r="http://schemas.openxmlformats.org/officeDocument/2006/relationships" xmlns:p="http://schemas.openxmlformats.org/presentationml/2006/main">
+  <p:cSld>
+    <p:spTree>
+      <p:nvGrpSpPr>
+        <p:cNvPr id="1" name=""/>
+        <p:cNvGrpSpPr/>
+        <p:nvPr/>
+      </p:nvGrpSpPr>
+      <p:grpSpPr>
+        <a:xfrm>
+          <a:off x="0" y="0"/>
+          <a:ext cx="0" cy="0"/>
+          <a:chOff x="0" y="0"/>
+          <a:chExt cx="0" cy="0"/>
+        </a:xfrm>
+      </p:grpSpPr>
+      <p:sp>
+        <p:nvSpPr>
           <p:cNvPr id="24578" name="Rectangle 2"/>
           <p:cNvSpPr>
             <a:spLocks noGrp="1" noChangeArrowheads="1"/>
@@ -13848,25 +14700,26 @@
           <a:lstStyle/>
           <a:p>
             <a:r>
-              <a:rPr lang="en-US" altLang="zh-TW" smtClean="0"/>
+              <a:rPr lang="en-US" altLang="zh-TW" dirty="0" smtClean="0"/>
               <a:t>Sort an array into ascending order</a:t>
             </a:r>
           </a:p>
           <a:p>
             <a:r>
-              <a:rPr lang="en-US" altLang="zh-TW" smtClean="0"/>
-              <a:t>A&lt;Z&lt;a&lt;z</a:t>
-            </a:r>
-          </a:p>
-          <a:p>
-            <a:r>
-              <a:rPr lang="en-US" altLang="zh-TW" smtClean="0"/>
-              <a:t>1&lt;2&lt;3</a:t>
-            </a:r>
-          </a:p>
-          <a:p>
-            <a:r>
-              <a:rPr lang="en-US" altLang="zh-TW" smtClean="0"/>
+              <a:rPr lang="en-US" altLang="zh-TW" dirty="0" smtClean="0"/>
+              <a:t>1&lt;2&lt;3&lt;…</a:t>
+            </a:r>
+          </a:p>
+          <a:p>
+            <a:r>
+              <a:rPr lang="en-US" altLang="zh-TW" dirty="0" smtClean="0"/>
+              <a:t>A&lt;Z&lt;…&lt;a&lt;z</a:t>
+            </a:r>
+            <a:endParaRPr lang="en-US" altLang="zh-TW" dirty="0" smtClean="0"/>
+          </a:p>
+          <a:p>
+            <a:r>
+              <a:rPr lang="en-US" altLang="zh-TW" dirty="0" err="1" smtClean="0"/>
               <a:t>sort.php</a:t>
             </a:r>
             <a:endParaRPr lang="en-US" altLang="zh-TW" dirty="0" smtClean="0"/>
@@ -14041,44 +14894,84 @@
           <a:lstStyle/>
           <a:p>
             <a:r>
-              <a:rPr lang="en-US" altLang="zh-TW" smtClean="0"/>
-              <a:t>Download student.php from ftp</a:t>
-            </a:r>
-          </a:p>
-          <a:p>
-            <a:r>
-              <a:rPr lang="en-US" altLang="zh-TW" smtClean="0"/>
-              <a:t>Save as sortstudent.php</a:t>
-            </a:r>
-          </a:p>
-          <a:p>
-            <a:endParaRPr lang="en-US" altLang="zh-TW" smtClean="0"/>
-          </a:p>
-          <a:p>
-            <a:r>
-              <a:rPr lang="en-US" altLang="zh-TW" smtClean="0"/>
-              <a:t>Sort student name in ascending order without class number (sort)</a:t>
-            </a:r>
-          </a:p>
-          <a:p>
-            <a:r>
-              <a:rPr lang="en-US" altLang="zh-TW" smtClean="0"/>
-              <a:t>Display the result by print_r</a:t>
-            </a:r>
-          </a:p>
-          <a:p>
-            <a:endParaRPr lang="en-US" altLang="zh-TW" smtClean="0"/>
-          </a:p>
-          <a:p>
-            <a:r>
-              <a:rPr lang="en-US" altLang="zh-TW" smtClean="0"/>
-              <a:t>Sort student name in ascending with class number(asort)</a:t>
-            </a:r>
-          </a:p>
-          <a:p>
-            <a:r>
-              <a:rPr lang="en-US" altLang="zh-TW" smtClean="0"/>
-              <a:t>Display the result by print_r</a:t>
+              <a:rPr lang="en-US" altLang="zh-TW" dirty="0" smtClean="0"/>
+              <a:t>Download </a:t>
+            </a:r>
+            <a:r>
+              <a:rPr lang="en-US" altLang="zh-TW" dirty="0" err="1" smtClean="0"/>
+              <a:t>sortstudent.php</a:t>
+            </a:r>
+            <a:r>
+              <a:rPr lang="en-US" altLang="zh-TW" dirty="0" smtClean="0"/>
+              <a:t> </a:t>
+            </a:r>
+            <a:r>
+              <a:rPr lang="en-US" altLang="zh-TW" dirty="0" smtClean="0"/>
+              <a:t>from </a:t>
+            </a:r>
+            <a:r>
+              <a:rPr lang="en-US" altLang="zh-TW" dirty="0" smtClean="0"/>
+              <a:t>share</a:t>
+            </a:r>
+            <a:endParaRPr lang="en-US" altLang="zh-TW" dirty="0" smtClean="0"/>
+          </a:p>
+          <a:p>
+            <a:endParaRPr lang="en-US" altLang="zh-TW" dirty="0" smtClean="0"/>
+          </a:p>
+          <a:p>
+            <a:r>
+              <a:rPr lang="en-US" altLang="zh-TW" dirty="0" smtClean="0"/>
+              <a:t>Sort student name in ascending order without class number (</a:t>
+            </a:r>
+            <a:r>
+              <a:rPr lang="en-US" altLang="zh-TW" b="1" dirty="0" smtClean="0"/>
+              <a:t>sort</a:t>
+            </a:r>
+            <a:r>
+              <a:rPr lang="en-US" altLang="zh-TW" dirty="0" smtClean="0"/>
+              <a:t>)</a:t>
+            </a:r>
+          </a:p>
+          <a:p>
+            <a:r>
+              <a:rPr lang="en-US" altLang="zh-TW" dirty="0" smtClean="0"/>
+              <a:t>Display the result by </a:t>
+            </a:r>
+            <a:r>
+              <a:rPr lang="en-US" altLang="zh-TW" dirty="0" err="1" smtClean="0"/>
+              <a:t>print_r</a:t>
+            </a:r>
+            <a:endParaRPr lang="en-US" altLang="zh-TW" dirty="0" smtClean="0"/>
+          </a:p>
+          <a:p>
+            <a:endParaRPr lang="en-US" altLang="zh-TW" dirty="0" smtClean="0"/>
+          </a:p>
+          <a:p>
+            <a:r>
+              <a:rPr lang="en-US" altLang="zh-TW" dirty="0" smtClean="0"/>
+              <a:t>Sort student name in ascending with class </a:t>
+            </a:r>
+            <a:r>
+              <a:rPr lang="en-US" altLang="zh-TW" dirty="0" smtClean="0"/>
+              <a:t>number (</a:t>
+            </a:r>
+            <a:r>
+              <a:rPr lang="en-US" altLang="zh-TW" b="1" dirty="0" err="1" smtClean="0"/>
+              <a:t>asort</a:t>
+            </a:r>
+            <a:r>
+              <a:rPr lang="en-US" altLang="zh-TW" dirty="0" smtClean="0"/>
+              <a:t>)</a:t>
+            </a:r>
+          </a:p>
+          <a:p>
+            <a:r>
+              <a:rPr lang="en-US" altLang="zh-TW" dirty="0" smtClean="0"/>
+              <a:t>Display the result by </a:t>
+            </a:r>
+            <a:r>
+              <a:rPr lang="en-US" altLang="zh-TW" dirty="0" err="1" smtClean="0"/>
+              <a:t>print_r</a:t>
             </a:r>
             <a:endParaRPr lang="en-US" altLang="zh-TW" dirty="0" smtClean="0"/>
           </a:p>
@@ -14156,31 +15049,57 @@
           <a:lstStyle/>
           <a:p>
             <a:r>
-              <a:rPr lang="en-US" altLang="zh-TW" smtClean="0"/>
-              <a:t>Save sortstudent.php to sortstudent2.php</a:t>
-            </a:r>
-          </a:p>
-          <a:p>
-            <a:endParaRPr lang="en-US" altLang="zh-TW" smtClean="0"/>
-          </a:p>
-          <a:p>
-            <a:r>
-              <a:rPr lang="en-US" altLang="zh-TW" smtClean="0"/>
-              <a:t>Sort student mark</a:t>
-            </a:r>
-          </a:p>
-          <a:p>
-            <a:r>
-              <a:rPr lang="en-US" altLang="zh-TW" smtClean="0"/>
+              <a:rPr lang="en-US" altLang="zh-TW" dirty="0" smtClean="0"/>
+              <a:t>Sort </a:t>
+            </a:r>
+            <a:r>
+              <a:rPr lang="en-US" altLang="zh-TW" dirty="0" smtClean="0"/>
+              <a:t>student </a:t>
+            </a:r>
+            <a:r>
+              <a:rPr lang="en-US" altLang="zh-TW" dirty="0" smtClean="0"/>
+              <a:t>mark (</a:t>
+            </a:r>
+            <a:r>
+              <a:rPr lang="en-US" altLang="zh-TW" b="1" dirty="0" smtClean="0"/>
+              <a:t>sort</a:t>
+            </a:r>
+            <a:r>
+              <a:rPr lang="en-US" altLang="zh-TW" dirty="0" smtClean="0"/>
+              <a:t> or </a:t>
+            </a:r>
+            <a:r>
+              <a:rPr lang="en-US" altLang="zh-TW" b="1" dirty="0" err="1" smtClean="0"/>
+              <a:t>asort</a:t>
+            </a:r>
+            <a:r>
+              <a:rPr lang="en-US" altLang="zh-TW" dirty="0" smtClean="0"/>
+              <a:t>?)</a:t>
+            </a:r>
+          </a:p>
+          <a:p>
+            <a:r>
+              <a:rPr lang="en-US" altLang="zh-TW" dirty="0"/>
+              <a:t>Display the result by </a:t>
+            </a:r>
+            <a:r>
+              <a:rPr lang="en-US" altLang="zh-TW" dirty="0" err="1" smtClean="0"/>
+              <a:t>print_r</a:t>
+            </a:r>
+            <a:endParaRPr lang="en-US" altLang="zh-TW" dirty="0" smtClean="0"/>
+          </a:p>
+          <a:p>
+            <a:r>
+              <a:rPr lang="en-US" altLang="zh-TW" dirty="0" smtClean="0"/>
               <a:t>Display the result by for loop</a:t>
             </a:r>
           </a:p>
           <a:p>
-            <a:endParaRPr lang="en-US" altLang="zh-TW" smtClean="0"/>
-          </a:p>
-          <a:p>
-            <a:r>
-              <a:rPr lang="en-US" altLang="zh-TW" smtClean="0"/>
+            <a:endParaRPr lang="en-US" altLang="zh-TW" dirty="0" smtClean="0"/>
+          </a:p>
+          <a:p>
+            <a:r>
+              <a:rPr lang="en-US" altLang="zh-TW" dirty="0" smtClean="0"/>
               <a:t>Display the name and mark in one line for each student</a:t>
             </a:r>
           </a:p>
@@ -14260,21 +15179,51 @@
           <a:lstStyle/>
           <a:p>
             <a:r>
-              <a:rPr lang="en-US" altLang="zh-TW" smtClean="0"/>
+              <a:rPr lang="en-US" altLang="zh-TW" dirty="0" smtClean="0"/>
               <a:t>shuffle() randomly reorders the elements of an array</a:t>
             </a:r>
           </a:p>
           <a:p>
             <a:r>
-              <a:rPr lang="en-US" altLang="zh-TW" smtClean="0"/>
-              <a:t>Eg.large number of products in stock and want randomly select one item to show on a page</a:t>
-            </a:r>
-          </a:p>
-          <a:p>
-            <a:r>
-              <a:rPr lang="en-US" altLang="zh-TW" smtClean="0"/>
+              <a:rPr lang="en-US" altLang="zh-TW" dirty="0" err="1" smtClean="0"/>
+              <a:t>Eg</a:t>
+            </a:r>
+            <a:r>
+              <a:rPr lang="en-US" altLang="zh-TW" dirty="0" smtClean="0"/>
+              <a:t>. Large </a:t>
+            </a:r>
+            <a:r>
+              <a:rPr lang="en-US" altLang="zh-TW" dirty="0" smtClean="0"/>
+              <a:t>number of products in stock and want randomly select one item to show on a </a:t>
+            </a:r>
+            <a:r>
+              <a:rPr lang="en-US" altLang="zh-TW" dirty="0" smtClean="0"/>
+              <a:t>page</a:t>
+            </a:r>
+          </a:p>
+          <a:p>
+            <a:r>
+              <a:rPr lang="en-US" altLang="zh-TW" dirty="0" smtClean="0"/>
+              <a:t>hk.yahoo.com</a:t>
+            </a:r>
+            <a:endParaRPr lang="en-US" altLang="zh-TW" dirty="0" smtClean="0"/>
+          </a:p>
+          <a:p>
+            <a:endParaRPr lang="en-US" altLang="zh-TW" dirty="0" smtClean="0"/>
+          </a:p>
+          <a:p>
+            <a:r>
+              <a:rPr lang="en-US" altLang="zh-TW" dirty="0" smtClean="0"/>
+              <a:t>Copy the images folder to www from share</a:t>
+            </a:r>
+            <a:endParaRPr lang="en-US" altLang="zh-TW" dirty="0" smtClean="0"/>
+          </a:p>
+          <a:p>
+            <a:r>
+              <a:rPr lang="en-US" altLang="zh-TW" dirty="0" err="1" smtClean="0"/>
               <a:t>shuffle.php</a:t>
             </a:r>
+            <a:endParaRPr lang="en-US" altLang="zh-TW" dirty="0" smtClean="0"/>
           </a:p>
         </p:txBody>
       </p:sp>
@@ -14535,7 +15484,7 @@
     </a:clrScheme>
     <a:fontScheme name="Parallax">
       <a:majorFont>
-        <a:latin typeface="Corbel" panose="020B0503020204020204"/>
+        <a:latin typeface="Corbel"/>
         <a:ea typeface=""/>
         <a:cs typeface=""/>
         <a:font script="Jpan" typeface="HGｺﾞｼｯｸM"/>
@@ -14570,7 +15519,7 @@
         <a:font script="Geor" typeface="Sylfaen"/>
       </a:majorFont>
       <a:minorFont>
-        <a:latin typeface="Corbel" panose="020B0503020204020204"/>
+        <a:latin typeface="Corbel"/>
         <a:ea typeface=""/>
         <a:cs typeface=""/>
         <a:font script="Jpan" typeface="HGｺﾞｼｯｸM"/>
@@ -14742,7 +15691,7 @@
   <a:extraClrSchemeLst/>
   <a:extLst>
     <a:ext uri="{05A4C25C-085E-4340-85A3-A5531E510DB2}">
-      <thm15:themeFamily xmlns:thm15="http://schemas.microsoft.com/office/thememl/2012/main" name="Parallax" id="{3388167B-A2EB-4685-9635-1831D9AEF8C4}" vid="{4F7A876A-7598-49CA-AFC8-8EDA2551E4A7}"/>
+      <thm15:themeFamily xmlns:thm15="http://schemas.microsoft.com/office/thememl/2012/main" xmlns="" name="Parallax" id="{3388167B-A2EB-4685-9635-1831D9AEF8C4}" vid="{4F7A876A-7598-49CA-AFC8-8EDA2551E4A7}"/>
     </a:ext>
   </a:extLst>
 </a:theme>

--- a/php-fw6/lesson6.pptx
+++ b/php-fw6/lesson6.pptx
@@ -164,7 +164,7 @@
   </p:defaultTextStyle>
   <p:extLst>
     <p:ext uri="{EFAFB233-063F-42B5-8137-9DF3F51BA10A}">
-      <p15:sldGuideLst xmlns:p15="http://schemas.microsoft.com/office/powerpoint/2012/main" xmlns="">
+      <p15:sldGuideLst xmlns="" xmlns:p15="http://schemas.microsoft.com/office/powerpoint/2012/main">
         <p15:guide id="1" orient="horz" pos="2160">
           <p15:clr>
             <a:srgbClr val="A4A3A4"/>
@@ -178,7 +178,7 @@
       </p15:sldGuideLst>
     </p:ext>
     <p:ext uri="{2D200454-40CA-4A62-9FC3-DE9A4176ACB9}">
-      <p15:notesGuideLst xmlns:p15="http://schemas.microsoft.com/office/powerpoint/2012/main" xmlns="">
+      <p15:notesGuideLst xmlns="" xmlns:p15="http://schemas.microsoft.com/office/powerpoint/2012/main">
         <p15:guide id="1" orient="horz" pos="2880">
           <p15:clr>
             <a:srgbClr val="A4A3A4"/>
@@ -587,7 +587,7 @@
               </a14:hiddenFill>
             </a:ext>
             <a:ext uri="{FAA26D3D-D897-4be2-8F04-BA451C77F1D7}">
-              <ma14:placeholderFlag xmlns:ma14="http://schemas.microsoft.com/office/mac/drawingml/2011/main" xmlns="" val="1"/>
+              <ma14:placeholderFlag xmlns="" xmlns:ma14="http://schemas.microsoft.com/office/mac/drawingml/2011/main" val="1"/>
             </a:ext>
           </a:extLst>
         </p:spPr>
@@ -1129,7 +1129,7 @@
               </a14:hiddenLine>
             </a:ext>
             <a:ext uri="{FAA26D3D-D897-4be2-8F04-BA451C77F1D7}">
-              <ma14:placeholderFlag xmlns:ma14="http://schemas.microsoft.com/office/mac/drawingml/2011/main" xmlns="" val="1"/>
+              <ma14:placeholderFlag xmlns="" xmlns:ma14="http://schemas.microsoft.com/office/mac/drawingml/2011/main" val="1"/>
             </a:ext>
           </a:extLst>
         </p:spPr>
@@ -4369,7 +4369,7 @@
               </a14:hiddenLine>
             </a:ext>
             <a:ext uri="{FAA26D3D-D897-4be2-8F04-BA451C77F1D7}">
-              <ma14:placeholderFlag xmlns:ma14="http://schemas.microsoft.com/office/mac/drawingml/2011/main" xmlns="" val="1"/>
+              <ma14:placeholderFlag xmlns="" xmlns:ma14="http://schemas.microsoft.com/office/mac/drawingml/2011/main" val="1"/>
             </a:ext>
           </a:extLst>
         </p:spPr>
@@ -12073,7 +12073,7 @@
               </a14:hiddenLine>
             </a:ext>
             <a:ext uri="{FAA26D3D-D897-4be2-8F04-BA451C77F1D7}">
-              <ma14:placeholderFlag xmlns:ma14="http://schemas.microsoft.com/office/mac/drawingml/2011/main" xmlns="" val="1"/>
+              <ma14:placeholderFlag xmlns="" xmlns:ma14="http://schemas.microsoft.com/office/mac/drawingml/2011/main" val="1"/>
             </a:ext>
           </a:extLst>
         </p:spPr>
@@ -12134,7 +12134,7 @@
               </a14:hiddenLine>
             </a:ext>
             <a:ext uri="{FAA26D3D-D897-4be2-8F04-BA451C77F1D7}">
-              <ma14:placeholderFlag xmlns:ma14="http://schemas.microsoft.com/office/mac/drawingml/2011/main" xmlns="" val="1"/>
+              <ma14:placeholderFlag xmlns="" xmlns:ma14="http://schemas.microsoft.com/office/mac/drawingml/2011/main" val="1"/>
             </a:ext>
           </a:extLst>
         </p:spPr>
@@ -13169,66 +13169,82 @@
           <a:lstStyle/>
           <a:p>
             <a:r>
-              <a:rPr lang="en-US" altLang="zh-TW" smtClean="0"/>
+              <a:rPr lang="en-US" altLang="zh-TW" dirty="0" smtClean="0"/>
               <a:t>Read files/directory from the current directory on the server</a:t>
             </a:r>
           </a:p>
           <a:p>
             <a:r>
-              <a:rPr lang="en-US" altLang="zh-TW" smtClean="0"/>
-              <a:t>fopen() – open a file</a:t>
-            </a:r>
-          </a:p>
-          <a:p>
-            <a:r>
-              <a:rPr lang="en-US" altLang="zh-TW" smtClean="0"/>
-              <a:t>fclose() – close an opened file</a:t>
-            </a:r>
-          </a:p>
-          <a:p>
-            <a:r>
-              <a:rPr lang="en-US" altLang="zh-TW" smtClean="0"/>
-              <a:t>fgets() – read file content</a:t>
-            </a:r>
-          </a:p>
-          <a:p>
-            <a:r>
-              <a:rPr lang="en-US" altLang="zh-TW" smtClean="0"/>
-              <a:t>fwrite() – write data to the file</a:t>
-            </a:r>
-          </a:p>
-          <a:p>
-            <a:r>
-              <a:rPr lang="en-US" altLang="zh-TW" smtClean="0"/>
+              <a:rPr lang="en-US" altLang="zh-TW" dirty="0" err="1" smtClean="0"/>
+              <a:t>fopen</a:t>
+            </a:r>
+            <a:r>
+              <a:rPr lang="en-US" altLang="zh-TW" dirty="0" smtClean="0"/>
+              <a:t>() – open a file</a:t>
+            </a:r>
+          </a:p>
+          <a:p>
+            <a:r>
+              <a:rPr lang="en-US" altLang="zh-TW" dirty="0" err="1" smtClean="0"/>
+              <a:t>fclose</a:t>
+            </a:r>
+            <a:r>
+              <a:rPr lang="en-US" altLang="zh-TW" dirty="0" smtClean="0"/>
+              <a:t>() – close an opened file</a:t>
+            </a:r>
+          </a:p>
+          <a:p>
+            <a:r>
+              <a:rPr lang="en-US" altLang="zh-TW" dirty="0" err="1" smtClean="0"/>
+              <a:t>fgets</a:t>
+            </a:r>
+            <a:r>
+              <a:rPr lang="en-US" altLang="zh-TW" dirty="0" smtClean="0"/>
+              <a:t>() – read file content</a:t>
+            </a:r>
+          </a:p>
+          <a:p>
+            <a:r>
+              <a:rPr lang="en-US" altLang="zh-TW" dirty="0" err="1" smtClean="0"/>
+              <a:t>fwrite</a:t>
+            </a:r>
+            <a:r>
+              <a:rPr lang="en-US" altLang="zh-TW" dirty="0" smtClean="0"/>
+              <a:t>() – write data to the file</a:t>
+            </a:r>
+          </a:p>
+          <a:p>
+            <a:r>
+              <a:rPr lang="en-US" altLang="zh-TW" dirty="0" smtClean="0"/>
               <a:t>w - </a:t>
             </a:r>
             <a:r>
-              <a:rPr lang="zh-TW" altLang="en-US" smtClean="0"/>
+              <a:rPr lang="zh-TW" altLang="en-US" dirty="0" smtClean="0"/>
               <a:t>寫入</a:t>
             </a:r>
-            <a:endParaRPr lang="en-US" altLang="zh-TW" smtClean="0"/>
-          </a:p>
-          <a:p>
-            <a:r>
-              <a:rPr lang="en-US" altLang="zh-TW" smtClean="0"/>
+            <a:endParaRPr lang="en-US" altLang="zh-TW" dirty="0" smtClean="0"/>
+          </a:p>
+          <a:p>
+            <a:r>
+              <a:rPr lang="en-US" altLang="zh-TW" dirty="0" smtClean="0"/>
               <a:t>a - </a:t>
             </a:r>
             <a:r>
-              <a:rPr lang="zh-TW" altLang="en-US" smtClean="0"/>
+              <a:rPr lang="zh-TW" altLang="en-US" dirty="0" smtClean="0"/>
               <a:t>附加在檔案後面</a:t>
             </a:r>
-            <a:endParaRPr lang="en-US" altLang="zh-TW" smtClean="0"/>
-          </a:p>
-          <a:p>
-            <a:r>
-              <a:rPr lang="en-US" altLang="zh-TW" smtClean="0"/>
+            <a:endParaRPr lang="en-US" altLang="zh-TW" dirty="0" smtClean="0"/>
+          </a:p>
+          <a:p>
+            <a:r>
+              <a:rPr lang="en-US" altLang="zh-TW" dirty="0" smtClean="0"/>
               <a:t>r - </a:t>
             </a:r>
             <a:r>
-              <a:rPr lang="zh-TW" altLang="en-US" smtClean="0"/>
+              <a:rPr lang="zh-TW" altLang="en-US" dirty="0" smtClean="0"/>
               <a:t>只有讀取</a:t>
             </a:r>
-            <a:endParaRPr lang="en-US" altLang="zh-TW" smtClean="0"/>
+            <a:endParaRPr lang="en-US" altLang="zh-TW" dirty="0" smtClean="0"/>
           </a:p>
         </p:txBody>
       </p:sp>
@@ -13948,17 +13964,8 @@
           <a:p>
             <a:r>
               <a:rPr lang="en-US" altLang="zh-TW" dirty="0" smtClean="0"/>
-              <a:t>If no file uploaded</a:t>
-            </a:r>
-            <a:r>
-              <a:rPr lang="en-US" altLang="zh-TW" dirty="0" smtClean="0"/>
-              <a:t>, </a:t>
-            </a:r>
-            <a:r>
-              <a:rPr lang="en-US" altLang="zh-TW" dirty="0" smtClean="0"/>
-              <a:t>check LINUX/MAC PERMISSION!</a:t>
-            </a:r>
-            <a:endParaRPr lang="en-US" altLang="zh-TW" dirty="0" smtClean="0"/>
+              <a:t>If no file uploaded, check LINUX/MAC PERMISSION!</a:t>
+            </a:r>
           </a:p>
         </p:txBody>
       </p:sp>
@@ -14102,17 +14109,8 @@
           <a:p>
             <a:r>
               <a:rPr lang="en-US" altLang="zh-TW" dirty="0" smtClean="0"/>
-              <a:t>If no file uploaded</a:t>
-            </a:r>
-            <a:r>
-              <a:rPr lang="en-US" altLang="zh-TW" dirty="0" smtClean="0"/>
-              <a:t>, </a:t>
-            </a:r>
-            <a:r>
-              <a:rPr lang="en-US" altLang="zh-TW" dirty="0" smtClean="0"/>
-              <a:t>check LINUX/MAC PERMISSION!</a:t>
-            </a:r>
-            <a:endParaRPr lang="en-US" altLang="zh-TW" dirty="0" smtClean="0"/>
+              <a:t>If no file uploaded, check LINUX/MAC PERMISSION!</a:t>
+            </a:r>
           </a:p>
         </p:txBody>
       </p:sp>
@@ -14270,7 +14268,6 @@
               <a:rPr lang="en-US" altLang="zh-TW" dirty="0" smtClean="0"/>
               <a:t>Check uploaded file</a:t>
             </a:r>
-            <a:endParaRPr lang="en-US" altLang="zh-TW" dirty="0" smtClean="0"/>
           </a:p>
         </p:txBody>
       </p:sp>
@@ -14322,7 +14319,6 @@
               <a:rPr lang="en-US" altLang="zh-TW" dirty="0" smtClean="0"/>
               <a:t>upload_1.php</a:t>
             </a:r>
-            <a:endParaRPr lang="en-US" altLang="zh-TW" dirty="0" smtClean="0"/>
           </a:p>
         </p:txBody>
       </p:sp>
@@ -14715,7 +14711,6 @@
               <a:rPr lang="en-US" altLang="zh-TW" dirty="0" smtClean="0"/>
               <a:t>A&lt;Z&lt;…&lt;a&lt;z</a:t>
             </a:r>
-            <a:endParaRPr lang="en-US" altLang="zh-TW" dirty="0" smtClean="0"/>
           </a:p>
           <a:p>
             <a:r>
@@ -14903,17 +14898,8 @@
             </a:r>
             <a:r>
               <a:rPr lang="en-US" altLang="zh-TW" dirty="0" smtClean="0"/>
-              <a:t> </a:t>
-            </a:r>
-            <a:r>
-              <a:rPr lang="en-US" altLang="zh-TW" dirty="0" smtClean="0"/>
-              <a:t>from </a:t>
-            </a:r>
-            <a:r>
-              <a:rPr lang="en-US" altLang="zh-TW" dirty="0" smtClean="0"/>
-              <a:t>share</a:t>
-            </a:r>
-            <a:endParaRPr lang="en-US" altLang="zh-TW" dirty="0" smtClean="0"/>
+              <a:t> from share</a:t>
+            </a:r>
           </a:p>
           <a:p>
             <a:endParaRPr lang="en-US" altLang="zh-TW" dirty="0" smtClean="0"/>
@@ -14949,11 +14935,7 @@
           <a:p>
             <a:r>
               <a:rPr lang="en-US" altLang="zh-TW" dirty="0" smtClean="0"/>
-              <a:t>Sort student name in ascending with class </a:t>
-            </a:r>
-            <a:r>
-              <a:rPr lang="en-US" altLang="zh-TW" dirty="0" smtClean="0"/>
-              <a:t>number (</a:t>
+              <a:t>Sort student name in ascending with class number (</a:t>
             </a:r>
             <a:r>
               <a:rPr lang="en-US" altLang="zh-TW" b="1" dirty="0" err="1" smtClean="0"/>
@@ -15050,15 +15032,7 @@
           <a:p>
             <a:r>
               <a:rPr lang="en-US" altLang="zh-TW" dirty="0" smtClean="0"/>
-              <a:t>Sort </a:t>
-            </a:r>
-            <a:r>
-              <a:rPr lang="en-US" altLang="zh-TW" dirty="0" smtClean="0"/>
-              <a:t>student </a:t>
-            </a:r>
-            <a:r>
-              <a:rPr lang="en-US" altLang="zh-TW" dirty="0" smtClean="0"/>
-              <a:t>mark (</a:t>
+              <a:t>Sort student mark (</a:t>
             </a:r>
             <a:r>
               <a:rPr lang="en-US" altLang="zh-TW" b="1" dirty="0" smtClean="0"/>
@@ -15073,9 +15047,22 @@
               <a:t>asort</a:t>
             </a:r>
             <a:r>
+              <a:rPr lang="en-US" altLang="zh-TW" dirty="0"/>
+              <a:t> </a:t>
+            </a:r>
+            <a:r>
               <a:rPr lang="en-US" altLang="zh-TW" dirty="0" smtClean="0"/>
+              <a:t>or </a:t>
+            </a:r>
+            <a:r>
+              <a:rPr lang="en-US" altLang="zh-TW" b="1" smtClean="0"/>
+              <a:t>ksort</a:t>
+            </a:r>
+            <a:r>
+              <a:rPr lang="en-US" altLang="zh-TW" smtClean="0"/>
               <a:t>?)</a:t>
             </a:r>
+            <a:endParaRPr lang="en-US" altLang="zh-TW" dirty="0" smtClean="0"/>
           </a:p>
           <a:p>
             <a:r>
@@ -15091,8 +15078,13 @@
           <a:p>
             <a:r>
               <a:rPr lang="en-US" altLang="zh-TW" dirty="0" smtClean="0"/>
-              <a:t>Display the result by for loop</a:t>
-            </a:r>
+              <a:t>Display the result by for </a:t>
+            </a:r>
+            <a:r>
+              <a:rPr lang="en-US" altLang="zh-TW" dirty="0"/>
+              <a:t>loop</a:t>
+            </a:r>
+            <a:endParaRPr lang="en-US" altLang="zh-TW" dirty="0" smtClean="0"/>
           </a:p>
           <a:p>
             <a:endParaRPr lang="en-US" altLang="zh-TW" dirty="0" smtClean="0"/>
@@ -15190,15 +15182,7 @@
             </a:r>
             <a:r>
               <a:rPr lang="en-US" altLang="zh-TW" dirty="0" smtClean="0"/>
-              <a:t>. Large </a:t>
-            </a:r>
-            <a:r>
-              <a:rPr lang="en-US" altLang="zh-TW" dirty="0" smtClean="0"/>
-              <a:t>number of products in stock and want randomly select one item to show on a </a:t>
-            </a:r>
-            <a:r>
-              <a:rPr lang="en-US" altLang="zh-TW" dirty="0" smtClean="0"/>
-              <a:t>page</a:t>
+              <a:t>. Large number of products in stock and want randomly select one item to show on a page</a:t>
             </a:r>
           </a:p>
           <a:p>
@@ -15206,7 +15190,6 @@
               <a:rPr lang="en-US" altLang="zh-TW" dirty="0" smtClean="0"/>
               <a:t>hk.yahoo.com</a:t>
             </a:r>
-            <a:endParaRPr lang="en-US" altLang="zh-TW" dirty="0" smtClean="0"/>
           </a:p>
           <a:p>
             <a:endParaRPr lang="en-US" altLang="zh-TW" dirty="0" smtClean="0"/>
@@ -15216,7 +15199,6 @@
               <a:rPr lang="en-US" altLang="zh-TW" dirty="0" smtClean="0"/>
               <a:t>Copy the images folder to www from share</a:t>
             </a:r>
-            <a:endParaRPr lang="en-US" altLang="zh-TW" dirty="0" smtClean="0"/>
           </a:p>
           <a:p>
             <a:r>
@@ -15691,7 +15673,7 @@
   <a:extraClrSchemeLst/>
   <a:extLst>
     <a:ext uri="{05A4C25C-085E-4340-85A3-A5531E510DB2}">
-      <thm15:themeFamily xmlns:thm15="http://schemas.microsoft.com/office/thememl/2012/main" xmlns="" name="Parallax" id="{3388167B-A2EB-4685-9635-1831D9AEF8C4}" vid="{4F7A876A-7598-49CA-AFC8-8EDA2551E4A7}"/>
+      <thm15:themeFamily xmlns="" xmlns:thm15="http://schemas.microsoft.com/office/thememl/2012/main" name="Parallax" id="{3388167B-A2EB-4685-9635-1831D9AEF8C4}" vid="{4F7A876A-7598-49CA-AFC8-8EDA2551E4A7}"/>
     </a:ext>
   </a:extLst>
 </a:theme>

--- a/php-fw6/lesson6.pptx
+++ b/php-fw6/lesson6.pptx
@@ -5,10 +5,10 @@
     <p:sldMasterId id="2147484302" r:id="rId1"/>
   </p:sldMasterIdLst>
   <p:notesMasterIdLst>
-    <p:notesMasterId r:id="rId25"/>
+    <p:notesMasterId r:id="rId28"/>
   </p:notesMasterIdLst>
   <p:handoutMasterIdLst>
-    <p:handoutMasterId r:id="rId26"/>
+    <p:handoutMasterId r:id="rId29"/>
   </p:handoutMasterIdLst>
   <p:sldIdLst>
     <p:sldId id="256" r:id="rId2"/>
@@ -28,12 +28,15 @@
     <p:sldId id="485" r:id="rId16"/>
     <p:sldId id="486" r:id="rId17"/>
     <p:sldId id="487" r:id="rId18"/>
-    <p:sldId id="488" r:id="rId19"/>
-    <p:sldId id="491" r:id="rId20"/>
-    <p:sldId id="492" r:id="rId21"/>
-    <p:sldId id="489" r:id="rId22"/>
-    <p:sldId id="490" r:id="rId23"/>
-    <p:sldId id="398" r:id="rId24"/>
+    <p:sldId id="491" r:id="rId19"/>
+    <p:sldId id="492" r:id="rId20"/>
+    <p:sldId id="494" r:id="rId21"/>
+    <p:sldId id="496" r:id="rId22"/>
+    <p:sldId id="497" r:id="rId23"/>
+    <p:sldId id="495" r:id="rId24"/>
+    <p:sldId id="489" r:id="rId25"/>
+    <p:sldId id="490" r:id="rId26"/>
+    <p:sldId id="398" r:id="rId27"/>
   </p:sldIdLst>
   <p:sldSz cx="9144000" cy="6858000" type="screen4x3"/>
   <p:notesSz cx="6858000" cy="9144000"/>
@@ -164,7 +167,7 @@
   </p:defaultTextStyle>
   <p:extLst>
     <p:ext uri="{EFAFB233-063F-42B5-8137-9DF3F51BA10A}">
-      <p15:sldGuideLst xmlns="" xmlns:p15="http://schemas.microsoft.com/office/powerpoint/2012/main">
+      <p15:sldGuideLst xmlns:p15="http://schemas.microsoft.com/office/powerpoint/2012/main">
         <p15:guide id="1" orient="horz" pos="2160">
           <p15:clr>
             <a:srgbClr val="A4A3A4"/>
@@ -178,7 +181,7 @@
       </p15:sldGuideLst>
     </p:ext>
     <p:ext uri="{2D200454-40CA-4A62-9FC3-DE9A4176ACB9}">
-      <p15:notesGuideLst xmlns="" xmlns:p15="http://schemas.microsoft.com/office/powerpoint/2012/main">
+      <p15:notesGuideLst xmlns:p15="http://schemas.microsoft.com/office/powerpoint/2012/main">
         <p15:guide id="1" orient="horz" pos="2880">
           <p15:clr>
             <a:srgbClr val="A4A3A4"/>
@@ -587,7 +590,7 @@
               </a14:hiddenFill>
             </a:ext>
             <a:ext uri="{FAA26D3D-D897-4be2-8F04-BA451C77F1D7}">
-              <ma14:placeholderFlag xmlns="" xmlns:ma14="http://schemas.microsoft.com/office/mac/drawingml/2011/main" val="1"/>
+              <ma14:placeholderFlag xmlns:ma14="http://schemas.microsoft.com/office/mac/drawingml/2011/main" val="1"/>
             </a:ext>
           </a:extLst>
         </p:spPr>
@@ -1129,7 +1132,7 @@
               </a14:hiddenLine>
             </a:ext>
             <a:ext uri="{FAA26D3D-D897-4be2-8F04-BA451C77F1D7}">
-              <ma14:placeholderFlag xmlns="" xmlns:ma14="http://schemas.microsoft.com/office/mac/drawingml/2011/main" val="1"/>
+              <ma14:placeholderFlag xmlns:ma14="http://schemas.microsoft.com/office/mac/drawingml/2011/main" val="1"/>
             </a:ext>
           </a:extLst>
         </p:spPr>
@@ -1142,6 +1145,11 @@
         </p:txBody>
       </p:sp>
     </p:spTree>
+    <p:extLst>
+      <p:ext uri="{BB962C8B-B14F-4D97-AF65-F5344CB8AC3E}">
+        <p14:creationId xmlns:p14="http://schemas.microsoft.com/office/powerpoint/2010/main" val="3541566944"/>
+      </p:ext>
+    </p:extLst>
   </p:cSld>
   <p:clrMapOvr>
     <a:masterClrMapping/>
@@ -3373,7 +3381,7 @@
             <a:fld id="{BBB02FAA-F9E5-4019-9D7C-4D962C682FD5}" type="slidenum">
               <a:rPr lang="zh-TW" altLang="en-US" sz="1200" smtClean="0"/>
               <a:pPr/>
-              <a:t>20</a:t>
+              <a:t>24</a:t>
             </a:fld>
             <a:endParaRPr lang="en-US" altLang="zh-TW" sz="1200" smtClean="0"/>
           </a:p>
@@ -3439,7 +3447,7 @@
     </p:spTree>
     <p:extLst>
       <p:ext uri="{BB962C8B-B14F-4D97-AF65-F5344CB8AC3E}">
-        <p14:creationId xmlns:p14="http://schemas.microsoft.com/office/powerpoint/2010/main" val="16473061"/>
+        <p14:creationId xmlns:p14="http://schemas.microsoft.com/office/powerpoint/2010/main" val="16938179"/>
       </p:ext>
     </p:extLst>
   </p:cSld>
@@ -3833,7 +3841,7 @@
             <a:fld id="{BBB02FAA-F9E5-4019-9D7C-4D962C682FD5}" type="slidenum">
               <a:rPr lang="zh-TW" altLang="en-US" sz="1200" smtClean="0"/>
               <a:pPr/>
-              <a:t>21</a:t>
+              <a:t>25</a:t>
             </a:fld>
             <a:endParaRPr lang="en-US" altLang="zh-TW" sz="1200" smtClean="0"/>
           </a:p>
@@ -3899,7 +3907,7 @@
     </p:spTree>
     <p:extLst>
       <p:ext uri="{BB962C8B-B14F-4D97-AF65-F5344CB8AC3E}">
-        <p14:creationId xmlns:p14="http://schemas.microsoft.com/office/powerpoint/2010/main" val="16938179"/>
+        <p14:creationId xmlns:p14="http://schemas.microsoft.com/office/powerpoint/2010/main" val="1161172581"/>
       </p:ext>
     </p:extLst>
   </p:cSld>
@@ -3928,236 +3936,6 @@
       </p:grpSpPr>
       <p:sp>
         <p:nvSpPr>
-          <p:cNvPr id="63490" name="Rectangle 7"/>
-          <p:cNvSpPr>
-            <a:spLocks noGrp="1" noChangeArrowheads="1"/>
-          </p:cNvSpPr>
-          <p:nvPr>
-            <p:ph type="sldNum" sz="quarter" idx="5"/>
-          </p:nvPr>
-        </p:nvSpPr>
-        <p:spPr>
-          <a:noFill/>
-          <a:ln w="9525"/>
-          <a:extLst>
-            <a:ext uri="{909E8E84-426E-40DD-AFC4-6F175D3DCCD1}">
-              <a14:hiddenFill xmlns:a14="http://schemas.microsoft.com/office/drawing/2010/main">
-                <a:solidFill>
-                  <a:srgbClr val="FFFFFF"/>
-                </a:solidFill>
-              </a14:hiddenFill>
-            </a:ext>
-            <a:ext uri="{91240B29-F687-4F45-9708-019B960494DF}">
-              <a14:hiddenLine xmlns:a14="http://schemas.microsoft.com/office/drawing/2010/main" w="12700">
-                <a:solidFill>
-                  <a:srgbClr val="000000"/>
-                </a:solidFill>
-                <a:miter lim="800000"/>
-                <a:headEnd type="none" w="sm" len="sm"/>
-                <a:tailEnd type="none" w="sm" len="sm"/>
-              </a14:hiddenLine>
-            </a:ext>
-          </a:extLst>
-        </p:spPr>
-        <p:txBody>
-          <a:bodyPr/>
-          <a:lstStyle>
-            <a:lvl1pPr eaLnBrk="0" hangingPunct="0">
-              <a:defRPr sz="2400">
-                <a:solidFill>
-                  <a:schemeClr val="tx1"/>
-                </a:solidFill>
-                <a:latin typeface="Times New Roman" pitchFamily="18" charset="0"/>
-              </a:defRPr>
-            </a:lvl1pPr>
-            <a:lvl2pPr marL="742950" indent="-285750" eaLnBrk="0" hangingPunct="0">
-              <a:defRPr sz="2400">
-                <a:solidFill>
-                  <a:schemeClr val="tx1"/>
-                </a:solidFill>
-                <a:latin typeface="Times New Roman" pitchFamily="18" charset="0"/>
-              </a:defRPr>
-            </a:lvl2pPr>
-            <a:lvl3pPr marL="1143000" indent="-228600" eaLnBrk="0" hangingPunct="0">
-              <a:defRPr sz="2400">
-                <a:solidFill>
-                  <a:schemeClr val="tx1"/>
-                </a:solidFill>
-                <a:latin typeface="Times New Roman" pitchFamily="18" charset="0"/>
-              </a:defRPr>
-            </a:lvl3pPr>
-            <a:lvl4pPr marL="1600200" indent="-228600" eaLnBrk="0" hangingPunct="0">
-              <a:defRPr sz="2400">
-                <a:solidFill>
-                  <a:schemeClr val="tx1"/>
-                </a:solidFill>
-                <a:latin typeface="Times New Roman" pitchFamily="18" charset="0"/>
-              </a:defRPr>
-            </a:lvl4pPr>
-            <a:lvl5pPr marL="2057400" indent="-228600" eaLnBrk="0" hangingPunct="0">
-              <a:defRPr sz="2400">
-                <a:solidFill>
-                  <a:schemeClr val="tx1"/>
-                </a:solidFill>
-                <a:latin typeface="Times New Roman" pitchFamily="18" charset="0"/>
-              </a:defRPr>
-            </a:lvl5pPr>
-            <a:lvl6pPr marL="2514600" indent="-228600" eaLnBrk="0" fontAlgn="base" hangingPunct="0">
-              <a:spcBef>
-                <a:spcPct val="0"/>
-              </a:spcBef>
-              <a:spcAft>
-                <a:spcPct val="0"/>
-              </a:spcAft>
-              <a:defRPr sz="2400">
-                <a:solidFill>
-                  <a:schemeClr val="tx1"/>
-                </a:solidFill>
-                <a:latin typeface="Times New Roman" pitchFamily="18" charset="0"/>
-              </a:defRPr>
-            </a:lvl6pPr>
-            <a:lvl7pPr marL="2971800" indent="-228600" eaLnBrk="0" fontAlgn="base" hangingPunct="0">
-              <a:spcBef>
-                <a:spcPct val="0"/>
-              </a:spcBef>
-              <a:spcAft>
-                <a:spcPct val="0"/>
-              </a:spcAft>
-              <a:defRPr sz="2400">
-                <a:solidFill>
-                  <a:schemeClr val="tx1"/>
-                </a:solidFill>
-                <a:latin typeface="Times New Roman" pitchFamily="18" charset="0"/>
-              </a:defRPr>
-            </a:lvl7pPr>
-            <a:lvl8pPr marL="3429000" indent="-228600" eaLnBrk="0" fontAlgn="base" hangingPunct="0">
-              <a:spcBef>
-                <a:spcPct val="0"/>
-              </a:spcBef>
-              <a:spcAft>
-                <a:spcPct val="0"/>
-              </a:spcAft>
-              <a:defRPr sz="2400">
-                <a:solidFill>
-                  <a:schemeClr val="tx1"/>
-                </a:solidFill>
-                <a:latin typeface="Times New Roman" pitchFamily="18" charset="0"/>
-              </a:defRPr>
-            </a:lvl8pPr>
-            <a:lvl9pPr marL="3886200" indent="-228600" eaLnBrk="0" fontAlgn="base" hangingPunct="0">
-              <a:spcBef>
-                <a:spcPct val="0"/>
-              </a:spcBef>
-              <a:spcAft>
-                <a:spcPct val="0"/>
-              </a:spcAft>
-              <a:defRPr sz="2400">
-                <a:solidFill>
-                  <a:schemeClr val="tx1"/>
-                </a:solidFill>
-                <a:latin typeface="Times New Roman" pitchFamily="18" charset="0"/>
-              </a:defRPr>
-            </a:lvl9pPr>
-          </a:lstStyle>
-          <a:p>
-            <a:fld id="{BBB02FAA-F9E5-4019-9D7C-4D962C682FD5}" type="slidenum">
-              <a:rPr lang="zh-TW" altLang="en-US" sz="1200" smtClean="0"/>
-              <a:pPr/>
-              <a:t>22</a:t>
-            </a:fld>
-            <a:endParaRPr lang="en-US" altLang="zh-TW" sz="1200" smtClean="0"/>
-          </a:p>
-        </p:txBody>
-      </p:sp>
-      <p:sp>
-        <p:nvSpPr>
-          <p:cNvPr id="63491" name="Rectangle 2"/>
-          <p:cNvSpPr>
-            <a:spLocks noGrp="1" noRot="1" noChangeAspect="1" noChangeArrowheads="1" noTextEdit="1"/>
-          </p:cNvSpPr>
-          <p:nvPr>
-            <p:ph type="sldImg"/>
-          </p:nvPr>
-        </p:nvSpPr>
-        <p:spPr>
-          <a:ln/>
-        </p:spPr>
-      </p:sp>
-      <p:sp>
-        <p:nvSpPr>
-          <p:cNvPr id="63492" name="Rectangle 3"/>
-          <p:cNvSpPr>
-            <a:spLocks noGrp="1" noChangeArrowheads="1"/>
-          </p:cNvSpPr>
-          <p:nvPr>
-            <p:ph type="body" idx="1"/>
-          </p:nvPr>
-        </p:nvSpPr>
-        <p:spPr>
-          <a:noFill/>
-          <a:ln w="9525"/>
-          <a:extLst>
-            <a:ext uri="{909E8E84-426E-40DD-AFC4-6F175D3DCCD1}">
-              <a14:hiddenFill xmlns:a14="http://schemas.microsoft.com/office/drawing/2010/main">
-                <a:solidFill>
-                  <a:srgbClr val="FFFFFF"/>
-                </a:solidFill>
-              </a14:hiddenFill>
-            </a:ext>
-            <a:ext uri="{91240B29-F687-4F45-9708-019B960494DF}">
-              <a14:hiddenLine xmlns:a14="http://schemas.microsoft.com/office/drawing/2010/main" w="9525">
-                <a:solidFill>
-                  <a:srgbClr val="000000"/>
-                </a:solidFill>
-                <a:miter lim="800000"/>
-                <a:headEnd type="none" w="sm" len="sm"/>
-                <a:tailEnd type="none" w="sm" len="sm"/>
-              </a14:hiddenLine>
-            </a:ext>
-          </a:extLst>
-        </p:spPr>
-        <p:txBody>
-          <a:bodyPr/>
-          <a:lstStyle/>
-          <a:p>
-            <a:endParaRPr lang="zh-TW" altLang="zh-TW" smtClean="0">
-              <a:latin typeface="Times New Roman" pitchFamily="18" charset="0"/>
-            </a:endParaRPr>
-          </a:p>
-        </p:txBody>
-      </p:sp>
-    </p:spTree>
-    <p:extLst>
-      <p:ext uri="{BB962C8B-B14F-4D97-AF65-F5344CB8AC3E}">
-        <p14:creationId xmlns:p14="http://schemas.microsoft.com/office/powerpoint/2010/main" val="1161172581"/>
-      </p:ext>
-    </p:extLst>
-  </p:cSld>
-  <p:clrMapOvr>
-    <a:masterClrMapping/>
-  </p:clrMapOvr>
-</p:notes>
-</file>
-
-<file path=ppt/notesSlides/notesSlide22.xml><?xml version="1.0" encoding="utf-8"?>
-<p:notes xmlns:a="http://schemas.openxmlformats.org/drawingml/2006/main" xmlns:r="http://schemas.openxmlformats.org/officeDocument/2006/relationships" xmlns:p="http://schemas.openxmlformats.org/presentationml/2006/main">
-  <p:cSld>
-    <p:spTree>
-      <p:nvGrpSpPr>
-        <p:cNvPr id="1" name=""/>
-        <p:cNvGrpSpPr/>
-        <p:nvPr/>
-      </p:nvGrpSpPr>
-      <p:grpSpPr>
-        <a:xfrm>
-          <a:off x="0" y="0"/>
-          <a:ext cx="0" cy="0"/>
-          <a:chOff x="0" y="0"/>
-          <a:chExt cx="0" cy="0"/>
-        </a:xfrm>
-      </p:grpSpPr>
-      <p:sp>
-        <p:nvSpPr>
           <p:cNvPr id="25602" name="Rectangle 7"/>
           <p:cNvSpPr>
             <a:spLocks noGrp="1" noChangeArrowheads="1"/>
@@ -4317,7 +4095,7 @@
                   <a:spcPct val="0"/>
                 </a:spcBef>
               </a:pPr>
-              <a:t>23</a:t>
+              <a:t>26</a:t>
             </a:fld>
             <a:endParaRPr kumimoji="0" lang="en-US" altLang="zh-TW"/>
           </a:p>
@@ -4369,7 +4147,7 @@
               </a14:hiddenLine>
             </a:ext>
             <a:ext uri="{FAA26D3D-D897-4be2-8F04-BA451C77F1D7}">
-              <ma14:placeholderFlag xmlns="" xmlns:ma14="http://schemas.microsoft.com/office/mac/drawingml/2011/main" val="1"/>
+              <ma14:placeholderFlag xmlns:ma14="http://schemas.microsoft.com/office/mac/drawingml/2011/main" val="1"/>
             </a:ext>
           </a:extLst>
         </p:spPr>
@@ -4382,6 +4160,11 @@
         </p:txBody>
       </p:sp>
     </p:spTree>
+    <p:extLst>
+      <p:ext uri="{BB962C8B-B14F-4D97-AF65-F5344CB8AC3E}">
+        <p14:creationId xmlns:p14="http://schemas.microsoft.com/office/powerpoint/2010/main" val="1519987973"/>
+      </p:ext>
+    </p:extLst>
   </p:cSld>
   <p:clrMapOvr>
     <a:masterClrMapping/>
@@ -12073,7 +11856,7 @@
               </a14:hiddenLine>
             </a:ext>
             <a:ext uri="{FAA26D3D-D897-4be2-8F04-BA451C77F1D7}">
-              <ma14:placeholderFlag xmlns="" xmlns:ma14="http://schemas.microsoft.com/office/mac/drawingml/2011/main" val="1"/>
+              <ma14:placeholderFlag xmlns:ma14="http://schemas.microsoft.com/office/mac/drawingml/2011/main" val="1"/>
             </a:ext>
           </a:extLst>
         </p:spPr>
@@ -12134,7 +11917,7 @@
               </a14:hiddenLine>
             </a:ext>
             <a:ext uri="{FAA26D3D-D897-4be2-8F04-BA451C77F1D7}">
-              <ma14:placeholderFlag xmlns="" xmlns:ma14="http://schemas.microsoft.com/office/mac/drawingml/2011/main" val="1"/>
+              <ma14:placeholderFlag xmlns:ma14="http://schemas.microsoft.com/office/mac/drawingml/2011/main" val="1"/>
             </a:ext>
           </a:extLst>
         </p:spPr>
@@ -13788,10 +13571,9 @@
           <a:lstStyle/>
           <a:p>
             <a:r>
-              <a:rPr lang="en-US" altLang="zh-TW" smtClean="0"/>
+              <a:rPr lang="en-US" altLang="zh-TW" dirty="0" smtClean="0"/>
               <a:t>Upload folder</a:t>
             </a:r>
-            <a:endParaRPr lang="en-US" altLang="zh-TW" dirty="0" smtClean="0"/>
           </a:p>
         </p:txBody>
       </p:sp>
@@ -13811,16 +13593,23 @@
           <a:lstStyle/>
           <a:p>
             <a:r>
-              <a:rPr lang="en-US" altLang="zh-TW" smtClean="0"/>
-              <a:t>Usually we will create a folder to store the upload files in case they upload a “index.html” to hijack our website.</a:t>
-            </a:r>
-          </a:p>
-          <a:p>
-            <a:r>
-              <a:rPr lang="en-US" altLang="zh-TW" smtClean="0"/>
-              <a:t>In ftp, right click -&gt; New -&gt; Folder -&gt; Create an “upload” folder in ftp.</a:t>
-            </a:r>
-            <a:endParaRPr lang="en-US" altLang="zh-TW" dirty="0" smtClean="0"/>
+              <a:rPr lang="en-US" altLang="zh-TW" dirty="0" smtClean="0"/>
+              <a:t>Usually we will create a folder to store the upload files in case they upload a “</a:t>
+            </a:r>
+            <a:r>
+              <a:rPr lang="en-US" altLang="zh-TW" dirty="0" err="1" smtClean="0"/>
+              <a:t>index.html</a:t>
+            </a:r>
+            <a:r>
+              <a:rPr lang="en-US" altLang="zh-TW" dirty="0" smtClean="0"/>
+              <a:t>” to hijack our website.</a:t>
+            </a:r>
+          </a:p>
+          <a:p>
+            <a:r>
+              <a:rPr lang="en-US" altLang="zh-TW" dirty="0" smtClean="0"/>
+              <a:t>In www, right click -&gt; New -&gt; Folder -&gt; Create an “upload” folder.</a:t>
+            </a:r>
           </a:p>
         </p:txBody>
       </p:sp>
@@ -13909,24 +13698,58 @@
           </a:p>
           <a:p>
             <a:r>
+              <a:rPr lang="en-US" altLang="zh-TW" dirty="0"/>
+              <a:t>$</a:t>
+            </a:r>
+            <a:r>
+              <a:rPr lang="en-US" altLang="zh-TW" dirty="0" err="1"/>
+              <a:t>tmpfile</a:t>
+            </a:r>
+            <a:r>
+              <a:rPr lang="en-US" altLang="zh-TW" dirty="0"/>
+              <a:t>=$_FILES["</a:t>
+            </a:r>
+            <a:r>
+              <a:rPr lang="en-US" altLang="zh-TW" dirty="0" err="1"/>
+              <a:t>fileField</a:t>
+            </a:r>
+            <a:r>
+              <a:rPr lang="en-US" altLang="zh-TW" dirty="0"/>
+              <a:t>"]["</a:t>
+            </a:r>
+            <a:r>
+              <a:rPr lang="en-US" altLang="zh-TW" dirty="0" err="1"/>
+              <a:t>tmp_name</a:t>
+            </a:r>
+            <a:r>
+              <a:rPr lang="en-US" altLang="zh-TW" dirty="0" smtClean="0"/>
+              <a:t>"];</a:t>
+            </a:r>
+          </a:p>
+          <a:p>
+            <a:r>
               <a:rPr lang="en-US" altLang="zh-TW" dirty="0" smtClean="0"/>
               <a:t>$</a:t>
             </a:r>
             <a:r>
-              <a:rPr lang="en-US" altLang="zh-TW" dirty="0" err="1" smtClean="0"/>
-              <a:t>upfile</a:t>
+              <a:rPr lang="en-US" altLang="zh-TW" dirty="0" err="1"/>
+              <a:t>uploadfile</a:t>
+            </a:r>
+            <a:r>
+              <a:rPr lang="en-US" altLang="zh-TW" dirty="0"/>
+              <a:t>="upload/".$_FILES["</a:t>
+            </a:r>
+            <a:r>
+              <a:rPr lang="en-US" altLang="zh-TW" dirty="0" err="1"/>
+              <a:t>fileField</a:t>
+            </a:r>
+            <a:r>
+              <a:rPr lang="en-US" altLang="zh-TW" dirty="0"/>
+              <a:t>"]["name</a:t>
             </a:r>
             <a:r>
               <a:rPr lang="en-US" altLang="zh-TW" dirty="0" smtClean="0"/>
-              <a:t>=uploads/".$</a:t>
-            </a:r>
-            <a:r>
-              <a:rPr lang="en-US" altLang="zh-TW" dirty="0" err="1" smtClean="0"/>
-              <a:t>file_name</a:t>
-            </a:r>
-            <a:r>
-              <a:rPr lang="en-US" altLang="zh-TW" dirty="0" smtClean="0"/>
-              <a:t>;</a:t>
+              <a:t>"];</a:t>
             </a:r>
           </a:p>
           <a:p>
@@ -13935,16 +13758,24 @@
               <a:t>move_uploaded_file</a:t>
             </a:r>
             <a:r>
+              <a:rPr lang="en-US" altLang="zh-TW" dirty="0"/>
+              <a:t>($</a:t>
+            </a:r>
+            <a:r>
+              <a:rPr lang="en-US" altLang="zh-TW" dirty="0" err="1"/>
+              <a:t>tmpfile</a:t>
+            </a:r>
+            <a:r>
+              <a:rPr lang="en-US" altLang="zh-TW" dirty="0"/>
+              <a:t>, $</a:t>
+            </a:r>
+            <a:r>
+              <a:rPr lang="en-US" altLang="zh-TW" dirty="0" err="1"/>
+              <a:t>uploadfile</a:t>
+            </a:r>
+            <a:r>
               <a:rPr lang="en-US" altLang="zh-TW" dirty="0" smtClean="0"/>
-              <a:t>($file, $</a:t>
-            </a:r>
-            <a:r>
-              <a:rPr lang="en-US" altLang="zh-TW" dirty="0" err="1" smtClean="0"/>
-              <a:t>upfile</a:t>
-            </a:r>
-            <a:r>
-              <a:rPr lang="en-US" altLang="zh-TW" dirty="0" smtClean="0"/>
-              <a:t>);</a:t>
+              <a:t>)</a:t>
             </a:r>
           </a:p>
           <a:p>
@@ -13972,7 +13803,7 @@
     </p:spTree>
     <p:extLst>
       <p:ext uri="{BB962C8B-B14F-4D97-AF65-F5344CB8AC3E}">
-        <p14:creationId xmlns:p14="http://schemas.microsoft.com/office/powerpoint/2010/main" val="1625659006"/>
+        <p14:creationId xmlns:p14="http://schemas.microsoft.com/office/powerpoint/2010/main" val="3707123429"/>
       </p:ext>
     </p:extLst>
   </p:cSld>
@@ -14018,8 +13849,8 @@
           <a:lstStyle/>
           <a:p>
             <a:r>
-              <a:rPr lang="en-US" altLang="zh-TW" smtClean="0"/>
-              <a:t>Upload file php</a:t>
+              <a:rPr lang="en-US" altLang="zh-TW" dirty="0" smtClean="0"/>
+              <a:t>Check uploaded file</a:t>
             </a:r>
           </a:p>
         </p:txBody>
@@ -14041,76 +13872,46 @@
           <a:p>
             <a:r>
               <a:rPr lang="en-US" altLang="zh-TW" dirty="0" smtClean="0"/>
-              <a:t>Create a </a:t>
-            </a:r>
-            <a:r>
-              <a:rPr lang="en-US" altLang="zh-TW" dirty="0" err="1" smtClean="0"/>
-              <a:t>php</a:t>
+              <a:t>Check file </a:t>
+            </a:r>
+            <a:r>
+              <a:rPr lang="en-US" altLang="zh-TW" dirty="0"/>
+              <a:t>type (</a:t>
             </a:r>
             <a:r>
               <a:rPr lang="en-US" altLang="zh-TW" dirty="0" smtClean="0"/>
-              <a:t> file</a:t>
-            </a:r>
-          </a:p>
-          <a:p>
+              <a:t>upload_1.php)</a:t>
+            </a:r>
+          </a:p>
+          <a:p>
+            <a:r>
+              <a:rPr lang="en-US" altLang="zh-TW" dirty="0"/>
+              <a:t>Check file max size (</a:t>
+            </a:r>
             <a:r>
               <a:rPr lang="en-US" altLang="zh-TW" dirty="0" smtClean="0"/>
-              <a:t>$</a:t>
-            </a:r>
-            <a:r>
-              <a:rPr lang="en-US" altLang="zh-TW" dirty="0" err="1" smtClean="0"/>
-              <a:t>upfile</a:t>
+              <a:t>upload_2.php)</a:t>
+            </a:r>
+            <a:endParaRPr lang="en-US" altLang="zh-TW" dirty="0"/>
+          </a:p>
+          <a:p>
+            <a:r>
+              <a:rPr lang="en-US" altLang="zh-TW" dirty="0"/>
+              <a:t>Check file </a:t>
             </a:r>
             <a:r>
               <a:rPr lang="en-US" altLang="zh-TW" dirty="0" smtClean="0"/>
-              <a:t>=uploads/".$</a:t>
-            </a:r>
-            <a:r>
-              <a:rPr lang="en-US" altLang="zh-TW" dirty="0" err="1" smtClean="0"/>
-              <a:t>file_name</a:t>
+              <a:t>min </a:t>
+            </a:r>
+            <a:r>
+              <a:rPr lang="en-US" altLang="zh-TW" dirty="0"/>
+              <a:t>size (</a:t>
             </a:r>
             <a:r>
               <a:rPr lang="en-US" altLang="zh-TW" dirty="0" smtClean="0"/>
-              <a:t>;</a:t>
-            </a:r>
-          </a:p>
-          <a:p>
-            <a:r>
-              <a:rPr lang="en-US" altLang="zh-TW" dirty="0" err="1" smtClean="0"/>
-              <a:t>move_uploaded_file</a:t>
-            </a:r>
-            <a:r>
-              <a:rPr lang="en-US" altLang="zh-TW" dirty="0" smtClean="0"/>
-              <a:t>($file, $</a:t>
-            </a:r>
-            <a:r>
-              <a:rPr lang="en-US" altLang="zh-TW" dirty="0" err="1" smtClean="0"/>
-              <a:t>upfile</a:t>
-            </a:r>
-            <a:r>
-              <a:rPr lang="en-US" altLang="zh-TW" dirty="0" smtClean="0"/>
-              <a:t>);</a:t>
-            </a:r>
-          </a:p>
-          <a:p>
-            <a:r>
-              <a:rPr lang="en-US" altLang="zh-TW" dirty="0" smtClean="0"/>
-              <a:t>Save as </a:t>
-            </a:r>
-            <a:r>
-              <a:rPr lang="en-US" altLang="zh-TW" dirty="0" err="1" smtClean="0"/>
-              <a:t>upload.php</a:t>
-            </a:r>
-            <a:endParaRPr lang="en-US" altLang="zh-TW" dirty="0" smtClean="0"/>
-          </a:p>
-          <a:p>
-            <a:endParaRPr lang="en-US" altLang="zh-TW" dirty="0" smtClean="0"/>
-          </a:p>
-          <a:p>
-            <a:r>
-              <a:rPr lang="en-US" altLang="zh-TW" dirty="0" smtClean="0"/>
-              <a:t>If no file uploaded, check LINUX/MAC PERMISSION!</a:t>
-            </a:r>
+              <a:t>upload_3.php)</a:t>
+            </a:r>
+            <a:endParaRPr lang="en-US" altLang="zh-TW" dirty="0"/>
           </a:p>
         </p:txBody>
       </p:sp>
@@ -14251,9 +14052,9 @@
       </p:grpSpPr>
       <p:sp>
         <p:nvSpPr>
-          <p:cNvPr id="216066" name="Rectangle 2"/>
-          <p:cNvSpPr>
-            <a:spLocks noGrp="1" noChangeArrowheads="1"/>
+          <p:cNvPr id="2" name="Title 1"/>
+          <p:cNvSpPr>
+            <a:spLocks noGrp="1"/>
           </p:cNvSpPr>
           <p:nvPr>
             <p:ph type="title"/>
@@ -14265,17 +14066,18 @@
           <a:lstStyle/>
           <a:p>
             <a:r>
-              <a:rPr lang="en-US" altLang="zh-TW" dirty="0" smtClean="0"/>
-              <a:t>Check uploaded file</a:t>
-            </a:r>
-          </a:p>
-        </p:txBody>
-      </p:sp>
-      <p:sp>
-        <p:nvSpPr>
-          <p:cNvPr id="27651" name="Rectangle 3"/>
-          <p:cNvSpPr>
-            <a:spLocks noGrp="1" noChangeArrowheads="1"/>
+              <a:rPr lang="en-US" dirty="0" smtClean="0"/>
+              <a:t>Caution</a:t>
+            </a:r>
+            <a:endParaRPr lang="en-US" dirty="0"/>
+          </a:p>
+        </p:txBody>
+      </p:sp>
+      <p:sp>
+        <p:nvSpPr>
+          <p:cNvPr id="3" name="Content Placeholder 2"/>
+          <p:cNvSpPr>
+            <a:spLocks noGrp="1"/>
           </p:cNvSpPr>
           <p:nvPr>
             <p:ph idx="1"/>
@@ -14287,54 +14089,47 @@
           <a:lstStyle/>
           <a:p>
             <a:r>
-              <a:rPr lang="en-US" altLang="zh-TW" dirty="0" smtClean="0"/>
-              <a:t>Check file type</a:t>
-            </a:r>
-          </a:p>
-          <a:p>
-            <a:r>
-              <a:rPr lang="en-US" altLang="zh-TW" dirty="0"/>
-              <a:t>Check file max size</a:t>
-            </a:r>
-          </a:p>
-          <a:p>
-            <a:r>
-              <a:rPr lang="en-US" altLang="zh-TW" dirty="0"/>
-              <a:t>Check file </a:t>
-            </a:r>
-            <a:r>
-              <a:rPr lang="en-US" altLang="zh-TW" dirty="0" smtClean="0"/>
-              <a:t>min </a:t>
-            </a:r>
-            <a:r>
-              <a:rPr lang="en-US" altLang="zh-TW" dirty="0"/>
-              <a:t>size</a:t>
-            </a:r>
-          </a:p>
-          <a:p>
-            <a:endParaRPr lang="en-US" altLang="zh-TW" dirty="0" smtClean="0"/>
-          </a:p>
-          <a:p>
-            <a:r>
-              <a:rPr lang="en-US" altLang="zh-TW" dirty="0" smtClean="0"/>
-              <a:t>upload_1.php</a:t>
-            </a:r>
+              <a:rPr lang="en-US" dirty="0" smtClean="0"/>
+              <a:t>Require user authentication, no anonymous uploads</a:t>
+            </a:r>
+          </a:p>
+          <a:p>
+            <a:r>
+              <a:rPr lang="en-US" dirty="0" smtClean="0"/>
+              <a:t>Do not host uploaded files that have not been verified</a:t>
+            </a:r>
+          </a:p>
+          <a:p>
+            <a:r>
+              <a:rPr lang="en-US" dirty="0" smtClean="0"/>
+              <a:t>Use caution when opening uploaded files</a:t>
+            </a:r>
+          </a:p>
+          <a:p>
+            <a:r>
+              <a:rPr lang="en-US" dirty="0" smtClean="0"/>
+              <a:t>Limit maximum upload size</a:t>
+            </a:r>
+          </a:p>
+          <a:p>
+            <a:r>
+              <a:rPr lang="en-US" dirty="0" smtClean="0"/>
+              <a:t>Limit allowable file formats, file extensions</a:t>
+            </a:r>
+            <a:endParaRPr lang="en-US" dirty="0"/>
           </a:p>
         </p:txBody>
       </p:sp>
     </p:spTree>
     <p:extLst>
       <p:ext uri="{BB962C8B-B14F-4D97-AF65-F5344CB8AC3E}">
-        <p14:creationId xmlns:p14="http://schemas.microsoft.com/office/powerpoint/2010/main" val="3707123429"/>
+        <p14:creationId xmlns:p14="http://schemas.microsoft.com/office/powerpoint/2010/main" val="861362233"/>
       </p:ext>
     </p:extLst>
   </p:cSld>
   <p:clrMapOvr>
     <a:masterClrMapping/>
   </p:clrMapOvr>
-  <p:transition>
-    <p:checker/>
-  </p:transition>
 </p:sld>
 </file>
 
@@ -14357,9 +14152,9 @@
       </p:grpSpPr>
       <p:sp>
         <p:nvSpPr>
-          <p:cNvPr id="216066" name="Rectangle 2"/>
-          <p:cNvSpPr>
-            <a:spLocks noGrp="1" noChangeArrowheads="1"/>
+          <p:cNvPr id="2" name="Title 1"/>
+          <p:cNvSpPr>
+            <a:spLocks noGrp="1"/>
           </p:cNvSpPr>
           <p:nvPr>
             <p:ph type="title"/>
@@ -14371,18 +14166,18 @@
           <a:lstStyle/>
           <a:p>
             <a:r>
-              <a:rPr lang="en-US" altLang="zh-TW" smtClean="0"/>
-              <a:t>File path</a:t>
-            </a:r>
-            <a:endParaRPr lang="en-US" altLang="zh-TW" dirty="0" smtClean="0"/>
-          </a:p>
-        </p:txBody>
-      </p:sp>
-      <p:sp>
-        <p:nvSpPr>
-          <p:cNvPr id="27651" name="Rectangle 3"/>
-          <p:cNvSpPr>
-            <a:spLocks noGrp="1" noChangeArrowheads="1"/>
+              <a:rPr lang="en-US" dirty="0" smtClean="0"/>
+              <a:t>Caution</a:t>
+            </a:r>
+            <a:endParaRPr lang="en-US" dirty="0"/>
+          </a:p>
+        </p:txBody>
+      </p:sp>
+      <p:sp>
+        <p:nvSpPr>
+          <p:cNvPr id="3" name="Content Placeholder 2"/>
+          <p:cNvSpPr>
+            <a:spLocks noGrp="1"/>
           </p:cNvSpPr>
           <p:nvPr>
             <p:ph idx="1"/>
@@ -14394,53 +14189,47 @@
           <a:lstStyle/>
           <a:p>
             <a:r>
-              <a:rPr lang="en-US" altLang="zh-TW" smtClean="0"/>
-              <a:t>basename</a:t>
-            </a:r>
-          </a:p>
-          <a:p>
-            <a:r>
-              <a:rPr lang="en-US" altLang="zh-TW" smtClean="0"/>
-              <a:t>dirname</a:t>
-            </a:r>
-          </a:p>
-          <a:p>
-            <a:r>
-              <a:rPr lang="en-US" altLang="zh-TW" smtClean="0"/>
-              <a:t>pathinfo</a:t>
-            </a:r>
-          </a:p>
-          <a:p>
-            <a:r>
-              <a:rPr lang="en-US" altLang="zh-TW" smtClean="0"/>
-              <a:t>realpath</a:t>
-            </a:r>
-          </a:p>
-          <a:p>
-            <a:endParaRPr lang="en-US" altLang="zh-TW" smtClean="0"/>
-          </a:p>
-          <a:p>
-            <a:r>
-              <a:rPr lang="en-US" altLang="zh-TW" smtClean="0"/>
-              <a:t>path.php</a:t>
-            </a:r>
-            <a:endParaRPr lang="en-US" altLang="zh-TW" dirty="0" smtClean="0"/>
+              <a:rPr lang="en-US" dirty="0" smtClean="0"/>
+              <a:t>Require user authentication, no anonymous uploads</a:t>
+            </a:r>
+          </a:p>
+          <a:p>
+            <a:r>
+              <a:rPr lang="en-US" dirty="0" smtClean="0"/>
+              <a:t>Do not host uploaded files that have not been verified</a:t>
+            </a:r>
+          </a:p>
+          <a:p>
+            <a:r>
+              <a:rPr lang="en-US" dirty="0" smtClean="0"/>
+              <a:t>Use caution when opening uploaded files</a:t>
+            </a:r>
+          </a:p>
+          <a:p>
+            <a:r>
+              <a:rPr lang="en-US" dirty="0" smtClean="0"/>
+              <a:t>Limit maximum upload size</a:t>
+            </a:r>
+          </a:p>
+          <a:p>
+            <a:r>
+              <a:rPr lang="en-US" dirty="0" smtClean="0"/>
+              <a:t>Limit allowable file formats, file extensions</a:t>
+            </a:r>
+            <a:endParaRPr lang="en-US" dirty="0"/>
           </a:p>
         </p:txBody>
       </p:sp>
     </p:spTree>
     <p:extLst>
       <p:ext uri="{BB962C8B-B14F-4D97-AF65-F5344CB8AC3E}">
-        <p14:creationId xmlns:p14="http://schemas.microsoft.com/office/powerpoint/2010/main" val="1984829411"/>
+        <p14:creationId xmlns:p14="http://schemas.microsoft.com/office/powerpoint/2010/main" val="1416959693"/>
       </p:ext>
     </p:extLst>
   </p:cSld>
   <p:clrMapOvr>
     <a:masterClrMapping/>
   </p:clrMapOvr>
-  <p:transition>
-    <p:checker/>
-  </p:transition>
 </p:sld>
 </file>
 
@@ -14463,9 +14252,9 @@
       </p:grpSpPr>
       <p:sp>
         <p:nvSpPr>
-          <p:cNvPr id="216066" name="Rectangle 2"/>
-          <p:cNvSpPr>
-            <a:spLocks noGrp="1" noChangeArrowheads="1"/>
+          <p:cNvPr id="2" name="Title 1"/>
+          <p:cNvSpPr>
+            <a:spLocks noGrp="1"/>
           </p:cNvSpPr>
           <p:nvPr>
             <p:ph type="title"/>
@@ -14477,6 +14266,342 @@
           <a:lstStyle/>
           <a:p>
             <a:r>
+              <a:rPr lang="en-US" smtClean="0"/>
+              <a:t>You should</a:t>
+            </a:r>
+            <a:endParaRPr lang="en-US" dirty="0"/>
+          </a:p>
+        </p:txBody>
+      </p:sp>
+      <p:sp>
+        <p:nvSpPr>
+          <p:cNvPr id="3" name="Content Placeholder 2"/>
+          <p:cNvSpPr>
+            <a:spLocks noGrp="1"/>
+          </p:cNvSpPr>
+          <p:nvPr>
+            <p:ph idx="1"/>
+          </p:nvPr>
+        </p:nvSpPr>
+        <p:spPr/>
+        <p:txBody>
+          <a:bodyPr/>
+          <a:lstStyle/>
+          <a:p>
+            <a:r>
+              <a:rPr lang="en-US" dirty="0" smtClean="0"/>
+              <a:t>Relocate temp file to a secure location</a:t>
+            </a:r>
+          </a:p>
+          <a:p>
+            <a:r>
+              <a:rPr lang="en-US" dirty="0" smtClean="0"/>
+              <a:t>Location should not be occupied by another file</a:t>
+            </a:r>
+          </a:p>
+          <a:p>
+            <a:r>
+              <a:rPr lang="en-US" dirty="0" smtClean="0"/>
+              <a:t>Use unique names or unique directory names</a:t>
+            </a:r>
+          </a:p>
+          <a:p>
+            <a:r>
+              <a:rPr lang="en-US" dirty="0" smtClean="0"/>
+              <a:t>Upload </a:t>
+            </a:r>
+            <a:r>
+              <a:rPr lang="en-US" smtClean="0"/>
+              <a:t>folder should not be public</a:t>
+            </a:r>
+            <a:endParaRPr lang="en-US" dirty="0"/>
+          </a:p>
+        </p:txBody>
+      </p:sp>
+    </p:spTree>
+    <p:extLst>
+      <p:ext uri="{BB962C8B-B14F-4D97-AF65-F5344CB8AC3E}">
+        <p14:creationId xmlns:p14="http://schemas.microsoft.com/office/powerpoint/2010/main" val="1395398668"/>
+      </p:ext>
+    </p:extLst>
+  </p:cSld>
+  <p:clrMapOvr>
+    <a:masterClrMapping/>
+  </p:clrMapOvr>
+</p:sld>
+</file>
+
+<file path=ppt/slides/slide23.xml><?xml version="1.0" encoding="utf-8"?>
+<p:sld xmlns:a="http://schemas.openxmlformats.org/drawingml/2006/main" xmlns:r="http://schemas.openxmlformats.org/officeDocument/2006/relationships" xmlns:p="http://schemas.openxmlformats.org/presentationml/2006/main">
+  <p:cSld>
+    <p:spTree>
+      <p:nvGrpSpPr>
+        <p:cNvPr id="1" name=""/>
+        <p:cNvGrpSpPr/>
+        <p:nvPr/>
+      </p:nvGrpSpPr>
+      <p:grpSpPr>
+        <a:xfrm>
+          <a:off x="0" y="0"/>
+          <a:ext cx="0" cy="0"/>
+          <a:chOff x="0" y="0"/>
+          <a:chExt cx="0" cy="0"/>
+        </a:xfrm>
+      </p:grpSpPr>
+      <p:sp>
+        <p:nvSpPr>
+          <p:cNvPr id="2" name="Title 1"/>
+          <p:cNvSpPr>
+            <a:spLocks noGrp="1"/>
+          </p:cNvSpPr>
+          <p:nvPr>
+            <p:ph type="title"/>
+          </p:nvPr>
+        </p:nvSpPr>
+        <p:spPr/>
+        <p:txBody>
+          <a:bodyPr/>
+          <a:lstStyle/>
+          <a:p>
+            <a:r>
+              <a:rPr lang="en-US" dirty="0" err="1" smtClean="0"/>
+              <a:t>php.ini</a:t>
+            </a:r>
+            <a:endParaRPr lang="en-US" dirty="0"/>
+          </a:p>
+        </p:txBody>
+      </p:sp>
+      <p:sp>
+        <p:nvSpPr>
+          <p:cNvPr id="3" name="Content Placeholder 2"/>
+          <p:cNvSpPr>
+            <a:spLocks noGrp="1"/>
+          </p:cNvSpPr>
+          <p:nvPr>
+            <p:ph idx="1"/>
+          </p:nvPr>
+        </p:nvSpPr>
+        <p:spPr/>
+        <p:txBody>
+          <a:bodyPr/>
+          <a:lstStyle/>
+          <a:p>
+            <a:r>
+              <a:rPr lang="en-US" dirty="0" err="1"/>
+              <a:t>f</a:t>
+            </a:r>
+            <a:r>
+              <a:rPr lang="en-US" dirty="0" err="1" smtClean="0"/>
+              <a:t>ile_uploads</a:t>
+            </a:r>
+            <a:r>
+              <a:rPr lang="en-US" dirty="0" smtClean="0"/>
+              <a:t>=true</a:t>
+            </a:r>
+          </a:p>
+          <a:p>
+            <a:r>
+              <a:rPr lang="en-US" dirty="0" err="1" smtClean="0"/>
+              <a:t>upload_tmp_dir</a:t>
+            </a:r>
+            <a:r>
+              <a:rPr lang="en-US" dirty="0" smtClean="0"/>
+              <a:t> = “/www/</a:t>
+            </a:r>
+            <a:r>
+              <a:rPr lang="en-US" dirty="0" err="1" smtClean="0"/>
+              <a:t>tmp</a:t>
+            </a:r>
+            <a:r>
+              <a:rPr lang="en-US" dirty="0" smtClean="0"/>
+              <a:t>”</a:t>
+            </a:r>
+          </a:p>
+          <a:p>
+            <a:r>
+              <a:rPr lang="en-US" dirty="0" err="1" smtClean="0"/>
+              <a:t>upload_max_filesize</a:t>
+            </a:r>
+            <a:r>
+              <a:rPr lang="en-US" dirty="0" smtClean="0"/>
+              <a:t> = “2M”</a:t>
+            </a:r>
+          </a:p>
+          <a:p>
+            <a:r>
+              <a:rPr lang="en-US" dirty="0" err="1" smtClean="0"/>
+              <a:t>max_file_uploads</a:t>
+            </a:r>
+            <a:r>
+              <a:rPr lang="en-US" dirty="0" smtClean="0"/>
+              <a:t>=20</a:t>
+            </a:r>
+          </a:p>
+          <a:p>
+            <a:r>
+              <a:rPr lang="en-US" dirty="0" err="1" smtClean="0"/>
+              <a:t>post_max_size</a:t>
+            </a:r>
+            <a:r>
+              <a:rPr lang="en-US" dirty="0" smtClean="0"/>
+              <a:t>=“8M”</a:t>
+            </a:r>
+            <a:endParaRPr lang="en-US" dirty="0"/>
+          </a:p>
+        </p:txBody>
+      </p:sp>
+    </p:spTree>
+    <p:extLst>
+      <p:ext uri="{BB962C8B-B14F-4D97-AF65-F5344CB8AC3E}">
+        <p14:creationId xmlns:p14="http://schemas.microsoft.com/office/powerpoint/2010/main" val="927179997"/>
+      </p:ext>
+    </p:extLst>
+  </p:cSld>
+  <p:clrMapOvr>
+    <a:masterClrMapping/>
+  </p:clrMapOvr>
+</p:sld>
+</file>
+
+<file path=ppt/slides/slide24.xml><?xml version="1.0" encoding="utf-8"?>
+<p:sld xmlns:a="http://schemas.openxmlformats.org/drawingml/2006/main" xmlns:r="http://schemas.openxmlformats.org/officeDocument/2006/relationships" xmlns:p="http://schemas.openxmlformats.org/presentationml/2006/main">
+  <p:cSld>
+    <p:spTree>
+      <p:nvGrpSpPr>
+        <p:cNvPr id="1" name=""/>
+        <p:cNvGrpSpPr/>
+        <p:nvPr/>
+      </p:nvGrpSpPr>
+      <p:grpSpPr>
+        <a:xfrm>
+          <a:off x="0" y="0"/>
+          <a:ext cx="0" cy="0"/>
+          <a:chOff x="0" y="0"/>
+          <a:chExt cx="0" cy="0"/>
+        </a:xfrm>
+      </p:grpSpPr>
+      <p:sp>
+        <p:nvSpPr>
+          <p:cNvPr id="216066" name="Rectangle 2"/>
+          <p:cNvSpPr>
+            <a:spLocks noGrp="1" noChangeArrowheads="1"/>
+          </p:cNvSpPr>
+          <p:nvPr>
+            <p:ph type="title"/>
+          </p:nvPr>
+        </p:nvSpPr>
+        <p:spPr/>
+        <p:txBody>
+          <a:bodyPr/>
+          <a:lstStyle/>
+          <a:p>
+            <a:r>
+              <a:rPr lang="en-US" altLang="zh-TW" smtClean="0"/>
+              <a:t>File path</a:t>
+            </a:r>
+            <a:endParaRPr lang="en-US" altLang="zh-TW" dirty="0" smtClean="0"/>
+          </a:p>
+        </p:txBody>
+      </p:sp>
+      <p:sp>
+        <p:nvSpPr>
+          <p:cNvPr id="27651" name="Rectangle 3"/>
+          <p:cNvSpPr>
+            <a:spLocks noGrp="1" noChangeArrowheads="1"/>
+          </p:cNvSpPr>
+          <p:nvPr>
+            <p:ph idx="1"/>
+          </p:nvPr>
+        </p:nvSpPr>
+        <p:spPr/>
+        <p:txBody>
+          <a:bodyPr/>
+          <a:lstStyle/>
+          <a:p>
+            <a:r>
+              <a:rPr lang="en-US" altLang="zh-TW" smtClean="0"/>
+              <a:t>basename</a:t>
+            </a:r>
+          </a:p>
+          <a:p>
+            <a:r>
+              <a:rPr lang="en-US" altLang="zh-TW" smtClean="0"/>
+              <a:t>dirname</a:t>
+            </a:r>
+          </a:p>
+          <a:p>
+            <a:r>
+              <a:rPr lang="en-US" altLang="zh-TW" smtClean="0"/>
+              <a:t>pathinfo</a:t>
+            </a:r>
+          </a:p>
+          <a:p>
+            <a:r>
+              <a:rPr lang="en-US" altLang="zh-TW" smtClean="0"/>
+              <a:t>realpath</a:t>
+            </a:r>
+          </a:p>
+          <a:p>
+            <a:endParaRPr lang="en-US" altLang="zh-TW" smtClean="0"/>
+          </a:p>
+          <a:p>
+            <a:r>
+              <a:rPr lang="en-US" altLang="zh-TW" smtClean="0"/>
+              <a:t>path.php</a:t>
+            </a:r>
+            <a:endParaRPr lang="en-US" altLang="zh-TW" dirty="0" smtClean="0"/>
+          </a:p>
+        </p:txBody>
+      </p:sp>
+    </p:spTree>
+    <p:extLst>
+      <p:ext uri="{BB962C8B-B14F-4D97-AF65-F5344CB8AC3E}">
+        <p14:creationId xmlns:p14="http://schemas.microsoft.com/office/powerpoint/2010/main" val="1984829411"/>
+      </p:ext>
+    </p:extLst>
+  </p:cSld>
+  <p:clrMapOvr>
+    <a:masterClrMapping/>
+  </p:clrMapOvr>
+  <p:transition>
+    <p:checker/>
+  </p:transition>
+</p:sld>
+</file>
+
+<file path=ppt/slides/slide25.xml><?xml version="1.0" encoding="utf-8"?>
+<p:sld xmlns:a="http://schemas.openxmlformats.org/drawingml/2006/main" xmlns:r="http://schemas.openxmlformats.org/officeDocument/2006/relationships" xmlns:p="http://schemas.openxmlformats.org/presentationml/2006/main">
+  <p:cSld>
+    <p:spTree>
+      <p:nvGrpSpPr>
+        <p:cNvPr id="1" name=""/>
+        <p:cNvGrpSpPr/>
+        <p:nvPr/>
+      </p:nvGrpSpPr>
+      <p:grpSpPr>
+        <a:xfrm>
+          <a:off x="0" y="0"/>
+          <a:ext cx="0" cy="0"/>
+          <a:chOff x="0" y="0"/>
+          <a:chExt cx="0" cy="0"/>
+        </a:xfrm>
+      </p:grpSpPr>
+      <p:sp>
+        <p:nvSpPr>
+          <p:cNvPr id="216066" name="Rectangle 2"/>
+          <p:cNvSpPr>
+            <a:spLocks noGrp="1" noChangeArrowheads="1"/>
+          </p:cNvSpPr>
+          <p:nvPr>
+            <p:ph type="title"/>
+          </p:nvPr>
+        </p:nvSpPr>
+        <p:spPr/>
+        <p:txBody>
+          <a:bodyPr/>
+          <a:lstStyle/>
+          <a:p>
+            <a:r>
               <a:rPr lang="en-US" altLang="zh-TW" dirty="0" smtClean="0"/>
               <a:t>Homework</a:t>
             </a:r>
@@ -14498,25 +14623,46 @@
           <a:bodyPr/>
           <a:lstStyle/>
           <a:p>
+            <a:pPr marL="285750" lvl="1"/>
             <a:r>
               <a:rPr lang="en-US" altLang="zh-TW" dirty="0" smtClean="0"/>
-              <a:t>Create a product page layout by these files.</a:t>
-            </a:r>
-          </a:p>
-          <a:p>
-            <a:pPr lvl="1"/>
+              <a:t>Create a product page layout </a:t>
+            </a:r>
+            <a:r>
+              <a:rPr lang="en-US" altLang="zh-TW" dirty="0"/>
+              <a:t>like </a:t>
+            </a:r>
             <a:r>
               <a:rPr lang="en-US" altLang="zh-TW" dirty="0" smtClean="0"/>
               <a:t>products-</a:t>
             </a:r>
             <a:r>
               <a:rPr lang="en-US" altLang="zh-TW" dirty="0" err="1" smtClean="0"/>
+              <a:t>example.PNG</a:t>
+            </a:r>
+            <a:r>
+              <a:rPr lang="en-US" altLang="zh-TW" dirty="0" smtClean="0"/>
+              <a:t> by using these files.</a:t>
+            </a:r>
+          </a:p>
+          <a:p>
+            <a:pPr lvl="1"/>
+            <a:r>
+              <a:rPr lang="en-US" altLang="zh-TW" dirty="0" smtClean="0"/>
+              <a:t>products-</a:t>
+            </a:r>
+            <a:r>
+              <a:rPr lang="en-US" altLang="zh-TW" dirty="0" err="1" smtClean="0"/>
               <a:t>design.php</a:t>
             </a:r>
             <a:endParaRPr lang="en-US" altLang="zh-TW" dirty="0" smtClean="0"/>
           </a:p>
           <a:p>
             <a:pPr lvl="1"/>
+            <a:r>
+              <a:rPr lang="en-US" altLang="zh-TW" dirty="0" smtClean="0"/>
+              <a:t>products-</a:t>
+            </a:r>
             <a:r>
               <a:rPr lang="en-US" altLang="zh-TW" dirty="0" err="1" smtClean="0"/>
               <a:t>header.inc.php</a:t>
@@ -14561,7 +14707,7 @@
 </p:sld>
 </file>
 
-<file path=ppt/slides/slide23.xml><?xml version="1.0" encoding="utf-8"?>
+<file path=ppt/slides/slide26.xml><?xml version="1.0" encoding="utf-8"?>
 <p:sld xmlns:a="http://schemas.openxmlformats.org/drawingml/2006/main" xmlns:r="http://schemas.openxmlformats.org/officeDocument/2006/relationships" xmlns:p="http://schemas.openxmlformats.org/presentationml/2006/main">
   <p:cSld>
     <p:spTree>
@@ -15149,7 +15295,7 @@
           <a:lstStyle/>
           <a:p>
             <a:r>
-              <a:rPr lang="en-US" altLang="zh-TW" smtClean="0"/>
+              <a:rPr lang="en-US" altLang="zh-TW" dirty="0" smtClean="0"/>
               <a:t>Randomized array</a:t>
             </a:r>
           </a:p>
@@ -15377,31 +15523,39 @@
           <a:lstStyle/>
           <a:p>
             <a:r>
-              <a:rPr lang="en-US" altLang="zh-TW" smtClean="0"/>
-              <a:t>Write a mark 6 php program</a:t>
-            </a:r>
-          </a:p>
-          <a:p>
-            <a:r>
-              <a:rPr lang="en-US" altLang="zh-TW" smtClean="0"/>
+              <a:rPr lang="en-US" altLang="zh-TW" dirty="0" smtClean="0"/>
+              <a:t>Write a mark 6 </a:t>
+            </a:r>
+            <a:r>
+              <a:rPr lang="en-US" altLang="zh-TW" dirty="0" err="1" smtClean="0"/>
+              <a:t>php</a:t>
+            </a:r>
+            <a:r>
+              <a:rPr lang="en-US" altLang="zh-TW" dirty="0" smtClean="0"/>
+              <a:t> program</a:t>
+            </a:r>
+          </a:p>
+          <a:p>
+            <a:r>
+              <a:rPr lang="en-US" altLang="zh-TW" dirty="0" smtClean="0"/>
               <a:t>Use rand, sort and for loop</a:t>
             </a:r>
           </a:p>
           <a:p>
             <a:r>
-              <a:rPr lang="en-US" altLang="zh-TW" smtClean="0"/>
+              <a:rPr lang="en-US" altLang="zh-TW" dirty="0" smtClean="0"/>
               <a:t>See mark6.php</a:t>
             </a:r>
           </a:p>
           <a:p>
             <a:r>
-              <a:rPr lang="en-US" altLang="zh-TW" smtClean="0"/>
+              <a:rPr lang="en-US" altLang="zh-TW" dirty="0" smtClean="0"/>
               <a:t>Use while to check repeat numbers</a:t>
             </a:r>
           </a:p>
           <a:p>
             <a:r>
-              <a:rPr lang="en-US" altLang="zh-TW" smtClean="0"/>
+              <a:rPr lang="en-US" altLang="zh-TW" dirty="0" smtClean="0"/>
               <a:t>mark6NoRepeat.php</a:t>
             </a:r>
           </a:p>
@@ -15673,7 +15827,7 @@
   <a:extraClrSchemeLst/>
   <a:extLst>
     <a:ext uri="{05A4C25C-085E-4340-85A3-A5531E510DB2}">
-      <thm15:themeFamily xmlns="" xmlns:thm15="http://schemas.microsoft.com/office/thememl/2012/main" name="Parallax" id="{3388167B-A2EB-4685-9635-1831D9AEF8C4}" vid="{4F7A876A-7598-49CA-AFC8-8EDA2551E4A7}"/>
+      <thm15:themeFamily xmlns:thm15="http://schemas.microsoft.com/office/thememl/2012/main" name="Parallax" id="{3388167B-A2EB-4685-9635-1831D9AEF8C4}" vid="{4F7A876A-7598-49CA-AFC8-8EDA2551E4A7}"/>
     </a:ext>
   </a:extLst>
 </a:theme>

--- a/php-fw6/lesson6.pptx
+++ b/php-fw6/lesson6.pptx
@@ -5,38 +5,40 @@
     <p:sldMasterId id="2147484302" r:id="rId1"/>
   </p:sldMasterIdLst>
   <p:notesMasterIdLst>
-    <p:notesMasterId r:id="rId28"/>
+    <p:notesMasterId r:id="rId30"/>
   </p:notesMasterIdLst>
   <p:handoutMasterIdLst>
-    <p:handoutMasterId r:id="rId29"/>
+    <p:handoutMasterId r:id="rId31"/>
   </p:handoutMasterIdLst>
   <p:sldIdLst>
     <p:sldId id="256" r:id="rId2"/>
     <p:sldId id="473" r:id="rId3"/>
     <p:sldId id="474" r:id="rId4"/>
     <p:sldId id="475" r:id="rId5"/>
-    <p:sldId id="476" r:id="rId6"/>
-    <p:sldId id="477" r:id="rId7"/>
+    <p:sldId id="498" r:id="rId6"/>
+    <p:sldId id="499" r:id="rId7"/>
     <p:sldId id="478" r:id="rId8"/>
     <p:sldId id="479" r:id="rId9"/>
     <p:sldId id="480" r:id="rId10"/>
-    <p:sldId id="493" r:id="rId11"/>
-    <p:sldId id="481" r:id="rId12"/>
-    <p:sldId id="482" r:id="rId13"/>
-    <p:sldId id="483" r:id="rId14"/>
-    <p:sldId id="484" r:id="rId15"/>
-    <p:sldId id="485" r:id="rId16"/>
-    <p:sldId id="486" r:id="rId17"/>
-    <p:sldId id="487" r:id="rId18"/>
-    <p:sldId id="491" r:id="rId19"/>
-    <p:sldId id="492" r:id="rId20"/>
-    <p:sldId id="494" r:id="rId21"/>
-    <p:sldId id="496" r:id="rId22"/>
-    <p:sldId id="497" r:id="rId23"/>
-    <p:sldId id="495" r:id="rId24"/>
-    <p:sldId id="489" r:id="rId25"/>
-    <p:sldId id="490" r:id="rId26"/>
-    <p:sldId id="398" r:id="rId27"/>
+    <p:sldId id="500" r:id="rId11"/>
+    <p:sldId id="493" r:id="rId12"/>
+    <p:sldId id="481" r:id="rId13"/>
+    <p:sldId id="482" r:id="rId14"/>
+    <p:sldId id="483" r:id="rId15"/>
+    <p:sldId id="484" r:id="rId16"/>
+    <p:sldId id="485" r:id="rId17"/>
+    <p:sldId id="486" r:id="rId18"/>
+    <p:sldId id="487" r:id="rId19"/>
+    <p:sldId id="491" r:id="rId20"/>
+    <p:sldId id="492" r:id="rId21"/>
+    <p:sldId id="494" r:id="rId22"/>
+    <p:sldId id="496" r:id="rId23"/>
+    <p:sldId id="497" r:id="rId24"/>
+    <p:sldId id="495" r:id="rId25"/>
+    <p:sldId id="489" r:id="rId26"/>
+    <p:sldId id="490" r:id="rId27"/>
+    <p:sldId id="501" r:id="rId28"/>
+    <p:sldId id="398" r:id="rId29"/>
   </p:sldIdLst>
   <p:sldSz cx="9144000" cy="6858000" type="screen4x3"/>
   <p:notesSz cx="6858000" cy="9144000"/>
@@ -1176,7 +1178,7 @@
       </p:grpSpPr>
       <p:sp>
         <p:nvSpPr>
-          <p:cNvPr id="58370" name="Rectangle 7"/>
+          <p:cNvPr id="57346" name="Rectangle 7"/>
           <p:cNvSpPr>
             <a:spLocks noGrp="1" noChangeArrowheads="1"/>
           </p:cNvSpPr>
@@ -1308,18 +1310,18 @@
             </a:lvl9pPr>
           </a:lstStyle>
           <a:p>
-            <a:fld id="{89350B8A-262F-4531-A08E-B8E07599F7E3}" type="slidenum">
+            <a:fld id="{2427F6A8-E707-4CF3-B83A-A1357ED2890E}" type="slidenum">
               <a:rPr lang="zh-TW" altLang="en-US" sz="1200" smtClean="0"/>
               <a:pPr/>
-              <a:t>11</a:t>
+              <a:t>10</a:t>
             </a:fld>
-            <a:endParaRPr lang="en-US" altLang="zh-TW" sz="1200" smtClean="0"/>
-          </a:p>
-        </p:txBody>
-      </p:sp>
-      <p:sp>
-        <p:nvSpPr>
-          <p:cNvPr id="58371" name="Rectangle 2"/>
+            <a:endParaRPr lang="en-US" altLang="zh-TW" sz="1200"/>
+          </a:p>
+        </p:txBody>
+      </p:sp>
+      <p:sp>
+        <p:nvSpPr>
+          <p:cNvPr id="57347" name="Rectangle 2"/>
           <p:cNvSpPr>
             <a:spLocks noGrp="1" noRot="1" noChangeAspect="1" noChangeArrowheads="1" noTextEdit="1"/>
           </p:cNvSpPr>
@@ -1333,7 +1335,7 @@
       </p:sp>
       <p:sp>
         <p:nvSpPr>
-          <p:cNvPr id="58372" name="Rectangle 3"/>
+          <p:cNvPr id="57348" name="Rectangle 3"/>
           <p:cNvSpPr>
             <a:spLocks noGrp="1" noChangeArrowheads="1"/>
           </p:cNvSpPr>
@@ -1368,7 +1370,7 @@
           <a:bodyPr/>
           <a:lstStyle/>
           <a:p>
-            <a:endParaRPr lang="zh-TW" altLang="zh-TW" smtClean="0">
+            <a:endParaRPr lang="zh-TW" altLang="zh-TW">
               <a:latin typeface="Times New Roman" pitchFamily="18" charset="0"/>
             </a:endParaRPr>
           </a:p>
@@ -1377,7 +1379,7 @@
     </p:spTree>
     <p:extLst>
       <p:ext uri="{BB962C8B-B14F-4D97-AF65-F5344CB8AC3E}">
-        <p14:creationId xmlns:p14="http://schemas.microsoft.com/office/powerpoint/2010/main" val="964157192"/>
+        <p14:creationId xmlns:p14="http://schemas.microsoft.com/office/powerpoint/2010/main" val="729176374"/>
       </p:ext>
     </p:extLst>
   </p:cSld>
@@ -1406,7 +1408,7 @@
       </p:grpSpPr>
       <p:sp>
         <p:nvSpPr>
-          <p:cNvPr id="59394" name="Rectangle 7"/>
+          <p:cNvPr id="58370" name="Rectangle 7"/>
           <p:cNvSpPr>
             <a:spLocks noGrp="1" noChangeArrowheads="1"/>
           </p:cNvSpPr>
@@ -1538,7 +1540,7 @@
             </a:lvl9pPr>
           </a:lstStyle>
           <a:p>
-            <a:fld id="{CF834BA7-5490-4BED-AA34-ECD9DC547969}" type="slidenum">
+            <a:fld id="{89350B8A-262F-4531-A08E-B8E07599F7E3}" type="slidenum">
               <a:rPr lang="zh-TW" altLang="en-US" sz="1200" smtClean="0"/>
               <a:pPr/>
               <a:t>12</a:t>
@@ -1549,7 +1551,7 @@
       </p:sp>
       <p:sp>
         <p:nvSpPr>
-          <p:cNvPr id="59395" name="Rectangle 2"/>
+          <p:cNvPr id="58371" name="Rectangle 2"/>
           <p:cNvSpPr>
             <a:spLocks noGrp="1" noRot="1" noChangeAspect="1" noChangeArrowheads="1" noTextEdit="1"/>
           </p:cNvSpPr>
@@ -1563,7 +1565,7 @@
       </p:sp>
       <p:sp>
         <p:nvSpPr>
-          <p:cNvPr id="59396" name="Rectangle 3"/>
+          <p:cNvPr id="58372" name="Rectangle 3"/>
           <p:cNvSpPr>
             <a:spLocks noGrp="1" noChangeArrowheads="1"/>
           </p:cNvSpPr>
@@ -1607,7 +1609,7 @@
     </p:spTree>
     <p:extLst>
       <p:ext uri="{BB962C8B-B14F-4D97-AF65-F5344CB8AC3E}">
-        <p14:creationId xmlns:p14="http://schemas.microsoft.com/office/powerpoint/2010/main" val="983560520"/>
+        <p14:creationId xmlns:p14="http://schemas.microsoft.com/office/powerpoint/2010/main" val="964157192"/>
       </p:ext>
     </p:extLst>
   </p:cSld>
@@ -1636,7 +1638,7 @@
       </p:grpSpPr>
       <p:sp>
         <p:nvSpPr>
-          <p:cNvPr id="60418" name="Rectangle 7"/>
+          <p:cNvPr id="59394" name="Rectangle 7"/>
           <p:cNvSpPr>
             <a:spLocks noGrp="1" noChangeArrowheads="1"/>
           </p:cNvSpPr>
@@ -1768,7 +1770,7 @@
             </a:lvl9pPr>
           </a:lstStyle>
           <a:p>
-            <a:fld id="{88DCF32C-06AC-4ACA-BD4F-32E373467DE0}" type="slidenum">
+            <a:fld id="{CF834BA7-5490-4BED-AA34-ECD9DC547969}" type="slidenum">
               <a:rPr lang="zh-TW" altLang="en-US" sz="1200" smtClean="0"/>
               <a:pPr/>
               <a:t>13</a:t>
@@ -1779,7 +1781,7 @@
       </p:sp>
       <p:sp>
         <p:nvSpPr>
-          <p:cNvPr id="60419" name="Rectangle 2"/>
+          <p:cNvPr id="59395" name="Rectangle 2"/>
           <p:cNvSpPr>
             <a:spLocks noGrp="1" noRot="1" noChangeAspect="1" noChangeArrowheads="1" noTextEdit="1"/>
           </p:cNvSpPr>
@@ -1793,7 +1795,7 @@
       </p:sp>
       <p:sp>
         <p:nvSpPr>
-          <p:cNvPr id="60420" name="Rectangle 3"/>
+          <p:cNvPr id="59396" name="Rectangle 3"/>
           <p:cNvSpPr>
             <a:spLocks noGrp="1" noChangeArrowheads="1"/>
           </p:cNvSpPr>
@@ -1837,7 +1839,7 @@
     </p:spTree>
     <p:extLst>
       <p:ext uri="{BB962C8B-B14F-4D97-AF65-F5344CB8AC3E}">
-        <p14:creationId xmlns:p14="http://schemas.microsoft.com/office/powerpoint/2010/main" val="656576855"/>
+        <p14:creationId xmlns:p14="http://schemas.microsoft.com/office/powerpoint/2010/main" val="983560520"/>
       </p:ext>
     </p:extLst>
   </p:cSld>
@@ -1866,7 +1868,7 @@
       </p:grpSpPr>
       <p:sp>
         <p:nvSpPr>
-          <p:cNvPr id="61442" name="Rectangle 7"/>
+          <p:cNvPr id="60418" name="Rectangle 7"/>
           <p:cNvSpPr>
             <a:spLocks noGrp="1" noChangeArrowheads="1"/>
           </p:cNvSpPr>
@@ -1998,7 +2000,7 @@
             </a:lvl9pPr>
           </a:lstStyle>
           <a:p>
-            <a:fld id="{CB337A97-36FF-498A-BED6-883DB079401A}" type="slidenum">
+            <a:fld id="{88DCF32C-06AC-4ACA-BD4F-32E373467DE0}" type="slidenum">
               <a:rPr lang="zh-TW" altLang="en-US" sz="1200" smtClean="0"/>
               <a:pPr/>
               <a:t>14</a:t>
@@ -2009,7 +2011,7 @@
       </p:sp>
       <p:sp>
         <p:nvSpPr>
-          <p:cNvPr id="61443" name="Rectangle 2"/>
+          <p:cNvPr id="60419" name="Rectangle 2"/>
           <p:cNvSpPr>
             <a:spLocks noGrp="1" noRot="1" noChangeAspect="1" noChangeArrowheads="1" noTextEdit="1"/>
           </p:cNvSpPr>
@@ -2023,7 +2025,7 @@
       </p:sp>
       <p:sp>
         <p:nvSpPr>
-          <p:cNvPr id="61444" name="Rectangle 3"/>
+          <p:cNvPr id="60420" name="Rectangle 3"/>
           <p:cNvSpPr>
             <a:spLocks noGrp="1" noChangeArrowheads="1"/>
           </p:cNvSpPr>
@@ -2067,7 +2069,7 @@
     </p:spTree>
     <p:extLst>
       <p:ext uri="{BB962C8B-B14F-4D97-AF65-F5344CB8AC3E}">
-        <p14:creationId xmlns:p14="http://schemas.microsoft.com/office/powerpoint/2010/main" val="542661346"/>
+        <p14:creationId xmlns:p14="http://schemas.microsoft.com/office/powerpoint/2010/main" val="656576855"/>
       </p:ext>
     </p:extLst>
   </p:cSld>
@@ -2297,7 +2299,7 @@
     </p:spTree>
     <p:extLst>
       <p:ext uri="{BB962C8B-B14F-4D97-AF65-F5344CB8AC3E}">
-        <p14:creationId xmlns:p14="http://schemas.microsoft.com/office/powerpoint/2010/main" val="351400123"/>
+        <p14:creationId xmlns:p14="http://schemas.microsoft.com/office/powerpoint/2010/main" val="542661346"/>
       </p:ext>
     </p:extLst>
   </p:cSld>
@@ -2326,7 +2328,7 @@
       </p:grpSpPr>
       <p:sp>
         <p:nvSpPr>
-          <p:cNvPr id="62466" name="Rectangle 7"/>
+          <p:cNvPr id="61442" name="Rectangle 7"/>
           <p:cNvSpPr>
             <a:spLocks noGrp="1" noChangeArrowheads="1"/>
           </p:cNvSpPr>
@@ -2458,7 +2460,7 @@
             </a:lvl9pPr>
           </a:lstStyle>
           <a:p>
-            <a:fld id="{2391C541-F60D-4F89-836F-BF98309F62E9}" type="slidenum">
+            <a:fld id="{CB337A97-36FF-498A-BED6-883DB079401A}" type="slidenum">
               <a:rPr lang="zh-TW" altLang="en-US" sz="1200" smtClean="0"/>
               <a:pPr/>
               <a:t>16</a:t>
@@ -2469,7 +2471,7 @@
       </p:sp>
       <p:sp>
         <p:nvSpPr>
-          <p:cNvPr id="62467" name="Rectangle 2"/>
+          <p:cNvPr id="61443" name="Rectangle 2"/>
           <p:cNvSpPr>
             <a:spLocks noGrp="1" noRot="1" noChangeAspect="1" noChangeArrowheads="1" noTextEdit="1"/>
           </p:cNvSpPr>
@@ -2483,7 +2485,7 @@
       </p:sp>
       <p:sp>
         <p:nvSpPr>
-          <p:cNvPr id="62468" name="Rectangle 3"/>
+          <p:cNvPr id="61444" name="Rectangle 3"/>
           <p:cNvSpPr>
             <a:spLocks noGrp="1" noChangeArrowheads="1"/>
           </p:cNvSpPr>
@@ -2527,7 +2529,7 @@
     </p:spTree>
     <p:extLst>
       <p:ext uri="{BB962C8B-B14F-4D97-AF65-F5344CB8AC3E}">
-        <p14:creationId xmlns:p14="http://schemas.microsoft.com/office/powerpoint/2010/main" val="2002864709"/>
+        <p14:creationId xmlns:p14="http://schemas.microsoft.com/office/powerpoint/2010/main" val="351400123"/>
       </p:ext>
     </p:extLst>
   </p:cSld>
@@ -2556,7 +2558,7 @@
       </p:grpSpPr>
       <p:sp>
         <p:nvSpPr>
-          <p:cNvPr id="63490" name="Rectangle 7"/>
+          <p:cNvPr id="62466" name="Rectangle 7"/>
           <p:cNvSpPr>
             <a:spLocks noGrp="1" noChangeArrowheads="1"/>
           </p:cNvSpPr>
@@ -2688,7 +2690,7 @@
             </a:lvl9pPr>
           </a:lstStyle>
           <a:p>
-            <a:fld id="{BBB02FAA-F9E5-4019-9D7C-4D962C682FD5}" type="slidenum">
+            <a:fld id="{2391C541-F60D-4F89-836F-BF98309F62E9}" type="slidenum">
               <a:rPr lang="zh-TW" altLang="en-US" sz="1200" smtClean="0"/>
               <a:pPr/>
               <a:t>17</a:t>
@@ -2699,7 +2701,7 @@
       </p:sp>
       <p:sp>
         <p:nvSpPr>
-          <p:cNvPr id="63491" name="Rectangle 2"/>
+          <p:cNvPr id="62467" name="Rectangle 2"/>
           <p:cNvSpPr>
             <a:spLocks noGrp="1" noRot="1" noChangeAspect="1" noChangeArrowheads="1" noTextEdit="1"/>
           </p:cNvSpPr>
@@ -2713,7 +2715,7 @@
       </p:sp>
       <p:sp>
         <p:nvSpPr>
-          <p:cNvPr id="63492" name="Rectangle 3"/>
+          <p:cNvPr id="62468" name="Rectangle 3"/>
           <p:cNvSpPr>
             <a:spLocks noGrp="1" noChangeArrowheads="1"/>
           </p:cNvSpPr>
@@ -2757,7 +2759,7 @@
     </p:spTree>
     <p:extLst>
       <p:ext uri="{BB962C8B-B14F-4D97-AF65-F5344CB8AC3E}">
-        <p14:creationId xmlns:p14="http://schemas.microsoft.com/office/powerpoint/2010/main" val="1657570270"/>
+        <p14:creationId xmlns:p14="http://schemas.microsoft.com/office/powerpoint/2010/main" val="2002864709"/>
       </p:ext>
     </p:extLst>
   </p:cSld>
@@ -2987,7 +2989,7 @@
     </p:spTree>
     <p:extLst>
       <p:ext uri="{BB962C8B-B14F-4D97-AF65-F5344CB8AC3E}">
-        <p14:creationId xmlns:p14="http://schemas.microsoft.com/office/powerpoint/2010/main" val="16473061"/>
+        <p14:creationId xmlns:p14="http://schemas.microsoft.com/office/powerpoint/2010/main" val="1657570270"/>
       </p:ext>
     </p:extLst>
   </p:cSld>
@@ -3381,7 +3383,7 @@
             <a:fld id="{BBB02FAA-F9E5-4019-9D7C-4D962C682FD5}" type="slidenum">
               <a:rPr lang="zh-TW" altLang="en-US" sz="1200" smtClean="0"/>
               <a:pPr/>
-              <a:t>24</a:t>
+              <a:t>20</a:t>
             </a:fld>
             <a:endParaRPr lang="en-US" altLang="zh-TW" sz="1200" smtClean="0"/>
           </a:p>
@@ -3447,7 +3449,7 @@
     </p:spTree>
     <p:extLst>
       <p:ext uri="{BB962C8B-B14F-4D97-AF65-F5344CB8AC3E}">
-        <p14:creationId xmlns:p14="http://schemas.microsoft.com/office/powerpoint/2010/main" val="16938179"/>
+        <p14:creationId xmlns:p14="http://schemas.microsoft.com/office/powerpoint/2010/main" val="16473061"/>
       </p:ext>
     </p:extLst>
   </p:cSld>
@@ -3907,7 +3909,7 @@
     </p:spTree>
     <p:extLst>
       <p:ext uri="{BB962C8B-B14F-4D97-AF65-F5344CB8AC3E}">
-        <p14:creationId xmlns:p14="http://schemas.microsoft.com/office/powerpoint/2010/main" val="1161172581"/>
+        <p14:creationId xmlns:p14="http://schemas.microsoft.com/office/powerpoint/2010/main" val="16938179"/>
       </p:ext>
     </p:extLst>
   </p:cSld>
@@ -3936,6 +3938,236 @@
       </p:grpSpPr>
       <p:sp>
         <p:nvSpPr>
+          <p:cNvPr id="63490" name="Rectangle 7"/>
+          <p:cNvSpPr>
+            <a:spLocks noGrp="1" noChangeArrowheads="1"/>
+          </p:cNvSpPr>
+          <p:nvPr>
+            <p:ph type="sldNum" sz="quarter" idx="5"/>
+          </p:nvPr>
+        </p:nvSpPr>
+        <p:spPr>
+          <a:noFill/>
+          <a:ln w="9525"/>
+          <a:extLst>
+            <a:ext uri="{909E8E84-426E-40DD-AFC4-6F175D3DCCD1}">
+              <a14:hiddenFill xmlns:a14="http://schemas.microsoft.com/office/drawing/2010/main">
+                <a:solidFill>
+                  <a:srgbClr val="FFFFFF"/>
+                </a:solidFill>
+              </a14:hiddenFill>
+            </a:ext>
+            <a:ext uri="{91240B29-F687-4F45-9708-019B960494DF}">
+              <a14:hiddenLine xmlns:a14="http://schemas.microsoft.com/office/drawing/2010/main" w="12700">
+                <a:solidFill>
+                  <a:srgbClr val="000000"/>
+                </a:solidFill>
+                <a:miter lim="800000"/>
+                <a:headEnd type="none" w="sm" len="sm"/>
+                <a:tailEnd type="none" w="sm" len="sm"/>
+              </a14:hiddenLine>
+            </a:ext>
+          </a:extLst>
+        </p:spPr>
+        <p:txBody>
+          <a:bodyPr/>
+          <a:lstStyle>
+            <a:lvl1pPr eaLnBrk="0" hangingPunct="0">
+              <a:defRPr sz="2400">
+                <a:solidFill>
+                  <a:schemeClr val="tx1"/>
+                </a:solidFill>
+                <a:latin typeface="Times New Roman" pitchFamily="18" charset="0"/>
+              </a:defRPr>
+            </a:lvl1pPr>
+            <a:lvl2pPr marL="742950" indent="-285750" eaLnBrk="0" hangingPunct="0">
+              <a:defRPr sz="2400">
+                <a:solidFill>
+                  <a:schemeClr val="tx1"/>
+                </a:solidFill>
+                <a:latin typeface="Times New Roman" pitchFamily="18" charset="0"/>
+              </a:defRPr>
+            </a:lvl2pPr>
+            <a:lvl3pPr marL="1143000" indent="-228600" eaLnBrk="0" hangingPunct="0">
+              <a:defRPr sz="2400">
+                <a:solidFill>
+                  <a:schemeClr val="tx1"/>
+                </a:solidFill>
+                <a:latin typeface="Times New Roman" pitchFamily="18" charset="0"/>
+              </a:defRPr>
+            </a:lvl3pPr>
+            <a:lvl4pPr marL="1600200" indent="-228600" eaLnBrk="0" hangingPunct="0">
+              <a:defRPr sz="2400">
+                <a:solidFill>
+                  <a:schemeClr val="tx1"/>
+                </a:solidFill>
+                <a:latin typeface="Times New Roman" pitchFamily="18" charset="0"/>
+              </a:defRPr>
+            </a:lvl4pPr>
+            <a:lvl5pPr marL="2057400" indent="-228600" eaLnBrk="0" hangingPunct="0">
+              <a:defRPr sz="2400">
+                <a:solidFill>
+                  <a:schemeClr val="tx1"/>
+                </a:solidFill>
+                <a:latin typeface="Times New Roman" pitchFamily="18" charset="0"/>
+              </a:defRPr>
+            </a:lvl5pPr>
+            <a:lvl6pPr marL="2514600" indent="-228600" eaLnBrk="0" fontAlgn="base" hangingPunct="0">
+              <a:spcBef>
+                <a:spcPct val="0"/>
+              </a:spcBef>
+              <a:spcAft>
+                <a:spcPct val="0"/>
+              </a:spcAft>
+              <a:defRPr sz="2400">
+                <a:solidFill>
+                  <a:schemeClr val="tx1"/>
+                </a:solidFill>
+                <a:latin typeface="Times New Roman" pitchFamily="18" charset="0"/>
+              </a:defRPr>
+            </a:lvl6pPr>
+            <a:lvl7pPr marL="2971800" indent="-228600" eaLnBrk="0" fontAlgn="base" hangingPunct="0">
+              <a:spcBef>
+                <a:spcPct val="0"/>
+              </a:spcBef>
+              <a:spcAft>
+                <a:spcPct val="0"/>
+              </a:spcAft>
+              <a:defRPr sz="2400">
+                <a:solidFill>
+                  <a:schemeClr val="tx1"/>
+                </a:solidFill>
+                <a:latin typeface="Times New Roman" pitchFamily="18" charset="0"/>
+              </a:defRPr>
+            </a:lvl7pPr>
+            <a:lvl8pPr marL="3429000" indent="-228600" eaLnBrk="0" fontAlgn="base" hangingPunct="0">
+              <a:spcBef>
+                <a:spcPct val="0"/>
+              </a:spcBef>
+              <a:spcAft>
+                <a:spcPct val="0"/>
+              </a:spcAft>
+              <a:defRPr sz="2400">
+                <a:solidFill>
+                  <a:schemeClr val="tx1"/>
+                </a:solidFill>
+                <a:latin typeface="Times New Roman" pitchFamily="18" charset="0"/>
+              </a:defRPr>
+            </a:lvl8pPr>
+            <a:lvl9pPr marL="3886200" indent="-228600" eaLnBrk="0" fontAlgn="base" hangingPunct="0">
+              <a:spcBef>
+                <a:spcPct val="0"/>
+              </a:spcBef>
+              <a:spcAft>
+                <a:spcPct val="0"/>
+              </a:spcAft>
+              <a:defRPr sz="2400">
+                <a:solidFill>
+                  <a:schemeClr val="tx1"/>
+                </a:solidFill>
+                <a:latin typeface="Times New Roman" pitchFamily="18" charset="0"/>
+              </a:defRPr>
+            </a:lvl9pPr>
+          </a:lstStyle>
+          <a:p>
+            <a:fld id="{BBB02FAA-F9E5-4019-9D7C-4D962C682FD5}" type="slidenum">
+              <a:rPr lang="zh-TW" altLang="en-US" sz="1200" smtClean="0"/>
+              <a:pPr/>
+              <a:t>26</a:t>
+            </a:fld>
+            <a:endParaRPr lang="en-US" altLang="zh-TW" sz="1200" smtClean="0"/>
+          </a:p>
+        </p:txBody>
+      </p:sp>
+      <p:sp>
+        <p:nvSpPr>
+          <p:cNvPr id="63491" name="Rectangle 2"/>
+          <p:cNvSpPr>
+            <a:spLocks noGrp="1" noRot="1" noChangeAspect="1" noChangeArrowheads="1" noTextEdit="1"/>
+          </p:cNvSpPr>
+          <p:nvPr>
+            <p:ph type="sldImg"/>
+          </p:nvPr>
+        </p:nvSpPr>
+        <p:spPr>
+          <a:ln/>
+        </p:spPr>
+      </p:sp>
+      <p:sp>
+        <p:nvSpPr>
+          <p:cNvPr id="63492" name="Rectangle 3"/>
+          <p:cNvSpPr>
+            <a:spLocks noGrp="1" noChangeArrowheads="1"/>
+          </p:cNvSpPr>
+          <p:nvPr>
+            <p:ph type="body" idx="1"/>
+          </p:nvPr>
+        </p:nvSpPr>
+        <p:spPr>
+          <a:noFill/>
+          <a:ln w="9525"/>
+          <a:extLst>
+            <a:ext uri="{909E8E84-426E-40DD-AFC4-6F175D3DCCD1}">
+              <a14:hiddenFill xmlns:a14="http://schemas.microsoft.com/office/drawing/2010/main">
+                <a:solidFill>
+                  <a:srgbClr val="FFFFFF"/>
+                </a:solidFill>
+              </a14:hiddenFill>
+            </a:ext>
+            <a:ext uri="{91240B29-F687-4F45-9708-019B960494DF}">
+              <a14:hiddenLine xmlns:a14="http://schemas.microsoft.com/office/drawing/2010/main" w="9525">
+                <a:solidFill>
+                  <a:srgbClr val="000000"/>
+                </a:solidFill>
+                <a:miter lim="800000"/>
+                <a:headEnd type="none" w="sm" len="sm"/>
+                <a:tailEnd type="none" w="sm" len="sm"/>
+              </a14:hiddenLine>
+            </a:ext>
+          </a:extLst>
+        </p:spPr>
+        <p:txBody>
+          <a:bodyPr/>
+          <a:lstStyle/>
+          <a:p>
+            <a:endParaRPr lang="zh-TW" altLang="zh-TW" smtClean="0">
+              <a:latin typeface="Times New Roman" pitchFamily="18" charset="0"/>
+            </a:endParaRPr>
+          </a:p>
+        </p:txBody>
+      </p:sp>
+    </p:spTree>
+    <p:extLst>
+      <p:ext uri="{BB962C8B-B14F-4D97-AF65-F5344CB8AC3E}">
+        <p14:creationId xmlns:p14="http://schemas.microsoft.com/office/powerpoint/2010/main" val="1161172581"/>
+      </p:ext>
+    </p:extLst>
+  </p:cSld>
+  <p:clrMapOvr>
+    <a:masterClrMapping/>
+  </p:clrMapOvr>
+</p:notes>
+</file>
+
+<file path=ppt/notesSlides/notesSlide22.xml><?xml version="1.0" encoding="utf-8"?>
+<p:notes xmlns:a="http://schemas.openxmlformats.org/drawingml/2006/main" xmlns:r="http://schemas.openxmlformats.org/officeDocument/2006/relationships" xmlns:p="http://schemas.openxmlformats.org/presentationml/2006/main">
+  <p:cSld>
+    <p:spTree>
+      <p:nvGrpSpPr>
+        <p:cNvPr id="1" name=""/>
+        <p:cNvGrpSpPr/>
+        <p:nvPr/>
+      </p:nvGrpSpPr>
+      <p:grpSpPr>
+        <a:xfrm>
+          <a:off x="0" y="0"/>
+          <a:ext cx="0" cy="0"/>
+          <a:chOff x="0" y="0"/>
+          <a:chExt cx="0" cy="0"/>
+        </a:xfrm>
+      </p:grpSpPr>
+      <p:sp>
+        <p:nvSpPr>
           <p:cNvPr id="25602" name="Rectangle 7"/>
           <p:cNvSpPr>
             <a:spLocks noGrp="1" noChangeArrowheads="1"/>
@@ -4095,7 +4327,7 @@
                   <a:spcPct val="0"/>
                 </a:spcBef>
               </a:pPr>
-              <a:t>26</a:t>
+              <a:t>28</a:t>
             </a:fld>
             <a:endParaRPr kumimoji="0" lang="en-US" altLang="zh-TW"/>
           </a:p>
@@ -4852,7 +5084,7 @@
     </p:spTree>
     <p:extLst>
       <p:ext uri="{BB962C8B-B14F-4D97-AF65-F5344CB8AC3E}">
-        <p14:creationId xmlns:p14="http://schemas.microsoft.com/office/powerpoint/2010/main" val="698934920"/>
+        <p14:creationId xmlns:p14="http://schemas.microsoft.com/office/powerpoint/2010/main" val="1255194539"/>
       </p:ext>
     </p:extLst>
   </p:cSld>
@@ -5082,7 +5314,7 @@
     </p:spTree>
     <p:extLst>
       <p:ext uri="{BB962C8B-B14F-4D97-AF65-F5344CB8AC3E}">
-        <p14:creationId xmlns:p14="http://schemas.microsoft.com/office/powerpoint/2010/main" val="929475689"/>
+        <p14:creationId xmlns:p14="http://schemas.microsoft.com/office/powerpoint/2010/main" val="750419300"/>
       </p:ext>
     </p:extLst>
   </p:cSld>
@@ -5248,7 +5480,7 @@
               <a:pPr/>
               <a:t>7</a:t>
             </a:fld>
-            <a:endParaRPr lang="en-US" altLang="zh-TW" sz="1200" smtClean="0"/>
+            <a:endParaRPr lang="en-US" altLang="zh-TW" sz="1200"/>
           </a:p>
         </p:txBody>
       </p:sp>
@@ -5303,7 +5535,7 @@
           <a:bodyPr/>
           <a:lstStyle/>
           <a:p>
-            <a:endParaRPr lang="zh-TW" altLang="zh-TW" smtClean="0">
+            <a:endParaRPr lang="zh-TW" altLang="zh-TW">
               <a:latin typeface="Times New Roman" pitchFamily="18" charset="0"/>
             </a:endParaRPr>
           </a:p>
@@ -5708,7 +5940,7 @@
               <a:pPr/>
               <a:t>9</a:t>
             </a:fld>
-            <a:endParaRPr lang="en-US" altLang="zh-TW" sz="1200" smtClean="0"/>
+            <a:endParaRPr lang="en-US" altLang="zh-TW" sz="1200"/>
           </a:p>
         </p:txBody>
       </p:sp>
@@ -5763,7 +5995,7 @@
           <a:bodyPr/>
           <a:lstStyle/>
           <a:p>
-            <a:endParaRPr lang="zh-TW" altLang="zh-TW" smtClean="0">
+            <a:endParaRPr lang="zh-TW" altLang="zh-TW">
               <a:latin typeface="Times New Roman" pitchFamily="18" charset="0"/>
             </a:endParaRPr>
           </a:p>
@@ -12842,58 +13074,646 @@
           <a:chExt cx="0" cy="0"/>
         </a:xfrm>
       </p:grpSpPr>
-      <p:sp>
-        <p:nvSpPr>
-          <p:cNvPr id="2" name="Title 1"/>
-          <p:cNvSpPr>
-            <a:spLocks noGrp="1"/>
+      <p:pic>
+        <p:nvPicPr>
+          <p:cNvPr id="13" name="圖片 1"/>
+          <p:cNvPicPr>
+            <a:picLocks noChangeAspect="1"/>
+          </p:cNvPicPr>
+          <p:nvPr/>
+        </p:nvPicPr>
+        <p:blipFill rotWithShape="1">
+          <a:blip r:embed="rId3" cstate="print">
+            <a:extLst>
+              <a:ext uri="{28A0092B-C50C-407E-A947-70E740481C1C}">
+                <a14:useLocalDpi xmlns:a14="http://schemas.microsoft.com/office/drawing/2010/main" val="0"/>
+              </a:ext>
+            </a:extLst>
+          </a:blip>
+          <a:srcRect t="5277" r="16365" b="3815"/>
+          <a:stretch/>
+        </p:blipFill>
+        <p:spPr>
+          <a:xfrm>
+            <a:off x="20" y="10"/>
+            <a:ext cx="9143980" cy="6857990"/>
+          </a:xfrm>
+          <a:prstGeom prst="rect">
+            <a:avLst/>
+          </a:prstGeom>
+        </p:spPr>
+      </p:pic>
+      <p:sp>
+        <p:nvSpPr>
+          <p:cNvPr id="256" name="Freeform 15"/>
+          <p:cNvSpPr>
+            <a:spLocks noGrp="1" noRot="1" noChangeAspect="1" noMove="1" noResize="1" noEditPoints="1" noAdjustHandles="1" noChangeArrowheads="1" noChangeShapeType="1" noTextEdit="1"/>
+          </p:cNvSpPr>
+          <p:nvPr>
+            <p:extLst>
+              <p:ext uri="{386F3935-93C4-4BCD-93E2-E3B085C9AB24}">
+                <p16:designElem xmlns:p16="http://schemas.microsoft.com/office/powerpoint/2015/main" val="1"/>
+              </p:ext>
+            </p:extLst>
+          </p:nvPr>
+        </p:nvSpPr>
+        <p:spPr bwMode="white">
+          <a:xfrm>
+            <a:off x="-12700" y="-16933"/>
+            <a:ext cx="7118350" cy="6883400"/>
+          </a:xfrm>
+          <a:custGeom>
+            <a:avLst/>
+            <a:gdLst>
+              <a:gd name="connsiteX0" fmla="*/ 5427133 w 7340600"/>
+              <a:gd name="connsiteY0" fmla="*/ 8466 h 6883400"/>
+              <a:gd name="connsiteX1" fmla="*/ 4783666 w 7340600"/>
+              <a:gd name="connsiteY1" fmla="*/ 2573866 h 6883400"/>
+              <a:gd name="connsiteX2" fmla="*/ 7340600 w 7340600"/>
+              <a:gd name="connsiteY2" fmla="*/ 6874933 h 6883400"/>
+              <a:gd name="connsiteX3" fmla="*/ 0 w 7340600"/>
+              <a:gd name="connsiteY3" fmla="*/ 6883400 h 6883400"/>
+              <a:gd name="connsiteX4" fmla="*/ 8466 w 7340600"/>
+              <a:gd name="connsiteY4" fmla="*/ 0 h 6883400"/>
+              <a:gd name="connsiteX5" fmla="*/ 5427133 w 7340600"/>
+              <a:gd name="connsiteY5" fmla="*/ 8466 h 6883400"/>
+              <a:gd name="connsiteX0" fmla="*/ 9203266 w 9203266"/>
+              <a:gd name="connsiteY0" fmla="*/ 16933 h 6883400"/>
+              <a:gd name="connsiteX1" fmla="*/ 4783666 w 9203266"/>
+              <a:gd name="connsiteY1" fmla="*/ 2573866 h 6883400"/>
+              <a:gd name="connsiteX2" fmla="*/ 7340600 w 9203266"/>
+              <a:gd name="connsiteY2" fmla="*/ 6874933 h 6883400"/>
+              <a:gd name="connsiteX3" fmla="*/ 0 w 9203266"/>
+              <a:gd name="connsiteY3" fmla="*/ 6883400 h 6883400"/>
+              <a:gd name="connsiteX4" fmla="*/ 8466 w 9203266"/>
+              <a:gd name="connsiteY4" fmla="*/ 0 h 6883400"/>
+              <a:gd name="connsiteX5" fmla="*/ 9203266 w 9203266"/>
+              <a:gd name="connsiteY5" fmla="*/ 16933 h 6883400"/>
+              <a:gd name="connsiteX0" fmla="*/ 9203266 w 9203266"/>
+              <a:gd name="connsiteY0" fmla="*/ 16933 h 6883400"/>
+              <a:gd name="connsiteX1" fmla="*/ 8339666 w 9203266"/>
+              <a:gd name="connsiteY1" fmla="*/ 5240866 h 6883400"/>
+              <a:gd name="connsiteX2" fmla="*/ 7340600 w 9203266"/>
+              <a:gd name="connsiteY2" fmla="*/ 6874933 h 6883400"/>
+              <a:gd name="connsiteX3" fmla="*/ 0 w 9203266"/>
+              <a:gd name="connsiteY3" fmla="*/ 6883400 h 6883400"/>
+              <a:gd name="connsiteX4" fmla="*/ 8466 w 9203266"/>
+              <a:gd name="connsiteY4" fmla="*/ 0 h 6883400"/>
+              <a:gd name="connsiteX5" fmla="*/ 9203266 w 9203266"/>
+              <a:gd name="connsiteY5" fmla="*/ 16933 h 6883400"/>
+              <a:gd name="connsiteX0" fmla="*/ 9203266 w 9491133"/>
+              <a:gd name="connsiteY0" fmla="*/ 16933 h 6883400"/>
+              <a:gd name="connsiteX1" fmla="*/ 8339666 w 9491133"/>
+              <a:gd name="connsiteY1" fmla="*/ 5240866 h 6883400"/>
+              <a:gd name="connsiteX2" fmla="*/ 9491133 w 9491133"/>
+              <a:gd name="connsiteY2" fmla="*/ 6883400 h 6883400"/>
+              <a:gd name="connsiteX3" fmla="*/ 0 w 9491133"/>
+              <a:gd name="connsiteY3" fmla="*/ 6883400 h 6883400"/>
+              <a:gd name="connsiteX4" fmla="*/ 8466 w 9491133"/>
+              <a:gd name="connsiteY4" fmla="*/ 0 h 6883400"/>
+              <a:gd name="connsiteX5" fmla="*/ 9203266 w 9491133"/>
+              <a:gd name="connsiteY5" fmla="*/ 16933 h 6883400"/>
+            </a:gdLst>
+            <a:ahLst/>
+            <a:cxnLst>
+              <a:cxn ang="0">
+                <a:pos x="connsiteX0" y="connsiteY0"/>
+              </a:cxn>
+              <a:cxn ang="0">
+                <a:pos x="connsiteX1" y="connsiteY1"/>
+              </a:cxn>
+              <a:cxn ang="0">
+                <a:pos x="connsiteX2" y="connsiteY2"/>
+              </a:cxn>
+              <a:cxn ang="0">
+                <a:pos x="connsiteX3" y="connsiteY3"/>
+              </a:cxn>
+              <a:cxn ang="0">
+                <a:pos x="connsiteX4" y="connsiteY4"/>
+              </a:cxn>
+              <a:cxn ang="0">
+                <a:pos x="connsiteX5" y="connsiteY5"/>
+              </a:cxn>
+            </a:cxnLst>
+            <a:rect l="l" t="t" r="r" b="b"/>
+            <a:pathLst>
+              <a:path w="9491133" h="6883400">
+                <a:moveTo>
+                  <a:pt x="9203266" y="16933"/>
+                </a:moveTo>
+                <a:lnTo>
+                  <a:pt x="8339666" y="5240866"/>
+                </a:lnTo>
+                <a:lnTo>
+                  <a:pt x="9491133" y="6883400"/>
+                </a:lnTo>
+                <a:lnTo>
+                  <a:pt x="0" y="6883400"/>
+                </a:lnTo>
+                <a:lnTo>
+                  <a:pt x="8466" y="0"/>
+                </a:lnTo>
+                <a:lnTo>
+                  <a:pt x="9203266" y="16933"/>
+                </a:lnTo>
+                <a:close/>
+              </a:path>
+            </a:pathLst>
+          </a:custGeom>
+          <a:solidFill>
+            <a:schemeClr val="tx1">
+              <a:lumMod val="95000"/>
+              <a:lumOff val="5000"/>
+              <a:alpha val="80000"/>
+            </a:schemeClr>
+          </a:solidFill>
+          <a:ln>
+            <a:noFill/>
+          </a:ln>
+          <a:effectLst/>
+        </p:spPr>
+        <p:style>
+          <a:lnRef idx="1">
+            <a:schemeClr val="accent1"/>
+          </a:lnRef>
+          <a:fillRef idx="3">
+            <a:schemeClr val="accent1"/>
+          </a:fillRef>
+          <a:effectRef idx="2">
+            <a:schemeClr val="accent1"/>
+          </a:effectRef>
+          <a:fontRef idx="minor">
+            <a:schemeClr val="lt1"/>
+          </a:fontRef>
+        </p:style>
+        <p:txBody>
+          <a:bodyPr rtlCol="0" anchor="ctr"/>
+          <a:lstStyle/>
+          <a:p>
+            <a:pPr algn="ctr"/>
+            <a:endParaRPr lang="en-US"/>
+          </a:p>
+        </p:txBody>
+      </p:sp>
+      <p:grpSp>
+        <p:nvGrpSpPr>
+          <p:cNvPr id="257" name="Group 256"/>
+          <p:cNvGrpSpPr>
+            <a:grpSpLocks noGrp="1" noUngrp="1" noRot="1" noChangeAspect="1" noMove="1" noResize="1"/>
+          </p:cNvGrpSpPr>
+          <p:nvPr>
+            <p:extLst>
+              <p:ext uri="{386F3935-93C4-4BCD-93E2-E3B085C9AB24}">
+                <p16:designElem xmlns:p16="http://schemas.microsoft.com/office/powerpoint/2015/main" val="1"/>
+              </p:ext>
+            </p:extLst>
+          </p:nvPr>
+        </p:nvGrpSpPr>
+        <p:grpSpPr>
+          <a:xfrm>
+            <a:off x="6304359" y="1"/>
+            <a:ext cx="1827610" cy="6858001"/>
+            <a:chOff x="1320800" y="0"/>
+            <a:chExt cx="2436813" cy="6858001"/>
+          </a:xfrm>
+        </p:grpSpPr>
+        <p:sp>
+          <p:nvSpPr>
+            <p:cNvPr id="258" name="Freeform 6"/>
+            <p:cNvSpPr/>
+            <p:nvPr>
+              <p:extLst>
+                <p:ext uri="{386F3935-93C4-4BCD-93E2-E3B085C9AB24}">
+                  <p16:designElem xmlns:p16="http://schemas.microsoft.com/office/powerpoint/2015/main" val="1"/>
+                </p:ext>
+              </p:extLst>
+            </p:nvPr>
+          </p:nvSpPr>
+          <p:spPr bwMode="auto">
+            <a:xfrm>
+              <a:off x="1627188" y="0"/>
+              <a:ext cx="1122363" cy="5329238"/>
+            </a:xfrm>
+            <a:custGeom>
+              <a:avLst/>
+              <a:gdLst/>
+              <a:ahLst/>
+              <a:cxnLst/>
+              <a:rect l="0" t="0" r="r" b="b"/>
+              <a:pathLst>
+                <a:path w="707" h="3357">
+                  <a:moveTo>
+                    <a:pt x="0" y="3330"/>
+                  </a:moveTo>
+                  <a:lnTo>
+                    <a:pt x="156" y="3357"/>
+                  </a:lnTo>
+                  <a:lnTo>
+                    <a:pt x="707" y="0"/>
+                  </a:lnTo>
+                  <a:lnTo>
+                    <a:pt x="547" y="0"/>
+                  </a:lnTo>
+                  <a:lnTo>
+                    <a:pt x="0" y="3330"/>
+                  </a:lnTo>
+                  <a:close/>
+                </a:path>
+              </a:pathLst>
+            </a:custGeom>
+            <a:solidFill>
+              <a:schemeClr val="accent1"/>
+            </a:solidFill>
+            <a:ln>
+              <a:noFill/>
+            </a:ln>
+          </p:spPr>
+        </p:sp>
+        <p:sp>
+          <p:nvSpPr>
+            <p:cNvPr id="259" name="Freeform 7"/>
+            <p:cNvSpPr/>
+            <p:nvPr>
+              <p:extLst>
+                <p:ext uri="{386F3935-93C4-4BCD-93E2-E3B085C9AB24}">
+                  <p16:designElem xmlns:p16="http://schemas.microsoft.com/office/powerpoint/2015/main" val="1"/>
+                </p:ext>
+              </p:extLst>
+            </p:nvPr>
+          </p:nvSpPr>
+          <p:spPr bwMode="auto">
+            <a:xfrm>
+              <a:off x="1320800" y="0"/>
+              <a:ext cx="1117600" cy="5276850"/>
+            </a:xfrm>
+            <a:custGeom>
+              <a:avLst/>
+              <a:gdLst/>
+              <a:ahLst/>
+              <a:cxnLst/>
+              <a:rect l="0" t="0" r="r" b="b"/>
+              <a:pathLst>
+                <a:path w="704" h="3324">
+                  <a:moveTo>
+                    <a:pt x="704" y="0"/>
+                  </a:moveTo>
+                  <a:lnTo>
+                    <a:pt x="545" y="0"/>
+                  </a:lnTo>
+                  <a:lnTo>
+                    <a:pt x="0" y="3300"/>
+                  </a:lnTo>
+                  <a:lnTo>
+                    <a:pt x="157" y="3324"/>
+                  </a:lnTo>
+                  <a:lnTo>
+                    <a:pt x="704" y="0"/>
+                  </a:lnTo>
+                  <a:close/>
+                </a:path>
+              </a:pathLst>
+            </a:custGeom>
+            <a:solidFill>
+              <a:schemeClr val="tx1">
+                <a:lumMod val="65000"/>
+                <a:lumOff val="35000"/>
+              </a:schemeClr>
+            </a:solidFill>
+            <a:ln>
+              <a:noFill/>
+            </a:ln>
+          </p:spPr>
+        </p:sp>
+        <p:sp>
+          <p:nvSpPr>
+            <p:cNvPr id="260" name="Freeform 8"/>
+            <p:cNvSpPr/>
+            <p:nvPr>
+              <p:extLst>
+                <p:ext uri="{386F3935-93C4-4BCD-93E2-E3B085C9AB24}">
+                  <p16:designElem xmlns:p16="http://schemas.microsoft.com/office/powerpoint/2015/main" val="1"/>
+                </p:ext>
+              </p:extLst>
+            </p:nvPr>
+          </p:nvSpPr>
+          <p:spPr bwMode="auto">
+            <a:xfrm>
+              <a:off x="1320800" y="5238750"/>
+              <a:ext cx="1228725" cy="1619250"/>
+            </a:xfrm>
+            <a:custGeom>
+              <a:avLst/>
+              <a:gdLst/>
+              <a:ahLst/>
+              <a:cxnLst/>
+              <a:rect l="0" t="0" r="r" b="b"/>
+              <a:pathLst>
+                <a:path w="774" h="1020">
+                  <a:moveTo>
+                    <a:pt x="0" y="0"/>
+                  </a:moveTo>
+                  <a:lnTo>
+                    <a:pt x="740" y="1020"/>
+                  </a:lnTo>
+                  <a:lnTo>
+                    <a:pt x="774" y="1020"/>
+                  </a:lnTo>
+                  <a:lnTo>
+                    <a:pt x="0" y="0"/>
+                  </a:lnTo>
+                  <a:close/>
+                </a:path>
+              </a:pathLst>
+            </a:custGeom>
+            <a:solidFill>
+              <a:schemeClr val="tx1">
+                <a:lumMod val="85000"/>
+                <a:lumOff val="15000"/>
+              </a:schemeClr>
+            </a:solidFill>
+            <a:ln>
+              <a:noFill/>
+            </a:ln>
+          </p:spPr>
+        </p:sp>
+        <p:sp>
+          <p:nvSpPr>
+            <p:cNvPr id="261" name="Freeform 9"/>
+            <p:cNvSpPr/>
+            <p:nvPr>
+              <p:extLst>
+                <p:ext uri="{386F3935-93C4-4BCD-93E2-E3B085C9AB24}">
+                  <p16:designElem xmlns:p16="http://schemas.microsoft.com/office/powerpoint/2015/main" val="1"/>
+                </p:ext>
+              </p:extLst>
+            </p:nvPr>
+          </p:nvSpPr>
+          <p:spPr bwMode="auto">
+            <a:xfrm>
+              <a:off x="1627188" y="5291138"/>
+              <a:ext cx="1495425" cy="1566863"/>
+            </a:xfrm>
+            <a:custGeom>
+              <a:avLst/>
+              <a:gdLst/>
+              <a:ahLst/>
+              <a:cxnLst/>
+              <a:rect l="0" t="0" r="r" b="b"/>
+              <a:pathLst>
+                <a:path w="942" h="987">
+                  <a:moveTo>
+                    <a:pt x="0" y="0"/>
+                  </a:moveTo>
+                  <a:lnTo>
+                    <a:pt x="909" y="987"/>
+                  </a:lnTo>
+                  <a:lnTo>
+                    <a:pt x="942" y="987"/>
+                  </a:lnTo>
+                  <a:lnTo>
+                    <a:pt x="0" y="0"/>
+                  </a:lnTo>
+                  <a:close/>
+                </a:path>
+              </a:pathLst>
+            </a:custGeom>
+            <a:solidFill>
+              <a:schemeClr val="accent1">
+                <a:lumMod val="50000"/>
+              </a:schemeClr>
+            </a:solidFill>
+            <a:ln>
+              <a:noFill/>
+            </a:ln>
+          </p:spPr>
+        </p:sp>
+        <p:sp>
+          <p:nvSpPr>
+            <p:cNvPr id="262" name="Freeform 10"/>
+            <p:cNvSpPr/>
+            <p:nvPr>
+              <p:extLst>
+                <p:ext uri="{386F3935-93C4-4BCD-93E2-E3B085C9AB24}">
+                  <p16:designElem xmlns:p16="http://schemas.microsoft.com/office/powerpoint/2015/main" val="1"/>
+                </p:ext>
+              </p:extLst>
+            </p:nvPr>
+          </p:nvSpPr>
+          <p:spPr bwMode="auto">
+            <a:xfrm>
+              <a:off x="1627188" y="5286375"/>
+              <a:ext cx="2130425" cy="1571625"/>
+            </a:xfrm>
+            <a:custGeom>
+              <a:avLst/>
+              <a:gdLst/>
+              <a:ahLst/>
+              <a:cxnLst/>
+              <a:rect l="0" t="0" r="r" b="b"/>
+              <a:pathLst>
+                <a:path w="1342" h="990">
+                  <a:moveTo>
+                    <a:pt x="0" y="3"/>
+                  </a:moveTo>
+                  <a:lnTo>
+                    <a:pt x="942" y="990"/>
+                  </a:lnTo>
+                  <a:lnTo>
+                    <a:pt x="1342" y="990"/>
+                  </a:lnTo>
+                  <a:lnTo>
+                    <a:pt x="156" y="27"/>
+                  </a:lnTo>
+                  <a:lnTo>
+                    <a:pt x="0" y="0"/>
+                  </a:lnTo>
+                  <a:lnTo>
+                    <a:pt x="0" y="3"/>
+                  </a:lnTo>
+                  <a:close/>
+                </a:path>
+              </a:pathLst>
+            </a:custGeom>
+            <a:solidFill>
+              <a:schemeClr val="accent1">
+                <a:lumMod val="75000"/>
+              </a:schemeClr>
+            </a:solidFill>
+            <a:ln>
+              <a:noFill/>
+            </a:ln>
+          </p:spPr>
+        </p:sp>
+        <p:sp>
+          <p:nvSpPr>
+            <p:cNvPr id="263" name="Freeform 11"/>
+            <p:cNvSpPr/>
+            <p:nvPr>
+              <p:extLst>
+                <p:ext uri="{386F3935-93C4-4BCD-93E2-E3B085C9AB24}">
+                  <p16:designElem xmlns:p16="http://schemas.microsoft.com/office/powerpoint/2015/main" val="1"/>
+                </p:ext>
+              </p:extLst>
+            </p:nvPr>
+          </p:nvSpPr>
+          <p:spPr bwMode="auto">
+            <a:xfrm>
+              <a:off x="1320800" y="5238750"/>
+              <a:ext cx="1695450" cy="1619250"/>
+            </a:xfrm>
+            <a:custGeom>
+              <a:avLst/>
+              <a:gdLst/>
+              <a:ahLst/>
+              <a:cxnLst/>
+              <a:rect l="0" t="0" r="r" b="b"/>
+              <a:pathLst>
+                <a:path w="1068" h="1020">
+                  <a:moveTo>
+                    <a:pt x="1068" y="1020"/>
+                  </a:moveTo>
+                  <a:lnTo>
+                    <a:pt x="184" y="60"/>
+                  </a:lnTo>
+                  <a:lnTo>
+                    <a:pt x="154" y="27"/>
+                  </a:lnTo>
+                  <a:lnTo>
+                    <a:pt x="157" y="27"/>
+                  </a:lnTo>
+                  <a:lnTo>
+                    <a:pt x="157" y="24"/>
+                  </a:lnTo>
+                  <a:lnTo>
+                    <a:pt x="154" y="24"/>
+                  </a:lnTo>
+                  <a:lnTo>
+                    <a:pt x="0" y="0"/>
+                  </a:lnTo>
+                  <a:lnTo>
+                    <a:pt x="0" y="0"/>
+                  </a:lnTo>
+                  <a:lnTo>
+                    <a:pt x="774" y="1020"/>
+                  </a:lnTo>
+                  <a:lnTo>
+                    <a:pt x="1068" y="1020"/>
+                  </a:lnTo>
+                  <a:close/>
+                </a:path>
+              </a:pathLst>
+            </a:custGeom>
+            <a:solidFill>
+              <a:schemeClr val="tx1">
+                <a:lumMod val="75000"/>
+                <a:lumOff val="25000"/>
+              </a:schemeClr>
+            </a:solidFill>
+            <a:ln>
+              <a:noFill/>
+            </a:ln>
+          </p:spPr>
+        </p:sp>
+      </p:grpSp>
+      <p:sp>
+        <p:nvSpPr>
+          <p:cNvPr id="205826" name="Rectangle 2"/>
+          <p:cNvSpPr>
+            <a:spLocks noGrp="1" noChangeArrowheads="1"/>
           </p:cNvSpPr>
           <p:nvPr>
             <p:ph type="title"/>
           </p:nvPr>
         </p:nvSpPr>
-        <p:spPr/>
-        <p:txBody>
-          <a:bodyPr/>
+        <p:spPr>
+          <a:xfrm>
+            <a:off x="514350" y="685801"/>
+            <a:ext cx="5543550" cy="1176867"/>
+          </a:xfrm>
+        </p:spPr>
+        <p:txBody>
+          <a:bodyPr>
+            <a:normAutofit/>
+          </a:bodyPr>
           <a:lstStyle/>
           <a:p>
             <a:r>
-              <a:rPr lang="en-US" altLang="zh-HK" smtClean="0"/>
-              <a:t>Break</a:t>
-            </a:r>
-            <a:endParaRPr lang="zh-HK" altLang="en-US"/>
-          </a:p>
-        </p:txBody>
-      </p:sp>
-      <p:sp>
-        <p:nvSpPr>
-          <p:cNvPr id="3" name="Text Placeholder 2"/>
-          <p:cNvSpPr>
-            <a:spLocks noGrp="1"/>
-          </p:cNvSpPr>
-          <p:nvPr>
-            <p:ph type="body" idx="1"/>
-          </p:nvPr>
-        </p:nvSpPr>
-        <p:spPr/>
-        <p:txBody>
-          <a:bodyPr/>
+              <a:rPr lang="en-US" altLang="zh-TW">
+                <a:solidFill>
+                  <a:schemeClr val="bg1"/>
+                </a:solidFill>
+              </a:rPr>
+              <a:t>Classwork</a:t>
+            </a:r>
+          </a:p>
+        </p:txBody>
+      </p:sp>
+      <p:sp>
+        <p:nvSpPr>
+          <p:cNvPr id="21507" name="Rectangle 3"/>
+          <p:cNvSpPr>
+            <a:spLocks noGrp="1" noChangeArrowheads="1"/>
+          </p:cNvSpPr>
+          <p:nvPr>
+            <p:ph idx="1"/>
+          </p:nvPr>
+        </p:nvSpPr>
+        <p:spPr>
+          <a:xfrm>
+            <a:off x="514350" y="1888067"/>
+            <a:ext cx="5543551" cy="3970866"/>
+          </a:xfrm>
+        </p:spPr>
+        <p:txBody>
+          <a:bodyPr>
+            <a:normAutofit/>
+          </a:bodyPr>
           <a:lstStyle/>
           <a:p>
-            <a:endParaRPr lang="zh-HK" altLang="en-US"/>
+            <a:r>
+              <a:rPr lang="en-US" altLang="zh-TW">
+                <a:solidFill>
+                  <a:schemeClr val="bg1"/>
+                </a:solidFill>
+              </a:rPr>
+              <a:t>It may has repeated numbers</a:t>
+            </a:r>
+          </a:p>
+          <a:p>
+            <a:r>
+              <a:rPr lang="en-US" altLang="zh-TW">
+                <a:solidFill>
+                  <a:schemeClr val="bg1"/>
+                </a:solidFill>
+              </a:rPr>
+              <a:t>Use while to check repeat numbers or use shuffle</a:t>
+            </a:r>
+          </a:p>
+          <a:p>
+            <a:r>
+              <a:rPr lang="en-US" altLang="zh-TW">
+                <a:solidFill>
+                  <a:schemeClr val="bg1"/>
+                </a:solidFill>
+              </a:rPr>
+              <a:t>mark6NoRepeat.php</a:t>
+            </a:r>
           </a:p>
         </p:txBody>
       </p:sp>
     </p:spTree>
     <p:extLst>
       <p:ext uri="{BB962C8B-B14F-4D97-AF65-F5344CB8AC3E}">
-        <p14:creationId xmlns:p14="http://schemas.microsoft.com/office/powerpoint/2010/main" val="1937669722"/>
+        <p14:creationId xmlns:p14="http://schemas.microsoft.com/office/powerpoint/2010/main" val="263318502"/>
       </p:ext>
     </p:extLst>
   </p:cSld>
   <p:clrMapOvr>
     <a:masterClrMapping/>
   </p:clrMapOvr>
+  <p:transition>
+    <p:checker/>
+  </p:transition>
 </p:sld>
 </file>
 
@@ -12916,134 +13736,1123 @@
       </p:grpSpPr>
       <p:sp>
         <p:nvSpPr>
-          <p:cNvPr id="199682" name="Rectangle 2"/>
-          <p:cNvSpPr>
-            <a:spLocks noGrp="1" noChangeArrowheads="1"/>
+          <p:cNvPr id="9" name="Rectangle 8"/>
+          <p:cNvSpPr>
+            <a:spLocks noGrp="1" noRot="1" noChangeAspect="1" noMove="1" noResize="1" noEditPoints="1" noAdjustHandles="1" noChangeArrowheads="1" noChangeShapeType="1" noTextEdit="1"/>
+          </p:cNvSpPr>
+          <p:nvPr>
+            <p:extLst>
+              <p:ext uri="{386F3935-93C4-4BCD-93E2-E3B085C9AB24}">
+                <p16:designElem xmlns:p16="http://schemas.microsoft.com/office/powerpoint/2015/main" val="1"/>
+              </p:ext>
+            </p:extLst>
+          </p:nvPr>
+        </p:nvSpPr>
+        <p:spPr bwMode="white">
+          <a:xfrm>
+            <a:off x="0" y="0"/>
+            <a:ext cx="9144000" cy="6858000"/>
+          </a:xfrm>
+          <a:prstGeom prst="rect">
+            <a:avLst/>
+          </a:prstGeom>
+          <a:blipFill rotWithShape="1">
+            <a:blip r:embed="rId2">
+              <a:duotone>
+                <a:schemeClr val="bg2">
+                  <a:shade val="76000"/>
+                  <a:satMod val="180000"/>
+                </a:schemeClr>
+                <a:schemeClr val="bg2">
+                  <a:tint val="80000"/>
+                  <a:satMod val="120000"/>
+                  <a:lumMod val="180000"/>
+                </a:schemeClr>
+              </a:duotone>
+            </a:blip>
+            <a:stretch/>
+          </a:blipFill>
+          <a:ln>
+            <a:noFill/>
+          </a:ln>
+          <a:effectLst/>
+        </p:spPr>
+      </p:sp>
+      <p:grpSp>
+        <p:nvGrpSpPr>
+          <p:cNvPr id="11" name="Group 10"/>
+          <p:cNvGrpSpPr>
+            <a:grpSpLocks noGrp="1" noUngrp="1" noRot="1" noChangeAspect="1" noMove="1" noResize="1"/>
+          </p:cNvGrpSpPr>
+          <p:nvPr>
+            <p:extLst>
+              <p:ext uri="{386F3935-93C4-4BCD-93E2-E3B085C9AB24}">
+                <p16:designElem xmlns:p16="http://schemas.microsoft.com/office/powerpoint/2015/main" val="1"/>
+              </p:ext>
+            </p:extLst>
+          </p:nvPr>
+        </p:nvGrpSpPr>
+        <p:grpSpPr>
+          <a:xfrm>
+            <a:off x="203200" y="0"/>
+            <a:ext cx="3778250" cy="6858001"/>
+            <a:chOff x="203200" y="0"/>
+            <a:chExt cx="3778250" cy="6858001"/>
+          </a:xfrm>
+        </p:grpSpPr>
+        <p:sp>
+          <p:nvSpPr>
+            <p:cNvPr id="12" name="Freeform 6"/>
+            <p:cNvSpPr/>
+            <p:nvPr>
+              <p:extLst>
+                <p:ext uri="{386F3935-93C4-4BCD-93E2-E3B085C9AB24}">
+                  <p16:designElem xmlns:p16="http://schemas.microsoft.com/office/powerpoint/2015/main" val="1"/>
+                </p:ext>
+              </p:extLst>
+            </p:nvPr>
+          </p:nvSpPr>
+          <p:spPr bwMode="auto">
+            <a:xfrm>
+              <a:off x="641350" y="0"/>
+              <a:ext cx="1365250" cy="3971925"/>
+            </a:xfrm>
+            <a:custGeom>
+              <a:avLst/>
+              <a:gdLst/>
+              <a:ahLst/>
+              <a:cxnLst/>
+              <a:rect l="0" t="0" r="r" b="b"/>
+              <a:pathLst>
+                <a:path w="860" h="2502">
+                  <a:moveTo>
+                    <a:pt x="0" y="2445"/>
+                  </a:moveTo>
+                  <a:lnTo>
+                    <a:pt x="228" y="2502"/>
+                  </a:lnTo>
+                  <a:lnTo>
+                    <a:pt x="860" y="0"/>
+                  </a:lnTo>
+                  <a:lnTo>
+                    <a:pt x="620" y="0"/>
+                  </a:lnTo>
+                  <a:lnTo>
+                    <a:pt x="0" y="2445"/>
+                  </a:lnTo>
+                  <a:close/>
+                </a:path>
+              </a:pathLst>
+            </a:custGeom>
+            <a:solidFill>
+              <a:schemeClr val="accent1"/>
+            </a:solidFill>
+            <a:ln>
+              <a:noFill/>
+            </a:ln>
+          </p:spPr>
+        </p:sp>
+        <p:sp>
+          <p:nvSpPr>
+            <p:cNvPr id="13" name="Freeform 7"/>
+            <p:cNvSpPr/>
+            <p:nvPr>
+              <p:extLst>
+                <p:ext uri="{386F3935-93C4-4BCD-93E2-E3B085C9AB24}">
+                  <p16:designElem xmlns:p16="http://schemas.microsoft.com/office/powerpoint/2015/main" val="1"/>
+                </p:ext>
+              </p:extLst>
+            </p:nvPr>
+          </p:nvSpPr>
+          <p:spPr bwMode="auto">
+            <a:xfrm>
+              <a:off x="203200" y="0"/>
+              <a:ext cx="1336675" cy="3862388"/>
+            </a:xfrm>
+            <a:custGeom>
+              <a:avLst/>
+              <a:gdLst/>
+              <a:ahLst/>
+              <a:cxnLst/>
+              <a:rect l="0" t="0" r="r" b="b"/>
+              <a:pathLst>
+                <a:path w="842" h="2433">
+                  <a:moveTo>
+                    <a:pt x="842" y="0"/>
+                  </a:moveTo>
+                  <a:lnTo>
+                    <a:pt x="602" y="0"/>
+                  </a:lnTo>
+                  <a:lnTo>
+                    <a:pt x="0" y="2376"/>
+                  </a:lnTo>
+                  <a:lnTo>
+                    <a:pt x="228" y="2433"/>
+                  </a:lnTo>
+                  <a:lnTo>
+                    <a:pt x="842" y="0"/>
+                  </a:lnTo>
+                  <a:close/>
+                </a:path>
+              </a:pathLst>
+            </a:custGeom>
+            <a:solidFill>
+              <a:schemeClr val="tx1">
+                <a:lumMod val="65000"/>
+                <a:lumOff val="35000"/>
+              </a:schemeClr>
+            </a:solidFill>
+            <a:ln>
+              <a:noFill/>
+            </a:ln>
+          </p:spPr>
+        </p:sp>
+        <p:sp>
+          <p:nvSpPr>
+            <p:cNvPr id="14" name="Freeform 8"/>
+            <p:cNvSpPr/>
+            <p:nvPr>
+              <p:extLst>
+                <p:ext uri="{386F3935-93C4-4BCD-93E2-E3B085C9AB24}">
+                  <p16:designElem xmlns:p16="http://schemas.microsoft.com/office/powerpoint/2015/main" val="1"/>
+                </p:ext>
+              </p:extLst>
+            </p:nvPr>
+          </p:nvSpPr>
+          <p:spPr bwMode="auto">
+            <a:xfrm>
+              <a:off x="207963" y="3776663"/>
+              <a:ext cx="1936750" cy="3081338"/>
+            </a:xfrm>
+            <a:custGeom>
+              <a:avLst/>
+              <a:gdLst/>
+              <a:ahLst/>
+              <a:cxnLst/>
+              <a:rect l="0" t="0" r="r" b="b"/>
+              <a:pathLst>
+                <a:path w="1220" h="1941">
+                  <a:moveTo>
+                    <a:pt x="0" y="0"/>
+                  </a:moveTo>
+                  <a:lnTo>
+                    <a:pt x="1166" y="1941"/>
+                  </a:lnTo>
+                  <a:lnTo>
+                    <a:pt x="1220" y="1941"/>
+                  </a:lnTo>
+                  <a:lnTo>
+                    <a:pt x="0" y="0"/>
+                  </a:lnTo>
+                  <a:close/>
+                </a:path>
+              </a:pathLst>
+            </a:custGeom>
+            <a:solidFill>
+              <a:schemeClr val="tx1">
+                <a:lumMod val="85000"/>
+                <a:lumOff val="15000"/>
+              </a:schemeClr>
+            </a:solidFill>
+            <a:ln>
+              <a:noFill/>
+            </a:ln>
+          </p:spPr>
+        </p:sp>
+        <p:sp>
+          <p:nvSpPr>
+            <p:cNvPr id="15" name="Freeform 9"/>
+            <p:cNvSpPr/>
+            <p:nvPr>
+              <p:extLst>
+                <p:ext uri="{386F3935-93C4-4BCD-93E2-E3B085C9AB24}">
+                  <p16:designElem xmlns:p16="http://schemas.microsoft.com/office/powerpoint/2015/main" val="1"/>
+                </p:ext>
+              </p:extLst>
+            </p:nvPr>
+          </p:nvSpPr>
+          <p:spPr bwMode="auto">
+            <a:xfrm>
+              <a:off x="646113" y="3886200"/>
+              <a:ext cx="2373313" cy="2971800"/>
+            </a:xfrm>
+            <a:custGeom>
+              <a:avLst/>
+              <a:gdLst/>
+              <a:ahLst/>
+              <a:cxnLst/>
+              <a:rect l="0" t="0" r="r" b="b"/>
+              <a:pathLst>
+                <a:path w="1495" h="1872">
+                  <a:moveTo>
+                    <a:pt x="1495" y="1872"/>
+                  </a:moveTo>
+                  <a:lnTo>
+                    <a:pt x="0" y="0"/>
+                  </a:lnTo>
+                  <a:lnTo>
+                    <a:pt x="1442" y="1872"/>
+                  </a:lnTo>
+                  <a:lnTo>
+                    <a:pt x="1495" y="1872"/>
+                  </a:lnTo>
+                  <a:close/>
+                </a:path>
+              </a:pathLst>
+            </a:custGeom>
+            <a:solidFill>
+              <a:schemeClr val="accent1">
+                <a:lumMod val="50000"/>
+              </a:schemeClr>
+            </a:solidFill>
+            <a:ln>
+              <a:noFill/>
+            </a:ln>
+          </p:spPr>
+        </p:sp>
+        <p:sp>
+          <p:nvSpPr>
+            <p:cNvPr id="16" name="Freeform 10"/>
+            <p:cNvSpPr/>
+            <p:nvPr>
+              <p:extLst>
+                <p:ext uri="{386F3935-93C4-4BCD-93E2-E3B085C9AB24}">
+                  <p16:designElem xmlns:p16="http://schemas.microsoft.com/office/powerpoint/2015/main" val="1"/>
+                </p:ext>
+              </p:extLst>
+            </p:nvPr>
+          </p:nvSpPr>
+          <p:spPr bwMode="auto">
+            <a:xfrm>
+              <a:off x="641350" y="3881438"/>
+              <a:ext cx="3340100" cy="2976563"/>
+            </a:xfrm>
+            <a:custGeom>
+              <a:avLst/>
+              <a:gdLst/>
+              <a:ahLst/>
+              <a:cxnLst/>
+              <a:rect l="0" t="0" r="r" b="b"/>
+              <a:pathLst>
+                <a:path w="2104" h="1875">
+                  <a:moveTo>
+                    <a:pt x="0" y="0"/>
+                  </a:moveTo>
+                  <a:lnTo>
+                    <a:pt x="3" y="3"/>
+                  </a:lnTo>
+                  <a:lnTo>
+                    <a:pt x="1498" y="1875"/>
+                  </a:lnTo>
+                  <a:lnTo>
+                    <a:pt x="2104" y="1875"/>
+                  </a:lnTo>
+                  <a:lnTo>
+                    <a:pt x="228" y="57"/>
+                  </a:lnTo>
+                  <a:lnTo>
+                    <a:pt x="0" y="0"/>
+                  </a:lnTo>
+                  <a:close/>
+                </a:path>
+              </a:pathLst>
+            </a:custGeom>
+            <a:solidFill>
+              <a:schemeClr val="accent1">
+                <a:lumMod val="75000"/>
+              </a:schemeClr>
+            </a:solidFill>
+            <a:ln>
+              <a:noFill/>
+            </a:ln>
+          </p:spPr>
+        </p:sp>
+        <p:sp>
+          <p:nvSpPr>
+            <p:cNvPr id="17" name="Freeform 11"/>
+            <p:cNvSpPr/>
+            <p:nvPr>
+              <p:extLst>
+                <p:ext uri="{386F3935-93C4-4BCD-93E2-E3B085C9AB24}">
+                  <p16:designElem xmlns:p16="http://schemas.microsoft.com/office/powerpoint/2015/main" val="1"/>
+                </p:ext>
+              </p:extLst>
+            </p:nvPr>
+          </p:nvSpPr>
+          <p:spPr bwMode="auto">
+            <a:xfrm>
+              <a:off x="203200" y="3771900"/>
+              <a:ext cx="2660650" cy="3086100"/>
+            </a:xfrm>
+            <a:custGeom>
+              <a:avLst/>
+              <a:gdLst/>
+              <a:ahLst/>
+              <a:cxnLst/>
+              <a:rect l="0" t="0" r="r" b="b"/>
+              <a:pathLst>
+                <a:path w="1676" h="1944">
+                  <a:moveTo>
+                    <a:pt x="1676" y="1944"/>
+                  </a:moveTo>
+                  <a:lnTo>
+                    <a:pt x="264" y="111"/>
+                  </a:lnTo>
+                  <a:lnTo>
+                    <a:pt x="225" y="60"/>
+                  </a:lnTo>
+                  <a:lnTo>
+                    <a:pt x="228" y="60"/>
+                  </a:lnTo>
+                  <a:lnTo>
+                    <a:pt x="264" y="111"/>
+                  </a:lnTo>
+                  <a:lnTo>
+                    <a:pt x="234" y="69"/>
+                  </a:lnTo>
+                  <a:lnTo>
+                    <a:pt x="228" y="57"/>
+                  </a:lnTo>
+                  <a:lnTo>
+                    <a:pt x="222" y="54"/>
+                  </a:lnTo>
+                  <a:lnTo>
+                    <a:pt x="0" y="0"/>
+                  </a:lnTo>
+                  <a:lnTo>
+                    <a:pt x="3" y="3"/>
+                  </a:lnTo>
+                  <a:lnTo>
+                    <a:pt x="1223" y="1944"/>
+                  </a:lnTo>
+                  <a:lnTo>
+                    <a:pt x="1676" y="1944"/>
+                  </a:lnTo>
+                  <a:close/>
+                </a:path>
+              </a:pathLst>
+            </a:custGeom>
+            <a:solidFill>
+              <a:schemeClr val="tx1">
+                <a:lumMod val="75000"/>
+                <a:lumOff val="25000"/>
+              </a:schemeClr>
+            </a:solidFill>
+            <a:ln>
+              <a:noFill/>
+            </a:ln>
+          </p:spPr>
+        </p:sp>
+      </p:grpSp>
+      <p:sp>
+        <p:nvSpPr>
+          <p:cNvPr id="19" name="Freeform 12"/>
+          <p:cNvSpPr>
+            <a:spLocks noGrp="1" noRot="1" noChangeAspect="1" noMove="1" noResize="1" noEditPoints="1" noAdjustHandles="1" noChangeArrowheads="1" noChangeShapeType="1" noTextEdit="1"/>
+          </p:cNvSpPr>
+          <p:nvPr>
+            <p:extLst>
+              <p:ext uri="{386F3935-93C4-4BCD-93E2-E3B085C9AB24}">
+                <p16:designElem xmlns:p16="http://schemas.microsoft.com/office/powerpoint/2015/main" val="1"/>
+              </p:ext>
+            </p:extLst>
+          </p:nvPr>
+        </p:nvSpPr>
+        <p:spPr bwMode="auto">
+          <a:xfrm>
+            <a:off x="203200" y="3771900"/>
+            <a:ext cx="361950" cy="90488"/>
+          </a:xfrm>
+          <a:custGeom>
+            <a:avLst/>
+            <a:gdLst/>
+            <a:ahLst/>
+            <a:cxnLst/>
+            <a:rect l="0" t="0" r="r" b="b"/>
+            <a:pathLst>
+              <a:path w="228" h="57">
+                <a:moveTo>
+                  <a:pt x="228" y="57"/>
+                </a:moveTo>
+                <a:lnTo>
+                  <a:pt x="0" y="0"/>
+                </a:lnTo>
+                <a:lnTo>
+                  <a:pt x="222" y="54"/>
+                </a:lnTo>
+                <a:lnTo>
+                  <a:pt x="228" y="57"/>
+                </a:lnTo>
+                <a:close/>
+              </a:path>
+            </a:pathLst>
+          </a:custGeom>
+          <a:solidFill>
+            <a:srgbClr val="29ABE2"/>
+          </a:solidFill>
+          <a:ln>
+            <a:noFill/>
+          </a:ln>
+          <a:extLst>
+            <a:ext uri="{91240B29-F687-4f45-9708-019B960494DF}">
+              <a14:hiddenLine xmlns:a14="http://schemas.microsoft.com/office/drawing/2010/main" xmlns="" w="9525">
+                <a:solidFill>
+                  <a:srgbClr val="000000"/>
+                </a:solidFill>
+                <a:round/>
+                <a:headEnd/>
+                <a:tailEnd/>
+              </a14:hiddenLine>
+            </a:ext>
+          </a:extLst>
+        </p:spPr>
+      </p:sp>
+      <p:sp>
+        <p:nvSpPr>
+          <p:cNvPr id="21" name="Freeform 13"/>
+          <p:cNvSpPr>
+            <a:spLocks noGrp="1" noRot="1" noChangeAspect="1" noMove="1" noResize="1" noEditPoints="1" noAdjustHandles="1" noChangeArrowheads="1" noChangeShapeType="1" noTextEdit="1"/>
+          </p:cNvSpPr>
+          <p:nvPr>
+            <p:extLst>
+              <p:ext uri="{386F3935-93C4-4BCD-93E2-E3B085C9AB24}">
+                <p16:designElem xmlns:p16="http://schemas.microsoft.com/office/powerpoint/2015/main" val="1"/>
+              </p:ext>
+            </p:extLst>
+          </p:nvPr>
+        </p:nvSpPr>
+        <p:spPr bwMode="auto">
+          <a:xfrm>
+            <a:off x="560388" y="3867150"/>
+            <a:ext cx="61913" cy="80963"/>
+          </a:xfrm>
+          <a:custGeom>
+            <a:avLst/>
+            <a:gdLst/>
+            <a:ahLst/>
+            <a:cxnLst/>
+            <a:rect l="0" t="0" r="r" b="b"/>
+            <a:pathLst>
+              <a:path w="39" h="51">
+                <a:moveTo>
+                  <a:pt x="0" y="0"/>
+                </a:moveTo>
+                <a:lnTo>
+                  <a:pt x="39" y="51"/>
+                </a:lnTo>
+                <a:lnTo>
+                  <a:pt x="3" y="0"/>
+                </a:lnTo>
+                <a:lnTo>
+                  <a:pt x="0" y="0"/>
+                </a:lnTo>
+                <a:close/>
+              </a:path>
+            </a:pathLst>
+          </a:custGeom>
+          <a:solidFill>
+            <a:srgbClr val="29ABE2"/>
+          </a:solidFill>
+          <a:ln>
+            <a:noFill/>
+          </a:ln>
+          <a:extLst>
+            <a:ext uri="{91240B29-F687-4f45-9708-019B960494DF}">
+              <a14:hiddenLine xmlns:a14="http://schemas.microsoft.com/office/drawing/2010/main" xmlns="" w="9525">
+                <a:solidFill>
+                  <a:srgbClr val="000000"/>
+                </a:solidFill>
+                <a:round/>
+                <a:headEnd/>
+                <a:tailEnd/>
+              </a14:hiddenLine>
+            </a:ext>
+          </a:extLst>
+        </p:spPr>
+      </p:sp>
+      <p:pic>
+        <p:nvPicPr>
+          <p:cNvPr id="4" name="圖片 3"/>
+          <p:cNvPicPr>
+            <a:picLocks noChangeAspect="1"/>
+          </p:cNvPicPr>
+          <p:nvPr/>
+        </p:nvPicPr>
+        <p:blipFill rotWithShape="1">
+          <a:blip r:embed="rId3" cstate="print">
+            <a:extLst>
+              <a:ext uri="{28A0092B-C50C-407E-A947-70E740481C1C}">
+                <a14:useLocalDpi xmlns:a14="http://schemas.microsoft.com/office/drawing/2010/main" val="0"/>
+              </a:ext>
+            </a:extLst>
+          </a:blip>
+          <a:srcRect t="9091" r="24242" b="-1"/>
+          <a:stretch/>
+        </p:blipFill>
+        <p:spPr>
+          <a:xfrm>
+            <a:off x="20" y="10"/>
+            <a:ext cx="9143980" cy="6857990"/>
+          </a:xfrm>
+          <a:prstGeom prst="rect">
+            <a:avLst/>
+          </a:prstGeom>
+        </p:spPr>
+      </p:pic>
+      <p:sp>
+        <p:nvSpPr>
+          <p:cNvPr id="23" name="Freeform 13"/>
+          <p:cNvSpPr>
+            <a:spLocks noGrp="1" noRot="1" noChangeAspect="1" noMove="1" noResize="1" noEditPoints="1" noAdjustHandles="1" noChangeArrowheads="1" noChangeShapeType="1" noTextEdit="1"/>
+          </p:cNvSpPr>
+          <p:nvPr>
+            <p:extLst>
+              <p:ext uri="{386F3935-93C4-4BCD-93E2-E3B085C9AB24}">
+                <p16:designElem xmlns:p16="http://schemas.microsoft.com/office/powerpoint/2015/main" val="1"/>
+              </p:ext>
+            </p:extLst>
+          </p:nvPr>
+        </p:nvSpPr>
+        <p:spPr bwMode="white">
+          <a:xfrm>
+            <a:off x="-12700" y="-16933"/>
+            <a:ext cx="5505450" cy="6883400"/>
+          </a:xfrm>
+          <a:custGeom>
+            <a:avLst/>
+            <a:gdLst>
+              <a:gd name="connsiteX0" fmla="*/ 5427133 w 7340600"/>
+              <a:gd name="connsiteY0" fmla="*/ 8466 h 6883400"/>
+              <a:gd name="connsiteX1" fmla="*/ 4783666 w 7340600"/>
+              <a:gd name="connsiteY1" fmla="*/ 2573866 h 6883400"/>
+              <a:gd name="connsiteX2" fmla="*/ 7340600 w 7340600"/>
+              <a:gd name="connsiteY2" fmla="*/ 6874933 h 6883400"/>
+              <a:gd name="connsiteX3" fmla="*/ 0 w 7340600"/>
+              <a:gd name="connsiteY3" fmla="*/ 6883400 h 6883400"/>
+              <a:gd name="connsiteX4" fmla="*/ 8466 w 7340600"/>
+              <a:gd name="connsiteY4" fmla="*/ 0 h 6883400"/>
+              <a:gd name="connsiteX5" fmla="*/ 5427133 w 7340600"/>
+              <a:gd name="connsiteY5" fmla="*/ 8466 h 6883400"/>
+            </a:gdLst>
+            <a:ahLst/>
+            <a:cxnLst>
+              <a:cxn ang="0">
+                <a:pos x="connsiteX0" y="connsiteY0"/>
+              </a:cxn>
+              <a:cxn ang="0">
+                <a:pos x="connsiteX1" y="connsiteY1"/>
+              </a:cxn>
+              <a:cxn ang="0">
+                <a:pos x="connsiteX2" y="connsiteY2"/>
+              </a:cxn>
+              <a:cxn ang="0">
+                <a:pos x="connsiteX3" y="connsiteY3"/>
+              </a:cxn>
+              <a:cxn ang="0">
+                <a:pos x="connsiteX4" y="connsiteY4"/>
+              </a:cxn>
+              <a:cxn ang="0">
+                <a:pos x="connsiteX5" y="connsiteY5"/>
+              </a:cxn>
+            </a:cxnLst>
+            <a:rect l="l" t="t" r="r" b="b"/>
+            <a:pathLst>
+              <a:path w="7340600" h="6883400">
+                <a:moveTo>
+                  <a:pt x="5427133" y="8466"/>
+                </a:moveTo>
+                <a:lnTo>
+                  <a:pt x="4783666" y="2573866"/>
+                </a:lnTo>
+                <a:lnTo>
+                  <a:pt x="7340600" y="6874933"/>
+                </a:lnTo>
+                <a:lnTo>
+                  <a:pt x="0" y="6883400"/>
+                </a:lnTo>
+                <a:lnTo>
+                  <a:pt x="8466" y="0"/>
+                </a:lnTo>
+                <a:lnTo>
+                  <a:pt x="5427133" y="8466"/>
+                </a:lnTo>
+                <a:close/>
+              </a:path>
+            </a:pathLst>
+          </a:custGeom>
+          <a:solidFill>
+            <a:schemeClr val="tx1">
+              <a:lumMod val="95000"/>
+              <a:lumOff val="5000"/>
+              <a:alpha val="80000"/>
+            </a:schemeClr>
+          </a:solidFill>
+          <a:ln>
+            <a:noFill/>
+          </a:ln>
+          <a:effectLst/>
+        </p:spPr>
+        <p:style>
+          <a:lnRef idx="1">
+            <a:schemeClr val="accent1"/>
+          </a:lnRef>
+          <a:fillRef idx="3">
+            <a:schemeClr val="accent1"/>
+          </a:fillRef>
+          <a:effectRef idx="2">
+            <a:schemeClr val="accent1"/>
+          </a:effectRef>
+          <a:fontRef idx="minor">
+            <a:schemeClr val="lt1"/>
+          </a:fontRef>
+        </p:style>
+        <p:txBody>
+          <a:bodyPr rtlCol="0" anchor="ctr"/>
+          <a:lstStyle/>
+          <a:p>
+            <a:pPr algn="ctr"/>
+            <a:endParaRPr lang="en-US"/>
+          </a:p>
+        </p:txBody>
+      </p:sp>
+      <p:grpSp>
+        <p:nvGrpSpPr>
+          <p:cNvPr id="25" name="Group 24"/>
+          <p:cNvGrpSpPr>
+            <a:grpSpLocks noGrp="1" noUngrp="1" noRot="1" noChangeAspect="1" noMove="1" noResize="1"/>
+          </p:cNvGrpSpPr>
+          <p:nvPr>
+            <p:extLst>
+              <p:ext uri="{386F3935-93C4-4BCD-93E2-E3B085C9AB24}">
+                <p16:designElem xmlns:p16="http://schemas.microsoft.com/office/powerpoint/2015/main" val="1"/>
+              </p:ext>
+            </p:extLst>
+          </p:nvPr>
+        </p:nvGrpSpPr>
+        <p:grpSpPr>
+          <a:xfrm>
+            <a:off x="3648075" y="-4763"/>
+            <a:ext cx="3761184" cy="6862763"/>
+            <a:chOff x="2928938" y="-4763"/>
+            <a:chExt cx="5014912" cy="6862763"/>
+          </a:xfrm>
+        </p:grpSpPr>
+        <p:sp>
+          <p:nvSpPr>
+            <p:cNvPr id="26" name="Freeform 6"/>
+            <p:cNvSpPr/>
+            <p:nvPr>
+              <p:extLst>
+                <p:ext uri="{386F3935-93C4-4BCD-93E2-E3B085C9AB24}">
+                  <p16:designElem xmlns:p16="http://schemas.microsoft.com/office/powerpoint/2015/main" val="1"/>
+                </p:ext>
+              </p:extLst>
+            </p:nvPr>
+          </p:nvSpPr>
+          <p:spPr bwMode="auto">
+            <a:xfrm>
+              <a:off x="3367088" y="-4763"/>
+              <a:ext cx="1063625" cy="2782888"/>
+            </a:xfrm>
+            <a:custGeom>
+              <a:avLst/>
+              <a:gdLst/>
+              <a:ahLst/>
+              <a:cxnLst/>
+              <a:rect l="0" t="0" r="r" b="b"/>
+              <a:pathLst>
+                <a:path w="670" h="1753">
+                  <a:moveTo>
+                    <a:pt x="0" y="1696"/>
+                  </a:moveTo>
+                  <a:lnTo>
+                    <a:pt x="225" y="1753"/>
+                  </a:lnTo>
+                  <a:lnTo>
+                    <a:pt x="670" y="0"/>
+                  </a:lnTo>
+                  <a:lnTo>
+                    <a:pt x="430" y="0"/>
+                  </a:lnTo>
+                  <a:lnTo>
+                    <a:pt x="0" y="1696"/>
+                  </a:lnTo>
+                  <a:close/>
+                </a:path>
+              </a:pathLst>
+            </a:custGeom>
+            <a:solidFill>
+              <a:schemeClr val="accent1"/>
+            </a:solidFill>
+            <a:ln>
+              <a:noFill/>
+            </a:ln>
+          </p:spPr>
+        </p:sp>
+        <p:sp>
+          <p:nvSpPr>
+            <p:cNvPr id="27" name="Freeform 7"/>
+            <p:cNvSpPr/>
+            <p:nvPr>
+              <p:extLst>
+                <p:ext uri="{386F3935-93C4-4BCD-93E2-E3B085C9AB24}">
+                  <p16:designElem xmlns:p16="http://schemas.microsoft.com/office/powerpoint/2015/main" val="1"/>
+                </p:ext>
+              </p:extLst>
+            </p:nvPr>
+          </p:nvSpPr>
+          <p:spPr bwMode="auto">
+            <a:xfrm>
+              <a:off x="2928938" y="-4763"/>
+              <a:ext cx="1035050" cy="2673350"/>
+            </a:xfrm>
+            <a:custGeom>
+              <a:avLst/>
+              <a:gdLst/>
+              <a:ahLst/>
+              <a:cxnLst/>
+              <a:rect l="0" t="0" r="r" b="b"/>
+              <a:pathLst>
+                <a:path w="652" h="1684">
+                  <a:moveTo>
+                    <a:pt x="225" y="1684"/>
+                  </a:moveTo>
+                  <a:lnTo>
+                    <a:pt x="652" y="0"/>
+                  </a:lnTo>
+                  <a:lnTo>
+                    <a:pt x="411" y="0"/>
+                  </a:lnTo>
+                  <a:lnTo>
+                    <a:pt x="0" y="1627"/>
+                  </a:lnTo>
+                  <a:lnTo>
+                    <a:pt x="219" y="1681"/>
+                  </a:lnTo>
+                  <a:lnTo>
+                    <a:pt x="225" y="1684"/>
+                  </a:lnTo>
+                  <a:close/>
+                </a:path>
+              </a:pathLst>
+            </a:custGeom>
+            <a:solidFill>
+              <a:schemeClr val="tx1">
+                <a:lumMod val="65000"/>
+                <a:lumOff val="35000"/>
+              </a:schemeClr>
+            </a:solidFill>
+            <a:ln>
+              <a:noFill/>
+            </a:ln>
+          </p:spPr>
+        </p:sp>
+        <p:sp>
+          <p:nvSpPr>
+            <p:cNvPr id="28" name="Freeform 9"/>
+            <p:cNvSpPr/>
+            <p:nvPr>
+              <p:extLst>
+                <p:ext uri="{386F3935-93C4-4BCD-93E2-E3B085C9AB24}">
+                  <p16:designElem xmlns:p16="http://schemas.microsoft.com/office/powerpoint/2015/main" val="1"/>
+                </p:ext>
+              </p:extLst>
+            </p:nvPr>
+          </p:nvSpPr>
+          <p:spPr bwMode="auto">
+            <a:xfrm>
+              <a:off x="2928938" y="2582862"/>
+              <a:ext cx="2693987" cy="4275138"/>
+            </a:xfrm>
+            <a:custGeom>
+              <a:avLst/>
+              <a:gdLst/>
+              <a:ahLst/>
+              <a:cxnLst/>
+              <a:rect l="0" t="0" r="r" b="b"/>
+              <a:pathLst>
+                <a:path w="1697" h="2693">
+                  <a:moveTo>
+                    <a:pt x="0" y="0"/>
+                  </a:moveTo>
+                  <a:lnTo>
+                    <a:pt x="1622" y="2693"/>
+                  </a:lnTo>
+                  <a:lnTo>
+                    <a:pt x="1697" y="2693"/>
+                  </a:lnTo>
+                  <a:lnTo>
+                    <a:pt x="0" y="0"/>
+                  </a:lnTo>
+                  <a:close/>
+                </a:path>
+              </a:pathLst>
+            </a:custGeom>
+            <a:solidFill>
+              <a:schemeClr val="tx1">
+                <a:lumMod val="85000"/>
+                <a:lumOff val="15000"/>
+              </a:schemeClr>
+            </a:solidFill>
+            <a:ln>
+              <a:noFill/>
+            </a:ln>
+          </p:spPr>
+        </p:sp>
+        <p:sp>
+          <p:nvSpPr>
+            <p:cNvPr id="29" name="Freeform 10"/>
+            <p:cNvSpPr/>
+            <p:nvPr>
+              <p:extLst>
+                <p:ext uri="{386F3935-93C4-4BCD-93E2-E3B085C9AB24}">
+                  <p16:designElem xmlns:p16="http://schemas.microsoft.com/office/powerpoint/2015/main" val="1"/>
+                </p:ext>
+              </p:extLst>
+            </p:nvPr>
+          </p:nvSpPr>
+          <p:spPr bwMode="auto">
+            <a:xfrm>
+              <a:off x="3371850" y="2692400"/>
+              <a:ext cx="3332162" cy="4165600"/>
+            </a:xfrm>
+            <a:custGeom>
+              <a:avLst/>
+              <a:gdLst/>
+              <a:ahLst/>
+              <a:cxnLst/>
+              <a:rect l="0" t="0" r="r" b="b"/>
+              <a:pathLst>
+                <a:path w="2099" h="2624">
+                  <a:moveTo>
+                    <a:pt x="2099" y="2624"/>
+                  </a:moveTo>
+                  <a:lnTo>
+                    <a:pt x="0" y="0"/>
+                  </a:lnTo>
+                  <a:lnTo>
+                    <a:pt x="2021" y="2624"/>
+                  </a:lnTo>
+                  <a:lnTo>
+                    <a:pt x="2099" y="2624"/>
+                  </a:lnTo>
+                  <a:close/>
+                </a:path>
+              </a:pathLst>
+            </a:custGeom>
+            <a:solidFill>
+              <a:schemeClr val="accent1">
+                <a:lumMod val="50000"/>
+              </a:schemeClr>
+            </a:solidFill>
+            <a:ln>
+              <a:noFill/>
+            </a:ln>
+          </p:spPr>
+        </p:sp>
+        <p:sp>
+          <p:nvSpPr>
+            <p:cNvPr id="30" name="Freeform 11"/>
+            <p:cNvSpPr/>
+            <p:nvPr>
+              <p:extLst>
+                <p:ext uri="{386F3935-93C4-4BCD-93E2-E3B085C9AB24}">
+                  <p16:designElem xmlns:p16="http://schemas.microsoft.com/office/powerpoint/2015/main" val="1"/>
+                </p:ext>
+              </p:extLst>
+            </p:nvPr>
+          </p:nvSpPr>
+          <p:spPr bwMode="auto">
+            <a:xfrm>
+              <a:off x="3367088" y="2687637"/>
+              <a:ext cx="4576762" cy="4170363"/>
+            </a:xfrm>
+            <a:custGeom>
+              <a:avLst/>
+              <a:gdLst/>
+              <a:ahLst/>
+              <a:cxnLst/>
+              <a:rect l="0" t="0" r="r" b="b"/>
+              <a:pathLst>
+                <a:path w="2883" h="2627">
+                  <a:moveTo>
+                    <a:pt x="0" y="0"/>
+                  </a:moveTo>
+                  <a:lnTo>
+                    <a:pt x="3" y="3"/>
+                  </a:lnTo>
+                  <a:lnTo>
+                    <a:pt x="2102" y="2627"/>
+                  </a:lnTo>
+                  <a:lnTo>
+                    <a:pt x="2883" y="2627"/>
+                  </a:lnTo>
+                  <a:lnTo>
+                    <a:pt x="225" y="57"/>
+                  </a:lnTo>
+                  <a:lnTo>
+                    <a:pt x="0" y="0"/>
+                  </a:lnTo>
+                  <a:close/>
+                </a:path>
+              </a:pathLst>
+            </a:custGeom>
+            <a:solidFill>
+              <a:schemeClr val="accent1">
+                <a:lumMod val="75000"/>
+              </a:schemeClr>
+            </a:solidFill>
+            <a:ln>
+              <a:noFill/>
+            </a:ln>
+          </p:spPr>
+        </p:sp>
+        <p:sp>
+          <p:nvSpPr>
+            <p:cNvPr id="31" name="Freeform 12"/>
+            <p:cNvSpPr/>
+            <p:nvPr>
+              <p:extLst>
+                <p:ext uri="{386F3935-93C4-4BCD-93E2-E3B085C9AB24}">
+                  <p16:designElem xmlns:p16="http://schemas.microsoft.com/office/powerpoint/2015/main" val="1"/>
+                </p:ext>
+              </p:extLst>
+            </p:nvPr>
+          </p:nvSpPr>
+          <p:spPr bwMode="auto">
+            <a:xfrm>
+              <a:off x="2928938" y="2578100"/>
+              <a:ext cx="3584575" cy="4279900"/>
+            </a:xfrm>
+            <a:custGeom>
+              <a:avLst/>
+              <a:gdLst/>
+              <a:ahLst/>
+              <a:cxnLst/>
+              <a:rect l="0" t="0" r="r" b="b"/>
+              <a:pathLst>
+                <a:path w="2258" h="2696">
+                  <a:moveTo>
+                    <a:pt x="2258" y="2696"/>
+                  </a:moveTo>
+                  <a:lnTo>
+                    <a:pt x="264" y="111"/>
+                  </a:lnTo>
+                  <a:lnTo>
+                    <a:pt x="228" y="60"/>
+                  </a:lnTo>
+                  <a:lnTo>
+                    <a:pt x="225" y="57"/>
+                  </a:lnTo>
+                  <a:lnTo>
+                    <a:pt x="0" y="0"/>
+                  </a:lnTo>
+                  <a:lnTo>
+                    <a:pt x="0" y="3"/>
+                  </a:lnTo>
+                  <a:lnTo>
+                    <a:pt x="1697" y="2696"/>
+                  </a:lnTo>
+                  <a:lnTo>
+                    <a:pt x="2258" y="2696"/>
+                  </a:lnTo>
+                  <a:close/>
+                </a:path>
+              </a:pathLst>
+            </a:custGeom>
+            <a:solidFill>
+              <a:schemeClr val="tx1">
+                <a:lumMod val="75000"/>
+                <a:lumOff val="25000"/>
+              </a:schemeClr>
+            </a:solidFill>
+            <a:ln>
+              <a:noFill/>
+            </a:ln>
+          </p:spPr>
+        </p:sp>
+      </p:grpSp>
+      <p:sp>
+        <p:nvSpPr>
+          <p:cNvPr id="2" name="Title 1"/>
+          <p:cNvSpPr>
+            <a:spLocks noGrp="1"/>
           </p:cNvSpPr>
           <p:nvPr>
             <p:ph type="title"/>
           </p:nvPr>
         </p:nvSpPr>
-        <p:spPr/>
-        <p:txBody>
-          <a:bodyPr/>
+        <p:spPr>
+          <a:xfrm>
+            <a:off x="514350" y="1189608"/>
+            <a:ext cx="3081106" cy="3754927"/>
+          </a:xfrm>
+        </p:spPr>
+        <p:txBody>
+          <a:bodyPr vert="horz" lIns="91440" tIns="45720" rIns="91440" bIns="45720" rtlCol="0" anchor="b">
+            <a:normAutofit/>
+          </a:bodyPr>
           <a:lstStyle/>
           <a:p>
-            <a:r>
-              <a:rPr lang="en-US" altLang="zh-TW" smtClean="0"/>
-              <a:t>File</a:t>
-            </a:r>
-          </a:p>
-        </p:txBody>
-      </p:sp>
-      <p:sp>
-        <p:nvSpPr>
-          <p:cNvPr id="22531" name="Rectangle 3"/>
-          <p:cNvSpPr>
-            <a:spLocks noGrp="1" noChangeArrowheads="1"/>
-          </p:cNvSpPr>
-          <p:nvPr>
-            <p:ph idx="1"/>
-          </p:nvPr>
-        </p:nvSpPr>
-        <p:spPr/>
-        <p:txBody>
-          <a:bodyPr/>
+            <a:pPr algn="l"/>
+            <a:r>
+              <a:rPr lang="en-US" altLang="zh-HK" sz="5400">
+                <a:solidFill>
+                  <a:schemeClr val="bg1"/>
+                </a:solidFill>
+              </a:rPr>
+              <a:t>Break</a:t>
+            </a:r>
+          </a:p>
+        </p:txBody>
+      </p:sp>
+      <p:sp>
+        <p:nvSpPr>
+          <p:cNvPr id="3" name="Text Placeholder 2"/>
+          <p:cNvSpPr>
+            <a:spLocks noGrp="1"/>
+          </p:cNvSpPr>
+          <p:nvPr>
+            <p:ph type="body" idx="1"/>
+          </p:nvPr>
+        </p:nvSpPr>
+        <p:spPr>
+          <a:xfrm>
+            <a:off x="514349" y="4944535"/>
+            <a:ext cx="3575049" cy="939799"/>
+          </a:xfrm>
+        </p:spPr>
+        <p:txBody>
+          <a:bodyPr vert="horz" lIns="91440" tIns="45720" rIns="91440" bIns="45720" rtlCol="0" anchor="t">
+            <a:normAutofit/>
+          </a:bodyPr>
           <a:lstStyle/>
           <a:p>
-            <a:r>
-              <a:rPr lang="en-US" altLang="zh-TW" dirty="0" smtClean="0"/>
-              <a:t>Read files/directory from the current directory on the server</a:t>
-            </a:r>
-          </a:p>
-          <a:p>
-            <a:r>
-              <a:rPr lang="en-US" altLang="zh-TW" dirty="0" err="1" smtClean="0"/>
-              <a:t>fopen</a:t>
-            </a:r>
-            <a:r>
-              <a:rPr lang="en-US" altLang="zh-TW" dirty="0" smtClean="0"/>
-              <a:t>() – open a file</a:t>
-            </a:r>
-          </a:p>
-          <a:p>
-            <a:r>
-              <a:rPr lang="en-US" altLang="zh-TW" dirty="0" err="1" smtClean="0"/>
-              <a:t>fclose</a:t>
-            </a:r>
-            <a:r>
-              <a:rPr lang="en-US" altLang="zh-TW" dirty="0" smtClean="0"/>
-              <a:t>() – close an opened file</a:t>
-            </a:r>
-          </a:p>
-          <a:p>
-            <a:r>
-              <a:rPr lang="en-US" altLang="zh-TW" dirty="0" err="1" smtClean="0"/>
-              <a:t>fgets</a:t>
-            </a:r>
-            <a:r>
-              <a:rPr lang="en-US" altLang="zh-TW" dirty="0" smtClean="0"/>
-              <a:t>() – read file content</a:t>
-            </a:r>
-          </a:p>
-          <a:p>
-            <a:r>
-              <a:rPr lang="en-US" altLang="zh-TW" dirty="0" err="1" smtClean="0"/>
-              <a:t>fwrite</a:t>
-            </a:r>
-            <a:r>
-              <a:rPr lang="en-US" altLang="zh-TW" dirty="0" smtClean="0"/>
-              <a:t>() – write data to the file</a:t>
-            </a:r>
-          </a:p>
-          <a:p>
-            <a:r>
-              <a:rPr lang="en-US" altLang="zh-TW" dirty="0" smtClean="0"/>
-              <a:t>w - </a:t>
-            </a:r>
-            <a:r>
-              <a:rPr lang="zh-TW" altLang="en-US" dirty="0" smtClean="0"/>
-              <a:t>寫入</a:t>
-            </a:r>
-            <a:endParaRPr lang="en-US" altLang="zh-TW" dirty="0" smtClean="0"/>
-          </a:p>
-          <a:p>
-            <a:r>
-              <a:rPr lang="en-US" altLang="zh-TW" dirty="0" smtClean="0"/>
-              <a:t>a - </a:t>
-            </a:r>
-            <a:r>
-              <a:rPr lang="zh-TW" altLang="en-US" dirty="0" smtClean="0"/>
-              <a:t>附加在檔案後面</a:t>
-            </a:r>
-            <a:endParaRPr lang="en-US" altLang="zh-TW" dirty="0" smtClean="0"/>
-          </a:p>
-          <a:p>
-            <a:r>
-              <a:rPr lang="en-US" altLang="zh-TW" dirty="0" smtClean="0"/>
-              <a:t>r - </a:t>
-            </a:r>
-            <a:r>
-              <a:rPr lang="zh-TW" altLang="en-US" dirty="0" smtClean="0"/>
-              <a:t>只有讀取</a:t>
-            </a:r>
-            <a:endParaRPr lang="en-US" altLang="zh-TW" dirty="0" smtClean="0"/>
+            <a:pPr algn="l">
+              <a:buClr>
+                <a:schemeClr val="accent1">
+                  <a:lumMod val="75000"/>
+                </a:schemeClr>
+              </a:buClr>
+            </a:pPr>
+            <a:endParaRPr lang="en-US" altLang="zh-HK" sz="1800">
+              <a:solidFill>
+                <a:schemeClr val="bg1"/>
+              </a:solidFill>
+            </a:endParaRPr>
           </a:p>
         </p:txBody>
       </p:sp>
     </p:spTree>
     <p:extLst>
       <p:ext uri="{BB962C8B-B14F-4D97-AF65-F5344CB8AC3E}">
-        <p14:creationId xmlns:p14="http://schemas.microsoft.com/office/powerpoint/2010/main" val="149679747"/>
+        <p14:creationId xmlns:p14="http://schemas.microsoft.com/office/powerpoint/2010/main" val="906795564"/>
       </p:ext>
     </p:extLst>
   </p:cSld>
   <p:clrMapOvr>
     <a:masterClrMapping/>
   </p:clrMapOvr>
-  <p:transition>
-    <p:checker/>
-  </p:transition>
 </p:sld>
 </file>
 
@@ -13066,7 +14875,7 @@
       </p:grpSpPr>
       <p:sp>
         <p:nvSpPr>
-          <p:cNvPr id="214018" name="Rectangle 2"/>
+          <p:cNvPr id="199682" name="Rectangle 2"/>
           <p:cNvSpPr>
             <a:spLocks noGrp="1" noChangeArrowheads="1"/>
           </p:cNvSpPr>
@@ -13081,14 +14890,14 @@
           <a:p>
             <a:r>
               <a:rPr lang="en-US" altLang="zh-TW" smtClean="0"/>
-              <a:t>Read a file</a:t>
-            </a:r>
-          </a:p>
-        </p:txBody>
-      </p:sp>
-      <p:sp>
-        <p:nvSpPr>
-          <p:cNvPr id="23555" name="Rectangle 3"/>
+              <a:t>File</a:t>
+            </a:r>
+          </a:p>
+        </p:txBody>
+      </p:sp>
+      <p:sp>
+        <p:nvSpPr>
+          <p:cNvPr id="22531" name="Rectangle 3"/>
           <p:cNvSpPr>
             <a:spLocks noGrp="1" noChangeArrowheads="1"/>
           </p:cNvSpPr>
@@ -13102,46 +14911,89 @@
           <a:lstStyle/>
           <a:p>
             <a:r>
-              <a:rPr lang="en-US" altLang="zh-TW" smtClean="0"/>
-              <a:t>fopen(filename, attribute)</a:t>
-            </a:r>
-          </a:p>
-          <a:p>
-            <a:r>
-              <a:rPr lang="en-US" altLang="zh-TW" smtClean="0"/>
-              <a:t>fclose($filePointer)</a:t>
-            </a:r>
-          </a:p>
-          <a:p>
-            <a:r>
-              <a:rPr lang="en-US" altLang="zh-TW" smtClean="0"/>
-              <a:t>fgets($filePointer)</a:t>
-            </a:r>
-          </a:p>
-          <a:p>
-            <a:r>
-              <a:rPr lang="en-US" altLang="zh-TW" smtClean="0"/>
-              <a:t>fwrite($filePointer, data)</a:t>
-            </a:r>
-          </a:p>
-          <a:p>
-            <a:r>
-              <a:rPr lang="en-US" altLang="zh-TW" smtClean="0"/>
-              <a:t>fgets.php, text.txt</a:t>
-            </a:r>
-          </a:p>
-          <a:p>
-            <a:r>
-              <a:rPr lang="en-US" altLang="zh-TW" smtClean="0"/>
-              <a:t>fwrite.php, write.txt</a:t>
-            </a:r>
+              <a:rPr lang="en-US" altLang="zh-TW" dirty="0" smtClean="0"/>
+              <a:t>Read files/directory from the current directory on the server</a:t>
+            </a:r>
+          </a:p>
+          <a:p>
+            <a:r>
+              <a:rPr lang="en-US" altLang="zh-TW" dirty="0" err="1" smtClean="0"/>
+              <a:t>fopen</a:t>
+            </a:r>
+            <a:r>
+              <a:rPr lang="en-US" altLang="zh-TW" dirty="0" smtClean="0"/>
+              <a:t>() – open a file</a:t>
+            </a:r>
+          </a:p>
+          <a:p>
+            <a:r>
+              <a:rPr lang="en-US" altLang="zh-TW" dirty="0" err="1" smtClean="0"/>
+              <a:t>fclose</a:t>
+            </a:r>
+            <a:r>
+              <a:rPr lang="en-US" altLang="zh-TW" dirty="0" smtClean="0"/>
+              <a:t>() – close an opened file</a:t>
+            </a:r>
+          </a:p>
+          <a:p>
+            <a:r>
+              <a:rPr lang="en-US" altLang="zh-TW" dirty="0" err="1" smtClean="0"/>
+              <a:t>fgets</a:t>
+            </a:r>
+            <a:r>
+              <a:rPr lang="en-US" altLang="zh-TW" dirty="0" smtClean="0"/>
+              <a:t>() – read file content</a:t>
+            </a:r>
+          </a:p>
+          <a:p>
+            <a:r>
+              <a:rPr lang="en-US" altLang="zh-TW" dirty="0" err="1" smtClean="0"/>
+              <a:t>fwrite</a:t>
+            </a:r>
+            <a:r>
+              <a:rPr lang="en-US" altLang="zh-TW" dirty="0" smtClean="0"/>
+              <a:t>() – write data to the file</a:t>
+            </a:r>
+          </a:p>
+          <a:p>
+            <a:r>
+              <a:rPr lang="en-US" altLang="zh-TW" dirty="0" smtClean="0"/>
+              <a:t>w - </a:t>
+            </a:r>
+            <a:r>
+              <a:rPr lang="zh-TW" altLang="en-US" dirty="0" smtClean="0"/>
+              <a:t>寫入</a:t>
+            </a:r>
+            <a:endParaRPr lang="en-US" altLang="zh-TW" dirty="0" smtClean="0"/>
+          </a:p>
+          <a:p>
+            <a:r>
+              <a:rPr lang="en-US" altLang="zh-TW" dirty="0" smtClean="0"/>
+              <a:t>a - </a:t>
+            </a:r>
+            <a:r>
+              <a:rPr lang="zh-TW" altLang="en-US" dirty="0" smtClean="0"/>
+              <a:t>附加在檔案後面</a:t>
+            </a:r>
+            <a:endParaRPr lang="en-US" altLang="zh-TW" dirty="0" smtClean="0"/>
+          </a:p>
+          <a:p>
+            <a:r>
+              <a:rPr lang="en-US" altLang="zh-TW" dirty="0" smtClean="0"/>
+              <a:t>r - </a:t>
+            </a:r>
+            <a:r>
+              <a:rPr lang="zh-TW" altLang="en-US" dirty="0" smtClean="0"/>
+              <a:t>只有讀取</a:t>
+            </a:r>
+            <a:endParaRPr lang="en-US" altLang="zh-TW" dirty="0" smtClean="0"/>
           </a:p>
         </p:txBody>
       </p:sp>
     </p:spTree>
     <p:extLst>
       <p:ext uri="{BB962C8B-B14F-4D97-AF65-F5344CB8AC3E}">
-        <p14:creationId xmlns:p14="http://schemas.microsoft.com/office/powerpoint/2010/main" val="1825809329"/>
+        <p14:creationId xmlns:p14="http://schemas.microsoft.com/office/powerpoint/2010/main" val="149679747"/>
       </p:ext>
     </p:extLst>
   </p:cSld>
@@ -13173,7 +15025,7 @@
       </p:grpSpPr>
       <p:sp>
         <p:nvSpPr>
-          <p:cNvPr id="212994" name="Rectangle 2"/>
+          <p:cNvPr id="214018" name="Rectangle 2"/>
           <p:cNvSpPr>
             <a:spLocks noGrp="1" noChangeArrowheads="1"/>
           </p:cNvSpPr>
@@ -13188,15 +15040,14 @@
           <a:p>
             <a:r>
               <a:rPr lang="en-US" altLang="zh-TW" smtClean="0"/>
-              <a:t>Counter</a:t>
-            </a:r>
-            <a:endParaRPr lang="en-US" altLang="zh-TW" dirty="0" smtClean="0"/>
-          </a:p>
-        </p:txBody>
-      </p:sp>
-      <p:sp>
-        <p:nvSpPr>
-          <p:cNvPr id="24579" name="Rectangle 3"/>
+              <a:t>Read a file</a:t>
+            </a:r>
+          </a:p>
+        </p:txBody>
+      </p:sp>
+      <p:sp>
+        <p:nvSpPr>
+          <p:cNvPr id="23555" name="Rectangle 3"/>
           <p:cNvSpPr>
             <a:spLocks noGrp="1" noChangeArrowheads="1"/>
           </p:cNvSpPr>
@@ -13211,46 +15062,75 @@
           <a:p>
             <a:r>
               <a:rPr lang="en-US" altLang="zh-TW" smtClean="0"/>
-              <a:t>Update hit counter</a:t>
+              <a:t>fopen(filename, attribute)</a:t>
             </a:r>
           </a:p>
           <a:p>
             <a:r>
               <a:rPr lang="en-US" altLang="zh-TW" smtClean="0"/>
-              <a:t>fopen() – open the file</a:t>
+              <a:t>fclose($filePointer)</a:t>
             </a:r>
           </a:p>
           <a:p>
             <a:r>
               <a:rPr lang="en-US" altLang="zh-TW" smtClean="0"/>
-              <a:t>fgets() – read file data</a:t>
+              <a:t>fgets($filePointer)</a:t>
             </a:r>
           </a:p>
           <a:p>
             <a:r>
               <a:rPr lang="en-US" altLang="zh-TW" smtClean="0"/>
-              <a:t>fwrite() – write data to the file</a:t>
+              <a:t>fwrite($filePointer, data)</a:t>
             </a:r>
           </a:p>
           <a:p>
             <a:r>
               <a:rPr lang="en-US" altLang="zh-TW" smtClean="0"/>
-              <a:t>fclose() – close the opened file</a:t>
+              <a:t>fgets.php, text.txt</a:t>
             </a:r>
           </a:p>
           <a:p>
             <a:r>
               <a:rPr lang="en-US" altLang="zh-TW" smtClean="0"/>
-              <a:t>hitscounter.php, counter.txt</a:t>
-            </a:r>
-            <a:endParaRPr lang="en-US" altLang="zh-TW" dirty="0" smtClean="0"/>
-          </a:p>
-        </p:txBody>
-      </p:sp>
+              <a:t>fwrite.php, write.txt</a:t>
+            </a:r>
+          </a:p>
+        </p:txBody>
+      </p:sp>
+      <p:pic>
+        <p:nvPicPr>
+          <p:cNvPr id="4" name="圖片 1"/>
+          <p:cNvPicPr>
+            <a:picLocks noChangeAspect="1"/>
+          </p:cNvPicPr>
+          <p:nvPr/>
+        </p:nvPicPr>
+        <p:blipFill>
+          <a:blip r:embed="rId3" cstate="print">
+            <a:extLst>
+              <a:ext uri="{28A0092B-C50C-407E-A947-70E740481C1C}">
+                <a14:useLocalDpi xmlns:a14="http://schemas.microsoft.com/office/drawing/2010/main" val="0"/>
+              </a:ext>
+            </a:extLst>
+          </a:blip>
+          <a:stretch>
+            <a:fillRect/>
+          </a:stretch>
+        </p:blipFill>
+        <p:spPr>
+          <a:xfrm>
+            <a:off x="6338664" y="4360065"/>
+            <a:ext cx="2373113" cy="2177480"/>
+          </a:xfrm>
+          <a:prstGeom prst="rect">
+            <a:avLst/>
+          </a:prstGeom>
+        </p:spPr>
+      </p:pic>
     </p:spTree>
     <p:extLst>
       <p:ext uri="{BB962C8B-B14F-4D97-AF65-F5344CB8AC3E}">
-        <p14:creationId xmlns:p14="http://schemas.microsoft.com/office/powerpoint/2010/main" val="1520028681"/>
+        <p14:creationId xmlns:p14="http://schemas.microsoft.com/office/powerpoint/2010/main" val="1825809329"/>
       </p:ext>
     </p:extLst>
   </p:cSld>
@@ -13282,7 +15162,7 @@
       </p:grpSpPr>
       <p:sp>
         <p:nvSpPr>
-          <p:cNvPr id="214018" name="Rectangle 2"/>
+          <p:cNvPr id="212994" name="Rectangle 2"/>
           <p:cNvSpPr>
             <a:spLocks noGrp="1" noChangeArrowheads="1"/>
           </p:cNvSpPr>
@@ -13297,7 +15177,7 @@
           <a:p>
             <a:r>
               <a:rPr lang="en-US" altLang="zh-TW" smtClean="0"/>
-              <a:t>Read a remote server content</a:t>
+              <a:t>Counter</a:t>
             </a:r>
             <a:endParaRPr lang="en-US" altLang="zh-TW" dirty="0" smtClean="0"/>
           </a:p>
@@ -13305,7 +15185,7 @@
       </p:sp>
       <p:sp>
         <p:nvSpPr>
-          <p:cNvPr id="25603" name="Rectangle 3"/>
+          <p:cNvPr id="24579" name="Rectangle 3"/>
           <p:cNvSpPr>
             <a:spLocks noGrp="1" noChangeArrowheads="1"/>
           </p:cNvSpPr>
@@ -13320,21 +15200,76 @@
           <a:p>
             <a:r>
               <a:rPr lang="en-US" altLang="zh-TW" smtClean="0"/>
-              <a:t>file_get_contents(“site”);</a:t>
+              <a:t>Update hit counter</a:t>
             </a:r>
           </a:p>
           <a:p>
             <a:r>
               <a:rPr lang="en-US" altLang="zh-TW" smtClean="0"/>
-              <a:t>fgets3.php</a:t>
-            </a:r>
-          </a:p>
-        </p:txBody>
-      </p:sp>
+              <a:t>fopen() – open the file</a:t>
+            </a:r>
+          </a:p>
+          <a:p>
+            <a:r>
+              <a:rPr lang="en-US" altLang="zh-TW" smtClean="0"/>
+              <a:t>fgets() – read file data</a:t>
+            </a:r>
+          </a:p>
+          <a:p>
+            <a:r>
+              <a:rPr lang="en-US" altLang="zh-TW" smtClean="0"/>
+              <a:t>fwrite() – write data to the file</a:t>
+            </a:r>
+          </a:p>
+          <a:p>
+            <a:r>
+              <a:rPr lang="en-US" altLang="zh-TW" smtClean="0"/>
+              <a:t>fclose() – close the opened file</a:t>
+            </a:r>
+          </a:p>
+          <a:p>
+            <a:r>
+              <a:rPr lang="en-US" altLang="zh-TW" smtClean="0"/>
+              <a:t>hitscounter.php, counter.txt</a:t>
+            </a:r>
+            <a:endParaRPr lang="en-US" altLang="zh-TW" dirty="0" smtClean="0"/>
+          </a:p>
+        </p:txBody>
+      </p:sp>
+      <p:pic>
+        <p:nvPicPr>
+          <p:cNvPr id="4" name="圖片 1"/>
+          <p:cNvPicPr>
+            <a:picLocks noChangeAspect="1"/>
+          </p:cNvPicPr>
+          <p:nvPr/>
+        </p:nvPicPr>
+        <p:blipFill>
+          <a:blip r:embed="rId3">
+            <a:extLst>
+              <a:ext uri="{28A0092B-C50C-407E-A947-70E740481C1C}">
+                <a14:useLocalDpi xmlns:a14="http://schemas.microsoft.com/office/drawing/2010/main" val="0"/>
+              </a:ext>
+            </a:extLst>
+          </a:blip>
+          <a:stretch>
+            <a:fillRect/>
+          </a:stretch>
+        </p:blipFill>
+        <p:spPr>
+          <a:xfrm>
+            <a:off x="6156176" y="4005064"/>
+            <a:ext cx="2669282" cy="2669282"/>
+          </a:xfrm>
+          <a:prstGeom prst="rect">
+            <a:avLst/>
+          </a:prstGeom>
+        </p:spPr>
+      </p:pic>
     </p:spTree>
     <p:extLst>
       <p:ext uri="{BB962C8B-B14F-4D97-AF65-F5344CB8AC3E}">
-        <p14:creationId xmlns:p14="http://schemas.microsoft.com/office/powerpoint/2010/main" val="1316223699"/>
+        <p14:creationId xmlns:p14="http://schemas.microsoft.com/office/powerpoint/2010/main" val="1520028681"/>
       </p:ext>
     </p:extLst>
   </p:cSld>
@@ -13381,7 +15316,7 @@
           <a:p>
             <a:r>
               <a:rPr lang="en-US" altLang="zh-TW" smtClean="0"/>
-              <a:t>fgetss</a:t>
+              <a:t>Read a remote server content</a:t>
             </a:r>
             <a:endParaRPr lang="en-US" altLang="zh-TW" dirty="0" smtClean="0"/>
           </a:p>
@@ -13403,24 +15338,22 @@
           <a:lstStyle/>
           <a:p>
             <a:r>
-              <a:rPr lang="en-US" smtClean="0"/>
-              <a:t>Gets line from file pointer and strip HTML tags</a:t>
-            </a:r>
-            <a:endParaRPr lang="en-US" altLang="zh-TW" smtClean="0"/>
-          </a:p>
-          <a:p>
-            <a:r>
               <a:rPr lang="en-US" altLang="zh-TW" smtClean="0"/>
-              <a:t>fgetss.php</a:t>
-            </a:r>
-            <a:endParaRPr lang="en-US" altLang="zh-TW" dirty="0" smtClean="0"/>
+              <a:t>file_get_contents(“site”);</a:t>
+            </a:r>
+          </a:p>
+          <a:p>
+            <a:r>
+              <a:rPr lang="en-US" altLang="zh-TW" smtClean="0"/>
+              <a:t>fgets3.php</a:t>
+            </a:r>
           </a:p>
         </p:txBody>
       </p:sp>
     </p:spTree>
     <p:extLst>
       <p:ext uri="{BB962C8B-B14F-4D97-AF65-F5344CB8AC3E}">
-        <p14:creationId xmlns:p14="http://schemas.microsoft.com/office/powerpoint/2010/main" val="146193413"/>
+        <p14:creationId xmlns:p14="http://schemas.microsoft.com/office/powerpoint/2010/main" val="1316223699"/>
       </p:ext>
     </p:extLst>
   </p:cSld>
@@ -13452,7 +15385,7 @@
       </p:grpSpPr>
       <p:sp>
         <p:nvSpPr>
-          <p:cNvPr id="211970" name="Rectangle 2"/>
+          <p:cNvPr id="214018" name="Rectangle 2"/>
           <p:cNvSpPr>
             <a:spLocks noGrp="1" noChangeArrowheads="1"/>
           </p:cNvSpPr>
@@ -13467,14 +15400,15 @@
           <a:p>
             <a:r>
               <a:rPr lang="en-US" altLang="zh-TW" smtClean="0"/>
-              <a:t>Upload file</a:t>
-            </a:r>
-          </a:p>
-        </p:txBody>
-      </p:sp>
-      <p:sp>
-        <p:nvSpPr>
-          <p:cNvPr id="26627" name="Rectangle 3"/>
+              <a:t>fgetss</a:t>
+            </a:r>
+            <a:endParaRPr lang="en-US" altLang="zh-TW" dirty="0" smtClean="0"/>
+          </a:p>
+        </p:txBody>
+      </p:sp>
+      <p:sp>
+        <p:nvSpPr>
+          <p:cNvPr id="25603" name="Rectangle 3"/>
           <p:cNvSpPr>
             <a:spLocks noGrp="1" noChangeArrowheads="1"/>
           </p:cNvSpPr>
@@ -13488,44 +15422,24 @@
           <a:lstStyle/>
           <a:p>
             <a:r>
-              <a:rPr lang="en-US" altLang="zh-TW" dirty="0" smtClean="0"/>
-              <a:t>Upload a file from a web page</a:t>
-            </a:r>
-          </a:p>
-          <a:p>
-            <a:r>
-              <a:rPr lang="en-US" altLang="zh-TW" dirty="0" err="1" smtClean="0"/>
-              <a:t>Eg</a:t>
-            </a:r>
-            <a:r>
-              <a:rPr lang="en-US" altLang="zh-TW" dirty="0" smtClean="0"/>
-              <a:t>. Attach a file to your email</a:t>
-            </a:r>
-          </a:p>
-          <a:p>
-            <a:r>
-              <a:rPr lang="en-US" altLang="zh-TW" dirty="0" smtClean="0"/>
-              <a:t>Open a new html file</a:t>
-            </a:r>
-          </a:p>
-          <a:p>
-            <a:r>
-              <a:rPr lang="en-US" altLang="zh-TW" dirty="0" smtClean="0"/>
-              <a:t>Create a form with file field</a:t>
-            </a:r>
-          </a:p>
-          <a:p>
-            <a:r>
-              <a:rPr lang="en-US" altLang="zh-TW" dirty="0" smtClean="0"/>
-              <a:t>Save as upload.html</a:t>
-            </a:r>
+              <a:rPr lang="en-US" smtClean="0"/>
+              <a:t>Gets line from file pointer and strip HTML tags</a:t>
+            </a:r>
+            <a:endParaRPr lang="en-US" altLang="zh-TW" smtClean="0"/>
+          </a:p>
+          <a:p>
+            <a:r>
+              <a:rPr lang="en-US" altLang="zh-TW" smtClean="0"/>
+              <a:t>fgetss.php</a:t>
+            </a:r>
+            <a:endParaRPr lang="en-US" altLang="zh-TW" dirty="0" smtClean="0"/>
           </a:p>
         </p:txBody>
       </p:sp>
     </p:spTree>
     <p:extLst>
       <p:ext uri="{BB962C8B-B14F-4D97-AF65-F5344CB8AC3E}">
-        <p14:creationId xmlns:p14="http://schemas.microsoft.com/office/powerpoint/2010/main" val="401838011"/>
+        <p14:creationId xmlns:p14="http://schemas.microsoft.com/office/powerpoint/2010/main" val="146193413"/>
       </p:ext>
     </p:extLst>
   </p:cSld>
@@ -13557,7 +15471,7 @@
       </p:grpSpPr>
       <p:sp>
         <p:nvSpPr>
-          <p:cNvPr id="216066" name="Rectangle 2"/>
+          <p:cNvPr id="211970" name="Rectangle 2"/>
           <p:cNvSpPr>
             <a:spLocks noGrp="1" noChangeArrowheads="1"/>
           </p:cNvSpPr>
@@ -13571,15 +15485,15 @@
           <a:lstStyle/>
           <a:p>
             <a:r>
-              <a:rPr lang="en-US" altLang="zh-TW" dirty="0" smtClean="0"/>
-              <a:t>Upload folder</a:t>
-            </a:r>
-          </a:p>
-        </p:txBody>
-      </p:sp>
-      <p:sp>
-        <p:nvSpPr>
-          <p:cNvPr id="27651" name="Rectangle 3"/>
+              <a:rPr lang="en-US" altLang="zh-TW" smtClean="0"/>
+              <a:t>Upload file</a:t>
+            </a:r>
+          </a:p>
+        </p:txBody>
+      </p:sp>
+      <p:sp>
+        <p:nvSpPr>
+          <p:cNvPr id="26627" name="Rectangle 3"/>
           <p:cNvSpPr>
             <a:spLocks noGrp="1" noChangeArrowheads="1"/>
           </p:cNvSpPr>
@@ -13594,21 +15508,35 @@
           <a:p>
             <a:r>
               <a:rPr lang="en-US" altLang="zh-TW" dirty="0" smtClean="0"/>
-              <a:t>Usually we will create a folder to store the upload files in case they upload a “</a:t>
-            </a:r>
+              <a:t>Upload a file from a web page</a:t>
+            </a:r>
+          </a:p>
+          <a:p>
             <a:r>
               <a:rPr lang="en-US" altLang="zh-TW" dirty="0" err="1" smtClean="0"/>
-              <a:t>index.html</a:t>
+              <a:t>Eg</a:t>
             </a:r>
             <a:r>
               <a:rPr lang="en-US" altLang="zh-TW" dirty="0" smtClean="0"/>
-              <a:t>” to hijack our website.</a:t>
+              <a:t>. Attach a file to your email</a:t>
             </a:r>
           </a:p>
           <a:p>
             <a:r>
               <a:rPr lang="en-US" altLang="zh-TW" dirty="0" smtClean="0"/>
-              <a:t>In www, right click -&gt; New -&gt; Folder -&gt; Create an “upload” folder.</a:t>
+              <a:t>Open a new html file</a:t>
+            </a:r>
+          </a:p>
+          <a:p>
+            <a:r>
+              <a:rPr lang="en-US" altLang="zh-TW" dirty="0" smtClean="0"/>
+              <a:t>Create a form with file field</a:t>
+            </a:r>
+          </a:p>
+          <a:p>
+            <a:r>
+              <a:rPr lang="en-US" altLang="zh-TW" dirty="0" smtClean="0"/>
+              <a:t>Save as upload.html</a:t>
             </a:r>
           </a:p>
         </p:txBody>
@@ -13616,7 +15544,7 @@
     </p:spTree>
     <p:extLst>
       <p:ext uri="{BB962C8B-B14F-4D97-AF65-F5344CB8AC3E}">
-        <p14:creationId xmlns:p14="http://schemas.microsoft.com/office/powerpoint/2010/main" val="340997438"/>
+        <p14:creationId xmlns:p14="http://schemas.microsoft.com/office/powerpoint/2010/main" val="401838011"/>
       </p:ext>
     </p:extLst>
   </p:cSld>
@@ -13662,8 +15590,8 @@
           <a:lstStyle/>
           <a:p>
             <a:r>
-              <a:rPr lang="en-US" altLang="zh-TW" smtClean="0"/>
-              <a:t>Upload file php</a:t>
+              <a:rPr lang="en-US" altLang="zh-TW" dirty="0" smtClean="0"/>
+              <a:t>Upload folder</a:t>
             </a:r>
           </a:p>
         </p:txBody>
@@ -13685,117 +15613,21 @@
           <a:p>
             <a:r>
               <a:rPr lang="en-US" altLang="zh-TW" dirty="0" smtClean="0"/>
-              <a:t>Create a </a:t>
+              <a:t>Usually we will create a folder to store the upload files in case they upload a “</a:t>
             </a:r>
             <a:r>
               <a:rPr lang="en-US" altLang="zh-TW" dirty="0" err="1" smtClean="0"/>
-              <a:t>php</a:t>
+              <a:t>index.html</a:t>
             </a:r>
             <a:r>
               <a:rPr lang="en-US" altLang="zh-TW" dirty="0" smtClean="0"/>
-              <a:t> file</a:t>
-            </a:r>
-          </a:p>
-          <a:p>
-            <a:r>
-              <a:rPr lang="en-US" altLang="zh-TW" dirty="0"/>
-              <a:t>$</a:t>
-            </a:r>
-            <a:r>
-              <a:rPr lang="en-US" altLang="zh-TW" dirty="0" err="1"/>
-              <a:t>tmpfile</a:t>
-            </a:r>
-            <a:r>
-              <a:rPr lang="en-US" altLang="zh-TW" dirty="0"/>
-              <a:t>=$_FILES["</a:t>
-            </a:r>
-            <a:r>
-              <a:rPr lang="en-US" altLang="zh-TW" dirty="0" err="1"/>
-              <a:t>fileField</a:t>
-            </a:r>
-            <a:r>
-              <a:rPr lang="en-US" altLang="zh-TW" dirty="0"/>
-              <a:t>"]["</a:t>
-            </a:r>
-            <a:r>
-              <a:rPr lang="en-US" altLang="zh-TW" dirty="0" err="1"/>
-              <a:t>tmp_name</a:t>
-            </a:r>
+              <a:t>” to hijack our website.</a:t>
+            </a:r>
+          </a:p>
+          <a:p>
             <a:r>
               <a:rPr lang="en-US" altLang="zh-TW" dirty="0" smtClean="0"/>
-              <a:t>"];</a:t>
-            </a:r>
-          </a:p>
-          <a:p>
-            <a:r>
-              <a:rPr lang="en-US" altLang="zh-TW" dirty="0" smtClean="0"/>
-              <a:t>$</a:t>
-            </a:r>
-            <a:r>
-              <a:rPr lang="en-US" altLang="zh-TW" dirty="0" err="1"/>
-              <a:t>uploadfile</a:t>
-            </a:r>
-            <a:r>
-              <a:rPr lang="en-US" altLang="zh-TW" dirty="0"/>
-              <a:t>="upload/".$_FILES["</a:t>
-            </a:r>
-            <a:r>
-              <a:rPr lang="en-US" altLang="zh-TW" dirty="0" err="1"/>
-              <a:t>fileField</a:t>
-            </a:r>
-            <a:r>
-              <a:rPr lang="en-US" altLang="zh-TW" dirty="0"/>
-              <a:t>"]["name</a:t>
-            </a:r>
-            <a:r>
-              <a:rPr lang="en-US" altLang="zh-TW" dirty="0" smtClean="0"/>
-              <a:t>"];</a:t>
-            </a:r>
-          </a:p>
-          <a:p>
-            <a:r>
-              <a:rPr lang="en-US" altLang="zh-TW" dirty="0" err="1" smtClean="0"/>
-              <a:t>move_uploaded_file</a:t>
-            </a:r>
-            <a:r>
-              <a:rPr lang="en-US" altLang="zh-TW" dirty="0"/>
-              <a:t>($</a:t>
-            </a:r>
-            <a:r>
-              <a:rPr lang="en-US" altLang="zh-TW" dirty="0" err="1"/>
-              <a:t>tmpfile</a:t>
-            </a:r>
-            <a:r>
-              <a:rPr lang="en-US" altLang="zh-TW" dirty="0"/>
-              <a:t>, $</a:t>
-            </a:r>
-            <a:r>
-              <a:rPr lang="en-US" altLang="zh-TW" dirty="0" err="1"/>
-              <a:t>uploadfile</a:t>
-            </a:r>
-            <a:r>
-              <a:rPr lang="en-US" altLang="zh-TW" dirty="0" smtClean="0"/>
-              <a:t>)</a:t>
-            </a:r>
-          </a:p>
-          <a:p>
-            <a:r>
-              <a:rPr lang="en-US" altLang="zh-TW" dirty="0" smtClean="0"/>
-              <a:t>Save as </a:t>
-            </a:r>
-            <a:r>
-              <a:rPr lang="en-US" altLang="zh-TW" dirty="0" err="1" smtClean="0"/>
-              <a:t>upload.php</a:t>
-            </a:r>
-            <a:endParaRPr lang="en-US" altLang="zh-TW" dirty="0" smtClean="0"/>
-          </a:p>
-          <a:p>
-            <a:endParaRPr lang="en-US" altLang="zh-TW" dirty="0" smtClean="0"/>
-          </a:p>
-          <a:p>
-            <a:r>
-              <a:rPr lang="en-US" altLang="zh-TW" dirty="0" smtClean="0"/>
-              <a:t>If no file uploaded, check LINUX/MAC PERMISSION!</a:t>
+              <a:t>In www, right click -&gt; New -&gt; Folder -&gt; Create an “upload” folder.</a:t>
             </a:r>
           </a:p>
         </p:txBody>
@@ -13803,7 +15635,7 @@
     </p:spTree>
     <p:extLst>
       <p:ext uri="{BB962C8B-B14F-4D97-AF65-F5344CB8AC3E}">
-        <p14:creationId xmlns:p14="http://schemas.microsoft.com/office/powerpoint/2010/main" val="3707123429"/>
+        <p14:creationId xmlns:p14="http://schemas.microsoft.com/office/powerpoint/2010/main" val="340997438"/>
       </p:ext>
     </p:extLst>
   </p:cSld>
@@ -13849,8 +15681,8 @@
           <a:lstStyle/>
           <a:p>
             <a:r>
-              <a:rPr lang="en-US" altLang="zh-TW" dirty="0" smtClean="0"/>
-              <a:t>Check uploaded file</a:t>
+              <a:rPr lang="en-US" altLang="zh-TW" smtClean="0"/>
+              <a:t>Upload file php</a:t>
             </a:r>
           </a:p>
         </p:txBody>
@@ -13872,49 +15704,151 @@
           <a:p>
             <a:r>
               <a:rPr lang="en-US" altLang="zh-TW" dirty="0" smtClean="0"/>
-              <a:t>Check file </a:t>
-            </a:r>
+              <a:t>Create a </a:t>
+            </a:r>
+            <a:r>
+              <a:rPr lang="en-US" altLang="zh-TW" dirty="0" err="1" smtClean="0"/>
+              <a:t>php</a:t>
+            </a:r>
+            <a:r>
+              <a:rPr lang="en-US" altLang="zh-TW" dirty="0" smtClean="0"/>
+              <a:t> file</a:t>
+            </a:r>
+          </a:p>
+          <a:p>
             <a:r>
               <a:rPr lang="en-US" altLang="zh-TW" dirty="0"/>
-              <a:t>type (</a:t>
+              <a:t>$</a:t>
+            </a:r>
+            <a:r>
+              <a:rPr lang="en-US" altLang="zh-TW" dirty="0" err="1"/>
+              <a:t>tmpfile</a:t>
+            </a:r>
+            <a:r>
+              <a:rPr lang="en-US" altLang="zh-TW" dirty="0"/>
+              <a:t>=$_FILES["</a:t>
+            </a:r>
+            <a:r>
+              <a:rPr lang="en-US" altLang="zh-TW" dirty="0" err="1"/>
+              <a:t>fileField</a:t>
+            </a:r>
+            <a:r>
+              <a:rPr lang="en-US" altLang="zh-TW" dirty="0"/>
+              <a:t>"]["</a:t>
+            </a:r>
+            <a:r>
+              <a:rPr lang="en-US" altLang="zh-TW" dirty="0" err="1"/>
+              <a:t>tmp_name</a:t>
             </a:r>
             <a:r>
               <a:rPr lang="en-US" altLang="zh-TW" dirty="0" smtClean="0"/>
-              <a:t>upload_1.php)</a:t>
-            </a:r>
-          </a:p>
-          <a:p>
+              <a:t>"];</a:t>
+            </a:r>
+          </a:p>
+          <a:p>
+            <a:r>
+              <a:rPr lang="en-US" altLang="zh-TW" dirty="0" smtClean="0"/>
+              <a:t>$</a:t>
+            </a:r>
+            <a:r>
+              <a:rPr lang="en-US" altLang="zh-TW" dirty="0" err="1"/>
+              <a:t>uploadfile</a:t>
+            </a:r>
             <a:r>
               <a:rPr lang="en-US" altLang="zh-TW" dirty="0"/>
-              <a:t>Check file max size (</a:t>
+              <a:t>="upload/".$_FILES["</a:t>
+            </a:r>
+            <a:r>
+              <a:rPr lang="en-US" altLang="zh-TW" dirty="0" err="1"/>
+              <a:t>fileField</a:t>
+            </a:r>
+            <a:r>
+              <a:rPr lang="en-US" altLang="zh-TW" dirty="0"/>
+              <a:t>"]["name</a:t>
             </a:r>
             <a:r>
               <a:rPr lang="en-US" altLang="zh-TW" dirty="0" smtClean="0"/>
-              <a:t>upload_2.php)</a:t>
-            </a:r>
-            <a:endParaRPr lang="en-US" altLang="zh-TW" dirty="0"/>
-          </a:p>
-          <a:p>
+              <a:t>"];</a:t>
+            </a:r>
+          </a:p>
+          <a:p>
+            <a:r>
+              <a:rPr lang="en-US" altLang="zh-TW" dirty="0" err="1" smtClean="0"/>
+              <a:t>move_uploaded_file</a:t>
+            </a:r>
             <a:r>
               <a:rPr lang="en-US" altLang="zh-TW" dirty="0"/>
-              <a:t>Check file </a:t>
+              <a:t>($</a:t>
+            </a:r>
+            <a:r>
+              <a:rPr lang="en-US" altLang="zh-TW" dirty="0" err="1"/>
+              <a:t>tmpfile</a:t>
+            </a:r>
+            <a:r>
+              <a:rPr lang="en-US" altLang="zh-TW" dirty="0"/>
+              <a:t>, $</a:t>
+            </a:r>
+            <a:r>
+              <a:rPr lang="en-US" altLang="zh-TW" dirty="0" err="1"/>
+              <a:t>uploadfile</a:t>
             </a:r>
             <a:r>
               <a:rPr lang="en-US" altLang="zh-TW" dirty="0" smtClean="0"/>
-              <a:t>min </a:t>
-            </a:r>
-            <a:r>
-              <a:rPr lang="en-US" altLang="zh-TW" dirty="0"/>
-              <a:t>size (</a:t>
-            </a:r>
+              <a:t>)</a:t>
+            </a:r>
+          </a:p>
+          <a:p>
             <a:r>
               <a:rPr lang="en-US" altLang="zh-TW" dirty="0" smtClean="0"/>
-              <a:t>upload_3.php)</a:t>
-            </a:r>
-            <a:endParaRPr lang="en-US" altLang="zh-TW" dirty="0"/>
-          </a:p>
-        </p:txBody>
-      </p:sp>
+              <a:t>Save as </a:t>
+            </a:r>
+            <a:r>
+              <a:rPr lang="en-US" altLang="zh-TW" dirty="0" err="1" smtClean="0"/>
+              <a:t>upload.php</a:t>
+            </a:r>
+            <a:endParaRPr lang="en-US" altLang="zh-TW" dirty="0" smtClean="0"/>
+          </a:p>
+          <a:p>
+            <a:endParaRPr lang="en-US" altLang="zh-TW" dirty="0" smtClean="0"/>
+          </a:p>
+          <a:p>
+            <a:r>
+              <a:rPr lang="en-US" altLang="zh-TW" dirty="0" smtClean="0"/>
+              <a:t>If no file uploaded, check LINUX/MAC PERMISSION!</a:t>
+            </a:r>
+          </a:p>
+        </p:txBody>
+      </p:sp>
+      <p:pic>
+        <p:nvPicPr>
+          <p:cNvPr id="4" name="圖片 1"/>
+          <p:cNvPicPr>
+            <a:picLocks noChangeAspect="1"/>
+          </p:cNvPicPr>
+          <p:nvPr/>
+        </p:nvPicPr>
+        <p:blipFill>
+          <a:blip r:embed="rId3" cstate="print">
+            <a:extLst>
+              <a:ext uri="{28A0092B-C50C-407E-A947-70E740481C1C}">
+                <a14:useLocalDpi xmlns:a14="http://schemas.microsoft.com/office/drawing/2010/main" val="0"/>
+              </a:ext>
+            </a:extLst>
+          </a:blip>
+          <a:stretch>
+            <a:fillRect/>
+          </a:stretch>
+        </p:blipFill>
+        <p:spPr>
+          <a:xfrm>
+            <a:off x="5448240" y="4653136"/>
+            <a:ext cx="3238560" cy="908886"/>
+          </a:xfrm>
+          <a:prstGeom prst="rect">
+            <a:avLst/>
+          </a:prstGeom>
+        </p:spPr>
+      </p:pic>
     </p:spTree>
     <p:extLst>
       <p:ext uri="{BB962C8B-B14F-4D97-AF65-F5344CB8AC3E}">
@@ -14052,9 +15986,9 @@
       </p:grpSpPr>
       <p:sp>
         <p:nvSpPr>
-          <p:cNvPr id="2" name="Title 1"/>
-          <p:cNvSpPr>
-            <a:spLocks noGrp="1"/>
+          <p:cNvPr id="216066" name="Rectangle 2"/>
+          <p:cNvSpPr>
+            <a:spLocks noGrp="1" noChangeArrowheads="1"/>
           </p:cNvSpPr>
           <p:nvPr>
             <p:ph type="title"/>
@@ -14066,18 +16000,17 @@
           <a:lstStyle/>
           <a:p>
             <a:r>
-              <a:rPr lang="en-US" dirty="0" smtClean="0"/>
-              <a:t>Caution</a:t>
-            </a:r>
-            <a:endParaRPr lang="en-US" dirty="0"/>
-          </a:p>
-        </p:txBody>
-      </p:sp>
-      <p:sp>
-        <p:nvSpPr>
-          <p:cNvPr id="3" name="Content Placeholder 2"/>
-          <p:cNvSpPr>
-            <a:spLocks noGrp="1"/>
+              <a:rPr lang="en-US" altLang="zh-TW" dirty="0" smtClean="0"/>
+              <a:t>Check uploaded file</a:t>
+            </a:r>
+          </a:p>
+        </p:txBody>
+      </p:sp>
+      <p:sp>
+        <p:nvSpPr>
+          <p:cNvPr id="27651" name="Rectangle 3"/>
+          <p:cNvSpPr>
+            <a:spLocks noGrp="1" noChangeArrowheads="1"/>
           </p:cNvSpPr>
           <p:nvPr>
             <p:ph idx="1"/>
@@ -14089,47 +16022,93 @@
           <a:lstStyle/>
           <a:p>
             <a:r>
-              <a:rPr lang="en-US" dirty="0" smtClean="0"/>
-              <a:t>Require user authentication, no anonymous uploads</a:t>
-            </a:r>
-          </a:p>
-          <a:p>
-            <a:r>
-              <a:rPr lang="en-US" dirty="0" smtClean="0"/>
-              <a:t>Do not host uploaded files that have not been verified</a:t>
-            </a:r>
-          </a:p>
-          <a:p>
-            <a:r>
-              <a:rPr lang="en-US" dirty="0" smtClean="0"/>
-              <a:t>Use caution when opening uploaded files</a:t>
-            </a:r>
-          </a:p>
-          <a:p>
-            <a:r>
-              <a:rPr lang="en-US" dirty="0" smtClean="0"/>
-              <a:t>Limit maximum upload size</a:t>
-            </a:r>
-          </a:p>
-          <a:p>
-            <a:r>
-              <a:rPr lang="en-US" dirty="0" smtClean="0"/>
-              <a:t>Limit allowable file formats, file extensions</a:t>
-            </a:r>
-            <a:endParaRPr lang="en-US" dirty="0"/>
-          </a:p>
-        </p:txBody>
-      </p:sp>
+              <a:rPr lang="en-US" altLang="zh-TW" dirty="0" smtClean="0"/>
+              <a:t>Check file </a:t>
+            </a:r>
+            <a:r>
+              <a:rPr lang="en-US" altLang="zh-TW" dirty="0"/>
+              <a:t>type (</a:t>
+            </a:r>
+            <a:r>
+              <a:rPr lang="en-US" altLang="zh-TW" dirty="0" smtClean="0"/>
+              <a:t>upload_1.php)</a:t>
+            </a:r>
+          </a:p>
+          <a:p>
+            <a:r>
+              <a:rPr lang="en-US" altLang="zh-TW" dirty="0"/>
+              <a:t>Check file max size (</a:t>
+            </a:r>
+            <a:r>
+              <a:rPr lang="en-US" altLang="zh-TW" dirty="0" smtClean="0"/>
+              <a:t>upload_2.php)</a:t>
+            </a:r>
+            <a:endParaRPr lang="en-US" altLang="zh-TW" dirty="0"/>
+          </a:p>
+          <a:p>
+            <a:r>
+              <a:rPr lang="en-US" altLang="zh-TW" dirty="0"/>
+              <a:t>Check file </a:t>
+            </a:r>
+            <a:r>
+              <a:rPr lang="en-US" altLang="zh-TW" dirty="0" smtClean="0"/>
+              <a:t>min </a:t>
+            </a:r>
+            <a:r>
+              <a:rPr lang="en-US" altLang="zh-TW" dirty="0"/>
+              <a:t>size (</a:t>
+            </a:r>
+            <a:r>
+              <a:rPr lang="en-US" altLang="zh-TW" dirty="0" smtClean="0"/>
+              <a:t>upload_3.php)</a:t>
+            </a:r>
+            <a:endParaRPr lang="en-US" altLang="zh-TW" dirty="0"/>
+          </a:p>
+        </p:txBody>
+      </p:sp>
+      <p:pic>
+        <p:nvPicPr>
+          <p:cNvPr id="4" name="圖片 1"/>
+          <p:cNvPicPr>
+            <a:picLocks noChangeAspect="1"/>
+          </p:cNvPicPr>
+          <p:nvPr/>
+        </p:nvPicPr>
+        <p:blipFill>
+          <a:blip r:embed="rId3">
+            <a:extLst>
+              <a:ext uri="{28A0092B-C50C-407E-A947-70E740481C1C}">
+                <a14:useLocalDpi xmlns:a14="http://schemas.microsoft.com/office/drawing/2010/main" val="0"/>
+              </a:ext>
+            </a:extLst>
+          </a:blip>
+          <a:stretch>
+            <a:fillRect/>
+          </a:stretch>
+        </p:blipFill>
+        <p:spPr>
+          <a:xfrm>
+            <a:off x="5349171" y="5085183"/>
+            <a:ext cx="3673230" cy="1670255"/>
+          </a:xfrm>
+          <a:prstGeom prst="rect">
+            <a:avLst/>
+          </a:prstGeom>
+        </p:spPr>
+      </p:pic>
     </p:spTree>
     <p:extLst>
       <p:ext uri="{BB962C8B-B14F-4D97-AF65-F5344CB8AC3E}">
-        <p14:creationId xmlns:p14="http://schemas.microsoft.com/office/powerpoint/2010/main" val="861362233"/>
+        <p14:creationId xmlns:p14="http://schemas.microsoft.com/office/powerpoint/2010/main" val="3707123429"/>
       </p:ext>
     </p:extLst>
   </p:cSld>
   <p:clrMapOvr>
     <a:masterClrMapping/>
   </p:clrMapOvr>
+  <p:transition>
+    <p:checker/>
+  </p:transition>
 </p:sld>
 </file>
 
@@ -14223,7 +16202,7 @@
     </p:spTree>
     <p:extLst>
       <p:ext uri="{BB962C8B-B14F-4D97-AF65-F5344CB8AC3E}">
-        <p14:creationId xmlns:p14="http://schemas.microsoft.com/office/powerpoint/2010/main" val="1416959693"/>
+        <p14:creationId xmlns:p14="http://schemas.microsoft.com/office/powerpoint/2010/main" val="861362233"/>
       </p:ext>
     </p:extLst>
   </p:cSld>
@@ -14266,8 +16245,8 @@
           <a:lstStyle/>
           <a:p>
             <a:r>
-              <a:rPr lang="en-US" smtClean="0"/>
-              <a:t>You should</a:t>
+              <a:rPr lang="en-US" dirty="0" smtClean="0"/>
+              <a:t>Caution</a:t>
             </a:r>
             <a:endParaRPr lang="en-US" dirty="0"/>
           </a:p>
@@ -14290,29 +16269,31 @@
           <a:p>
             <a:r>
               <a:rPr lang="en-US" dirty="0" smtClean="0"/>
-              <a:t>Relocate temp file to a secure location</a:t>
+              <a:t>Require user authentication, no anonymous uploads</a:t>
             </a:r>
           </a:p>
           <a:p>
             <a:r>
               <a:rPr lang="en-US" dirty="0" smtClean="0"/>
-              <a:t>Location should not be occupied by another file</a:t>
+              <a:t>Do not host uploaded files that have not been verified</a:t>
             </a:r>
           </a:p>
           <a:p>
             <a:r>
               <a:rPr lang="en-US" dirty="0" smtClean="0"/>
-              <a:t>Use unique names or unique directory names</a:t>
+              <a:t>Use caution when opening uploaded files</a:t>
             </a:r>
           </a:p>
           <a:p>
             <a:r>
               <a:rPr lang="en-US" dirty="0" smtClean="0"/>
-              <a:t>Upload </a:t>
-            </a:r>
-            <a:r>
-              <a:rPr lang="en-US" smtClean="0"/>
-              <a:t>folder should not be public</a:t>
+              <a:t>Limit maximum upload size</a:t>
+            </a:r>
+          </a:p>
+          <a:p>
+            <a:r>
+              <a:rPr lang="en-US" dirty="0" smtClean="0"/>
+              <a:t>Limit allowable file formats, file extensions</a:t>
             </a:r>
             <a:endParaRPr lang="en-US" dirty="0"/>
           </a:p>
@@ -14321,7 +16302,7 @@
     </p:spTree>
     <p:extLst>
       <p:ext uri="{BB962C8B-B14F-4D97-AF65-F5344CB8AC3E}">
-        <p14:creationId xmlns:p14="http://schemas.microsoft.com/office/powerpoint/2010/main" val="1395398668"/>
+        <p14:creationId xmlns:p14="http://schemas.microsoft.com/office/powerpoint/2010/main" val="1416959693"/>
       </p:ext>
     </p:extLst>
   </p:cSld>
@@ -14364,8 +16345,8 @@
           <a:lstStyle/>
           <a:p>
             <a:r>
-              <a:rPr lang="en-US" dirty="0" err="1" smtClean="0"/>
-              <a:t>php.ini</a:t>
+              <a:rPr lang="en-US" smtClean="0"/>
+              <a:t>You should</a:t>
             </a:r>
             <a:endParaRPr lang="en-US" dirty="0"/>
           </a:p>
@@ -14387,64 +16368,30 @@
           <a:lstStyle/>
           <a:p>
             <a:r>
-              <a:rPr lang="en-US" dirty="0" err="1"/>
-              <a:t>f</a:t>
-            </a:r>
-            <a:r>
-              <a:rPr lang="en-US" dirty="0" err="1" smtClean="0"/>
-              <a:t>ile_uploads</a:t>
-            </a:r>
-            <a:r>
               <a:rPr lang="en-US" dirty="0" smtClean="0"/>
-              <a:t>=true</a:t>
-            </a:r>
-          </a:p>
-          <a:p>
-            <a:r>
-              <a:rPr lang="en-US" dirty="0" err="1" smtClean="0"/>
-              <a:t>upload_tmp_dir</a:t>
-            </a:r>
+              <a:t>Relocate temp file to a secure location</a:t>
+            </a:r>
+          </a:p>
+          <a:p>
             <a:r>
               <a:rPr lang="en-US" dirty="0" smtClean="0"/>
-              <a:t> = “/www/</a:t>
-            </a:r>
-            <a:r>
-              <a:rPr lang="en-US" dirty="0" err="1" smtClean="0"/>
-              <a:t>tmp</a:t>
-            </a:r>
+              <a:t>Location should not be occupied by another file</a:t>
+            </a:r>
+          </a:p>
+          <a:p>
             <a:r>
               <a:rPr lang="en-US" dirty="0" smtClean="0"/>
-              <a:t>”</a:t>
-            </a:r>
-          </a:p>
-          <a:p>
-            <a:r>
-              <a:rPr lang="en-US" dirty="0" err="1" smtClean="0"/>
-              <a:t>upload_max_filesize</a:t>
-            </a:r>
+              <a:t>Use unique names or unique directory names</a:t>
+            </a:r>
+          </a:p>
+          <a:p>
             <a:r>
               <a:rPr lang="en-US" dirty="0" smtClean="0"/>
-              <a:t> = “2M”</a:t>
-            </a:r>
-          </a:p>
-          <a:p>
-            <a:r>
-              <a:rPr lang="en-US" dirty="0" err="1" smtClean="0"/>
-              <a:t>max_file_uploads</a:t>
-            </a:r>
-            <a:r>
-              <a:rPr lang="en-US" dirty="0" smtClean="0"/>
-              <a:t>=20</a:t>
-            </a:r>
-          </a:p>
-          <a:p>
-            <a:r>
-              <a:rPr lang="en-US" dirty="0" err="1" smtClean="0"/>
-              <a:t>post_max_size</a:t>
-            </a:r>
-            <a:r>
-              <a:rPr lang="en-US" dirty="0" smtClean="0"/>
-              <a:t>=“8M”</a:t>
+              <a:t>Upload </a:t>
+            </a:r>
+            <a:r>
+              <a:rPr lang="en-US" smtClean="0"/>
+              <a:t>folder should not be public</a:t>
             </a:r>
             <a:endParaRPr lang="en-US" dirty="0"/>
           </a:p>
@@ -14453,7 +16400,7 @@
     </p:spTree>
     <p:extLst>
       <p:ext uri="{BB962C8B-B14F-4D97-AF65-F5344CB8AC3E}">
-        <p14:creationId xmlns:p14="http://schemas.microsoft.com/office/powerpoint/2010/main" val="927179997"/>
+        <p14:creationId xmlns:p14="http://schemas.microsoft.com/office/powerpoint/2010/main" val="1395398668"/>
       </p:ext>
     </p:extLst>
   </p:cSld>
@@ -14482,9 +16429,9 @@
       </p:grpSpPr>
       <p:sp>
         <p:nvSpPr>
-          <p:cNvPr id="216066" name="Rectangle 2"/>
-          <p:cNvSpPr>
-            <a:spLocks noGrp="1" noChangeArrowheads="1"/>
+          <p:cNvPr id="2" name="Title 1"/>
+          <p:cNvSpPr>
+            <a:spLocks noGrp="1"/>
           </p:cNvSpPr>
           <p:nvPr>
             <p:ph type="title"/>
@@ -14496,18 +16443,18 @@
           <a:lstStyle/>
           <a:p>
             <a:r>
-              <a:rPr lang="en-US" altLang="zh-TW" smtClean="0"/>
-              <a:t>File path</a:t>
-            </a:r>
-            <a:endParaRPr lang="en-US" altLang="zh-TW" dirty="0" smtClean="0"/>
-          </a:p>
-        </p:txBody>
-      </p:sp>
-      <p:sp>
-        <p:nvSpPr>
-          <p:cNvPr id="27651" name="Rectangle 3"/>
-          <p:cNvSpPr>
-            <a:spLocks noGrp="1" noChangeArrowheads="1"/>
+              <a:rPr lang="en-US" dirty="0" err="1" smtClean="0"/>
+              <a:t>php.ini</a:t>
+            </a:r>
+            <a:endParaRPr lang="en-US" dirty="0"/>
+          </a:p>
+        </p:txBody>
+      </p:sp>
+      <p:sp>
+        <p:nvSpPr>
+          <p:cNvPr id="3" name="Content Placeholder 2"/>
+          <p:cNvSpPr>
+            <a:spLocks noGrp="1"/>
           </p:cNvSpPr>
           <p:nvPr>
             <p:ph idx="1"/>
@@ -14519,53 +16466,79 @@
           <a:lstStyle/>
           <a:p>
             <a:r>
-              <a:rPr lang="en-US" altLang="zh-TW" smtClean="0"/>
-              <a:t>basename</a:t>
-            </a:r>
-          </a:p>
-          <a:p>
-            <a:r>
-              <a:rPr lang="en-US" altLang="zh-TW" smtClean="0"/>
-              <a:t>dirname</a:t>
-            </a:r>
-          </a:p>
-          <a:p>
-            <a:r>
-              <a:rPr lang="en-US" altLang="zh-TW" smtClean="0"/>
-              <a:t>pathinfo</a:t>
-            </a:r>
-          </a:p>
-          <a:p>
-            <a:r>
-              <a:rPr lang="en-US" altLang="zh-TW" smtClean="0"/>
-              <a:t>realpath</a:t>
-            </a:r>
-          </a:p>
-          <a:p>
-            <a:endParaRPr lang="en-US" altLang="zh-TW" smtClean="0"/>
-          </a:p>
-          <a:p>
-            <a:r>
-              <a:rPr lang="en-US" altLang="zh-TW" smtClean="0"/>
-              <a:t>path.php</a:t>
-            </a:r>
-            <a:endParaRPr lang="en-US" altLang="zh-TW" dirty="0" smtClean="0"/>
+              <a:rPr lang="en-US" dirty="0" err="1"/>
+              <a:t>f</a:t>
+            </a:r>
+            <a:r>
+              <a:rPr lang="en-US" dirty="0" err="1" smtClean="0"/>
+              <a:t>ile_uploads</a:t>
+            </a:r>
+            <a:r>
+              <a:rPr lang="en-US" dirty="0" smtClean="0"/>
+              <a:t>=true</a:t>
+            </a:r>
+          </a:p>
+          <a:p>
+            <a:r>
+              <a:rPr lang="en-US" dirty="0" err="1" smtClean="0"/>
+              <a:t>upload_tmp_dir</a:t>
+            </a:r>
+            <a:r>
+              <a:rPr lang="en-US" dirty="0" smtClean="0"/>
+              <a:t> = “/www/</a:t>
+            </a:r>
+            <a:r>
+              <a:rPr lang="en-US" dirty="0" err="1" smtClean="0"/>
+              <a:t>tmp</a:t>
+            </a:r>
+            <a:r>
+              <a:rPr lang="en-US" dirty="0" smtClean="0"/>
+              <a:t>”</a:t>
+            </a:r>
+          </a:p>
+          <a:p>
+            <a:r>
+              <a:rPr lang="en-US" dirty="0" err="1" smtClean="0"/>
+              <a:t>upload_max_filesize</a:t>
+            </a:r>
+            <a:r>
+              <a:rPr lang="en-US" dirty="0" smtClean="0"/>
+              <a:t> = “2M”</a:t>
+            </a:r>
+          </a:p>
+          <a:p>
+            <a:r>
+              <a:rPr lang="en-US" dirty="0" err="1" smtClean="0"/>
+              <a:t>max_file_uploads</a:t>
+            </a:r>
+            <a:r>
+              <a:rPr lang="en-US" dirty="0" smtClean="0"/>
+              <a:t>=20</a:t>
+            </a:r>
+          </a:p>
+          <a:p>
+            <a:r>
+              <a:rPr lang="en-US" dirty="0" err="1" smtClean="0"/>
+              <a:t>post_max_size</a:t>
+            </a:r>
+            <a:r>
+              <a:rPr lang="en-US" dirty="0" smtClean="0"/>
+              <a:t>=“8M”</a:t>
+            </a:r>
+            <a:endParaRPr lang="en-US" dirty="0"/>
           </a:p>
         </p:txBody>
       </p:sp>
     </p:spTree>
     <p:extLst>
       <p:ext uri="{BB962C8B-B14F-4D97-AF65-F5344CB8AC3E}">
-        <p14:creationId xmlns:p14="http://schemas.microsoft.com/office/powerpoint/2010/main" val="1984829411"/>
+        <p14:creationId xmlns:p14="http://schemas.microsoft.com/office/powerpoint/2010/main" val="927179997"/>
       </p:ext>
     </p:extLst>
   </p:cSld>
   <p:clrMapOvr>
     <a:masterClrMapping/>
   </p:clrMapOvr>
-  <p:transition>
-    <p:checker/>
-  </p:transition>
 </p:sld>
 </file>
 
@@ -14602,9 +16575,10 @@
           <a:lstStyle/>
           <a:p>
             <a:r>
-              <a:rPr lang="en-US" altLang="zh-TW" dirty="0" smtClean="0"/>
-              <a:t>Homework</a:t>
-            </a:r>
+              <a:rPr lang="en-US" altLang="zh-TW" smtClean="0"/>
+              <a:t>File path</a:t>
+            </a:r>
+            <a:endParaRPr lang="en-US" altLang="zh-TW" dirty="0" smtClean="0"/>
           </a:p>
         </p:txBody>
       </p:sp>
@@ -14623,69 +16597,36 @@
           <a:bodyPr/>
           <a:lstStyle/>
           <a:p>
-            <a:pPr marL="285750" lvl="1"/>
-            <a:r>
-              <a:rPr lang="en-US" altLang="zh-TW" dirty="0" smtClean="0"/>
-              <a:t>Create a product page layout </a:t>
-            </a:r>
-            <a:r>
-              <a:rPr lang="en-US" altLang="zh-TW" dirty="0"/>
-              <a:t>like </a:t>
-            </a:r>
-            <a:r>
-              <a:rPr lang="en-US" altLang="zh-TW" dirty="0" smtClean="0"/>
-              <a:t>products-</a:t>
-            </a:r>
-            <a:r>
-              <a:rPr lang="en-US" altLang="zh-TW" dirty="0" err="1" smtClean="0"/>
-              <a:t>example.PNG</a:t>
-            </a:r>
-            <a:r>
-              <a:rPr lang="en-US" altLang="zh-TW" dirty="0" smtClean="0"/>
-              <a:t> by using these files.</a:t>
-            </a:r>
-          </a:p>
-          <a:p>
-            <a:pPr lvl="1"/>
-            <a:r>
-              <a:rPr lang="en-US" altLang="zh-TW" dirty="0" smtClean="0"/>
-              <a:t>products-</a:t>
-            </a:r>
-            <a:r>
-              <a:rPr lang="en-US" altLang="zh-TW" dirty="0" err="1" smtClean="0"/>
-              <a:t>design.php</a:t>
-            </a:r>
-            <a:endParaRPr lang="en-US" altLang="zh-TW" dirty="0" smtClean="0"/>
-          </a:p>
-          <a:p>
-            <a:pPr lvl="1"/>
-            <a:r>
-              <a:rPr lang="en-US" altLang="zh-TW" dirty="0" smtClean="0"/>
-              <a:t>products-</a:t>
-            </a:r>
-            <a:r>
-              <a:rPr lang="en-US" altLang="zh-TW" dirty="0" err="1" smtClean="0"/>
-              <a:t>header.inc.php</a:t>
-            </a:r>
-            <a:endParaRPr lang="en-US" altLang="zh-TW" dirty="0" smtClean="0"/>
-          </a:p>
-          <a:p>
-            <a:pPr lvl="1"/>
-            <a:r>
-              <a:rPr lang="en-US" altLang="zh-TW" dirty="0" err="1" smtClean="0"/>
-              <a:t>products.css</a:t>
-            </a:r>
-            <a:endParaRPr lang="en-US" altLang="zh-TW" dirty="0" smtClean="0"/>
-          </a:p>
-          <a:p>
-            <a:pPr lvl="1"/>
-            <a:r>
-              <a:rPr lang="en-US" altLang="zh-TW" dirty="0" smtClean="0"/>
-              <a:t>products-</a:t>
-            </a:r>
-            <a:r>
-              <a:rPr lang="en-US" altLang="zh-TW" dirty="0" err="1" smtClean="0"/>
-              <a:t>array.inc.php</a:t>
+            <a:r>
+              <a:rPr lang="en-US" altLang="zh-TW" smtClean="0"/>
+              <a:t>basename</a:t>
+            </a:r>
+          </a:p>
+          <a:p>
+            <a:r>
+              <a:rPr lang="en-US" altLang="zh-TW" smtClean="0"/>
+              <a:t>dirname</a:t>
+            </a:r>
+          </a:p>
+          <a:p>
+            <a:r>
+              <a:rPr lang="en-US" altLang="zh-TW" smtClean="0"/>
+              <a:t>pathinfo</a:t>
+            </a:r>
+          </a:p>
+          <a:p>
+            <a:r>
+              <a:rPr lang="en-US" altLang="zh-TW" smtClean="0"/>
+              <a:t>realpath</a:t>
+            </a:r>
+          </a:p>
+          <a:p>
+            <a:endParaRPr lang="en-US" altLang="zh-TW" smtClean="0"/>
+          </a:p>
+          <a:p>
+            <a:r>
+              <a:rPr lang="en-US" altLang="zh-TW" smtClean="0"/>
+              <a:t>path.php</a:t>
             </a:r>
             <a:endParaRPr lang="en-US" altLang="zh-TW" dirty="0" smtClean="0"/>
           </a:p>
@@ -14694,7 +16635,7 @@
     </p:spTree>
     <p:extLst>
       <p:ext uri="{BB962C8B-B14F-4D97-AF65-F5344CB8AC3E}">
-        <p14:creationId xmlns:p14="http://schemas.microsoft.com/office/powerpoint/2010/main" val="783318613"/>
+        <p14:creationId xmlns:p14="http://schemas.microsoft.com/office/powerpoint/2010/main" val="1984829411"/>
       </p:ext>
     </p:extLst>
   </p:cSld>
@@ -14726,6 +16667,241 @@
       </p:grpSpPr>
       <p:sp>
         <p:nvSpPr>
+          <p:cNvPr id="216066" name="Rectangle 2"/>
+          <p:cNvSpPr>
+            <a:spLocks noGrp="1" noChangeArrowheads="1"/>
+          </p:cNvSpPr>
+          <p:nvPr>
+            <p:ph type="title"/>
+          </p:nvPr>
+        </p:nvSpPr>
+        <p:spPr/>
+        <p:txBody>
+          <a:bodyPr/>
+          <a:lstStyle/>
+          <a:p>
+            <a:r>
+              <a:rPr lang="en-US" altLang="zh-TW" dirty="0" smtClean="0"/>
+              <a:t>Homework</a:t>
+            </a:r>
+          </a:p>
+        </p:txBody>
+      </p:sp>
+      <p:sp>
+        <p:nvSpPr>
+          <p:cNvPr id="27651" name="Rectangle 3"/>
+          <p:cNvSpPr>
+            <a:spLocks noGrp="1" noChangeArrowheads="1"/>
+          </p:cNvSpPr>
+          <p:nvPr>
+            <p:ph idx="1"/>
+          </p:nvPr>
+        </p:nvSpPr>
+        <p:spPr/>
+        <p:txBody>
+          <a:bodyPr/>
+          <a:lstStyle/>
+          <a:p>
+            <a:pPr marL="285750" lvl="1"/>
+            <a:r>
+              <a:rPr lang="en-US" altLang="zh-TW" dirty="0" smtClean="0"/>
+              <a:t>Create a product page layout </a:t>
+            </a:r>
+            <a:r>
+              <a:rPr lang="en-US" altLang="zh-TW" dirty="0"/>
+              <a:t>like </a:t>
+            </a:r>
+            <a:r>
+              <a:rPr lang="en-US" altLang="zh-TW" b="1" dirty="0" smtClean="0"/>
+              <a:t>products-</a:t>
+            </a:r>
+            <a:r>
+              <a:rPr lang="en-US" altLang="zh-TW" b="1" dirty="0" err="1" smtClean="0"/>
+              <a:t>example.png</a:t>
+            </a:r>
+            <a:r>
+              <a:rPr lang="en-US" altLang="zh-TW" dirty="0" smtClean="0"/>
+              <a:t> </a:t>
+            </a:r>
+            <a:r>
+              <a:rPr lang="en-US" altLang="zh-TW" dirty="0" smtClean="0"/>
+              <a:t>by using </a:t>
+            </a:r>
+            <a:r>
+              <a:rPr lang="en-US" altLang="zh-TW" dirty="0" smtClean="0"/>
+              <a:t>include and for loop with these </a:t>
+            </a:r>
+            <a:r>
+              <a:rPr lang="en-US" altLang="zh-TW" dirty="0" smtClean="0"/>
+              <a:t>files.</a:t>
+            </a:r>
+          </a:p>
+          <a:p>
+            <a:pPr lvl="1"/>
+            <a:r>
+              <a:rPr lang="en-US" altLang="zh-TW" dirty="0" smtClean="0"/>
+              <a:t>products-</a:t>
+            </a:r>
+            <a:r>
+              <a:rPr lang="en-US" altLang="zh-TW" dirty="0" err="1" smtClean="0"/>
+              <a:t>design.php</a:t>
+            </a:r>
+            <a:endParaRPr lang="en-US" altLang="zh-TW" dirty="0" smtClean="0"/>
+          </a:p>
+          <a:p>
+            <a:pPr lvl="1"/>
+            <a:r>
+              <a:rPr lang="en-US" altLang="zh-TW" dirty="0" smtClean="0"/>
+              <a:t>products-</a:t>
+            </a:r>
+            <a:r>
+              <a:rPr lang="en-US" altLang="zh-TW" dirty="0" err="1" smtClean="0"/>
+              <a:t>header.inc.php</a:t>
+            </a:r>
+            <a:endParaRPr lang="en-US" altLang="zh-TW" dirty="0" smtClean="0"/>
+          </a:p>
+          <a:p>
+            <a:pPr lvl="1"/>
+            <a:r>
+              <a:rPr lang="en-US" altLang="zh-TW" dirty="0" err="1" smtClean="0"/>
+              <a:t>products.css</a:t>
+            </a:r>
+            <a:endParaRPr lang="en-US" altLang="zh-TW" dirty="0" smtClean="0"/>
+          </a:p>
+          <a:p>
+            <a:pPr lvl="1"/>
+            <a:r>
+              <a:rPr lang="en-US" altLang="zh-TW" dirty="0" smtClean="0"/>
+              <a:t>products-</a:t>
+            </a:r>
+            <a:r>
+              <a:rPr lang="en-US" altLang="zh-TW" dirty="0" err="1" smtClean="0"/>
+              <a:t>array.inc.php</a:t>
+            </a:r>
+            <a:endParaRPr lang="en-US" altLang="zh-TW" dirty="0" smtClean="0"/>
+          </a:p>
+        </p:txBody>
+      </p:sp>
+    </p:spTree>
+    <p:extLst>
+      <p:ext uri="{BB962C8B-B14F-4D97-AF65-F5344CB8AC3E}">
+        <p14:creationId xmlns:p14="http://schemas.microsoft.com/office/powerpoint/2010/main" val="783318613"/>
+      </p:ext>
+    </p:extLst>
+  </p:cSld>
+  <p:clrMapOvr>
+    <a:masterClrMapping/>
+  </p:clrMapOvr>
+  <p:transition>
+    <p:checker/>
+  </p:transition>
+</p:sld>
+</file>
+
+<file path=ppt/slides/slide27.xml><?xml version="1.0" encoding="utf-8"?>
+<p:sld xmlns:a="http://schemas.openxmlformats.org/drawingml/2006/main" xmlns:r="http://schemas.openxmlformats.org/officeDocument/2006/relationships" xmlns:p="http://schemas.openxmlformats.org/presentationml/2006/main">
+  <p:cSld>
+    <p:spTree>
+      <p:nvGrpSpPr>
+        <p:cNvPr id="1" name=""/>
+        <p:cNvGrpSpPr/>
+        <p:nvPr/>
+      </p:nvGrpSpPr>
+      <p:grpSpPr>
+        <a:xfrm>
+          <a:off x="0" y="0"/>
+          <a:ext cx="0" cy="0"/>
+          <a:chOff x="0" y="0"/>
+          <a:chExt cx="0" cy="0"/>
+        </a:xfrm>
+      </p:grpSpPr>
+      <p:sp>
+        <p:nvSpPr>
+          <p:cNvPr id="7" name="Title 6"/>
+          <p:cNvSpPr>
+            <a:spLocks noGrp="1"/>
+          </p:cNvSpPr>
+          <p:nvPr>
+            <p:ph type="title"/>
+          </p:nvPr>
+        </p:nvSpPr>
+        <p:spPr/>
+        <p:txBody>
+          <a:bodyPr/>
+          <a:lstStyle/>
+          <a:p>
+            <a:r>
+              <a:rPr lang="en-US" dirty="0" smtClean="0"/>
+              <a:t>Final result</a:t>
+            </a:r>
+            <a:endParaRPr lang="en-US" dirty="0"/>
+          </a:p>
+        </p:txBody>
+      </p:sp>
+      <p:pic>
+        <p:nvPicPr>
+          <p:cNvPr id="9" name="Content Placeholder 8"/>
+          <p:cNvPicPr>
+            <a:picLocks noGrp="1" noChangeAspect="1"/>
+          </p:cNvPicPr>
+          <p:nvPr>
+            <p:ph idx="1"/>
+          </p:nvPr>
+        </p:nvPicPr>
+        <p:blipFill>
+          <a:blip r:embed="rId2">
+            <a:extLst>
+              <a:ext uri="{28A0092B-C50C-407E-A947-70E740481C1C}">
+                <a14:useLocalDpi xmlns:a14="http://schemas.microsoft.com/office/drawing/2010/main" val="0"/>
+              </a:ext>
+            </a:extLst>
+          </a:blip>
+          <a:stretch>
+            <a:fillRect/>
+          </a:stretch>
+        </p:blipFill>
+        <p:spPr>
+          <a:xfrm>
+            <a:off x="2612381" y="2667000"/>
+            <a:ext cx="4444701" cy="3332163"/>
+          </a:xfrm>
+          <a:prstGeom prst="rect">
+            <a:avLst/>
+          </a:prstGeom>
+        </p:spPr>
+      </p:pic>
+    </p:spTree>
+    <p:extLst>
+      <p:ext uri="{BB962C8B-B14F-4D97-AF65-F5344CB8AC3E}">
+        <p14:creationId xmlns:p14="http://schemas.microsoft.com/office/powerpoint/2010/main" val="312085138"/>
+      </p:ext>
+    </p:extLst>
+  </p:cSld>
+  <p:clrMapOvr>
+    <a:masterClrMapping/>
+  </p:clrMapOvr>
+</p:sld>
+</file>
+
+<file path=ppt/slides/slide28.xml><?xml version="1.0" encoding="utf-8"?>
+<p:sld xmlns:a="http://schemas.openxmlformats.org/drawingml/2006/main" xmlns:r="http://schemas.openxmlformats.org/officeDocument/2006/relationships" xmlns:p="http://schemas.openxmlformats.org/presentationml/2006/main">
+  <p:cSld>
+    <p:spTree>
+      <p:nvGrpSpPr>
+        <p:cNvPr id="1" name=""/>
+        <p:cNvGrpSpPr/>
+        <p:nvPr/>
+      </p:nvGrpSpPr>
+      <p:grpSpPr>
+        <a:xfrm>
+          <a:off x="0" y="0"/>
+          <a:ext cx="0" cy="0"/>
+          <a:chOff x="0" y="0"/>
+          <a:chExt cx="0" cy="0"/>
+        </a:xfrm>
+      </p:grpSpPr>
+      <p:sp>
+        <p:nvSpPr>
           <p:cNvPr id="24578" name="Rectangle 2"/>
           <p:cNvSpPr>
             <a:spLocks noGrp="1" noChangeArrowheads="1"/>
@@ -14867,6 +17043,36 @@
           </a:p>
         </p:txBody>
       </p:sp>
+      <p:pic>
+        <p:nvPicPr>
+          <p:cNvPr id="4" name="圖片 1"/>
+          <p:cNvPicPr>
+            <a:picLocks noChangeAspect="1"/>
+          </p:cNvPicPr>
+          <p:nvPr/>
+        </p:nvPicPr>
+        <p:blipFill>
+          <a:blip r:embed="rId3" cstate="print">
+            <a:extLst>
+              <a:ext uri="{28A0092B-C50C-407E-A947-70E740481C1C}">
+                <a14:useLocalDpi xmlns:a14="http://schemas.microsoft.com/office/drawing/2010/main" val="0"/>
+              </a:ext>
+            </a:extLst>
+          </a:blip>
+          <a:stretch>
+            <a:fillRect/>
+          </a:stretch>
+        </p:blipFill>
+        <p:spPr>
+          <a:xfrm>
+            <a:off x="6804248" y="4333408"/>
+            <a:ext cx="2003648" cy="2218856"/>
+          </a:xfrm>
+          <a:prstGeom prst="rect">
+            <a:avLst/>
+          </a:prstGeom>
+        </p:spPr>
+      </p:pic>
     </p:spTree>
     <p:extLst>
       <p:ext uri="{BB962C8B-B14F-4D97-AF65-F5344CB8AC3E}">
@@ -15105,10 +17311,90 @@
           </a:p>
         </p:txBody>
       </p:sp>
+      <p:sp>
+        <p:nvSpPr>
+          <p:cNvPr id="2" name="向下箭號 1"/>
+          <p:cNvSpPr/>
+          <p:nvPr/>
+        </p:nvSpPr>
+        <p:spPr>
+          <a:xfrm>
+            <a:off x="3923928" y="2852936"/>
+            <a:ext cx="360040" cy="648072"/>
+          </a:xfrm>
+          <a:prstGeom prst="downArrow">
+            <a:avLst/>
+          </a:prstGeom>
+        </p:spPr>
+        <p:style>
+          <a:lnRef idx="2">
+            <a:schemeClr val="accent4">
+              <a:shade val="50000"/>
+            </a:schemeClr>
+          </a:lnRef>
+          <a:fillRef idx="1">
+            <a:schemeClr val="accent4"/>
+          </a:fillRef>
+          <a:effectRef idx="0">
+            <a:schemeClr val="accent4"/>
+          </a:effectRef>
+          <a:fontRef idx="minor">
+            <a:schemeClr val="lt1"/>
+          </a:fontRef>
+        </p:style>
+        <p:txBody>
+          <a:bodyPr rtlCol="0" anchor="ctr"/>
+          <a:lstStyle/>
+          <a:p>
+            <a:pPr algn="ctr"/>
+            <a:endParaRPr lang="zh-HK" altLang="en-US"/>
+          </a:p>
+        </p:txBody>
+      </p:sp>
+      <p:sp>
+        <p:nvSpPr>
+          <p:cNvPr id="5" name="向下箭號 4"/>
+          <p:cNvSpPr/>
+          <p:nvPr/>
+        </p:nvSpPr>
+        <p:spPr>
+          <a:xfrm>
+            <a:off x="3929194" y="4797152"/>
+            <a:ext cx="360040" cy="648072"/>
+          </a:xfrm>
+          <a:prstGeom prst="downArrow">
+            <a:avLst/>
+          </a:prstGeom>
+        </p:spPr>
+        <p:style>
+          <a:lnRef idx="2">
+            <a:schemeClr val="accent4">
+              <a:shade val="50000"/>
+            </a:schemeClr>
+          </a:lnRef>
+          <a:fillRef idx="1">
+            <a:schemeClr val="accent4"/>
+          </a:fillRef>
+          <a:effectRef idx="0">
+            <a:schemeClr val="accent4"/>
+          </a:effectRef>
+          <a:fontRef idx="minor">
+            <a:schemeClr val="lt1"/>
+          </a:fontRef>
+        </p:style>
+        <p:txBody>
+          <a:bodyPr rtlCol="0" anchor="ctr"/>
+          <a:lstStyle/>
+          <a:p>
+            <a:pPr algn="ctr"/>
+            <a:endParaRPr lang="zh-HK" altLang="en-US"/>
+          </a:p>
+        </p:txBody>
+      </p:sp>
     </p:spTree>
     <p:extLst>
       <p:ext uri="{BB962C8B-B14F-4D97-AF65-F5344CB8AC3E}">
-        <p14:creationId xmlns:p14="http://schemas.microsoft.com/office/powerpoint/2010/main" val="640696254"/>
+        <p14:creationId xmlns:p14="http://schemas.microsoft.com/office/powerpoint/2010/main" val="359117287"/>
       </p:ext>
     </p:extLst>
   </p:cSld>
@@ -15201,14 +17487,13 @@
               <a:t>or </a:t>
             </a:r>
             <a:r>
-              <a:rPr lang="en-US" altLang="zh-TW" b="1" smtClean="0"/>
+              <a:rPr lang="en-US" altLang="zh-TW" b="1" dirty="0" err="1" smtClean="0"/>
               <a:t>ksort</a:t>
             </a:r>
             <a:r>
-              <a:rPr lang="en-US" altLang="zh-TW" smtClean="0"/>
+              <a:rPr lang="en-US" altLang="zh-TW" dirty="0" smtClean="0"/>
               <a:t>?)</a:t>
             </a:r>
-            <a:endParaRPr lang="en-US" altLang="zh-TW" dirty="0" smtClean="0"/>
           </a:p>
           <a:p>
             <a:r>
@@ -15243,13 +17528,53 @@
           </a:p>
           <a:p>
             <a:endParaRPr lang="en-US" altLang="zh-TW" dirty="0" smtClean="0"/>
+          </a:p>
+        </p:txBody>
+      </p:sp>
+      <p:sp>
+        <p:nvSpPr>
+          <p:cNvPr id="4" name="向下箭號 3"/>
+          <p:cNvSpPr/>
+          <p:nvPr/>
+        </p:nvSpPr>
+        <p:spPr>
+          <a:xfrm>
+            <a:off x="4211960" y="4299855"/>
+            <a:ext cx="360040" cy="648072"/>
+          </a:xfrm>
+          <a:prstGeom prst="downArrow">
+            <a:avLst/>
+          </a:prstGeom>
+        </p:spPr>
+        <p:style>
+          <a:lnRef idx="2">
+            <a:schemeClr val="accent4">
+              <a:shade val="50000"/>
+            </a:schemeClr>
+          </a:lnRef>
+          <a:fillRef idx="1">
+            <a:schemeClr val="accent4"/>
+          </a:fillRef>
+          <a:effectRef idx="0">
+            <a:schemeClr val="accent4"/>
+          </a:effectRef>
+          <a:fontRef idx="minor">
+            <a:schemeClr val="lt1"/>
+          </a:fontRef>
+        </p:style>
+        <p:txBody>
+          <a:bodyPr rtlCol="0" anchor="ctr"/>
+          <a:lstStyle/>
+          <a:p>
+            <a:pPr algn="ctr"/>
+            <a:endParaRPr lang="zh-HK" altLang="en-US"/>
           </a:p>
         </p:txBody>
       </p:sp>
     </p:spTree>
     <p:extLst>
       <p:ext uri="{BB962C8B-B14F-4D97-AF65-F5344CB8AC3E}">
-        <p14:creationId xmlns:p14="http://schemas.microsoft.com/office/powerpoint/2010/main" val="263651350"/>
+        <p14:creationId xmlns:p14="http://schemas.microsoft.com/office/powerpoint/2010/main" val="1322752492"/>
       </p:ext>
     </p:extLst>
   </p:cSld>
@@ -15279,6 +17604,55 @@
           <a:chExt cx="0" cy="0"/>
         </a:xfrm>
       </p:grpSpPr>
+      <p:pic>
+        <p:nvPicPr>
+          <p:cNvPr id="2" name="Picture 1"/>
+          <p:cNvPicPr>
+            <a:picLocks noChangeAspect="1"/>
+          </p:cNvPicPr>
+          <p:nvPr/>
+        </p:nvPicPr>
+        <p:blipFill>
+          <a:blip r:embed="rId3"/>
+          <a:stretch>
+            <a:fillRect/>
+          </a:stretch>
+        </p:blipFill>
+        <p:spPr>
+          <a:xfrm>
+            <a:off x="6316380" y="3115413"/>
+            <a:ext cx="2310888" cy="1537790"/>
+          </a:xfrm>
+          <a:prstGeom prst="roundRect">
+            <a:avLst>
+              <a:gd name="adj" fmla="val 4380"/>
+            </a:avLst>
+          </a:prstGeom>
+          <a:ln w="38100">
+            <a:gradFill flip="none" rotWithShape="1">
+              <a:gsLst>
+                <a:gs pos="0">
+                  <a:schemeClr val="bg2"/>
+                </a:gs>
+                <a:gs pos="100000">
+                  <a:schemeClr val="bg2">
+                    <a:lumMod val="75000"/>
+                  </a:schemeClr>
+                </a:gs>
+              </a:gsLst>
+              <a:lin ang="5400000" scaled="0"/>
+              <a:tileRect/>
+            </a:gradFill>
+          </a:ln>
+          <a:effectLst>
+            <a:innerShdw blurRad="57150" dist="38100" dir="14460000">
+              <a:srgbClr val="000000">
+                <a:alpha val="70000"/>
+              </a:srgbClr>
+            </a:innerShdw>
+          </a:effectLst>
+        </p:spPr>
+      </p:pic>
       <p:sp>
         <p:nvSpPr>
           <p:cNvPr id="184322" name="Rectangle 2"/>
@@ -15289,13 +17663,20 @@
             <p:ph type="title"/>
           </p:nvPr>
         </p:nvSpPr>
-        <p:spPr/>
-        <p:txBody>
-          <a:bodyPr/>
+        <p:spPr>
+          <a:xfrm>
+            <a:off x="1113234" y="685801"/>
+            <a:ext cx="7514035" cy="1185333"/>
+          </a:xfrm>
+        </p:spPr>
+        <p:txBody>
+          <a:bodyPr>
+            <a:normAutofit/>
+          </a:bodyPr>
           <a:lstStyle/>
           <a:p>
             <a:r>
-              <a:rPr lang="en-US" altLang="zh-TW" dirty="0" smtClean="0"/>
+              <a:rPr lang="en-US" altLang="zh-TW" dirty="0"/>
               <a:t>Randomized array</a:t>
             </a:r>
           </a:p>
@@ -15311,54 +17692,91 @@
             <p:ph idx="1"/>
           </p:nvPr>
         </p:nvSpPr>
-        <p:spPr/>
-        <p:txBody>
-          <a:bodyPr/>
+        <p:spPr>
+          <a:xfrm>
+            <a:off x="1113234" y="1998134"/>
+            <a:ext cx="4865120" cy="3793067"/>
+          </a:xfrm>
+        </p:spPr>
+        <p:txBody>
+          <a:bodyPr>
+            <a:normAutofit/>
+          </a:bodyPr>
           <a:lstStyle/>
           <a:p>
-            <a:r>
-              <a:rPr lang="en-US" altLang="zh-TW" dirty="0" smtClean="0"/>
+            <a:pPr>
+              <a:lnSpc>
+                <a:spcPct val="80000"/>
+              </a:lnSpc>
+            </a:pPr>
+            <a:r>
+              <a:rPr lang="en-US" altLang="zh-TW" sz="2200" dirty="0"/>
               <a:t>shuffle() randomly reorders the elements of an array</a:t>
             </a:r>
           </a:p>
           <a:p>
-            <a:r>
-              <a:rPr lang="en-US" altLang="zh-TW" dirty="0" err="1" smtClean="0"/>
+            <a:pPr>
+              <a:lnSpc>
+                <a:spcPct val="80000"/>
+              </a:lnSpc>
+            </a:pPr>
+            <a:r>
+              <a:rPr lang="en-US" altLang="zh-TW" sz="2200" dirty="0" err="1"/>
               <a:t>Eg</a:t>
             </a:r>
             <a:r>
-              <a:rPr lang="en-US" altLang="zh-TW" dirty="0" smtClean="0"/>
+              <a:rPr lang="en-US" altLang="zh-TW" sz="2200" dirty="0"/>
               <a:t>. Large number of products in stock and want randomly select one item to show on a page</a:t>
             </a:r>
           </a:p>
           <a:p>
-            <a:r>
-              <a:rPr lang="en-US" altLang="zh-TW" dirty="0" smtClean="0"/>
+            <a:pPr>
+              <a:lnSpc>
+                <a:spcPct val="80000"/>
+              </a:lnSpc>
+            </a:pPr>
+            <a:r>
+              <a:rPr lang="en-US" altLang="zh-TW" sz="2200" dirty="0"/>
               <a:t>hk.yahoo.com</a:t>
             </a:r>
           </a:p>
           <a:p>
-            <a:endParaRPr lang="en-US" altLang="zh-TW" dirty="0" smtClean="0"/>
-          </a:p>
-          <a:p>
-            <a:r>
-              <a:rPr lang="en-US" altLang="zh-TW" dirty="0" smtClean="0"/>
+            <a:pPr>
+              <a:lnSpc>
+                <a:spcPct val="80000"/>
+              </a:lnSpc>
+            </a:pPr>
+            <a:endParaRPr lang="en-US" altLang="zh-TW" sz="2200" dirty="0"/>
+          </a:p>
+          <a:p>
+            <a:pPr>
+              <a:lnSpc>
+                <a:spcPct val="80000"/>
+              </a:lnSpc>
+            </a:pPr>
+            <a:r>
+              <a:rPr lang="en-US" altLang="zh-TW" sz="2200" dirty="0"/>
               <a:t>Copy the images folder to www from share</a:t>
             </a:r>
           </a:p>
           <a:p>
-            <a:r>
-              <a:rPr lang="en-US" altLang="zh-TW" dirty="0" err="1" smtClean="0"/>
+            <a:pPr>
+              <a:lnSpc>
+                <a:spcPct val="80000"/>
+              </a:lnSpc>
+            </a:pPr>
+            <a:r>
+              <a:rPr lang="en-US" altLang="zh-TW" sz="2200" dirty="0" err="1"/>
               <a:t>shuffle.php</a:t>
             </a:r>
-            <a:endParaRPr lang="en-US" altLang="zh-TW" dirty="0" smtClean="0"/>
+            <a:endParaRPr lang="en-US" altLang="zh-TW" sz="2200" dirty="0"/>
           </a:p>
         </p:txBody>
       </p:sp>
     </p:spTree>
     <p:extLst>
       <p:ext uri="{BB962C8B-B14F-4D97-AF65-F5344CB8AC3E}">
-        <p14:creationId xmlns:p14="http://schemas.microsoft.com/office/powerpoint/2010/main" val="901856745"/>
+        <p14:creationId xmlns:p14="http://schemas.microsoft.com/office/powerpoint/2010/main" val="2945094954"/>
       </p:ext>
     </p:extLst>
   </p:cSld>
@@ -15368,13 +17786,6 @@
   <p:transition>
     <p:checker/>
   </p:transition>
-  <p:timing>
-    <p:tnLst>
-      <p:par>
-        <p:cTn id="1" dur="indefinite" restart="never" nodeType="tmRoot"/>
-      </p:par>
-    </p:tnLst>
-  </p:timing>
 </p:sld>
 </file>
 
@@ -15485,6 +17896,1054 @@
           <a:chExt cx="0" cy="0"/>
         </a:xfrm>
       </p:grpSpPr>
+      <p:pic>
+        <p:nvPicPr>
+          <p:cNvPr id="4" name="圖片 1">
+            <a:hlinkClick r:id="rId3"/>
+          </p:cNvPr>
+          <p:cNvPicPr>
+            <a:picLocks noChangeAspect="1"/>
+          </p:cNvPicPr>
+          <p:nvPr/>
+        </p:nvPicPr>
+        <p:blipFill rotWithShape="1">
+          <a:blip r:embed="rId4"/>
+          <a:srcRect l="40841" t="9091" r="32727"/>
+          <a:stretch/>
+        </p:blipFill>
+        <p:spPr>
+          <a:xfrm>
+            <a:off x="20" y="10"/>
+            <a:ext cx="3544890" cy="6857990"/>
+          </a:xfrm>
+          <a:prstGeom prst="rect">
+            <a:avLst/>
+          </a:prstGeom>
+        </p:spPr>
+      </p:pic>
+      <p:grpSp>
+        <p:nvGrpSpPr>
+          <p:cNvPr id="135" name="Group 134"/>
+          <p:cNvGrpSpPr>
+            <a:grpSpLocks noGrp="1" noUngrp="1" noRot="1" noChangeAspect="1" noMove="1" noResize="1"/>
+          </p:cNvGrpSpPr>
+          <p:nvPr>
+            <p:extLst>
+              <p:ext uri="{386F3935-93C4-4BCD-93E2-E3B085C9AB24}">
+                <p16:designElem xmlns:p16="http://schemas.microsoft.com/office/powerpoint/2015/main" val="1"/>
+              </p:ext>
+            </p:extLst>
+          </p:nvPr>
+        </p:nvGrpSpPr>
+        <p:grpSpPr>
+          <a:xfrm>
+            <a:off x="1717699" y="-12875"/>
+            <a:ext cx="1953297" cy="6890194"/>
+            <a:chOff x="2199787" y="-12875"/>
+            <a:chExt cx="2679011" cy="6890194"/>
+          </a:xfrm>
+        </p:grpSpPr>
+        <p:sp useBgFill="1">
+          <p:nvSpPr>
+            <p:cNvPr id="136" name="Rectangle 19"/>
+            <p:cNvSpPr/>
+            <p:nvPr>
+              <p:extLst>
+                <p:ext uri="{386F3935-93C4-4BCD-93E2-E3B085C9AB24}">
+                  <p16:designElem xmlns:p16="http://schemas.microsoft.com/office/powerpoint/2015/main" val="1"/>
+                </p:ext>
+              </p:extLst>
+            </p:nvPr>
+          </p:nvSpPr>
+          <p:spPr bwMode="white">
+            <a:xfrm>
+              <a:off x="2199787" y="-12875"/>
+              <a:ext cx="2679011" cy="5301468"/>
+            </a:xfrm>
+            <a:custGeom>
+              <a:avLst/>
+              <a:gdLst>
+                <a:gd name="connsiteX0" fmla="*/ 0 w 2570017"/>
+                <a:gd name="connsiteY0" fmla="*/ 0 h 2554287"/>
+                <a:gd name="connsiteX1" fmla="*/ 2570017 w 2570017"/>
+                <a:gd name="connsiteY1" fmla="*/ 0 h 2554287"/>
+                <a:gd name="connsiteX2" fmla="*/ 2570017 w 2570017"/>
+                <a:gd name="connsiteY2" fmla="*/ 2554287 h 2554287"/>
+                <a:gd name="connsiteX3" fmla="*/ 0 w 2570017"/>
+                <a:gd name="connsiteY3" fmla="*/ 2554287 h 2554287"/>
+                <a:gd name="connsiteX4" fmla="*/ 0 w 2570017"/>
+                <a:gd name="connsiteY4" fmla="*/ 0 h 2554287"/>
+                <a:gd name="connsiteX0" fmla="*/ 904009 w 2570017"/>
+                <a:gd name="connsiteY0" fmla="*/ 0 h 2554287"/>
+                <a:gd name="connsiteX1" fmla="*/ 2570017 w 2570017"/>
+                <a:gd name="connsiteY1" fmla="*/ 0 h 2554287"/>
+                <a:gd name="connsiteX2" fmla="*/ 2570017 w 2570017"/>
+                <a:gd name="connsiteY2" fmla="*/ 2554287 h 2554287"/>
+                <a:gd name="connsiteX3" fmla="*/ 0 w 2570017"/>
+                <a:gd name="connsiteY3" fmla="*/ 2554287 h 2554287"/>
+                <a:gd name="connsiteX4" fmla="*/ 904009 w 2570017"/>
+                <a:gd name="connsiteY4" fmla="*/ 0 h 2554287"/>
+                <a:gd name="connsiteX0" fmla="*/ 644236 w 2570017"/>
+                <a:gd name="connsiteY0" fmla="*/ 10391 h 2554287"/>
+                <a:gd name="connsiteX1" fmla="*/ 2570017 w 2570017"/>
+                <a:gd name="connsiteY1" fmla="*/ 0 h 2554287"/>
+                <a:gd name="connsiteX2" fmla="*/ 2570017 w 2570017"/>
+                <a:gd name="connsiteY2" fmla="*/ 2554287 h 2554287"/>
+                <a:gd name="connsiteX3" fmla="*/ 0 w 2570017"/>
+                <a:gd name="connsiteY3" fmla="*/ 2554287 h 2554287"/>
+                <a:gd name="connsiteX4" fmla="*/ 644236 w 2570017"/>
+                <a:gd name="connsiteY4" fmla="*/ 10391 h 2554287"/>
+                <a:gd name="connsiteX0" fmla="*/ 633845 w 2570017"/>
+                <a:gd name="connsiteY0" fmla="*/ 0 h 2554287"/>
+                <a:gd name="connsiteX1" fmla="*/ 2570017 w 2570017"/>
+                <a:gd name="connsiteY1" fmla="*/ 0 h 2554287"/>
+                <a:gd name="connsiteX2" fmla="*/ 2570017 w 2570017"/>
+                <a:gd name="connsiteY2" fmla="*/ 2554287 h 2554287"/>
+                <a:gd name="connsiteX3" fmla="*/ 0 w 2570017"/>
+                <a:gd name="connsiteY3" fmla="*/ 2554287 h 2554287"/>
+                <a:gd name="connsiteX4" fmla="*/ 633845 w 2570017"/>
+                <a:gd name="connsiteY4" fmla="*/ 0 h 2554287"/>
+                <a:gd name="connsiteX0" fmla="*/ 675409 w 2611581"/>
+                <a:gd name="connsiteY0" fmla="*/ 0 h 2554287"/>
+                <a:gd name="connsiteX1" fmla="*/ 2611581 w 2611581"/>
+                <a:gd name="connsiteY1" fmla="*/ 0 h 2554287"/>
+                <a:gd name="connsiteX2" fmla="*/ 2611581 w 2611581"/>
+                <a:gd name="connsiteY2" fmla="*/ 2554287 h 2554287"/>
+                <a:gd name="connsiteX3" fmla="*/ 0 w 2611581"/>
+                <a:gd name="connsiteY3" fmla="*/ 2554287 h 2554287"/>
+                <a:gd name="connsiteX4" fmla="*/ 675409 w 2611581"/>
+                <a:gd name="connsiteY4" fmla="*/ 0 h 2554287"/>
+                <a:gd name="connsiteX0" fmla="*/ 650979 w 2587151"/>
+                <a:gd name="connsiteY0" fmla="*/ 0 h 2554287"/>
+                <a:gd name="connsiteX1" fmla="*/ 2587151 w 2587151"/>
+                <a:gd name="connsiteY1" fmla="*/ 0 h 2554287"/>
+                <a:gd name="connsiteX2" fmla="*/ 2587151 w 2587151"/>
+                <a:gd name="connsiteY2" fmla="*/ 2554287 h 2554287"/>
+                <a:gd name="connsiteX3" fmla="*/ 0 w 2587151"/>
+                <a:gd name="connsiteY3" fmla="*/ 2548595 h 2554287"/>
+                <a:gd name="connsiteX4" fmla="*/ 650979 w 2587151"/>
+                <a:gd name="connsiteY4" fmla="*/ 0 h 2554287"/>
+                <a:gd name="connsiteX0" fmla="*/ 730379 w 2587151"/>
+                <a:gd name="connsiteY0" fmla="*/ 5692 h 2554287"/>
+                <a:gd name="connsiteX1" fmla="*/ 2587151 w 2587151"/>
+                <a:gd name="connsiteY1" fmla="*/ 0 h 2554287"/>
+                <a:gd name="connsiteX2" fmla="*/ 2587151 w 2587151"/>
+                <a:gd name="connsiteY2" fmla="*/ 2554287 h 2554287"/>
+                <a:gd name="connsiteX3" fmla="*/ 0 w 2587151"/>
+                <a:gd name="connsiteY3" fmla="*/ 2548595 h 2554287"/>
+                <a:gd name="connsiteX4" fmla="*/ 730379 w 2587151"/>
+                <a:gd name="connsiteY4" fmla="*/ 5692 h 2554287"/>
+                <a:gd name="connsiteX0" fmla="*/ 864750 w 2587151"/>
+                <a:gd name="connsiteY0" fmla="*/ 2847 h 2554287"/>
+                <a:gd name="connsiteX1" fmla="*/ 2587151 w 2587151"/>
+                <a:gd name="connsiteY1" fmla="*/ 0 h 2554287"/>
+                <a:gd name="connsiteX2" fmla="*/ 2587151 w 2587151"/>
+                <a:gd name="connsiteY2" fmla="*/ 2554287 h 2554287"/>
+                <a:gd name="connsiteX3" fmla="*/ 0 w 2587151"/>
+                <a:gd name="connsiteY3" fmla="*/ 2548595 h 2554287"/>
+                <a:gd name="connsiteX4" fmla="*/ 864750 w 2587151"/>
+                <a:gd name="connsiteY4" fmla="*/ 2847 h 2554287"/>
+                <a:gd name="connsiteX0" fmla="*/ 883073 w 2587151"/>
+                <a:gd name="connsiteY0" fmla="*/ 1 h 2554287"/>
+                <a:gd name="connsiteX1" fmla="*/ 2587151 w 2587151"/>
+                <a:gd name="connsiteY1" fmla="*/ 0 h 2554287"/>
+                <a:gd name="connsiteX2" fmla="*/ 2587151 w 2587151"/>
+                <a:gd name="connsiteY2" fmla="*/ 2554287 h 2554287"/>
+                <a:gd name="connsiteX3" fmla="*/ 0 w 2587151"/>
+                <a:gd name="connsiteY3" fmla="*/ 2548595 h 2554287"/>
+                <a:gd name="connsiteX4" fmla="*/ 883073 w 2587151"/>
+                <a:gd name="connsiteY4" fmla="*/ 1 h 2554287"/>
+                <a:gd name="connsiteX0" fmla="*/ 895288 w 2599366"/>
+                <a:gd name="connsiteY0" fmla="*/ 1 h 2554287"/>
+                <a:gd name="connsiteX1" fmla="*/ 2599366 w 2599366"/>
+                <a:gd name="connsiteY1" fmla="*/ 0 h 2554287"/>
+                <a:gd name="connsiteX2" fmla="*/ 2599366 w 2599366"/>
+                <a:gd name="connsiteY2" fmla="*/ 2554287 h 2554287"/>
+                <a:gd name="connsiteX3" fmla="*/ 0 w 2599366"/>
+                <a:gd name="connsiteY3" fmla="*/ 2542904 h 2554287"/>
+                <a:gd name="connsiteX4" fmla="*/ 895288 w 2599366"/>
+                <a:gd name="connsiteY4" fmla="*/ 1 h 2554287"/>
+                <a:gd name="connsiteX0" fmla="*/ 895288 w 2599366"/>
+                <a:gd name="connsiteY0" fmla="*/ 1 h 2554287"/>
+                <a:gd name="connsiteX1" fmla="*/ 2599366 w 2599366"/>
+                <a:gd name="connsiteY1" fmla="*/ 0 h 2554287"/>
+                <a:gd name="connsiteX2" fmla="*/ 2599366 w 2599366"/>
+                <a:gd name="connsiteY2" fmla="*/ 2554287 h 2554287"/>
+                <a:gd name="connsiteX3" fmla="*/ 0 w 2599366"/>
+                <a:gd name="connsiteY3" fmla="*/ 2542904 h 2554287"/>
+                <a:gd name="connsiteX4" fmla="*/ 895288 w 2599366"/>
+                <a:gd name="connsiteY4" fmla="*/ 1 h 2554287"/>
+                <a:gd name="connsiteX0" fmla="*/ 895288 w 2611581"/>
+                <a:gd name="connsiteY0" fmla="*/ 1 h 2565670"/>
+                <a:gd name="connsiteX1" fmla="*/ 2599366 w 2611581"/>
+                <a:gd name="connsiteY1" fmla="*/ 0 h 2565670"/>
+                <a:gd name="connsiteX2" fmla="*/ 2611581 w 2611581"/>
+                <a:gd name="connsiteY2" fmla="*/ 2565670 h 2565670"/>
+                <a:gd name="connsiteX3" fmla="*/ 0 w 2611581"/>
+                <a:gd name="connsiteY3" fmla="*/ 2542904 h 2565670"/>
+                <a:gd name="connsiteX4" fmla="*/ 895288 w 2611581"/>
+                <a:gd name="connsiteY4" fmla="*/ 1 h 2565670"/>
+                <a:gd name="connsiteX0" fmla="*/ 895288 w 2611581"/>
+                <a:gd name="connsiteY0" fmla="*/ 1 h 2565670"/>
+                <a:gd name="connsiteX1" fmla="*/ 2599366 w 2611581"/>
+                <a:gd name="connsiteY1" fmla="*/ 0 h 2565670"/>
+                <a:gd name="connsiteX2" fmla="*/ 2611581 w 2611581"/>
+                <a:gd name="connsiteY2" fmla="*/ 2565670 h 2565670"/>
+                <a:gd name="connsiteX3" fmla="*/ 0 w 2611581"/>
+                <a:gd name="connsiteY3" fmla="*/ 2542904 h 2565670"/>
+                <a:gd name="connsiteX4" fmla="*/ 895288 w 2611581"/>
+                <a:gd name="connsiteY4" fmla="*/ 1 h 2565670"/>
+                <a:gd name="connsiteX0" fmla="*/ 895288 w 2611581"/>
+                <a:gd name="connsiteY0" fmla="*/ 1 h 2565670"/>
+                <a:gd name="connsiteX1" fmla="*/ 2599366 w 2611581"/>
+                <a:gd name="connsiteY1" fmla="*/ 0 h 2565670"/>
+                <a:gd name="connsiteX2" fmla="*/ 2611581 w 2611581"/>
+                <a:gd name="connsiteY2" fmla="*/ 2565670 h 2565670"/>
+                <a:gd name="connsiteX3" fmla="*/ 0 w 2611581"/>
+                <a:gd name="connsiteY3" fmla="*/ 2545750 h 2565670"/>
+                <a:gd name="connsiteX4" fmla="*/ 895288 w 2611581"/>
+                <a:gd name="connsiteY4" fmla="*/ 1 h 2565670"/>
+                <a:gd name="connsiteX0" fmla="*/ 1544433 w 3260726"/>
+                <a:gd name="connsiteY0" fmla="*/ 1 h 2565670"/>
+                <a:gd name="connsiteX1" fmla="*/ 3248511 w 3260726"/>
+                <a:gd name="connsiteY1" fmla="*/ 0 h 2565670"/>
+                <a:gd name="connsiteX2" fmla="*/ 3260726 w 3260726"/>
+                <a:gd name="connsiteY2" fmla="*/ 2565670 h 2565670"/>
+                <a:gd name="connsiteX3" fmla="*/ 0 w 3260726"/>
+                <a:gd name="connsiteY3" fmla="*/ 2521058 h 2565670"/>
+                <a:gd name="connsiteX4" fmla="*/ 1544433 w 3260726"/>
+                <a:gd name="connsiteY4" fmla="*/ 1 h 2565670"/>
+                <a:gd name="connsiteX0" fmla="*/ 921784 w 3260726"/>
+                <a:gd name="connsiteY0" fmla="*/ 12347 h 2565670"/>
+                <a:gd name="connsiteX1" fmla="*/ 3248511 w 3260726"/>
+                <a:gd name="connsiteY1" fmla="*/ 0 h 2565670"/>
+                <a:gd name="connsiteX2" fmla="*/ 3260726 w 3260726"/>
+                <a:gd name="connsiteY2" fmla="*/ 2565670 h 2565670"/>
+                <a:gd name="connsiteX3" fmla="*/ 0 w 3260726"/>
+                <a:gd name="connsiteY3" fmla="*/ 2521058 h 2565670"/>
+                <a:gd name="connsiteX4" fmla="*/ 921784 w 3260726"/>
+                <a:gd name="connsiteY4" fmla="*/ 12347 h 2565670"/>
+                <a:gd name="connsiteX0" fmla="*/ 921784 w 3260726"/>
+                <a:gd name="connsiteY0" fmla="*/ 12347 h 2565670"/>
+                <a:gd name="connsiteX1" fmla="*/ 2321160 w 3260726"/>
+                <a:gd name="connsiteY1" fmla="*/ 0 h 2565670"/>
+                <a:gd name="connsiteX2" fmla="*/ 3260726 w 3260726"/>
+                <a:gd name="connsiteY2" fmla="*/ 2565670 h 2565670"/>
+                <a:gd name="connsiteX3" fmla="*/ 0 w 3260726"/>
+                <a:gd name="connsiteY3" fmla="*/ 2521058 h 2565670"/>
+                <a:gd name="connsiteX4" fmla="*/ 921784 w 3260726"/>
+                <a:gd name="connsiteY4" fmla="*/ 12347 h 2565670"/>
+                <a:gd name="connsiteX0" fmla="*/ 921784 w 2322228"/>
+                <a:gd name="connsiteY0" fmla="*/ 12347 h 2565670"/>
+                <a:gd name="connsiteX1" fmla="*/ 2321160 w 2322228"/>
+                <a:gd name="connsiteY1" fmla="*/ 0 h 2565670"/>
+                <a:gd name="connsiteX2" fmla="*/ 2320129 w 2322228"/>
+                <a:gd name="connsiteY2" fmla="*/ 2565670 h 2565670"/>
+                <a:gd name="connsiteX3" fmla="*/ 0 w 2322228"/>
+                <a:gd name="connsiteY3" fmla="*/ 2521058 h 2565670"/>
+                <a:gd name="connsiteX4" fmla="*/ 921784 w 2322228"/>
+                <a:gd name="connsiteY4" fmla="*/ 12347 h 2565670"/>
+                <a:gd name="connsiteX0" fmla="*/ 921784 w 2322228"/>
+                <a:gd name="connsiteY0" fmla="*/ 0 h 2571841"/>
+                <a:gd name="connsiteX1" fmla="*/ 2321160 w 2322228"/>
+                <a:gd name="connsiteY1" fmla="*/ 6171 h 2571841"/>
+                <a:gd name="connsiteX2" fmla="*/ 2320129 w 2322228"/>
+                <a:gd name="connsiteY2" fmla="*/ 2571841 h 2571841"/>
+                <a:gd name="connsiteX3" fmla="*/ 0 w 2322228"/>
+                <a:gd name="connsiteY3" fmla="*/ 2527229 h 2571841"/>
+                <a:gd name="connsiteX4" fmla="*/ 921784 w 2322228"/>
+                <a:gd name="connsiteY4" fmla="*/ 0 h 2571841"/>
+                <a:gd name="connsiteX0" fmla="*/ 921784 w 2611583"/>
+                <a:gd name="connsiteY0" fmla="*/ 0 h 2540977"/>
+                <a:gd name="connsiteX1" fmla="*/ 2321160 w 2611583"/>
+                <a:gd name="connsiteY1" fmla="*/ 6171 h 2540977"/>
+                <a:gd name="connsiteX2" fmla="*/ 2611583 w 2611583"/>
+                <a:gd name="connsiteY2" fmla="*/ 2540977 h 2540977"/>
+                <a:gd name="connsiteX3" fmla="*/ 0 w 2611583"/>
+                <a:gd name="connsiteY3" fmla="*/ 2527229 h 2540977"/>
+                <a:gd name="connsiteX4" fmla="*/ 921784 w 2611583"/>
+                <a:gd name="connsiteY4" fmla="*/ 0 h 2540977"/>
+                <a:gd name="connsiteX0" fmla="*/ 921784 w 2611583"/>
+                <a:gd name="connsiteY0" fmla="*/ 2 h 2540979"/>
+                <a:gd name="connsiteX1" fmla="*/ 2572870 w 2611583"/>
+                <a:gd name="connsiteY1" fmla="*/ 0 h 2540979"/>
+                <a:gd name="connsiteX2" fmla="*/ 2611583 w 2611583"/>
+                <a:gd name="connsiteY2" fmla="*/ 2540979 h 2540979"/>
+                <a:gd name="connsiteX3" fmla="*/ 0 w 2611583"/>
+                <a:gd name="connsiteY3" fmla="*/ 2527231 h 2540979"/>
+                <a:gd name="connsiteX4" fmla="*/ 921784 w 2611583"/>
+                <a:gd name="connsiteY4" fmla="*/ 2 h 2540979"/>
+                <a:gd name="connsiteX0" fmla="*/ 921784 w 2705467"/>
+                <a:gd name="connsiteY0" fmla="*/ 0 h 2540977"/>
+                <a:gd name="connsiteX1" fmla="*/ 2705349 w 2705467"/>
+                <a:gd name="connsiteY1" fmla="*/ 6171 h 2540977"/>
+                <a:gd name="connsiteX2" fmla="*/ 2611583 w 2705467"/>
+                <a:gd name="connsiteY2" fmla="*/ 2540977 h 2540977"/>
+                <a:gd name="connsiteX3" fmla="*/ 0 w 2705467"/>
+                <a:gd name="connsiteY3" fmla="*/ 2527229 h 2540977"/>
+                <a:gd name="connsiteX4" fmla="*/ 921784 w 2705467"/>
+                <a:gd name="connsiteY4" fmla="*/ 0 h 2540977"/>
+                <a:gd name="connsiteX0" fmla="*/ 921784 w 2718702"/>
+                <a:gd name="connsiteY0" fmla="*/ 2 h 2540979"/>
+                <a:gd name="connsiteX1" fmla="*/ 2718597 w 2718702"/>
+                <a:gd name="connsiteY1" fmla="*/ 0 h 2540979"/>
+                <a:gd name="connsiteX2" fmla="*/ 2611583 w 2718702"/>
+                <a:gd name="connsiteY2" fmla="*/ 2540979 h 2540979"/>
+                <a:gd name="connsiteX3" fmla="*/ 0 w 2718702"/>
+                <a:gd name="connsiteY3" fmla="*/ 2527231 h 2540979"/>
+                <a:gd name="connsiteX4" fmla="*/ 921784 w 2718702"/>
+                <a:gd name="connsiteY4" fmla="*/ 2 h 2540979"/>
+                <a:gd name="connsiteX0" fmla="*/ 921784 w 2679012"/>
+                <a:gd name="connsiteY0" fmla="*/ 0 h 2540977"/>
+                <a:gd name="connsiteX1" fmla="*/ 2678853 w 2679012"/>
+                <a:gd name="connsiteY1" fmla="*/ 6171 h 2540977"/>
+                <a:gd name="connsiteX2" fmla="*/ 2611583 w 2679012"/>
+                <a:gd name="connsiteY2" fmla="*/ 2540977 h 2540977"/>
+                <a:gd name="connsiteX3" fmla="*/ 0 w 2679012"/>
+                <a:gd name="connsiteY3" fmla="*/ 2527229 h 2540977"/>
+                <a:gd name="connsiteX4" fmla="*/ 921784 w 2679012"/>
+                <a:gd name="connsiteY4" fmla="*/ 0 h 2540977"/>
+              </a:gdLst>
+              <a:ahLst/>
+              <a:cxnLst>
+                <a:cxn ang="0">
+                  <a:pos x="connsiteX0" y="connsiteY0"/>
+                </a:cxn>
+                <a:cxn ang="0">
+                  <a:pos x="connsiteX1" y="connsiteY1"/>
+                </a:cxn>
+                <a:cxn ang="0">
+                  <a:pos x="connsiteX2" y="connsiteY2"/>
+                </a:cxn>
+                <a:cxn ang="0">
+                  <a:pos x="connsiteX3" y="connsiteY3"/>
+                </a:cxn>
+                <a:cxn ang="0">
+                  <a:pos x="connsiteX4" y="connsiteY4"/>
+                </a:cxn>
+              </a:cxnLst>
+              <a:rect l="l" t="t" r="r" b="b"/>
+              <a:pathLst>
+                <a:path w="2679012" h="2540977">
+                  <a:moveTo>
+                    <a:pt x="921784" y="0"/>
+                  </a:moveTo>
+                  <a:lnTo>
+                    <a:pt x="2678853" y="6171"/>
+                  </a:lnTo>
+                  <a:cubicBezTo>
+                    <a:pt x="2682925" y="861394"/>
+                    <a:pt x="2607511" y="1685754"/>
+                    <a:pt x="2611583" y="2540977"/>
+                  </a:cubicBezTo>
+                  <a:lnTo>
+                    <a:pt x="0" y="2527229"/>
+                  </a:lnTo>
+                  <a:lnTo>
+                    <a:pt x="921784" y="0"/>
+                  </a:lnTo>
+                  <a:close/>
+                </a:path>
+              </a:pathLst>
+            </a:custGeom>
+            <a:blipFill rotWithShape="0">
+              <a:blip r:embed="rId5">
+                <a:duotone>
+                  <a:schemeClr val="bg2">
+                    <a:shade val="76000"/>
+                    <a:satMod val="180000"/>
+                  </a:schemeClr>
+                  <a:schemeClr val="bg2">
+                    <a:tint val="80000"/>
+                    <a:satMod val="120000"/>
+                    <a:lumMod val="180000"/>
+                  </a:schemeClr>
+                </a:duotone>
+              </a:blip>
+              <a:stretch>
+                <a:fillRect l="-114598" r="-265621" b="-28686"/>
+              </a:stretch>
+            </a:blipFill>
+            <a:ln>
+              <a:noFill/>
+            </a:ln>
+          </p:spPr>
+          <p:style>
+            <a:lnRef idx="2">
+              <a:schemeClr val="accent1">
+                <a:shade val="50000"/>
+              </a:schemeClr>
+            </a:lnRef>
+            <a:fillRef idx="1">
+              <a:schemeClr val="accent1"/>
+            </a:fillRef>
+            <a:effectRef idx="0">
+              <a:schemeClr val="accent1"/>
+            </a:effectRef>
+            <a:fontRef idx="minor">
+              <a:schemeClr val="lt1"/>
+            </a:fontRef>
+          </p:style>
+          <p:txBody>
+            <a:bodyPr rtlCol="0" anchor="ctr"/>
+            <a:lstStyle/>
+            <a:p>
+              <a:pPr algn="ctr"/>
+              <a:endParaRPr lang="en-US"/>
+            </a:p>
+          </p:txBody>
+        </p:sp>
+        <p:sp useBgFill="1">
+          <p:nvSpPr>
+            <p:cNvPr id="137" name="Rectangle 20"/>
+            <p:cNvSpPr/>
+            <p:nvPr>
+              <p:extLst>
+                <p:ext uri="{386F3935-93C4-4BCD-93E2-E3B085C9AB24}">
+                  <p16:designElem xmlns:p16="http://schemas.microsoft.com/office/powerpoint/2015/main" val="1"/>
+                </p:ext>
+              </p:extLst>
+            </p:nvPr>
+          </p:nvSpPr>
+          <p:spPr bwMode="white">
+            <a:xfrm>
+              <a:off x="2211875" y="5257482"/>
+              <a:ext cx="2586931" cy="1619837"/>
+            </a:xfrm>
+            <a:custGeom>
+              <a:avLst/>
+              <a:gdLst>
+                <a:gd name="connsiteX0" fmla="*/ 0 w 2611581"/>
+                <a:gd name="connsiteY0" fmla="*/ 0 h 4303713"/>
+                <a:gd name="connsiteX1" fmla="*/ 2611581 w 2611581"/>
+                <a:gd name="connsiteY1" fmla="*/ 0 h 4303713"/>
+                <a:gd name="connsiteX2" fmla="*/ 2611581 w 2611581"/>
+                <a:gd name="connsiteY2" fmla="*/ 4303713 h 4303713"/>
+                <a:gd name="connsiteX3" fmla="*/ 0 w 2611581"/>
+                <a:gd name="connsiteY3" fmla="*/ 4303713 h 4303713"/>
+                <a:gd name="connsiteX4" fmla="*/ 0 w 2611581"/>
+                <a:gd name="connsiteY4" fmla="*/ 0 h 4303713"/>
+                <a:gd name="connsiteX0" fmla="*/ 0 w 2611581"/>
+                <a:gd name="connsiteY0" fmla="*/ 0 h 4314104"/>
+                <a:gd name="connsiteX1" fmla="*/ 2611581 w 2611581"/>
+                <a:gd name="connsiteY1" fmla="*/ 0 h 4314104"/>
+                <a:gd name="connsiteX2" fmla="*/ 2611581 w 2611581"/>
+                <a:gd name="connsiteY2" fmla="*/ 4303713 h 4314104"/>
+                <a:gd name="connsiteX3" fmla="*/ 1693718 w 2611581"/>
+                <a:gd name="connsiteY3" fmla="*/ 4314104 h 4314104"/>
+                <a:gd name="connsiteX4" fmla="*/ 0 w 2611581"/>
+                <a:gd name="connsiteY4" fmla="*/ 0 h 4314104"/>
+                <a:gd name="connsiteX0" fmla="*/ 0 w 2611581"/>
+                <a:gd name="connsiteY0" fmla="*/ 0 h 4314104"/>
+                <a:gd name="connsiteX1" fmla="*/ 2611581 w 2611581"/>
+                <a:gd name="connsiteY1" fmla="*/ 0 h 4314104"/>
+                <a:gd name="connsiteX2" fmla="*/ 2611581 w 2611581"/>
+                <a:gd name="connsiteY2" fmla="*/ 4303713 h 4314104"/>
+                <a:gd name="connsiteX3" fmla="*/ 1963882 w 2611581"/>
+                <a:gd name="connsiteY3" fmla="*/ 4314104 h 4314104"/>
+                <a:gd name="connsiteX4" fmla="*/ 0 w 2611581"/>
+                <a:gd name="connsiteY4" fmla="*/ 0 h 4314104"/>
+                <a:gd name="connsiteX0" fmla="*/ 0 w 2611581"/>
+                <a:gd name="connsiteY0" fmla="*/ 0 h 4303713"/>
+                <a:gd name="connsiteX1" fmla="*/ 2611581 w 2611581"/>
+                <a:gd name="connsiteY1" fmla="*/ 0 h 4303713"/>
+                <a:gd name="connsiteX2" fmla="*/ 2611581 w 2611581"/>
+                <a:gd name="connsiteY2" fmla="*/ 4303713 h 4303713"/>
+                <a:gd name="connsiteX3" fmla="*/ 2213264 w 2611581"/>
+                <a:gd name="connsiteY3" fmla="*/ 4293322 h 4303713"/>
+                <a:gd name="connsiteX4" fmla="*/ 0 w 2611581"/>
+                <a:gd name="connsiteY4" fmla="*/ 0 h 4303713"/>
+                <a:gd name="connsiteX0" fmla="*/ 0 w 2611581"/>
+                <a:gd name="connsiteY0" fmla="*/ 0 h 4303713"/>
+                <a:gd name="connsiteX1" fmla="*/ 2611581 w 2611581"/>
+                <a:gd name="connsiteY1" fmla="*/ 0 h 4303713"/>
+                <a:gd name="connsiteX2" fmla="*/ 2611581 w 2611581"/>
+                <a:gd name="connsiteY2" fmla="*/ 4303713 h 4303713"/>
+                <a:gd name="connsiteX3" fmla="*/ 2171701 w 2611581"/>
+                <a:gd name="connsiteY3" fmla="*/ 3638695 h 4303713"/>
+                <a:gd name="connsiteX4" fmla="*/ 0 w 2611581"/>
+                <a:gd name="connsiteY4" fmla="*/ 0 h 4303713"/>
+                <a:gd name="connsiteX0" fmla="*/ 0 w 2720934"/>
+                <a:gd name="connsiteY0" fmla="*/ 268283 h 4303713"/>
+                <a:gd name="connsiteX1" fmla="*/ 2720934 w 2720934"/>
+                <a:gd name="connsiteY1" fmla="*/ 0 h 4303713"/>
+                <a:gd name="connsiteX2" fmla="*/ 2720934 w 2720934"/>
+                <a:gd name="connsiteY2" fmla="*/ 4303713 h 4303713"/>
+                <a:gd name="connsiteX3" fmla="*/ 2281054 w 2720934"/>
+                <a:gd name="connsiteY3" fmla="*/ 3638695 h 4303713"/>
+                <a:gd name="connsiteX4" fmla="*/ 0 w 2720934"/>
+                <a:gd name="connsiteY4" fmla="*/ 268283 h 4303713"/>
+                <a:gd name="connsiteX0" fmla="*/ 0 w 2720934"/>
+                <a:gd name="connsiteY0" fmla="*/ 268283 h 4303713"/>
+                <a:gd name="connsiteX1" fmla="*/ 2720934 w 2720934"/>
+                <a:gd name="connsiteY1" fmla="*/ 0 h 4303713"/>
+                <a:gd name="connsiteX2" fmla="*/ 2720934 w 2720934"/>
+                <a:gd name="connsiteY2" fmla="*/ 4303713 h 4303713"/>
+                <a:gd name="connsiteX3" fmla="*/ 2264231 w 2720934"/>
+                <a:gd name="connsiteY3" fmla="*/ 3717600 h 4303713"/>
+                <a:gd name="connsiteX4" fmla="*/ 0 w 2720934"/>
+                <a:gd name="connsiteY4" fmla="*/ 268283 h 4303713"/>
+                <a:gd name="connsiteX0" fmla="*/ 0 w 2720934"/>
+                <a:gd name="connsiteY0" fmla="*/ 268283 h 4335275"/>
+                <a:gd name="connsiteX1" fmla="*/ 2720934 w 2720934"/>
+                <a:gd name="connsiteY1" fmla="*/ 0 h 4335275"/>
+                <a:gd name="connsiteX2" fmla="*/ 2653639 w 2720934"/>
+                <a:gd name="connsiteY2" fmla="*/ 4335275 h 4335275"/>
+                <a:gd name="connsiteX3" fmla="*/ 2264231 w 2720934"/>
+                <a:gd name="connsiteY3" fmla="*/ 3717600 h 4335275"/>
+                <a:gd name="connsiteX4" fmla="*/ 0 w 2720934"/>
+                <a:gd name="connsiteY4" fmla="*/ 268283 h 4335275"/>
+                <a:gd name="connsiteX0" fmla="*/ 0 w 2737757"/>
+                <a:gd name="connsiteY0" fmla="*/ 236721 h 4335275"/>
+                <a:gd name="connsiteX1" fmla="*/ 2737757 w 2737757"/>
+                <a:gd name="connsiteY1" fmla="*/ 0 h 4335275"/>
+                <a:gd name="connsiteX2" fmla="*/ 2670462 w 2737757"/>
+                <a:gd name="connsiteY2" fmla="*/ 4335275 h 4335275"/>
+                <a:gd name="connsiteX3" fmla="*/ 2281054 w 2737757"/>
+                <a:gd name="connsiteY3" fmla="*/ 3717600 h 4335275"/>
+                <a:gd name="connsiteX4" fmla="*/ 0 w 2737757"/>
+                <a:gd name="connsiteY4" fmla="*/ 236721 h 4335275"/>
+                <a:gd name="connsiteX0" fmla="*/ 0 w 2729346"/>
+                <a:gd name="connsiteY0" fmla="*/ 0 h 4098554"/>
+                <a:gd name="connsiteX1" fmla="*/ 2729346 w 2729346"/>
+                <a:gd name="connsiteY1" fmla="*/ 126250 h 4098554"/>
+                <a:gd name="connsiteX2" fmla="*/ 2670462 w 2729346"/>
+                <a:gd name="connsiteY2" fmla="*/ 4098554 h 4098554"/>
+                <a:gd name="connsiteX3" fmla="*/ 2281054 w 2729346"/>
+                <a:gd name="connsiteY3" fmla="*/ 3480879 h 4098554"/>
+                <a:gd name="connsiteX4" fmla="*/ 0 w 2729346"/>
+                <a:gd name="connsiteY4" fmla="*/ 0 h 4098554"/>
+                <a:gd name="connsiteX0" fmla="*/ 0 w 2720934"/>
+                <a:gd name="connsiteY0" fmla="*/ 0 h 4098554"/>
+                <a:gd name="connsiteX1" fmla="*/ 2720934 w 2720934"/>
+                <a:gd name="connsiteY1" fmla="*/ 31562 h 4098554"/>
+                <a:gd name="connsiteX2" fmla="*/ 2670462 w 2720934"/>
+                <a:gd name="connsiteY2" fmla="*/ 4098554 h 4098554"/>
+                <a:gd name="connsiteX3" fmla="*/ 2281054 w 2720934"/>
+                <a:gd name="connsiteY3" fmla="*/ 3480879 h 4098554"/>
+                <a:gd name="connsiteX4" fmla="*/ 0 w 2720934"/>
+                <a:gd name="connsiteY4" fmla="*/ 0 h 4098554"/>
+                <a:gd name="connsiteX0" fmla="*/ 0 w 2720934"/>
+                <a:gd name="connsiteY0" fmla="*/ 15782 h 4114336"/>
+                <a:gd name="connsiteX1" fmla="*/ 2720934 w 2720934"/>
+                <a:gd name="connsiteY1" fmla="*/ 0 h 4114336"/>
+                <a:gd name="connsiteX2" fmla="*/ 2670462 w 2720934"/>
+                <a:gd name="connsiteY2" fmla="*/ 4114336 h 4114336"/>
+                <a:gd name="connsiteX3" fmla="*/ 2281054 w 2720934"/>
+                <a:gd name="connsiteY3" fmla="*/ 3496661 h 4114336"/>
+                <a:gd name="connsiteX4" fmla="*/ 0 w 2720934"/>
+                <a:gd name="connsiteY4" fmla="*/ 15782 h 4114336"/>
+                <a:gd name="connsiteX0" fmla="*/ 0 w 2820289"/>
+                <a:gd name="connsiteY0" fmla="*/ 15782 h 4114336"/>
+                <a:gd name="connsiteX1" fmla="*/ 2820289 w 2820289"/>
+                <a:gd name="connsiteY1" fmla="*/ 0 h 4114336"/>
+                <a:gd name="connsiteX2" fmla="*/ 2769817 w 2820289"/>
+                <a:gd name="connsiteY2" fmla="*/ 4114336 h 4114336"/>
+                <a:gd name="connsiteX3" fmla="*/ 2380409 w 2820289"/>
+                <a:gd name="connsiteY3" fmla="*/ 3496661 h 4114336"/>
+                <a:gd name="connsiteX4" fmla="*/ 0 w 2820289"/>
+                <a:gd name="connsiteY4" fmla="*/ 15782 h 4114336"/>
+                <a:gd name="connsiteX0" fmla="*/ 0 w 2820289"/>
+                <a:gd name="connsiteY0" fmla="*/ 15782 h 4114336"/>
+                <a:gd name="connsiteX1" fmla="*/ 2820289 w 2820289"/>
+                <a:gd name="connsiteY1" fmla="*/ 0 h 4114336"/>
+                <a:gd name="connsiteX2" fmla="*/ 2769817 w 2820289"/>
+                <a:gd name="connsiteY2" fmla="*/ 4114336 h 4114336"/>
+                <a:gd name="connsiteX3" fmla="*/ 2362876 w 2820289"/>
+                <a:gd name="connsiteY3" fmla="*/ 3517980 h 4114336"/>
+                <a:gd name="connsiteX4" fmla="*/ 0 w 2820289"/>
+                <a:gd name="connsiteY4" fmla="*/ 15782 h 4114336"/>
+                <a:gd name="connsiteX0" fmla="*/ 0 w 2820289"/>
+                <a:gd name="connsiteY0" fmla="*/ 15782 h 4114336"/>
+                <a:gd name="connsiteX1" fmla="*/ 2820289 w 2820289"/>
+                <a:gd name="connsiteY1" fmla="*/ 0 h 4114336"/>
+                <a:gd name="connsiteX2" fmla="*/ 2763972 w 2820289"/>
+                <a:gd name="connsiteY2" fmla="*/ 4114336 h 4114336"/>
+                <a:gd name="connsiteX3" fmla="*/ 2362876 w 2820289"/>
+                <a:gd name="connsiteY3" fmla="*/ 3517980 h 4114336"/>
+                <a:gd name="connsiteX4" fmla="*/ 0 w 2820289"/>
+                <a:gd name="connsiteY4" fmla="*/ 15782 h 4114336"/>
+                <a:gd name="connsiteX0" fmla="*/ 0 w 3721149"/>
+                <a:gd name="connsiteY0" fmla="*/ 0 h 4269703"/>
+                <a:gd name="connsiteX1" fmla="*/ 3721149 w 3721149"/>
+                <a:gd name="connsiteY1" fmla="*/ 155367 h 4269703"/>
+                <a:gd name="connsiteX2" fmla="*/ 3664832 w 3721149"/>
+                <a:gd name="connsiteY2" fmla="*/ 4269703 h 4269703"/>
+                <a:gd name="connsiteX3" fmla="*/ 3263736 w 3721149"/>
+                <a:gd name="connsiteY3" fmla="*/ 3673347 h 4269703"/>
+                <a:gd name="connsiteX4" fmla="*/ 0 w 3721149"/>
+                <a:gd name="connsiteY4" fmla="*/ 0 h 4269703"/>
+                <a:gd name="connsiteX0" fmla="*/ 0 w 3721149"/>
+                <a:gd name="connsiteY0" fmla="*/ 0 h 4289488"/>
+                <a:gd name="connsiteX1" fmla="*/ 3721149 w 3721149"/>
+                <a:gd name="connsiteY1" fmla="*/ 155367 h 4289488"/>
+                <a:gd name="connsiteX2" fmla="*/ 3664832 w 3721149"/>
+                <a:gd name="connsiteY2" fmla="*/ 4269703 h 4289488"/>
+                <a:gd name="connsiteX3" fmla="*/ 1705997 w 3721149"/>
+                <a:gd name="connsiteY3" fmla="*/ 4289488 h 4289488"/>
+                <a:gd name="connsiteX4" fmla="*/ 0 w 3721149"/>
+                <a:gd name="connsiteY4" fmla="*/ 0 h 4289488"/>
+                <a:gd name="connsiteX0" fmla="*/ 0 w 3664846"/>
+                <a:gd name="connsiteY0" fmla="*/ 15785 h 4305273"/>
+                <a:gd name="connsiteX1" fmla="*/ 3664846 w 3664846"/>
+                <a:gd name="connsiteY1" fmla="*/ 0 h 4305273"/>
+                <a:gd name="connsiteX2" fmla="*/ 3664832 w 3664846"/>
+                <a:gd name="connsiteY2" fmla="*/ 4285488 h 4305273"/>
+                <a:gd name="connsiteX3" fmla="*/ 1705997 w 3664846"/>
+                <a:gd name="connsiteY3" fmla="*/ 4305273 h 4305273"/>
+                <a:gd name="connsiteX4" fmla="*/ 0 w 3664846"/>
+                <a:gd name="connsiteY4" fmla="*/ 15785 h 4305273"/>
+              </a:gdLst>
+              <a:ahLst/>
+              <a:cxnLst>
+                <a:cxn ang="0">
+                  <a:pos x="connsiteX0" y="connsiteY0"/>
+                </a:cxn>
+                <a:cxn ang="0">
+                  <a:pos x="connsiteX1" y="connsiteY1"/>
+                </a:cxn>
+                <a:cxn ang="0">
+                  <a:pos x="connsiteX2" y="connsiteY2"/>
+                </a:cxn>
+                <a:cxn ang="0">
+                  <a:pos x="connsiteX3" y="connsiteY3"/>
+                </a:cxn>
+                <a:cxn ang="0">
+                  <a:pos x="connsiteX4" y="connsiteY4"/>
+                </a:cxn>
+              </a:cxnLst>
+              <a:rect l="l" t="t" r="r" b="b"/>
+              <a:pathLst>
+                <a:path w="3664846" h="4305273">
+                  <a:moveTo>
+                    <a:pt x="0" y="15785"/>
+                  </a:moveTo>
+                  <a:lnTo>
+                    <a:pt x="3664846" y="0"/>
+                  </a:lnTo>
+                  <a:cubicBezTo>
+                    <a:pt x="3664841" y="1428496"/>
+                    <a:pt x="3664837" y="2856992"/>
+                    <a:pt x="3664832" y="4285488"/>
+                  </a:cubicBezTo>
+                  <a:lnTo>
+                    <a:pt x="1705997" y="4305273"/>
+                  </a:lnTo>
+                  <a:lnTo>
+                    <a:pt x="0" y="15785"/>
+                  </a:lnTo>
+                  <a:close/>
+                </a:path>
+              </a:pathLst>
+            </a:custGeom>
+            <a:blipFill rotWithShape="0">
+              <a:blip r:embed="rId5">
+                <a:duotone>
+                  <a:schemeClr val="bg2">
+                    <a:shade val="76000"/>
+                    <a:satMod val="180000"/>
+                  </a:schemeClr>
+                  <a:schemeClr val="bg2">
+                    <a:tint val="80000"/>
+                    <a:satMod val="120000"/>
+                    <a:lumMod val="180000"/>
+                  </a:schemeClr>
+                </a:duotone>
+              </a:blip>
+              <a:stretch>
+                <a:fillRect l="-163116" t="-323529" r="-398251"/>
+              </a:stretch>
+            </a:blipFill>
+            <a:ln>
+              <a:noFill/>
+            </a:ln>
+          </p:spPr>
+          <p:style>
+            <a:lnRef idx="2">
+              <a:schemeClr val="accent1">
+                <a:shade val="50000"/>
+              </a:schemeClr>
+            </a:lnRef>
+            <a:fillRef idx="1">
+              <a:schemeClr val="accent1"/>
+            </a:fillRef>
+            <a:effectRef idx="0">
+              <a:schemeClr val="accent1"/>
+            </a:effectRef>
+            <a:fontRef idx="minor">
+              <a:schemeClr val="lt1"/>
+            </a:fontRef>
+          </p:style>
+          <p:txBody>
+            <a:bodyPr rtlCol="0" anchor="ctr"/>
+            <a:lstStyle/>
+            <a:p>
+              <a:pPr algn="ctr"/>
+              <a:endParaRPr lang="en-US"/>
+            </a:p>
+          </p:txBody>
+        </p:sp>
+      </p:grpSp>
+      <p:grpSp>
+        <p:nvGrpSpPr>
+          <p:cNvPr id="139" name="Group 138"/>
+          <p:cNvGrpSpPr>
+            <a:grpSpLocks noGrp="1" noUngrp="1" noRot="1" noChangeAspect="1" noMove="1" noResize="1"/>
+          </p:cNvGrpSpPr>
+          <p:nvPr>
+            <p:extLst>
+              <p:ext uri="{386F3935-93C4-4BCD-93E2-E3B085C9AB24}">
+                <p16:designElem xmlns:p16="http://schemas.microsoft.com/office/powerpoint/2015/main" val="1"/>
+              </p:ext>
+            </p:extLst>
+          </p:nvPr>
+        </p:nvGrpSpPr>
+        <p:grpSpPr>
+          <a:xfrm>
+            <a:off x="1770459" y="1"/>
+            <a:ext cx="1827610" cy="6858001"/>
+            <a:chOff x="1320800" y="0"/>
+            <a:chExt cx="2436813" cy="6858001"/>
+          </a:xfrm>
+        </p:grpSpPr>
+        <p:sp>
+          <p:nvSpPr>
+            <p:cNvPr id="140" name="Freeform 6"/>
+            <p:cNvSpPr/>
+            <p:nvPr>
+              <p:extLst>
+                <p:ext uri="{386F3935-93C4-4BCD-93E2-E3B085C9AB24}">
+                  <p16:designElem xmlns:p16="http://schemas.microsoft.com/office/powerpoint/2015/main" val="1"/>
+                </p:ext>
+              </p:extLst>
+            </p:nvPr>
+          </p:nvSpPr>
+          <p:spPr bwMode="auto">
+            <a:xfrm>
+              <a:off x="1627188" y="0"/>
+              <a:ext cx="1122363" cy="5329238"/>
+            </a:xfrm>
+            <a:custGeom>
+              <a:avLst/>
+              <a:gdLst/>
+              <a:ahLst/>
+              <a:cxnLst/>
+              <a:rect l="0" t="0" r="r" b="b"/>
+              <a:pathLst>
+                <a:path w="707" h="3357">
+                  <a:moveTo>
+                    <a:pt x="0" y="3330"/>
+                  </a:moveTo>
+                  <a:lnTo>
+                    <a:pt x="156" y="3357"/>
+                  </a:lnTo>
+                  <a:lnTo>
+                    <a:pt x="707" y="0"/>
+                  </a:lnTo>
+                  <a:lnTo>
+                    <a:pt x="547" y="0"/>
+                  </a:lnTo>
+                  <a:lnTo>
+                    <a:pt x="0" y="3330"/>
+                  </a:lnTo>
+                  <a:close/>
+                </a:path>
+              </a:pathLst>
+            </a:custGeom>
+            <a:solidFill>
+              <a:schemeClr val="accent1"/>
+            </a:solidFill>
+            <a:ln>
+              <a:noFill/>
+            </a:ln>
+          </p:spPr>
+        </p:sp>
+        <p:sp>
+          <p:nvSpPr>
+            <p:cNvPr id="141" name="Freeform 7"/>
+            <p:cNvSpPr/>
+            <p:nvPr>
+              <p:extLst>
+                <p:ext uri="{386F3935-93C4-4BCD-93E2-E3B085C9AB24}">
+                  <p16:designElem xmlns:p16="http://schemas.microsoft.com/office/powerpoint/2015/main" val="1"/>
+                </p:ext>
+              </p:extLst>
+            </p:nvPr>
+          </p:nvSpPr>
+          <p:spPr bwMode="auto">
+            <a:xfrm>
+              <a:off x="1320800" y="0"/>
+              <a:ext cx="1117600" cy="5276850"/>
+            </a:xfrm>
+            <a:custGeom>
+              <a:avLst/>
+              <a:gdLst/>
+              <a:ahLst/>
+              <a:cxnLst/>
+              <a:rect l="0" t="0" r="r" b="b"/>
+              <a:pathLst>
+                <a:path w="704" h="3324">
+                  <a:moveTo>
+                    <a:pt x="704" y="0"/>
+                  </a:moveTo>
+                  <a:lnTo>
+                    <a:pt x="545" y="0"/>
+                  </a:lnTo>
+                  <a:lnTo>
+                    <a:pt x="0" y="3300"/>
+                  </a:lnTo>
+                  <a:lnTo>
+                    <a:pt x="157" y="3324"/>
+                  </a:lnTo>
+                  <a:lnTo>
+                    <a:pt x="704" y="0"/>
+                  </a:lnTo>
+                  <a:close/>
+                </a:path>
+              </a:pathLst>
+            </a:custGeom>
+            <a:solidFill>
+              <a:schemeClr val="tx1">
+                <a:lumMod val="65000"/>
+                <a:lumOff val="35000"/>
+              </a:schemeClr>
+            </a:solidFill>
+            <a:ln>
+              <a:noFill/>
+            </a:ln>
+          </p:spPr>
+        </p:sp>
+        <p:sp>
+          <p:nvSpPr>
+            <p:cNvPr id="142" name="Freeform 8"/>
+            <p:cNvSpPr/>
+            <p:nvPr>
+              <p:extLst>
+                <p:ext uri="{386F3935-93C4-4BCD-93E2-E3B085C9AB24}">
+                  <p16:designElem xmlns:p16="http://schemas.microsoft.com/office/powerpoint/2015/main" val="1"/>
+                </p:ext>
+              </p:extLst>
+            </p:nvPr>
+          </p:nvSpPr>
+          <p:spPr bwMode="auto">
+            <a:xfrm>
+              <a:off x="1320800" y="5238750"/>
+              <a:ext cx="1228725" cy="1619250"/>
+            </a:xfrm>
+            <a:custGeom>
+              <a:avLst/>
+              <a:gdLst/>
+              <a:ahLst/>
+              <a:cxnLst/>
+              <a:rect l="0" t="0" r="r" b="b"/>
+              <a:pathLst>
+                <a:path w="774" h="1020">
+                  <a:moveTo>
+                    <a:pt x="0" y="0"/>
+                  </a:moveTo>
+                  <a:lnTo>
+                    <a:pt x="740" y="1020"/>
+                  </a:lnTo>
+                  <a:lnTo>
+                    <a:pt x="774" y="1020"/>
+                  </a:lnTo>
+                  <a:lnTo>
+                    <a:pt x="0" y="0"/>
+                  </a:lnTo>
+                  <a:close/>
+                </a:path>
+              </a:pathLst>
+            </a:custGeom>
+            <a:solidFill>
+              <a:schemeClr val="tx1">
+                <a:lumMod val="85000"/>
+                <a:lumOff val="15000"/>
+              </a:schemeClr>
+            </a:solidFill>
+            <a:ln>
+              <a:noFill/>
+            </a:ln>
+          </p:spPr>
+        </p:sp>
+        <p:sp>
+          <p:nvSpPr>
+            <p:cNvPr id="143" name="Freeform 9"/>
+            <p:cNvSpPr/>
+            <p:nvPr>
+              <p:extLst>
+                <p:ext uri="{386F3935-93C4-4BCD-93E2-E3B085C9AB24}">
+                  <p16:designElem xmlns:p16="http://schemas.microsoft.com/office/powerpoint/2015/main" val="1"/>
+                </p:ext>
+              </p:extLst>
+            </p:nvPr>
+          </p:nvSpPr>
+          <p:spPr bwMode="auto">
+            <a:xfrm>
+              <a:off x="1627188" y="5291138"/>
+              <a:ext cx="1495425" cy="1566863"/>
+            </a:xfrm>
+            <a:custGeom>
+              <a:avLst/>
+              <a:gdLst/>
+              <a:ahLst/>
+              <a:cxnLst/>
+              <a:rect l="0" t="0" r="r" b="b"/>
+              <a:pathLst>
+                <a:path w="942" h="987">
+                  <a:moveTo>
+                    <a:pt x="0" y="0"/>
+                  </a:moveTo>
+                  <a:lnTo>
+                    <a:pt x="909" y="987"/>
+                  </a:lnTo>
+                  <a:lnTo>
+                    <a:pt x="942" y="987"/>
+                  </a:lnTo>
+                  <a:lnTo>
+                    <a:pt x="0" y="0"/>
+                  </a:lnTo>
+                  <a:close/>
+                </a:path>
+              </a:pathLst>
+            </a:custGeom>
+            <a:solidFill>
+              <a:schemeClr val="accent1">
+                <a:lumMod val="50000"/>
+              </a:schemeClr>
+            </a:solidFill>
+            <a:ln>
+              <a:noFill/>
+            </a:ln>
+          </p:spPr>
+        </p:sp>
+        <p:sp>
+          <p:nvSpPr>
+            <p:cNvPr id="144" name="Freeform 10"/>
+            <p:cNvSpPr/>
+            <p:nvPr>
+              <p:extLst>
+                <p:ext uri="{386F3935-93C4-4BCD-93E2-E3B085C9AB24}">
+                  <p16:designElem xmlns:p16="http://schemas.microsoft.com/office/powerpoint/2015/main" val="1"/>
+                </p:ext>
+              </p:extLst>
+            </p:nvPr>
+          </p:nvSpPr>
+          <p:spPr bwMode="auto">
+            <a:xfrm>
+              <a:off x="1627188" y="5286375"/>
+              <a:ext cx="2130425" cy="1571625"/>
+            </a:xfrm>
+            <a:custGeom>
+              <a:avLst/>
+              <a:gdLst/>
+              <a:ahLst/>
+              <a:cxnLst/>
+              <a:rect l="0" t="0" r="r" b="b"/>
+              <a:pathLst>
+                <a:path w="1342" h="990">
+                  <a:moveTo>
+                    <a:pt x="0" y="3"/>
+                  </a:moveTo>
+                  <a:lnTo>
+                    <a:pt x="942" y="990"/>
+                  </a:lnTo>
+                  <a:lnTo>
+                    <a:pt x="1342" y="990"/>
+                  </a:lnTo>
+                  <a:lnTo>
+                    <a:pt x="156" y="27"/>
+                  </a:lnTo>
+                  <a:lnTo>
+                    <a:pt x="0" y="0"/>
+                  </a:lnTo>
+                  <a:lnTo>
+                    <a:pt x="0" y="3"/>
+                  </a:lnTo>
+                  <a:close/>
+                </a:path>
+              </a:pathLst>
+            </a:custGeom>
+            <a:solidFill>
+              <a:schemeClr val="accent1">
+                <a:lumMod val="75000"/>
+              </a:schemeClr>
+            </a:solidFill>
+            <a:ln>
+              <a:noFill/>
+            </a:ln>
+          </p:spPr>
+        </p:sp>
+        <p:sp>
+          <p:nvSpPr>
+            <p:cNvPr id="145" name="Freeform 11"/>
+            <p:cNvSpPr/>
+            <p:nvPr>
+              <p:extLst>
+                <p:ext uri="{386F3935-93C4-4BCD-93E2-E3B085C9AB24}">
+                  <p16:designElem xmlns:p16="http://schemas.microsoft.com/office/powerpoint/2015/main" val="1"/>
+                </p:ext>
+              </p:extLst>
+            </p:nvPr>
+          </p:nvSpPr>
+          <p:spPr bwMode="auto">
+            <a:xfrm>
+              <a:off x="1320800" y="5238750"/>
+              <a:ext cx="1695450" cy="1619250"/>
+            </a:xfrm>
+            <a:custGeom>
+              <a:avLst/>
+              <a:gdLst/>
+              <a:ahLst/>
+              <a:cxnLst/>
+              <a:rect l="0" t="0" r="r" b="b"/>
+              <a:pathLst>
+                <a:path w="1068" h="1020">
+                  <a:moveTo>
+                    <a:pt x="1068" y="1020"/>
+                  </a:moveTo>
+                  <a:lnTo>
+                    <a:pt x="184" y="60"/>
+                  </a:lnTo>
+                  <a:lnTo>
+                    <a:pt x="154" y="27"/>
+                  </a:lnTo>
+                  <a:lnTo>
+                    <a:pt x="157" y="27"/>
+                  </a:lnTo>
+                  <a:lnTo>
+                    <a:pt x="157" y="24"/>
+                  </a:lnTo>
+                  <a:lnTo>
+                    <a:pt x="154" y="24"/>
+                  </a:lnTo>
+                  <a:lnTo>
+                    <a:pt x="0" y="0"/>
+                  </a:lnTo>
+                  <a:lnTo>
+                    <a:pt x="0" y="0"/>
+                  </a:lnTo>
+                  <a:lnTo>
+                    <a:pt x="774" y="1020"/>
+                  </a:lnTo>
+                  <a:lnTo>
+                    <a:pt x="1068" y="1020"/>
+                  </a:lnTo>
+                  <a:close/>
+                </a:path>
+              </a:pathLst>
+            </a:custGeom>
+            <a:solidFill>
+              <a:schemeClr val="tx1">
+                <a:lumMod val="75000"/>
+                <a:lumOff val="25000"/>
+              </a:schemeClr>
+            </a:solidFill>
+            <a:ln>
+              <a:noFill/>
+            </a:ln>
+          </p:spPr>
+        </p:sp>
+      </p:grpSp>
       <p:sp>
         <p:nvSpPr>
           <p:cNvPr id="205826" name="Rectangle 2"/>
@@ -15495,14 +18954,21 @@
             <p:ph type="title"/>
           </p:nvPr>
         </p:nvSpPr>
-        <p:spPr/>
-        <p:txBody>
-          <a:bodyPr/>
+        <p:spPr>
+          <a:xfrm>
+            <a:off x="3042047" y="457201"/>
+            <a:ext cx="5644753" cy="1713302"/>
+          </a:xfrm>
+        </p:spPr>
+        <p:txBody>
+          <a:bodyPr>
+            <a:normAutofit/>
+          </a:bodyPr>
           <a:lstStyle/>
           <a:p>
             <a:r>
-              <a:rPr lang="en-US" altLang="zh-TW" smtClean="0"/>
-              <a:t>Exercise</a:t>
+              <a:rPr lang="en-US" altLang="zh-TW" dirty="0"/>
+              <a:t>Classwork</a:t>
             </a:r>
           </a:p>
         </p:txBody>
@@ -15517,46 +18983,53 @@
             <p:ph idx="1"/>
           </p:nvPr>
         </p:nvSpPr>
-        <p:spPr/>
-        <p:txBody>
-          <a:bodyPr/>
+        <p:spPr>
+          <a:xfrm>
+            <a:off x="3042047" y="2317072"/>
+            <a:ext cx="5644753" cy="3682744"/>
+          </a:xfrm>
+        </p:spPr>
+        <p:txBody>
+          <a:bodyPr>
+            <a:normAutofit/>
+          </a:bodyPr>
           <a:lstStyle/>
           <a:p>
             <a:r>
-              <a:rPr lang="en-US" altLang="zh-TW" dirty="0" smtClean="0"/>
+              <a:rPr lang="en-US" altLang="zh-TW" dirty="0"/>
               <a:t>Write a mark 6 </a:t>
             </a:r>
             <a:r>
-              <a:rPr lang="en-US" altLang="zh-TW" dirty="0" err="1" smtClean="0"/>
+              <a:rPr lang="en-US" altLang="zh-TW" dirty="0" err="1"/>
               <a:t>php</a:t>
             </a:r>
             <a:r>
-              <a:rPr lang="en-US" altLang="zh-TW" dirty="0" smtClean="0"/>
+              <a:rPr lang="en-US" altLang="zh-TW" dirty="0"/>
               <a:t> program</a:t>
             </a:r>
           </a:p>
           <a:p>
             <a:r>
-              <a:rPr lang="en-US" altLang="zh-TW" dirty="0" smtClean="0"/>
+              <a:rPr lang="en-US" altLang="zh-TW" dirty="0"/>
               <a:t>Use rand, sort and for loop</a:t>
             </a:r>
           </a:p>
           <a:p>
             <a:r>
-              <a:rPr lang="en-US" altLang="zh-TW" dirty="0" smtClean="0"/>
-              <a:t>See mark6.php</a:t>
-            </a:r>
-          </a:p>
-          <a:p>
-            <a:r>
-              <a:rPr lang="en-US" altLang="zh-TW" dirty="0" smtClean="0"/>
-              <a:t>Use while to check repeat numbers</a:t>
-            </a:r>
-          </a:p>
-          <a:p>
-            <a:r>
-              <a:rPr lang="en-US" altLang="zh-TW" dirty="0" smtClean="0"/>
-              <a:t>mark6NoRepeat.php</a:t>
+              <a:rPr lang="en-US" altLang="zh-TW" dirty="0">
+                <a:hlinkClick r:id="rId6"/>
+              </a:rPr>
+              <a:t>https://www.youtube.com/watch?v=8toTPxg1sKU&amp;feature=youtu.be&amp;t=1m33s</a:t>
+            </a:r>
+            <a:endParaRPr lang="en-US" altLang="zh-TW" dirty="0"/>
+          </a:p>
+          <a:p>
+            <a:endParaRPr lang="en-US" altLang="zh-TW" dirty="0"/>
+          </a:p>
+          <a:p>
+            <a:r>
+              <a:rPr lang="en-US" altLang="zh-TW" dirty="0"/>
+              <a:t>mark6.php</a:t>
             </a:r>
           </a:p>
         </p:txBody>
@@ -15564,7 +19037,7 @@
     </p:spTree>
     <p:extLst>
       <p:ext uri="{BB962C8B-B14F-4D97-AF65-F5344CB8AC3E}">
-        <p14:creationId xmlns:p14="http://schemas.microsoft.com/office/powerpoint/2010/main" val="150973605"/>
+        <p14:creationId xmlns:p14="http://schemas.microsoft.com/office/powerpoint/2010/main" val="1355246639"/>
       </p:ext>
     </p:extLst>
   </p:cSld>
